--- a/Angular 8 Day 2 Basic Concepts and Binding.pptx
+++ b/Angular 8 Day 2 Basic Concepts and Binding.pptx
@@ -5,7 +5,7 @@
     <p:sldMasterId id="2147483648" r:id="rId4"/>
   </p:sldMasterIdLst>
   <p:notesMasterIdLst>
-    <p:notesMasterId r:id="rId30"/>
+    <p:notesMasterId r:id="rId33"/>
   </p:notesMasterIdLst>
   <p:sldIdLst>
     <p:sldId id="257" r:id="rId5"/>
@@ -18,21 +18,24 @@
     <p:sldId id="291" r:id="rId12"/>
     <p:sldId id="265" r:id="rId13"/>
     <p:sldId id="266" r:id="rId14"/>
-    <p:sldId id="292" r:id="rId15"/>
-    <p:sldId id="267" r:id="rId16"/>
-    <p:sldId id="268" r:id="rId17"/>
-    <p:sldId id="293" r:id="rId18"/>
-    <p:sldId id="271" r:id="rId19"/>
-    <p:sldId id="294" r:id="rId20"/>
-    <p:sldId id="273" r:id="rId21"/>
-    <p:sldId id="274" r:id="rId22"/>
-    <p:sldId id="275" r:id="rId23"/>
-    <p:sldId id="276" r:id="rId24"/>
-    <p:sldId id="278" r:id="rId25"/>
-    <p:sldId id="290" r:id="rId26"/>
-    <p:sldId id="287" r:id="rId27"/>
-    <p:sldId id="288" r:id="rId28"/>
-    <p:sldId id="289" r:id="rId29"/>
+    <p:sldId id="296" r:id="rId15"/>
+    <p:sldId id="292" r:id="rId16"/>
+    <p:sldId id="295" r:id="rId17"/>
+    <p:sldId id="267" r:id="rId18"/>
+    <p:sldId id="268" r:id="rId19"/>
+    <p:sldId id="293" r:id="rId20"/>
+    <p:sldId id="297" r:id="rId21"/>
+    <p:sldId id="299" r:id="rId22"/>
+    <p:sldId id="298" r:id="rId23"/>
+    <p:sldId id="273" r:id="rId24"/>
+    <p:sldId id="274" r:id="rId25"/>
+    <p:sldId id="275" r:id="rId26"/>
+    <p:sldId id="276" r:id="rId27"/>
+    <p:sldId id="278" r:id="rId28"/>
+    <p:sldId id="290" r:id="rId29"/>
+    <p:sldId id="287" r:id="rId30"/>
+    <p:sldId id="288" r:id="rId31"/>
+    <p:sldId id="289" r:id="rId32"/>
   </p:sldIdLst>
   <p:sldSz cx="12192000" cy="6858000"/>
   <p:notesSz cx="6858000" cy="9144000"/>
@@ -221,7 +224,7 @@
           <a:p>
             <a:fld id="{55593F35-F13A-4F57-BBC6-7C953344B8D8}" type="datetimeFigureOut">
               <a:rPr lang="en-US" smtClean="0"/>
-              <a:t>10/22/19</a:t>
+              <a:t>11/12/19</a:t>
             </a:fld>
             <a:endParaRPr lang="en-US"/>
           </a:p>
@@ -515,12 +518,7 @@
             <p:ph type="sldImg"/>
           </p:nvPr>
         </p:nvSpPr>
-        <p:spPr>
-          <a:xfrm>
-            <a:off x="381000" y="685800"/>
-            <a:ext cx="6096000" cy="3429000"/>
-          </a:xfrm>
-        </p:spPr>
+        <p:spPr/>
       </p:sp>
       <p:sp>
         <p:nvSpPr>
@@ -537,7 +535,7 @@
           <a:bodyPr/>
           <a:lstStyle/>
           <a:p>
-            <a:endParaRPr lang="en-US" dirty="0"/>
+            <a:endParaRPr lang="en-US"/>
           </a:p>
         </p:txBody>
       </p:sp>
@@ -548,7 +546,7 @@
             <a:spLocks noGrp="1"/>
           </p:cNvSpPr>
           <p:nvPr>
-            <p:ph type="sldNum" sz="quarter" idx="10"/>
+            <p:ph type="sldNum" sz="quarter" idx="5"/>
           </p:nvPr>
         </p:nvSpPr>
         <p:spPr/>
@@ -556,19 +554,18 @@
           <a:bodyPr/>
           <a:lstStyle/>
           <a:p>
-            <a:fld id="{6A8B6E77-EC63-4CD7-8F8A-914122582C5F}" type="slidenum">
+            <a:fld id="{E5C4ECA7-9663-43DF-87E1-C372D039A5B6}" type="slidenum">
               <a:rPr lang="en-US" smtClean="0"/>
-              <a:pPr/>
-              <a:t>19</a:t>
+              <a:t>17</a:t>
             </a:fld>
-            <a:endParaRPr lang="en-US" dirty="0"/>
+            <a:endParaRPr lang="en-US"/>
           </a:p>
         </p:txBody>
       </p:sp>
     </p:spTree>
     <p:extLst>
       <p:ext uri="{BB962C8B-B14F-4D97-AF65-F5344CB8AC3E}">
-        <p14:creationId xmlns:p14="http://schemas.microsoft.com/office/powerpoint/2010/main" val="3194074295"/>
+        <p14:creationId xmlns:p14="http://schemas.microsoft.com/office/powerpoint/2010/main" val="3229503541"/>
       </p:ext>
     </p:extLst>
   </p:cSld>
@@ -627,26 +624,6 @@
           <a:bodyPr/>
           <a:lstStyle/>
           <a:p>
-            <a:r>
-              <a:rPr lang="en-US" dirty="0"/>
-              <a:t>Instruction</a:t>
-            </a:r>
-            <a:r>
-              <a:rPr lang="en-US" baseline="0" dirty="0"/>
-              <a:t>s to Trainer:</a:t>
-            </a:r>
-          </a:p>
-          <a:p>
-            <a:endParaRPr lang="en-US" baseline="0" dirty="0"/>
-          </a:p>
-          <a:p>
-            <a:r>
-              <a:rPr lang="en-US" baseline="0" dirty="0"/>
-              <a:t>Instructions to Facilitator:</a:t>
-            </a:r>
-            <a:endParaRPr lang="en-US" dirty="0"/>
-          </a:p>
-          <a:p>
             <a:endParaRPr lang="en-US" dirty="0"/>
           </a:p>
         </p:txBody>
@@ -669,7 +646,7 @@
             <a:fld id="{6A8B6E77-EC63-4CD7-8F8A-914122582C5F}" type="slidenum">
               <a:rPr lang="en-US" smtClean="0"/>
               <a:pPr/>
-              <a:t>21</a:t>
+              <a:t>22</a:t>
             </a:fld>
             <a:endParaRPr lang="en-US" dirty="0"/>
           </a:p>
@@ -678,7 +655,7 @@
     </p:spTree>
     <p:extLst>
       <p:ext uri="{BB962C8B-B14F-4D97-AF65-F5344CB8AC3E}">
-        <p14:creationId xmlns:p14="http://schemas.microsoft.com/office/powerpoint/2010/main" val="696438443"/>
+        <p14:creationId xmlns:p14="http://schemas.microsoft.com/office/powerpoint/2010/main" val="3194074295"/>
       </p:ext>
     </p:extLst>
   </p:cSld>
@@ -779,7 +756,117 @@
             <a:fld id="{6A8B6E77-EC63-4CD7-8F8A-914122582C5F}" type="slidenum">
               <a:rPr lang="en-US" smtClean="0"/>
               <a:pPr/>
-              <a:t>22</a:t>
+              <a:t>24</a:t>
+            </a:fld>
+            <a:endParaRPr lang="en-US" dirty="0"/>
+          </a:p>
+        </p:txBody>
+      </p:sp>
+    </p:spTree>
+    <p:extLst>
+      <p:ext uri="{BB962C8B-B14F-4D97-AF65-F5344CB8AC3E}">
+        <p14:creationId xmlns:p14="http://schemas.microsoft.com/office/powerpoint/2010/main" val="696438443"/>
+      </p:ext>
+    </p:extLst>
+  </p:cSld>
+  <p:clrMapOvr>
+    <a:masterClrMapping/>
+  </p:clrMapOvr>
+</p:notes>
+</file>
+
+<file path=ppt/notesSlides/notesSlide4.xml><?xml version="1.0" encoding="utf-8"?>
+<p:notes xmlns:a="http://schemas.openxmlformats.org/drawingml/2006/main" xmlns:r="http://schemas.openxmlformats.org/officeDocument/2006/relationships" xmlns:p="http://schemas.openxmlformats.org/presentationml/2006/main">
+  <p:cSld>
+    <p:spTree>
+      <p:nvGrpSpPr>
+        <p:cNvPr id="1" name=""/>
+        <p:cNvGrpSpPr/>
+        <p:nvPr/>
+      </p:nvGrpSpPr>
+      <p:grpSpPr>
+        <a:xfrm>
+          <a:off x="0" y="0"/>
+          <a:ext cx="0" cy="0"/>
+          <a:chOff x="0" y="0"/>
+          <a:chExt cx="0" cy="0"/>
+        </a:xfrm>
+      </p:grpSpPr>
+      <p:sp>
+        <p:nvSpPr>
+          <p:cNvPr id="2" name="Slide Image Placeholder 1"/>
+          <p:cNvSpPr>
+            <a:spLocks noGrp="1" noRot="1" noChangeAspect="1"/>
+          </p:cNvSpPr>
+          <p:nvPr>
+            <p:ph type="sldImg"/>
+          </p:nvPr>
+        </p:nvSpPr>
+        <p:spPr>
+          <a:xfrm>
+            <a:off x="381000" y="685800"/>
+            <a:ext cx="6096000" cy="3429000"/>
+          </a:xfrm>
+        </p:spPr>
+      </p:sp>
+      <p:sp>
+        <p:nvSpPr>
+          <p:cNvPr id="3" name="Notes Placeholder 2"/>
+          <p:cNvSpPr>
+            <a:spLocks noGrp="1"/>
+          </p:cNvSpPr>
+          <p:nvPr>
+            <p:ph type="body" idx="1"/>
+          </p:nvPr>
+        </p:nvSpPr>
+        <p:spPr/>
+        <p:txBody>
+          <a:bodyPr/>
+          <a:lstStyle/>
+          <a:p>
+            <a:r>
+              <a:rPr lang="en-US" dirty="0"/>
+              <a:t>Instruction</a:t>
+            </a:r>
+            <a:r>
+              <a:rPr lang="en-US" baseline="0" dirty="0"/>
+              <a:t>s to Trainer:</a:t>
+            </a:r>
+          </a:p>
+          <a:p>
+            <a:endParaRPr lang="en-US" baseline="0" dirty="0"/>
+          </a:p>
+          <a:p>
+            <a:r>
+              <a:rPr lang="en-US" baseline="0" dirty="0"/>
+              <a:t>Instructions to Facilitator:</a:t>
+            </a:r>
+            <a:endParaRPr lang="en-US" dirty="0"/>
+          </a:p>
+          <a:p>
+            <a:endParaRPr lang="en-US" dirty="0"/>
+          </a:p>
+        </p:txBody>
+      </p:sp>
+      <p:sp>
+        <p:nvSpPr>
+          <p:cNvPr id="4" name="Slide Number Placeholder 3"/>
+          <p:cNvSpPr>
+            <a:spLocks noGrp="1"/>
+          </p:cNvSpPr>
+          <p:nvPr>
+            <p:ph type="sldNum" sz="quarter" idx="10"/>
+          </p:nvPr>
+        </p:nvSpPr>
+        <p:spPr/>
+        <p:txBody>
+          <a:bodyPr/>
+          <a:lstStyle/>
+          <a:p>
+            <a:fld id="{6A8B6E77-EC63-4CD7-8F8A-914122582C5F}" type="slidenum">
+              <a:rPr lang="en-US" smtClean="0"/>
+              <a:pPr/>
+              <a:t>25</a:t>
             </a:fld>
             <a:endParaRPr lang="en-US" dirty="0"/>
           </a:p>
@@ -5272,150 +5359,6 @@
       </p:sp>
       <p:sp>
         <p:nvSpPr>
-          <p:cNvPr id="4" name="Rectangle 3"/>
-          <p:cNvSpPr/>
-          <p:nvPr/>
-        </p:nvSpPr>
-        <p:spPr>
-          <a:xfrm>
-            <a:off x="1290218" y="2091159"/>
-            <a:ext cx="5660654" cy="1158477"/>
-          </a:xfrm>
-          <a:prstGeom prst="rect">
-            <a:avLst/>
-          </a:prstGeom>
-          <a:solidFill>
-            <a:schemeClr val="tx1"/>
-          </a:solidFill>
-          <a:ln>
-            <a:noFill/>
-          </a:ln>
-        </p:spPr>
-        <p:style>
-          <a:lnRef idx="2">
-            <a:schemeClr val="accent1">
-              <a:shade val="50000"/>
-            </a:schemeClr>
-          </a:lnRef>
-          <a:fillRef idx="1">
-            <a:schemeClr val="accent1"/>
-          </a:fillRef>
-          <a:effectRef idx="0">
-            <a:schemeClr val="accent1"/>
-          </a:effectRef>
-          <a:fontRef idx="minor">
-            <a:schemeClr val="lt1"/>
-          </a:fontRef>
-        </p:style>
-        <p:txBody>
-          <a:bodyPr rtlCol="0" anchor="ctr"/>
-          <a:lstStyle/>
-          <a:p>
-            <a:r>
-              <a:rPr lang="en-US" dirty="0">
-                <a:solidFill>
-                  <a:schemeClr val="bg1"/>
-                </a:solidFill>
-                <a:latin typeface="Courier New" panose="02070309020205020404" pitchFamily="49" charset="0"/>
-                <a:cs typeface="Courier New" panose="02070309020205020404" pitchFamily="49" charset="0"/>
-              </a:rPr>
-              <a:t>let name: string = "bob";</a:t>
-            </a:r>
-          </a:p>
-          <a:p>
-            <a:r>
-              <a:rPr lang="en-US" dirty="0">
-                <a:solidFill>
-                  <a:schemeClr val="bg1"/>
-                </a:solidFill>
-                <a:latin typeface="Courier New" panose="02070309020205020404" pitchFamily="49" charset="0"/>
-                <a:cs typeface="Courier New" panose="02070309020205020404" pitchFamily="49" charset="0"/>
-              </a:rPr>
-              <a:t>let list: number[] = [1, 2, 3];</a:t>
-            </a:r>
-          </a:p>
-          <a:p>
-            <a:r>
-              <a:rPr lang="en-US" dirty="0">
-                <a:solidFill>
-                  <a:schemeClr val="bg1"/>
-                </a:solidFill>
-                <a:latin typeface="Courier New" panose="02070309020205020404" pitchFamily="49" charset="0"/>
-                <a:cs typeface="Courier New" panose="02070309020205020404" pitchFamily="49" charset="0"/>
-              </a:rPr>
-              <a:t>enum Color {Red, Green, Blue};</a:t>
-            </a:r>
-          </a:p>
-          <a:p>
-            <a:r>
-              <a:rPr lang="en-US" dirty="0">
-                <a:solidFill>
-                  <a:schemeClr val="bg1"/>
-                </a:solidFill>
-                <a:latin typeface="Courier New" panose="02070309020205020404" pitchFamily="49" charset="0"/>
-                <a:cs typeface="Courier New" panose="02070309020205020404" pitchFamily="49" charset="0"/>
-              </a:rPr>
-              <a:t>let c: Color = Color.Green;</a:t>
-            </a:r>
-          </a:p>
-        </p:txBody>
-      </p:sp>
-      <p:sp>
-        <p:nvSpPr>
-          <p:cNvPr id="6" name="Rectangle 5"/>
-          <p:cNvSpPr/>
-          <p:nvPr/>
-        </p:nvSpPr>
-        <p:spPr>
-          <a:xfrm>
-            <a:off x="1297306" y="5314971"/>
-            <a:ext cx="5660654" cy="407626"/>
-          </a:xfrm>
-          <a:prstGeom prst="rect">
-            <a:avLst/>
-          </a:prstGeom>
-          <a:solidFill>
-            <a:schemeClr val="tx1"/>
-          </a:solidFill>
-          <a:ln>
-            <a:noFill/>
-          </a:ln>
-        </p:spPr>
-        <p:style>
-          <a:lnRef idx="2">
-            <a:schemeClr val="accent1">
-              <a:shade val="50000"/>
-            </a:schemeClr>
-          </a:lnRef>
-          <a:fillRef idx="1">
-            <a:schemeClr val="accent1"/>
-          </a:fillRef>
-          <a:effectRef idx="0">
-            <a:schemeClr val="accent1"/>
-          </a:effectRef>
-          <a:fontRef idx="minor">
-            <a:schemeClr val="lt1"/>
-          </a:fontRef>
-        </p:style>
-        <p:txBody>
-          <a:bodyPr rtlCol="0" anchor="ctr"/>
-          <a:lstStyle/>
-          <a:p>
-            <a:r>
-              <a:rPr lang="en-US" dirty="0">
-                <a:solidFill>
-                  <a:schemeClr val="bg1"/>
-                </a:solidFill>
-                <a:latin typeface="Courier New" panose="02070309020205020404" pitchFamily="49" charset="0"/>
-                <a:cs typeface="Courier New" panose="02070309020205020404" pitchFamily="49" charset="0"/>
-              </a:rPr>
-              <a:t>let x = 123;</a:t>
-            </a:r>
-          </a:p>
-        </p:txBody>
-      </p:sp>
-      <p:sp>
-        <p:nvSpPr>
           <p:cNvPr id="9" name="Footer Placeholder 1"/>
           <p:cNvSpPr>
             <a:spLocks noGrp="1"/>
@@ -5471,6 +5414,66 @@
           </a:p>
         </p:txBody>
       </p:sp>
+      <p:pic>
+        <p:nvPicPr>
+          <p:cNvPr id="7" name="Picture 6">
+            <a:extLst>
+              <a:ext uri="{FF2B5EF4-FFF2-40B4-BE49-F238E27FC236}">
+                <a16:creationId xmlns:a16="http://schemas.microsoft.com/office/drawing/2014/main" id="{2695CB06-7A4C-D648-B12C-C73C840E7B3B}"/>
+              </a:ext>
+            </a:extLst>
+          </p:cNvPr>
+          <p:cNvPicPr>
+            <a:picLocks noChangeAspect="1"/>
+          </p:cNvPicPr>
+          <p:nvPr/>
+        </p:nvPicPr>
+        <p:blipFill>
+          <a:blip r:embed="rId2"/>
+          <a:stretch>
+            <a:fillRect/>
+          </a:stretch>
+        </p:blipFill>
+        <p:spPr>
+          <a:xfrm>
+            <a:off x="3864328" y="1954925"/>
+            <a:ext cx="4722956" cy="1559034"/>
+          </a:xfrm>
+          <a:prstGeom prst="rect">
+            <a:avLst/>
+          </a:prstGeom>
+        </p:spPr>
+      </p:pic>
+      <p:pic>
+        <p:nvPicPr>
+          <p:cNvPr id="8" name="Picture 7">
+            <a:extLst>
+              <a:ext uri="{FF2B5EF4-FFF2-40B4-BE49-F238E27FC236}">
+                <a16:creationId xmlns:a16="http://schemas.microsoft.com/office/drawing/2014/main" id="{BB9E0C6C-818D-464A-9F44-0F719D413722}"/>
+              </a:ext>
+            </a:extLst>
+          </p:cNvPr>
+          <p:cNvPicPr>
+            <a:picLocks noChangeAspect="1"/>
+          </p:cNvPicPr>
+          <p:nvPr/>
+        </p:nvPicPr>
+        <p:blipFill>
+          <a:blip r:embed="rId3"/>
+          <a:stretch>
+            <a:fillRect/>
+          </a:stretch>
+        </p:blipFill>
+        <p:spPr>
+          <a:xfrm>
+            <a:off x="5037746" y="5190978"/>
+            <a:ext cx="2376119" cy="663103"/>
+          </a:xfrm>
+          <a:prstGeom prst="rect">
+            <a:avLst/>
+          </a:prstGeom>
+        </p:spPr>
+      </p:pic>
     </p:spTree>
     <p:extLst>
       <p:ext uri="{BB962C8B-B14F-4D97-AF65-F5344CB8AC3E}">
@@ -5543,8 +5546,8 @@
         </p:nvSpPr>
         <p:spPr>
           <a:xfrm>
-            <a:off x="2542183" y="701479"/>
-            <a:ext cx="6172200" cy="3737372"/>
+            <a:off x="3635259" y="693025"/>
+            <a:ext cx="6013237" cy="631278"/>
           </a:xfrm>
         </p:spPr>
         <p:txBody>
@@ -5553,322 +5556,28 @@
           </a:bodyPr>
           <a:lstStyle/>
           <a:p>
-            <a:endParaRPr lang="en-US" dirty="0"/>
-          </a:p>
-          <a:p>
             <a:pPr marL="0" indent="0">
               <a:buNone/>
             </a:pPr>
             <a:r>
               <a:rPr lang="en-US" dirty="0"/>
-              <a:t>Type keyword usage</a:t>
-            </a:r>
+              <a:t>Spread and Rest Operators</a:t>
+            </a:r>
+            <a:endParaRPr lang="en-US" sz="2800" dirty="0"/>
           </a:p>
           <a:p>
             <a:pPr lvl="1"/>
-            <a:r>
-              <a:rPr lang="en-US" sz="2800" dirty="0"/>
-              <a:t>Alias</a:t>
-            </a:r>
-          </a:p>
-          <a:p>
-            <a:pPr marL="342900" lvl="1" indent="0">
+            <a:endParaRPr lang="en-US" sz="2800" dirty="0"/>
+          </a:p>
+          <a:p>
+            <a:pPr lvl="1"/>
+            <a:endParaRPr lang="en-US" sz="2800" dirty="0"/>
+          </a:p>
+          <a:p>
+            <a:pPr marL="457200" lvl="1" indent="0">
               <a:buNone/>
             </a:pPr>
-            <a:endParaRPr lang="en-US" sz="2800" b="1" dirty="0"/>
-          </a:p>
-          <a:p>
-            <a:pPr lvl="1">
-              <a:buFontTx/>
-              <a:buChar char="-"/>
-            </a:pPr>
             <a:endParaRPr lang="en-US" sz="2800" dirty="0"/>
-          </a:p>
-          <a:p>
-            <a:pPr lvl="1"/>
-            <a:r>
-              <a:rPr lang="en-US" sz="2800" dirty="0"/>
-              <a:t>Union Types</a:t>
-            </a:r>
-          </a:p>
-          <a:p>
-            <a:pPr lvl="1">
-              <a:buFontTx/>
-              <a:buChar char="-"/>
-            </a:pPr>
-            <a:endParaRPr lang="en-US" sz="1200" dirty="0"/>
-          </a:p>
-        </p:txBody>
-      </p:sp>
-      <p:sp>
-        <p:nvSpPr>
-          <p:cNvPr id="7" name="Rectangle 6"/>
-          <p:cNvSpPr/>
-          <p:nvPr/>
-        </p:nvSpPr>
-        <p:spPr>
-          <a:xfrm>
-            <a:off x="3357122" y="2123735"/>
-            <a:ext cx="5660654" cy="783568"/>
-          </a:xfrm>
-          <a:prstGeom prst="rect">
-            <a:avLst/>
-          </a:prstGeom>
-          <a:solidFill>
-            <a:schemeClr val="tx1"/>
-          </a:solidFill>
-          <a:ln>
-            <a:noFill/>
-          </a:ln>
-        </p:spPr>
-        <p:style>
-          <a:lnRef idx="2">
-            <a:schemeClr val="accent1">
-              <a:shade val="50000"/>
-            </a:schemeClr>
-          </a:lnRef>
-          <a:fillRef idx="1">
-            <a:schemeClr val="accent1"/>
-          </a:fillRef>
-          <a:effectRef idx="0">
-            <a:schemeClr val="accent1"/>
-          </a:effectRef>
-          <a:fontRef idx="minor">
-            <a:schemeClr val="lt1"/>
-          </a:fontRef>
-        </p:style>
-        <p:txBody>
-          <a:bodyPr rtlCol="0" anchor="ctr"/>
-          <a:lstStyle/>
-          <a:p>
-            <a:r>
-              <a:rPr lang="en-US" dirty="0">
-                <a:solidFill>
-                  <a:schemeClr val="bg1"/>
-                </a:solidFill>
-                <a:latin typeface="Courier New" panose="02070309020205020404" pitchFamily="49" charset="0"/>
-                <a:cs typeface="Courier New" panose="02070309020205020404" pitchFamily="49" charset="0"/>
-              </a:rPr>
-              <a:t>type </a:t>
-            </a:r>
-            <a:r>
-              <a:rPr lang="en-US" dirty="0" err="1">
-                <a:solidFill>
-                  <a:schemeClr val="bg1"/>
-                </a:solidFill>
-                <a:latin typeface="Courier New" panose="02070309020205020404" pitchFamily="49" charset="0"/>
-                <a:cs typeface="Courier New" panose="02070309020205020404" pitchFamily="49" charset="0"/>
-              </a:rPr>
-              <a:t>str</a:t>
-            </a:r>
-            <a:r>
-              <a:rPr lang="en-US" dirty="0">
-                <a:solidFill>
-                  <a:schemeClr val="bg1"/>
-                </a:solidFill>
-                <a:latin typeface="Courier New" panose="02070309020205020404" pitchFamily="49" charset="0"/>
-                <a:cs typeface="Courier New" panose="02070309020205020404" pitchFamily="49" charset="0"/>
-              </a:rPr>
-              <a:t> = string;</a:t>
-            </a:r>
-          </a:p>
-          <a:p>
-            <a:r>
-              <a:rPr lang="en-US" dirty="0">
-                <a:solidFill>
-                  <a:schemeClr val="bg1"/>
-                </a:solidFill>
-                <a:latin typeface="Courier New" panose="02070309020205020404" pitchFamily="49" charset="0"/>
-                <a:cs typeface="Courier New" panose="02070309020205020404" pitchFamily="49" charset="0"/>
-              </a:rPr>
-              <a:t>let animal: </a:t>
-            </a:r>
-            <a:r>
-              <a:rPr lang="en-US" dirty="0" err="1">
-                <a:solidFill>
-                  <a:schemeClr val="bg1"/>
-                </a:solidFill>
-                <a:latin typeface="Courier New" panose="02070309020205020404" pitchFamily="49" charset="0"/>
-                <a:cs typeface="Courier New" panose="02070309020205020404" pitchFamily="49" charset="0"/>
-              </a:rPr>
-              <a:t>str</a:t>
-            </a:r>
-            <a:r>
-              <a:rPr lang="en-US" dirty="0">
-                <a:solidFill>
-                  <a:schemeClr val="bg1"/>
-                </a:solidFill>
-                <a:latin typeface="Courier New" panose="02070309020205020404" pitchFamily="49" charset="0"/>
-                <a:cs typeface="Courier New" panose="02070309020205020404" pitchFamily="49" charset="0"/>
-              </a:rPr>
-              <a:t> = ‘Lion'; // same as let animal: string = ‘Lion’;</a:t>
-            </a:r>
-          </a:p>
-        </p:txBody>
-      </p:sp>
-      <p:sp>
-        <p:nvSpPr>
-          <p:cNvPr id="8" name="Rectangle 7"/>
-          <p:cNvSpPr/>
-          <p:nvPr/>
-        </p:nvSpPr>
-        <p:spPr>
-          <a:xfrm>
-            <a:off x="3357122" y="3522107"/>
-            <a:ext cx="5660654" cy="2200664"/>
-          </a:xfrm>
-          <a:prstGeom prst="rect">
-            <a:avLst/>
-          </a:prstGeom>
-          <a:solidFill>
-            <a:schemeClr val="tx1"/>
-          </a:solidFill>
-          <a:ln>
-            <a:noFill/>
-          </a:ln>
-        </p:spPr>
-        <p:style>
-          <a:lnRef idx="2">
-            <a:schemeClr val="accent1">
-              <a:shade val="50000"/>
-            </a:schemeClr>
-          </a:lnRef>
-          <a:fillRef idx="1">
-            <a:schemeClr val="accent1"/>
-          </a:fillRef>
-          <a:effectRef idx="0">
-            <a:schemeClr val="accent1"/>
-          </a:effectRef>
-          <a:fontRef idx="minor">
-            <a:schemeClr val="lt1"/>
-          </a:fontRef>
-        </p:style>
-        <p:txBody>
-          <a:bodyPr rtlCol="0" anchor="ctr"/>
-          <a:lstStyle/>
-          <a:p>
-            <a:r>
-              <a:rPr lang="en-US" dirty="0">
-                <a:solidFill>
-                  <a:schemeClr val="bg1"/>
-                </a:solidFill>
-                <a:latin typeface="Courier New" panose="02070309020205020404" pitchFamily="49" charset="0"/>
-                <a:cs typeface="Courier New" panose="02070309020205020404" pitchFamily="49" charset="0"/>
-              </a:rPr>
-              <a:t>type </a:t>
-            </a:r>
-            <a:r>
-              <a:rPr lang="en-US" dirty="0" err="1">
-                <a:solidFill>
-                  <a:schemeClr val="bg1"/>
-                </a:solidFill>
-                <a:latin typeface="Courier New" panose="02070309020205020404" pitchFamily="49" charset="0"/>
-                <a:cs typeface="Courier New" panose="02070309020205020404" pitchFamily="49" charset="0"/>
-              </a:rPr>
-              <a:t>TestCount</a:t>
-            </a:r>
-            <a:r>
-              <a:rPr lang="en-US" dirty="0">
-                <a:solidFill>
-                  <a:schemeClr val="bg1"/>
-                </a:solidFill>
-                <a:latin typeface="Courier New" panose="02070309020205020404" pitchFamily="49" charset="0"/>
-                <a:cs typeface="Courier New" panose="02070309020205020404" pitchFamily="49" charset="0"/>
-              </a:rPr>
-              <a:t> = number | string;</a:t>
-            </a:r>
-          </a:p>
-          <a:p>
-            <a:r>
-              <a:rPr lang="en-US" dirty="0">
-                <a:solidFill>
-                  <a:schemeClr val="bg1"/>
-                </a:solidFill>
-                <a:latin typeface="Courier New" panose="02070309020205020404" pitchFamily="49" charset="0"/>
-                <a:cs typeface="Courier New" panose="02070309020205020404" pitchFamily="49" charset="0"/>
-              </a:rPr>
-              <a:t>function test(count : </a:t>
-            </a:r>
-            <a:r>
-              <a:rPr lang="en-US" dirty="0" err="1">
-                <a:solidFill>
-                  <a:schemeClr val="bg1"/>
-                </a:solidFill>
-                <a:latin typeface="Courier New" panose="02070309020205020404" pitchFamily="49" charset="0"/>
-                <a:cs typeface="Courier New" panose="02070309020205020404" pitchFamily="49" charset="0"/>
-              </a:rPr>
-              <a:t>TestCount</a:t>
-            </a:r>
-            <a:r>
-              <a:rPr lang="en-US" dirty="0">
-                <a:solidFill>
-                  <a:schemeClr val="bg1"/>
-                </a:solidFill>
-                <a:latin typeface="Courier New" panose="02070309020205020404" pitchFamily="49" charset="0"/>
-                <a:cs typeface="Courier New" panose="02070309020205020404" pitchFamily="49" charset="0"/>
-              </a:rPr>
-              <a:t>){</a:t>
-            </a:r>
-          </a:p>
-          <a:p>
-            <a:r>
-              <a:rPr lang="en-US" dirty="0">
-                <a:solidFill>
-                  <a:schemeClr val="bg1"/>
-                </a:solidFill>
-                <a:latin typeface="Courier New" panose="02070309020205020404" pitchFamily="49" charset="0"/>
-                <a:cs typeface="Courier New" panose="02070309020205020404" pitchFamily="49" charset="0"/>
-              </a:rPr>
-              <a:t>	----</a:t>
-            </a:r>
-          </a:p>
-          <a:p>
-            <a:r>
-              <a:rPr lang="en-US" dirty="0">
-                <a:solidFill>
-                  <a:schemeClr val="bg1"/>
-                </a:solidFill>
-                <a:latin typeface="Courier New" panose="02070309020205020404" pitchFamily="49" charset="0"/>
-                <a:cs typeface="Courier New" panose="02070309020205020404" pitchFamily="49" charset="0"/>
-              </a:rPr>
-              <a:t>	---</a:t>
-            </a:r>
-          </a:p>
-          <a:p>
-            <a:r>
-              <a:rPr lang="en-US" dirty="0">
-                <a:solidFill>
-                  <a:schemeClr val="bg1"/>
-                </a:solidFill>
-                <a:latin typeface="Courier New" panose="02070309020205020404" pitchFamily="49" charset="0"/>
-                <a:cs typeface="Courier New" panose="02070309020205020404" pitchFamily="49" charset="0"/>
-              </a:rPr>
-              <a:t>}</a:t>
-            </a:r>
-          </a:p>
-          <a:p>
-            <a:r>
-              <a:rPr lang="en-US" dirty="0">
-                <a:solidFill>
-                  <a:schemeClr val="bg1"/>
-                </a:solidFill>
-                <a:latin typeface="Courier New" panose="02070309020205020404" pitchFamily="49" charset="0"/>
-                <a:cs typeface="Courier New" panose="02070309020205020404" pitchFamily="49" charset="0"/>
-              </a:rPr>
-              <a:t>test(1);</a:t>
-            </a:r>
-          </a:p>
-          <a:p>
-            <a:r>
-              <a:rPr lang="en-US" dirty="0">
-                <a:solidFill>
-                  <a:schemeClr val="bg1"/>
-                </a:solidFill>
-                <a:latin typeface="Courier New" panose="02070309020205020404" pitchFamily="49" charset="0"/>
-                <a:cs typeface="Courier New" panose="02070309020205020404" pitchFamily="49" charset="0"/>
-              </a:rPr>
-              <a:t>test(‘two’);</a:t>
-            </a:r>
           </a:p>
         </p:txBody>
       </p:sp>
@@ -5929,10 +5638,87 @@
           </a:p>
         </p:txBody>
       </p:sp>
+      <p:pic>
+        <p:nvPicPr>
+          <p:cNvPr id="6" name="Picture 5">
+            <a:extLst>
+              <a:ext uri="{FF2B5EF4-FFF2-40B4-BE49-F238E27FC236}">
+                <a16:creationId xmlns:a16="http://schemas.microsoft.com/office/drawing/2014/main" id="{37726BD5-EF03-574F-98FD-73123C102BCF}"/>
+              </a:ext>
+            </a:extLst>
+          </p:cNvPr>
+          <p:cNvPicPr>
+            <a:picLocks noChangeAspect="1"/>
+          </p:cNvPicPr>
+          <p:nvPr/>
+        </p:nvPicPr>
+        <p:blipFill>
+          <a:blip r:embed="rId2"/>
+          <a:stretch>
+            <a:fillRect/>
+          </a:stretch>
+        </p:blipFill>
+        <p:spPr>
+          <a:xfrm>
+            <a:off x="1428327" y="1324303"/>
+            <a:ext cx="8938286" cy="4593021"/>
+          </a:xfrm>
+          <a:prstGeom prst="rect">
+            <a:avLst/>
+          </a:prstGeom>
+        </p:spPr>
+      </p:pic>
+      <p:sp>
+        <p:nvSpPr>
+          <p:cNvPr id="8" name="TextBox 7">
+            <a:extLst>
+              <a:ext uri="{FF2B5EF4-FFF2-40B4-BE49-F238E27FC236}">
+                <a16:creationId xmlns:a16="http://schemas.microsoft.com/office/drawing/2014/main" id="{54F1F043-724E-9849-890A-957F33E1AD1A}"/>
+              </a:ext>
+            </a:extLst>
+          </p:cNvPr>
+          <p:cNvSpPr txBox="1"/>
+          <p:nvPr/>
+        </p:nvSpPr>
+        <p:spPr>
+          <a:xfrm>
+            <a:off x="10366613" y="2585546"/>
+            <a:ext cx="1840056" cy="923330"/>
+          </a:xfrm>
+          <a:prstGeom prst="rect">
+            <a:avLst/>
+          </a:prstGeom>
+          <a:noFill/>
+        </p:spPr>
+        <p:txBody>
+          <a:bodyPr wrap="none" rtlCol="0">
+            <a:spAutoFit/>
+          </a:bodyPr>
+          <a:lstStyle/>
+          <a:p>
+            <a:r>
+              <a:rPr lang="en-US" dirty="0"/>
+              <a:t>Rest operator </a:t>
+            </a:r>
+          </a:p>
+          <a:p>
+            <a:r>
+              <a:rPr lang="en-US" dirty="0"/>
+              <a:t>must be last</a:t>
+            </a:r>
+          </a:p>
+          <a:p>
+            <a:r>
+              <a:rPr lang="en-US" dirty="0"/>
+              <a:t>formal parameter</a:t>
+            </a:r>
+          </a:p>
+        </p:txBody>
+      </p:sp>
     </p:spTree>
     <p:extLst>
       <p:ext uri="{BB962C8B-B14F-4D97-AF65-F5344CB8AC3E}">
-        <p14:creationId xmlns:p14="http://schemas.microsoft.com/office/powerpoint/2010/main" val="4270150305"/>
+        <p14:creationId xmlns:p14="http://schemas.microsoft.com/office/powerpoint/2010/main" val="2386474798"/>
       </p:ext>
     </p:extLst>
   </p:cSld>
@@ -5971,19 +5757,19 @@
         </p:nvSpPr>
         <p:spPr>
           <a:xfrm>
-            <a:off x="3962401" y="-86883"/>
-            <a:ext cx="5915025" cy="745629"/>
+            <a:off x="3960001" y="0"/>
+            <a:ext cx="5057775" cy="514350"/>
           </a:xfrm>
         </p:spPr>
         <p:txBody>
           <a:bodyPr>
-            <a:normAutofit/>
+            <a:normAutofit fontScale="90000"/>
           </a:bodyPr>
           <a:lstStyle/>
           <a:p>
             <a:r>
               <a:rPr lang="en-US" dirty="0"/>
-              <a:t>Classes &amp; Interfaces</a:t>
+              <a:t>Types</a:t>
             </a:r>
             <a:endParaRPr lang="en-US" b="1" dirty="0"/>
           </a:p>
@@ -6001,8 +5787,8 @@
         </p:nvSpPr>
         <p:spPr>
           <a:xfrm>
-            <a:off x="2173295" y="954258"/>
-            <a:ext cx="8482263" cy="3737372"/>
+            <a:off x="2258404" y="514350"/>
+            <a:ext cx="6172200" cy="3737372"/>
           </a:xfrm>
         </p:spPr>
         <p:txBody>
@@ -6011,416 +5797,43 @@
           </a:bodyPr>
           <a:lstStyle/>
           <a:p>
-            <a:pPr>
-              <a:buFontTx/>
-              <a:buChar char="-"/>
-            </a:pPr>
-            <a:r>
-              <a:rPr lang="en-US" dirty="0"/>
-              <a:t>TypeScript classes are types that could be instantiated</a:t>
-            </a:r>
-          </a:p>
-          <a:p>
-            <a:pPr lvl="1">
-              <a:buFontTx/>
-              <a:buChar char="-"/>
-            </a:pPr>
-            <a:endParaRPr lang="en-US" sz="1200" dirty="0"/>
-          </a:p>
-          <a:p>
-            <a:pPr lvl="1">
-              <a:buFontTx/>
-              <a:buChar char="-"/>
-            </a:pPr>
-            <a:endParaRPr lang="en-US" sz="1200" dirty="0"/>
-          </a:p>
-          <a:p>
-            <a:pPr lvl="1">
-              <a:buFontTx/>
-              <a:buChar char="-"/>
-            </a:pPr>
-            <a:endParaRPr lang="en-US" sz="1200" dirty="0"/>
+            <a:endParaRPr lang="en-US" dirty="0"/>
           </a:p>
           <a:p>
             <a:pPr marL="0" indent="0">
               <a:buNone/>
             </a:pPr>
-            <a:endParaRPr lang="en-US" dirty="0"/>
-          </a:p>
-          <a:p>
-            <a:pPr marL="0" indent="0">
+            <a:r>
+              <a:rPr lang="en-US" dirty="0"/>
+              <a:t>Type keyword usage</a:t>
+            </a:r>
+          </a:p>
+          <a:p>
+            <a:pPr lvl="1"/>
+            <a:r>
+              <a:rPr lang="en-US" sz="2800" dirty="0"/>
+              <a:t>Alias</a:t>
+            </a:r>
+          </a:p>
+          <a:p>
+            <a:pPr lvl="1"/>
+            <a:endParaRPr lang="en-US" sz="2800" dirty="0"/>
+          </a:p>
+          <a:p>
+            <a:pPr lvl="1"/>
+            <a:endParaRPr lang="en-US" sz="2800" dirty="0"/>
+          </a:p>
+          <a:p>
+            <a:pPr marL="457200" lvl="1" indent="0">
               <a:buNone/>
             </a:pPr>
-            <a:endParaRPr lang="en-US" dirty="0"/>
-          </a:p>
-          <a:p>
-            <a:pPr>
-              <a:buFontTx/>
-              <a:buChar char="-"/>
-            </a:pPr>
-            <a:r>
-              <a:rPr lang="en-US" dirty="0"/>
-              <a:t>TypeScript interfaces define contracts of an object and its functions</a:t>
-            </a:r>
-          </a:p>
-          <a:p>
-            <a:pPr lvl="1">
-              <a:buFontTx/>
-              <a:buChar char="-"/>
-            </a:pPr>
-            <a:endParaRPr lang="en-US" sz="1200" dirty="0"/>
-          </a:p>
-          <a:p>
-            <a:pPr lvl="1">
-              <a:buFontTx/>
-              <a:buChar char="-"/>
-            </a:pPr>
-            <a:endParaRPr lang="en-US" sz="1200" dirty="0"/>
-          </a:p>
-        </p:txBody>
-      </p:sp>
-      <p:sp>
-        <p:nvSpPr>
-          <p:cNvPr id="4" name="Rectangle 3"/>
-          <p:cNvSpPr/>
-          <p:nvPr/>
-        </p:nvSpPr>
-        <p:spPr>
-          <a:xfrm>
-            <a:off x="3371461" y="1429828"/>
-            <a:ext cx="5660654" cy="1668634"/>
-          </a:xfrm>
-          <a:prstGeom prst="rect">
-            <a:avLst/>
-          </a:prstGeom>
-          <a:solidFill>
-            <a:schemeClr val="tx1"/>
-          </a:solidFill>
-          <a:ln>
-            <a:noFill/>
-          </a:ln>
-        </p:spPr>
-        <p:style>
-          <a:lnRef idx="2">
-            <a:schemeClr val="accent1">
-              <a:shade val="50000"/>
-            </a:schemeClr>
-          </a:lnRef>
-          <a:fillRef idx="1">
-            <a:schemeClr val="accent1"/>
-          </a:fillRef>
-          <a:effectRef idx="0">
-            <a:schemeClr val="accent1"/>
-          </a:effectRef>
-          <a:fontRef idx="minor">
-            <a:schemeClr val="lt1"/>
-          </a:fontRef>
-        </p:style>
-        <p:txBody>
-          <a:bodyPr rtlCol="0" anchor="ctr"/>
-          <a:lstStyle/>
-          <a:p>
-            <a:r>
-              <a:rPr lang="en-US" sz="1400" dirty="0">
-                <a:solidFill>
-                  <a:schemeClr val="bg1"/>
-                </a:solidFill>
-                <a:latin typeface="Courier New" panose="02070309020205020404" pitchFamily="49" charset="0"/>
-                <a:cs typeface="Courier New" panose="02070309020205020404" pitchFamily="49" charset="0"/>
-              </a:rPr>
-              <a:t>Class Person{</a:t>
-            </a:r>
-          </a:p>
-          <a:p>
-            <a:r>
-              <a:rPr lang="en-US" sz="1400" dirty="0">
-                <a:solidFill>
-                  <a:schemeClr val="bg1"/>
-                </a:solidFill>
-                <a:latin typeface="Courier New" panose="02070309020205020404" pitchFamily="49" charset="0"/>
-                <a:cs typeface="Courier New" panose="02070309020205020404" pitchFamily="49" charset="0"/>
-              </a:rPr>
-              <a:t>	name: string;</a:t>
-            </a:r>
-          </a:p>
-          <a:p>
-            <a:r>
-              <a:rPr lang="en-US" sz="1400" dirty="0">
-                <a:solidFill>
-                  <a:schemeClr val="bg1"/>
-                </a:solidFill>
-                <a:latin typeface="Courier New" panose="02070309020205020404" pitchFamily="49" charset="0"/>
-                <a:cs typeface="Courier New" panose="02070309020205020404" pitchFamily="49" charset="0"/>
-              </a:rPr>
-              <a:t>	age: number;</a:t>
-            </a:r>
-          </a:p>
-          <a:p>
-            <a:r>
-              <a:rPr lang="en-US" sz="1400" dirty="0">
-                <a:solidFill>
-                  <a:schemeClr val="bg1"/>
-                </a:solidFill>
-                <a:latin typeface="Courier New" panose="02070309020205020404" pitchFamily="49" charset="0"/>
-                <a:cs typeface="Courier New" panose="02070309020205020404" pitchFamily="49" charset="0"/>
-              </a:rPr>
-              <a:t>	</a:t>
-            </a:r>
-            <a:r>
-              <a:rPr lang="en-US" sz="1400" dirty="0" err="1">
-                <a:solidFill>
-                  <a:schemeClr val="bg1"/>
-                </a:solidFill>
-                <a:latin typeface="Courier New" panose="02070309020205020404" pitchFamily="49" charset="0"/>
-                <a:cs typeface="Courier New" panose="02070309020205020404" pitchFamily="49" charset="0"/>
-              </a:rPr>
-              <a:t>nickName</a:t>
-            </a:r>
-            <a:r>
-              <a:rPr lang="en-US" sz="1400" dirty="0">
-                <a:solidFill>
-                  <a:schemeClr val="bg1"/>
-                </a:solidFill>
-                <a:latin typeface="Courier New" panose="02070309020205020404" pitchFamily="49" charset="0"/>
-                <a:cs typeface="Courier New" panose="02070309020205020404" pitchFamily="49" charset="0"/>
-              </a:rPr>
-              <a:t>?: string;</a:t>
-            </a:r>
-          </a:p>
-          <a:p>
-            <a:r>
-              <a:rPr lang="en-US" sz="1400" dirty="0">
-                <a:solidFill>
-                  <a:schemeClr val="bg1"/>
-                </a:solidFill>
-                <a:latin typeface="Courier New" panose="02070309020205020404" pitchFamily="49" charset="0"/>
-                <a:cs typeface="Courier New" panose="02070309020205020404" pitchFamily="49" charset="0"/>
-              </a:rPr>
-              <a:t>}</a:t>
-            </a:r>
-          </a:p>
-          <a:p>
-            <a:endParaRPr lang="en-US" sz="1400" dirty="0">
-              <a:solidFill>
-                <a:schemeClr val="bg1"/>
-              </a:solidFill>
-              <a:latin typeface="Courier New" panose="02070309020205020404" pitchFamily="49" charset="0"/>
-              <a:cs typeface="Courier New" panose="02070309020205020404" pitchFamily="49" charset="0"/>
-            </a:endParaRPr>
-          </a:p>
-          <a:p>
-            <a:r>
-              <a:rPr lang="en-US" sz="1400" dirty="0">
-                <a:solidFill>
-                  <a:schemeClr val="bg1"/>
-                </a:solidFill>
-                <a:latin typeface="Courier New" panose="02070309020205020404" pitchFamily="49" charset="0"/>
-                <a:cs typeface="Courier New" panose="02070309020205020404" pitchFamily="49" charset="0"/>
-              </a:rPr>
-              <a:t>let person = new Person();</a:t>
-            </a:r>
-          </a:p>
-        </p:txBody>
-      </p:sp>
-      <p:sp>
-        <p:nvSpPr>
-          <p:cNvPr id="6" name="Rectangle 5"/>
-          <p:cNvSpPr/>
-          <p:nvPr/>
-        </p:nvSpPr>
-        <p:spPr>
-          <a:xfrm>
-            <a:off x="3371461" y="4135902"/>
-            <a:ext cx="5660654" cy="2488833"/>
-          </a:xfrm>
-          <a:prstGeom prst="rect">
-            <a:avLst/>
-          </a:prstGeom>
-          <a:solidFill>
-            <a:schemeClr val="tx1"/>
-          </a:solidFill>
-          <a:ln>
-            <a:noFill/>
-          </a:ln>
-        </p:spPr>
-        <p:style>
-          <a:lnRef idx="2">
-            <a:schemeClr val="accent1">
-              <a:shade val="50000"/>
-            </a:schemeClr>
-          </a:lnRef>
-          <a:fillRef idx="1">
-            <a:schemeClr val="accent1"/>
-          </a:fillRef>
-          <a:effectRef idx="0">
-            <a:schemeClr val="accent1"/>
-          </a:effectRef>
-          <a:fontRef idx="minor">
-            <a:schemeClr val="lt1"/>
-          </a:fontRef>
-        </p:style>
-        <p:txBody>
-          <a:bodyPr rtlCol="0" anchor="ctr"/>
-          <a:lstStyle/>
-          <a:p>
-            <a:r>
-              <a:rPr lang="en-US" sz="1400" dirty="0">
-                <a:solidFill>
-                  <a:schemeClr val="bg1"/>
-                </a:solidFill>
-                <a:latin typeface="Courier New" panose="02070309020205020404" pitchFamily="49" charset="0"/>
-                <a:cs typeface="Courier New" panose="02070309020205020404" pitchFamily="49" charset="0"/>
-              </a:rPr>
-              <a:t>interface Callback {</a:t>
-            </a:r>
-          </a:p>
-          <a:p>
-            <a:r>
-              <a:rPr lang="en-US" sz="1400" dirty="0">
-                <a:solidFill>
-                  <a:schemeClr val="bg1"/>
-                </a:solidFill>
-                <a:latin typeface="Courier New" panose="02070309020205020404" pitchFamily="49" charset="0"/>
-                <a:cs typeface="Courier New" panose="02070309020205020404" pitchFamily="49" charset="0"/>
-              </a:rPr>
-              <a:t>  (error: Error, data: any): void;</a:t>
-            </a:r>
-          </a:p>
-          <a:p>
-            <a:r>
-              <a:rPr lang="en-US" sz="1400" dirty="0">
-                <a:solidFill>
-                  <a:schemeClr val="bg1"/>
-                </a:solidFill>
-                <a:latin typeface="Courier New" panose="02070309020205020404" pitchFamily="49" charset="0"/>
-                <a:cs typeface="Courier New" panose="02070309020205020404" pitchFamily="49" charset="0"/>
-              </a:rPr>
-              <a:t>}</a:t>
-            </a:r>
-          </a:p>
-          <a:p>
-            <a:endParaRPr lang="en-US" sz="1400" dirty="0">
-              <a:solidFill>
-                <a:schemeClr val="bg1"/>
-              </a:solidFill>
-              <a:latin typeface="Courier New" panose="02070309020205020404" pitchFamily="49" charset="0"/>
-              <a:cs typeface="Courier New" panose="02070309020205020404" pitchFamily="49" charset="0"/>
-            </a:endParaRPr>
-          </a:p>
-          <a:p>
-            <a:r>
-              <a:rPr lang="en-US" sz="1400" dirty="0">
-                <a:solidFill>
-                  <a:schemeClr val="bg1"/>
-                </a:solidFill>
-                <a:latin typeface="Courier New" panose="02070309020205020404" pitchFamily="49" charset="0"/>
-                <a:cs typeface="Courier New" panose="02070309020205020404" pitchFamily="49" charset="0"/>
-              </a:rPr>
-              <a:t>function </a:t>
-            </a:r>
-            <a:r>
-              <a:rPr lang="en-US" sz="1400" dirty="0" err="1">
-                <a:solidFill>
-                  <a:schemeClr val="bg1"/>
-                </a:solidFill>
-                <a:latin typeface="Courier New" panose="02070309020205020404" pitchFamily="49" charset="0"/>
-                <a:cs typeface="Courier New" panose="02070309020205020404" pitchFamily="49" charset="0"/>
-              </a:rPr>
-              <a:t>callServer</a:t>
-            </a:r>
-            <a:r>
-              <a:rPr lang="en-US" sz="1400" dirty="0">
-                <a:solidFill>
-                  <a:schemeClr val="bg1"/>
-                </a:solidFill>
-                <a:latin typeface="Courier New" panose="02070309020205020404" pitchFamily="49" charset="0"/>
-                <a:cs typeface="Courier New" panose="02070309020205020404" pitchFamily="49" charset="0"/>
-              </a:rPr>
-              <a:t>(callback: Callback) {</a:t>
-            </a:r>
-          </a:p>
-          <a:p>
-            <a:r>
-              <a:rPr lang="en-US" sz="1400" dirty="0">
-                <a:solidFill>
-                  <a:schemeClr val="bg1"/>
-                </a:solidFill>
-                <a:latin typeface="Courier New" panose="02070309020205020404" pitchFamily="49" charset="0"/>
-                <a:cs typeface="Courier New" panose="02070309020205020404" pitchFamily="49" charset="0"/>
-              </a:rPr>
-              <a:t>  callback(null, 'hi');</a:t>
-            </a:r>
-          </a:p>
-          <a:p>
-            <a:r>
-              <a:rPr lang="en-US" sz="1400" dirty="0">
-                <a:solidFill>
-                  <a:schemeClr val="bg1"/>
-                </a:solidFill>
-                <a:latin typeface="Courier New" panose="02070309020205020404" pitchFamily="49" charset="0"/>
-                <a:cs typeface="Courier New" panose="02070309020205020404" pitchFamily="49" charset="0"/>
-              </a:rPr>
-              <a:t>}</a:t>
-            </a:r>
-          </a:p>
-          <a:p>
-            <a:endParaRPr lang="en-US" sz="1400" dirty="0">
-              <a:solidFill>
-                <a:schemeClr val="bg1"/>
-              </a:solidFill>
-              <a:latin typeface="Courier New" panose="02070309020205020404" pitchFamily="49" charset="0"/>
-              <a:cs typeface="Courier New" panose="02070309020205020404" pitchFamily="49" charset="0"/>
-            </a:endParaRPr>
-          </a:p>
-          <a:p>
-            <a:r>
-              <a:rPr lang="en-US" sz="1400" dirty="0" err="1">
-                <a:solidFill>
-                  <a:schemeClr val="bg1"/>
-                </a:solidFill>
-                <a:latin typeface="Courier New" panose="02070309020205020404" pitchFamily="49" charset="0"/>
-                <a:cs typeface="Courier New" panose="02070309020205020404" pitchFamily="49" charset="0"/>
-              </a:rPr>
-              <a:t>callServer</a:t>
-            </a:r>
-            <a:r>
-              <a:rPr lang="en-US" sz="1400" dirty="0">
-                <a:solidFill>
-                  <a:schemeClr val="bg1"/>
-                </a:solidFill>
-                <a:latin typeface="Courier New" panose="02070309020205020404" pitchFamily="49" charset="0"/>
-                <a:cs typeface="Courier New" panose="02070309020205020404" pitchFamily="49" charset="0"/>
-              </a:rPr>
-              <a:t>((error, data) =&gt; console.log(data));  // 'hi'</a:t>
-            </a:r>
-          </a:p>
-          <a:p>
-            <a:r>
-              <a:rPr lang="en-US" sz="1400" dirty="0" err="1">
-                <a:solidFill>
-                  <a:schemeClr val="bg1"/>
-                </a:solidFill>
-                <a:latin typeface="Courier New" panose="02070309020205020404" pitchFamily="49" charset="0"/>
-                <a:cs typeface="Courier New" panose="02070309020205020404" pitchFamily="49" charset="0"/>
-              </a:rPr>
-              <a:t>callServer</a:t>
-            </a:r>
-            <a:r>
-              <a:rPr lang="en-US" sz="1400" dirty="0">
-                <a:solidFill>
-                  <a:schemeClr val="bg1"/>
-                </a:solidFill>
-                <a:latin typeface="Courier New" panose="02070309020205020404" pitchFamily="49" charset="0"/>
-                <a:cs typeface="Courier New" panose="02070309020205020404" pitchFamily="49" charset="0"/>
-              </a:rPr>
-              <a:t>('hi'); </a:t>
-            </a:r>
-          </a:p>
-        </p:txBody>
-      </p:sp>
-      <p:sp>
-        <p:nvSpPr>
-          <p:cNvPr id="7" name="Footer Placeholder 1"/>
+            <a:endParaRPr lang="en-US" sz="2800" dirty="0"/>
+          </a:p>
+        </p:txBody>
+      </p:sp>
+      <p:sp>
+        <p:nvSpPr>
+          <p:cNvPr id="9" name="Footer Placeholder 1"/>
           <p:cNvSpPr>
             <a:spLocks noGrp="1"/>
           </p:cNvSpPr>
@@ -6430,8 +5843,8 @@
         </p:nvSpPr>
         <p:spPr>
           <a:xfrm>
-            <a:off x="237153" y="6406631"/>
-            <a:ext cx="1395704" cy="218104"/>
+            <a:off x="339789" y="6294664"/>
+            <a:ext cx="1349051" cy="162120"/>
           </a:xfrm>
         </p:spPr>
         <p:txBody>
@@ -6451,7 +5864,7 @@
           <p:cNvPr id="3" name="Slide Number Placeholder 2">
             <a:extLst>
               <a:ext uri="{FF2B5EF4-FFF2-40B4-BE49-F238E27FC236}">
-                <a16:creationId xmlns:a16="http://schemas.microsoft.com/office/drawing/2014/main" id="{7250F41E-ABB9-451D-82AD-DD384B35C596}"/>
+                <a16:creationId xmlns:a16="http://schemas.microsoft.com/office/drawing/2014/main" id="{ED87E64D-16BD-4DC1-8AA8-EF9032D8BB3A}"/>
               </a:ext>
             </a:extLst>
           </p:cNvPr>
@@ -6475,10 +5888,40 @@
           </a:p>
         </p:txBody>
       </p:sp>
+      <p:pic>
+        <p:nvPicPr>
+          <p:cNvPr id="4" name="Picture 3">
+            <a:extLst>
+              <a:ext uri="{FF2B5EF4-FFF2-40B4-BE49-F238E27FC236}">
+                <a16:creationId xmlns:a16="http://schemas.microsoft.com/office/drawing/2014/main" id="{8D003DDE-D31C-8547-9707-6FBA919B1A35}"/>
+              </a:ext>
+            </a:extLst>
+          </p:cNvPr>
+          <p:cNvPicPr>
+            <a:picLocks noChangeAspect="1"/>
+          </p:cNvPicPr>
+          <p:nvPr/>
+        </p:nvPicPr>
+        <p:blipFill>
+          <a:blip r:embed="rId2"/>
+          <a:stretch>
+            <a:fillRect/>
+          </a:stretch>
+        </p:blipFill>
+        <p:spPr>
+          <a:xfrm>
+            <a:off x="2405548" y="2081048"/>
+            <a:ext cx="8766897" cy="1228615"/>
+          </a:xfrm>
+          <a:prstGeom prst="rect">
+            <a:avLst/>
+          </a:prstGeom>
+        </p:spPr>
+      </p:pic>
     </p:spTree>
     <p:extLst>
       <p:ext uri="{BB962C8B-B14F-4D97-AF65-F5344CB8AC3E}">
-        <p14:creationId xmlns:p14="http://schemas.microsoft.com/office/powerpoint/2010/main" val="3353788808"/>
+        <p14:creationId xmlns:p14="http://schemas.microsoft.com/office/powerpoint/2010/main" val="4270150305"/>
       </p:ext>
     </p:extLst>
   </p:cSld>
@@ -6517,19 +5960,19 @@
         </p:nvSpPr>
         <p:spPr>
           <a:xfrm>
-            <a:off x="3886201" y="-76200"/>
-            <a:ext cx="5915025" cy="745629"/>
+            <a:off x="3960001" y="0"/>
+            <a:ext cx="5057775" cy="514350"/>
           </a:xfrm>
         </p:spPr>
         <p:txBody>
           <a:bodyPr>
-            <a:normAutofit/>
+            <a:normAutofit fontScale="90000"/>
           </a:bodyPr>
           <a:lstStyle/>
           <a:p>
             <a:r>
               <a:rPr lang="en-US" dirty="0"/>
-              <a:t>Shapes</a:t>
+              <a:t>Types</a:t>
             </a:r>
             <a:endParaRPr lang="en-US" b="1" dirty="0"/>
           </a:p>
@@ -6547,8 +5990,8 @@
         </p:nvSpPr>
         <p:spPr>
           <a:xfrm>
-            <a:off x="1367712" y="1149274"/>
-            <a:ext cx="9875675" cy="3737372"/>
+            <a:off x="2258404" y="514350"/>
+            <a:ext cx="6172200" cy="3737372"/>
           </a:xfrm>
         </p:spPr>
         <p:txBody>
@@ -6557,25 +6000,18 @@
           </a:bodyPr>
           <a:lstStyle/>
           <a:p>
-            <a:r>
-              <a:rPr lang="en-US" dirty="0"/>
-              <a:t>Shapes</a:t>
-            </a:r>
-            <a:r>
-              <a:rPr lang="en-US" b="1" dirty="0"/>
-              <a:t>:</a:t>
-            </a:r>
-            <a:r>
-              <a:rPr lang="en-US" dirty="0"/>
-              <a:t> Any two </a:t>
-            </a:r>
-            <a:r>
-              <a:rPr lang="en-US" dirty="0" err="1"/>
-              <a:t>Javascript</a:t>
-            </a:r>
-            <a:r>
-              <a:rPr lang="en-US" dirty="0"/>
-              <a:t> objects (despite from different classes) are considered equivalent, if they are composed of same type of attributes</a:t>
+            <a:pPr marL="457200" lvl="1" indent="0">
+              <a:buNone/>
+            </a:pPr>
+            <a:endParaRPr lang="en-US" sz="2800" dirty="0"/>
+          </a:p>
+          <a:p>
+            <a:pPr marL="457200" lvl="1" indent="0">
+              <a:buNone/>
+            </a:pPr>
+            <a:r>
+              <a:rPr lang="en-US" sz="2800" dirty="0"/>
+              <a:t>Union of Types</a:t>
             </a:r>
           </a:p>
           <a:p>
@@ -6585,385 +6021,11 @@
             </a:pPr>
             <a:endParaRPr lang="en-US" sz="1200" dirty="0"/>
           </a:p>
-          <a:p>
-            <a:pPr lvl="1">
-              <a:buFontTx/>
-              <a:buChar char="-"/>
-            </a:pPr>
-            <a:endParaRPr lang="en-US" sz="1200" dirty="0"/>
-          </a:p>
-          <a:p>
-            <a:pPr lvl="1">
-              <a:buFontTx/>
-              <a:buChar char="-"/>
-            </a:pPr>
-            <a:endParaRPr lang="en-US" sz="1200" dirty="0"/>
-          </a:p>
-          <a:p>
-            <a:pPr lvl="1">
-              <a:buFontTx/>
-              <a:buChar char="-"/>
-            </a:pPr>
-            <a:endParaRPr lang="en-US" sz="1200" dirty="0"/>
-          </a:p>
-          <a:p>
-            <a:pPr lvl="1">
-              <a:buFontTx/>
-              <a:buChar char="-"/>
-            </a:pPr>
-            <a:endParaRPr lang="en-US" sz="1200" dirty="0"/>
-          </a:p>
-          <a:p>
-            <a:pPr lvl="1">
-              <a:buFontTx/>
-              <a:buChar char="-"/>
-            </a:pPr>
-            <a:endParaRPr lang="en-US" sz="1200" dirty="0"/>
-          </a:p>
-          <a:p>
-            <a:pPr lvl="1">
-              <a:buFontTx/>
-              <a:buChar char="-"/>
-            </a:pPr>
-            <a:endParaRPr lang="en-US" sz="1200" dirty="0"/>
-          </a:p>
-          <a:p>
-            <a:pPr lvl="1">
-              <a:buFontTx/>
-              <a:buChar char="-"/>
-            </a:pPr>
-            <a:endParaRPr lang="en-US" sz="1200" dirty="0"/>
-          </a:p>
-          <a:p>
-            <a:pPr lvl="1">
-              <a:buFontTx/>
-              <a:buChar char="-"/>
-            </a:pPr>
-            <a:endParaRPr lang="en-US" sz="1200" dirty="0"/>
-          </a:p>
-          <a:p>
-            <a:pPr marL="457200" lvl="1" indent="0">
-              <a:buNone/>
-            </a:pPr>
-            <a:endParaRPr lang="en-US" sz="1200" dirty="0"/>
-          </a:p>
-          <a:p>
-            <a:pPr lvl="1">
-              <a:buFontTx/>
-              <a:buChar char="-"/>
-            </a:pPr>
-            <a:endParaRPr lang="en-US" sz="1200" dirty="0"/>
-          </a:p>
-        </p:txBody>
-      </p:sp>
-      <p:sp>
-        <p:nvSpPr>
-          <p:cNvPr id="6" name="Rectangle 5"/>
-          <p:cNvSpPr/>
-          <p:nvPr/>
-        </p:nvSpPr>
-        <p:spPr>
-          <a:xfrm>
-            <a:off x="3199613" y="2574389"/>
-            <a:ext cx="5660654" cy="3652016"/>
-          </a:xfrm>
-          <a:prstGeom prst="rect">
-            <a:avLst/>
-          </a:prstGeom>
-          <a:solidFill>
-            <a:schemeClr val="tx1"/>
-          </a:solidFill>
-          <a:ln>
-            <a:noFill/>
-          </a:ln>
-        </p:spPr>
-        <p:style>
-          <a:lnRef idx="2">
-            <a:schemeClr val="accent1">
-              <a:shade val="50000"/>
-            </a:schemeClr>
-          </a:lnRef>
-          <a:fillRef idx="1">
-            <a:schemeClr val="accent1"/>
-          </a:fillRef>
-          <a:effectRef idx="0">
-            <a:schemeClr val="accent1"/>
-          </a:effectRef>
-          <a:fontRef idx="minor">
-            <a:schemeClr val="lt1"/>
-          </a:fontRef>
-        </p:style>
-        <p:txBody>
-          <a:bodyPr rtlCol="0" anchor="ctr"/>
-          <a:lstStyle/>
-          <a:p>
-            <a:r>
-              <a:rPr lang="en-US" sz="1400" dirty="0">
-                <a:solidFill>
-                  <a:schemeClr val="bg1"/>
-                </a:solidFill>
-                <a:latin typeface="Courier New" panose="02070309020205020404" pitchFamily="49" charset="0"/>
-                <a:cs typeface="Courier New" panose="02070309020205020404" pitchFamily="49" charset="0"/>
-              </a:rPr>
-              <a:t>interface </a:t>
-            </a:r>
-            <a:r>
-              <a:rPr lang="en-US" sz="1400" dirty="0" err="1">
-                <a:solidFill>
-                  <a:schemeClr val="bg1"/>
-                </a:solidFill>
-                <a:latin typeface="Courier New" panose="02070309020205020404" pitchFamily="49" charset="0"/>
-                <a:cs typeface="Courier New" panose="02070309020205020404" pitchFamily="49" charset="0"/>
-              </a:rPr>
-              <a:t>ObjectA</a:t>
-            </a:r>
-            <a:r>
-              <a:rPr lang="en-US" sz="1400" dirty="0">
-                <a:solidFill>
-                  <a:schemeClr val="bg1"/>
-                </a:solidFill>
-                <a:latin typeface="Courier New" panose="02070309020205020404" pitchFamily="49" charset="0"/>
-                <a:cs typeface="Courier New" panose="02070309020205020404" pitchFamily="49" charset="0"/>
-              </a:rPr>
-              <a:t>{</a:t>
-            </a:r>
-          </a:p>
-          <a:p>
-            <a:r>
-              <a:rPr lang="en-US" sz="1400" dirty="0">
-                <a:solidFill>
-                  <a:schemeClr val="bg1"/>
-                </a:solidFill>
-                <a:latin typeface="Courier New" panose="02070309020205020404" pitchFamily="49" charset="0"/>
-                <a:cs typeface="Courier New" panose="02070309020205020404" pitchFamily="49" charset="0"/>
-              </a:rPr>
-              <a:t>  attr1: string;</a:t>
-            </a:r>
-          </a:p>
-          <a:p>
-            <a:r>
-              <a:rPr lang="en-US" sz="1400" dirty="0">
-                <a:solidFill>
-                  <a:schemeClr val="bg1"/>
-                </a:solidFill>
-                <a:latin typeface="Courier New" panose="02070309020205020404" pitchFamily="49" charset="0"/>
-                <a:cs typeface="Courier New" panose="02070309020205020404" pitchFamily="49" charset="0"/>
-              </a:rPr>
-              <a:t>}</a:t>
-            </a:r>
-          </a:p>
-          <a:p>
-            <a:endParaRPr lang="en-US" sz="1400" dirty="0">
-              <a:solidFill>
-                <a:schemeClr val="bg1"/>
-              </a:solidFill>
-              <a:latin typeface="Courier New" panose="02070309020205020404" pitchFamily="49" charset="0"/>
-              <a:cs typeface="Courier New" panose="02070309020205020404" pitchFamily="49" charset="0"/>
-            </a:endParaRPr>
-          </a:p>
-          <a:p>
-            <a:r>
-              <a:rPr lang="en-US" sz="1400" dirty="0">
-                <a:solidFill>
-                  <a:schemeClr val="bg1"/>
-                </a:solidFill>
-                <a:latin typeface="Courier New" panose="02070309020205020404" pitchFamily="49" charset="0"/>
-                <a:cs typeface="Courier New" panose="02070309020205020404" pitchFamily="49" charset="0"/>
-              </a:rPr>
-              <a:t>let a: </a:t>
-            </a:r>
-            <a:r>
-              <a:rPr lang="en-US" sz="1400" dirty="0" err="1">
-                <a:solidFill>
-                  <a:schemeClr val="bg1"/>
-                </a:solidFill>
-                <a:latin typeface="Courier New" panose="02070309020205020404" pitchFamily="49" charset="0"/>
-                <a:cs typeface="Courier New" panose="02070309020205020404" pitchFamily="49" charset="0"/>
-              </a:rPr>
-              <a:t>ObjectA</a:t>
-            </a:r>
-            <a:r>
-              <a:rPr lang="en-US" sz="1400" dirty="0">
-                <a:solidFill>
-                  <a:schemeClr val="bg1"/>
-                </a:solidFill>
-                <a:latin typeface="Courier New" panose="02070309020205020404" pitchFamily="49" charset="0"/>
-                <a:cs typeface="Courier New" panose="02070309020205020404" pitchFamily="49" charset="0"/>
-              </a:rPr>
-              <a:t> = {</a:t>
-            </a:r>
-          </a:p>
-          <a:p>
-            <a:r>
-              <a:rPr lang="en-US" sz="1400" dirty="0">
-                <a:solidFill>
-                  <a:schemeClr val="bg1"/>
-                </a:solidFill>
-                <a:latin typeface="Courier New" panose="02070309020205020404" pitchFamily="49" charset="0"/>
-                <a:cs typeface="Courier New" panose="02070309020205020404" pitchFamily="49" charset="0"/>
-              </a:rPr>
-              <a:t>    attr1: 'literal' </a:t>
-            </a:r>
-          </a:p>
-          <a:p>
-            <a:r>
-              <a:rPr lang="en-US" sz="1400" dirty="0">
-                <a:solidFill>
-                  <a:schemeClr val="bg1"/>
-                </a:solidFill>
-                <a:latin typeface="Courier New" panose="02070309020205020404" pitchFamily="49" charset="0"/>
-                <a:cs typeface="Courier New" panose="02070309020205020404" pitchFamily="49" charset="0"/>
-              </a:rPr>
-              <a:t>}</a:t>
-            </a:r>
-          </a:p>
-          <a:p>
-            <a:endParaRPr lang="en-US" sz="1400" dirty="0">
-              <a:solidFill>
-                <a:schemeClr val="bg1"/>
-              </a:solidFill>
-              <a:latin typeface="Courier New" panose="02070309020205020404" pitchFamily="49" charset="0"/>
-              <a:cs typeface="Courier New" panose="02070309020205020404" pitchFamily="49" charset="0"/>
-            </a:endParaRPr>
-          </a:p>
-          <a:p>
-            <a:r>
-              <a:rPr lang="en-US" sz="1400" dirty="0">
-                <a:solidFill>
-                  <a:schemeClr val="bg1"/>
-                </a:solidFill>
-                <a:latin typeface="Courier New" panose="02070309020205020404" pitchFamily="49" charset="0"/>
-                <a:cs typeface="Courier New" panose="02070309020205020404" pitchFamily="49" charset="0"/>
-              </a:rPr>
-              <a:t>class </a:t>
-            </a:r>
-            <a:r>
-              <a:rPr lang="en-US" sz="1400" dirty="0" err="1">
-                <a:solidFill>
-                  <a:schemeClr val="bg1"/>
-                </a:solidFill>
-                <a:latin typeface="Courier New" panose="02070309020205020404" pitchFamily="49" charset="0"/>
-                <a:cs typeface="Courier New" panose="02070309020205020404" pitchFamily="49" charset="0"/>
-              </a:rPr>
-              <a:t>ObjectB</a:t>
-            </a:r>
-            <a:r>
-              <a:rPr lang="en-US" sz="1400" dirty="0">
-                <a:solidFill>
-                  <a:schemeClr val="bg1"/>
-                </a:solidFill>
-                <a:latin typeface="Courier New" panose="02070309020205020404" pitchFamily="49" charset="0"/>
-                <a:cs typeface="Courier New" panose="02070309020205020404" pitchFamily="49" charset="0"/>
-              </a:rPr>
-              <a:t>{</a:t>
-            </a:r>
-          </a:p>
-          <a:p>
-            <a:r>
-              <a:rPr lang="en-US" sz="1400" dirty="0">
-                <a:solidFill>
-                  <a:schemeClr val="bg1"/>
-                </a:solidFill>
-                <a:latin typeface="Courier New" panose="02070309020205020404" pitchFamily="49" charset="0"/>
-                <a:cs typeface="Courier New" panose="02070309020205020404" pitchFamily="49" charset="0"/>
-              </a:rPr>
-              <a:t>  attr1 : string;</a:t>
-            </a:r>
-          </a:p>
-          <a:p>
-            <a:r>
-              <a:rPr lang="en-US" sz="1400" dirty="0">
-                <a:solidFill>
-                  <a:schemeClr val="bg1"/>
-                </a:solidFill>
-                <a:latin typeface="Courier New" panose="02070309020205020404" pitchFamily="49" charset="0"/>
-                <a:cs typeface="Courier New" panose="02070309020205020404" pitchFamily="49" charset="0"/>
-              </a:rPr>
-              <a:t>  constructor() {</a:t>
-            </a:r>
-          </a:p>
-          <a:p>
-            <a:r>
-              <a:rPr lang="en-US" sz="1400" dirty="0">
-                <a:solidFill>
-                  <a:schemeClr val="bg1"/>
-                </a:solidFill>
-                <a:latin typeface="Courier New" panose="02070309020205020404" pitchFamily="49" charset="0"/>
-                <a:cs typeface="Courier New" panose="02070309020205020404" pitchFamily="49" charset="0"/>
-              </a:rPr>
-              <a:t>    this.attr1 = 'Constructor function (class)';</a:t>
-            </a:r>
-          </a:p>
-          <a:p>
-            <a:r>
-              <a:rPr lang="en-US" sz="1400" dirty="0">
-                <a:solidFill>
-                  <a:schemeClr val="bg1"/>
-                </a:solidFill>
-                <a:latin typeface="Courier New" panose="02070309020205020404" pitchFamily="49" charset="0"/>
-                <a:cs typeface="Courier New" panose="02070309020205020404" pitchFamily="49" charset="0"/>
-              </a:rPr>
-              <a:t>  }</a:t>
-            </a:r>
-          </a:p>
-          <a:p>
-            <a:r>
-              <a:rPr lang="en-US" sz="1400" dirty="0">
-                <a:solidFill>
-                  <a:schemeClr val="bg1"/>
-                </a:solidFill>
-                <a:latin typeface="Courier New" panose="02070309020205020404" pitchFamily="49" charset="0"/>
-                <a:cs typeface="Courier New" panose="02070309020205020404" pitchFamily="49" charset="0"/>
-              </a:rPr>
-              <a:t>}</a:t>
-            </a:r>
-          </a:p>
-          <a:p>
-            <a:endParaRPr lang="en-US" sz="1400" dirty="0">
-              <a:solidFill>
-                <a:schemeClr val="bg1"/>
-              </a:solidFill>
-              <a:latin typeface="Courier New" panose="02070309020205020404" pitchFamily="49" charset="0"/>
-              <a:cs typeface="Courier New" panose="02070309020205020404" pitchFamily="49" charset="0"/>
-            </a:endParaRPr>
-          </a:p>
-          <a:p>
-            <a:r>
-              <a:rPr lang="en-US" sz="1400" dirty="0">
-                <a:solidFill>
-                  <a:schemeClr val="bg1"/>
-                </a:solidFill>
-                <a:latin typeface="Courier New" panose="02070309020205020404" pitchFamily="49" charset="0"/>
-                <a:cs typeface="Courier New" panose="02070309020205020404" pitchFamily="49" charset="0"/>
-              </a:rPr>
-              <a:t>a = new </a:t>
-            </a:r>
-            <a:r>
-              <a:rPr lang="en-US" sz="1400" dirty="0" err="1">
-                <a:solidFill>
-                  <a:schemeClr val="bg1"/>
-                </a:solidFill>
-                <a:latin typeface="Courier New" panose="02070309020205020404" pitchFamily="49" charset="0"/>
-                <a:cs typeface="Courier New" panose="02070309020205020404" pitchFamily="49" charset="0"/>
-              </a:rPr>
-              <a:t>ObjectB</a:t>
-            </a:r>
-            <a:r>
-              <a:rPr lang="en-US" sz="1400" dirty="0">
-                <a:solidFill>
-                  <a:schemeClr val="bg1"/>
-                </a:solidFill>
-                <a:latin typeface="Courier New" panose="02070309020205020404" pitchFamily="49" charset="0"/>
-                <a:cs typeface="Courier New" panose="02070309020205020404" pitchFamily="49" charset="0"/>
-              </a:rPr>
-              <a:t>(); // valid TypeScript!</a:t>
-            </a:r>
-          </a:p>
-        </p:txBody>
-      </p:sp>
-      <p:sp>
-        <p:nvSpPr>
-          <p:cNvPr id="7" name="Footer Placeholder 1"/>
+        </p:txBody>
+      </p:sp>
+      <p:sp>
+        <p:nvSpPr>
+          <p:cNvPr id="9" name="Footer Placeholder 1"/>
           <p:cNvSpPr>
             <a:spLocks noGrp="1"/>
           </p:cNvSpPr>
@@ -6973,8 +6035,8 @@
         </p:nvSpPr>
         <p:spPr>
           <a:xfrm>
-            <a:off x="97193" y="6425293"/>
-            <a:ext cx="1470349" cy="162119"/>
+            <a:off x="339789" y="6294664"/>
+            <a:ext cx="1349051" cy="162120"/>
           </a:xfrm>
         </p:spPr>
         <p:txBody>
@@ -6994,7 +6056,7 @@
           <p:cNvPr id="3" name="Slide Number Placeholder 2">
             <a:extLst>
               <a:ext uri="{FF2B5EF4-FFF2-40B4-BE49-F238E27FC236}">
-                <a16:creationId xmlns:a16="http://schemas.microsoft.com/office/drawing/2014/main" id="{F49D9E42-3A44-4AD3-942E-44AD330134E4}"/>
+                <a16:creationId xmlns:a16="http://schemas.microsoft.com/office/drawing/2014/main" id="{ED87E64D-16BD-4DC1-8AA8-EF9032D8BB3A}"/>
               </a:ext>
             </a:extLst>
           </p:cNvPr>
@@ -7018,10 +6080,40 @@
           </a:p>
         </p:txBody>
       </p:sp>
+      <p:pic>
+        <p:nvPicPr>
+          <p:cNvPr id="6" name="Picture 5">
+            <a:extLst>
+              <a:ext uri="{FF2B5EF4-FFF2-40B4-BE49-F238E27FC236}">
+                <a16:creationId xmlns:a16="http://schemas.microsoft.com/office/drawing/2014/main" id="{8C12C26A-CE02-B64C-B6AF-AE6E94AF947C}"/>
+              </a:ext>
+            </a:extLst>
+          </p:cNvPr>
+          <p:cNvPicPr>
+            <a:picLocks noChangeAspect="1"/>
+          </p:cNvPicPr>
+          <p:nvPr/>
+        </p:nvPicPr>
+        <p:blipFill>
+          <a:blip r:embed="rId2"/>
+          <a:stretch>
+            <a:fillRect/>
+          </a:stretch>
+        </p:blipFill>
+        <p:spPr>
+          <a:xfrm>
+            <a:off x="1597134" y="1501768"/>
+            <a:ext cx="9400352" cy="4604741"/>
+          </a:xfrm>
+          <a:prstGeom prst="rect">
+            <a:avLst/>
+          </a:prstGeom>
+        </p:spPr>
+      </p:pic>
     </p:spTree>
     <p:extLst>
       <p:ext uri="{BB962C8B-B14F-4D97-AF65-F5344CB8AC3E}">
-        <p14:creationId xmlns:p14="http://schemas.microsoft.com/office/powerpoint/2010/main" val="3682906627"/>
+        <p14:creationId xmlns:p14="http://schemas.microsoft.com/office/powerpoint/2010/main" val="609088930"/>
       </p:ext>
     </p:extLst>
   </p:cSld>
@@ -7060,7 +6152,7 @@
         </p:nvSpPr>
         <p:spPr>
           <a:xfrm>
-            <a:off x="3886201" y="1"/>
+            <a:off x="3962401" y="-86883"/>
             <a:ext cx="5915025" cy="745629"/>
           </a:xfrm>
         </p:spPr>
@@ -7072,7 +6164,7 @@
           <a:p>
             <a:r>
               <a:rPr lang="en-US" dirty="0"/>
-              <a:t>Decorators</a:t>
+              <a:t>Classes &amp; Interfaces</a:t>
             </a:r>
             <a:endParaRPr lang="en-US" b="1" dirty="0"/>
           </a:p>
@@ -7090,8 +6182,8 @@
         </p:nvSpPr>
         <p:spPr>
           <a:xfrm>
-            <a:off x="1108542" y="1101716"/>
-            <a:ext cx="4602941" cy="4048782"/>
+            <a:off x="2173295" y="954258"/>
+            <a:ext cx="8482263" cy="3737372"/>
           </a:xfrm>
         </p:spPr>
         <p:txBody>
@@ -7100,21 +6192,44 @@
           </a:bodyPr>
           <a:lstStyle/>
           <a:p>
+            <a:pPr>
+              <a:buFontTx/>
+              <a:buChar char="-"/>
+            </a:pPr>
             <a:r>
               <a:rPr lang="en-US" dirty="0"/>
-              <a:t>Decorators are auxiliary components that can be hosted by Classes, Methods, Properties or Parameters</a:t>
-            </a:r>
-          </a:p>
-          <a:p>
+              <a:t>TypeScript interfaces define contracts of an object and its functions</a:t>
+            </a:r>
+          </a:p>
+          <a:p>
+            <a:pPr>
+              <a:buFontTx/>
+              <a:buChar char="-"/>
+            </a:pPr>
+            <a:endParaRPr lang="en-US" dirty="0"/>
+          </a:p>
+          <a:p>
+            <a:pPr>
+              <a:buFontTx/>
+              <a:buChar char="-"/>
+            </a:pPr>
+            <a:endParaRPr lang="en-US" dirty="0"/>
+          </a:p>
+          <a:p>
+            <a:pPr>
+              <a:buFontTx/>
+              <a:buChar char="-"/>
+            </a:pPr>
+            <a:endParaRPr lang="en-US" dirty="0"/>
+          </a:p>
+          <a:p>
+            <a:pPr>
+              <a:buFontTx/>
+              <a:buChar char="-"/>
+            </a:pPr>
             <a:r>
               <a:rPr lang="en-US" dirty="0"/>
-              <a:t>These are specialized functions that execute in the context of the entity that they decorate – class / method etc.</a:t>
-            </a:r>
-          </a:p>
-          <a:p>
-            <a:r>
-              <a:rPr lang="en-US" dirty="0"/>
-              <a:t>Property Decorator</a:t>
+              <a:t>TypeScript classes are types that could be instantiated</a:t>
             </a:r>
           </a:p>
           <a:p>
@@ -7139,6 +6254,18 @@
             <a:endParaRPr lang="en-US" sz="1200" dirty="0"/>
           </a:p>
           <a:p>
+            <a:pPr marL="0" indent="0">
+              <a:buNone/>
+            </a:pPr>
+            <a:endParaRPr lang="en-US" dirty="0"/>
+          </a:p>
+          <a:p>
+            <a:pPr marL="0" indent="0">
+              <a:buNone/>
+            </a:pPr>
+            <a:endParaRPr lang="en-US" dirty="0"/>
+          </a:p>
+          <a:p>
             <a:pPr lvl="1">
               <a:buFontTx/>
               <a:buChar char="-"/>
@@ -7152,6 +6279,220 @@
             </a:pPr>
             <a:endParaRPr lang="en-US" sz="1200" dirty="0"/>
           </a:p>
+        </p:txBody>
+      </p:sp>
+      <p:sp>
+        <p:nvSpPr>
+          <p:cNvPr id="7" name="Footer Placeholder 1"/>
+          <p:cNvSpPr>
+            <a:spLocks noGrp="1"/>
+          </p:cNvSpPr>
+          <p:nvPr>
+            <p:ph type="ftr" sz="quarter" idx="11"/>
+          </p:nvPr>
+        </p:nvSpPr>
+        <p:spPr>
+          <a:xfrm>
+            <a:off x="237153" y="6406631"/>
+            <a:ext cx="1395704" cy="218104"/>
+          </a:xfrm>
+        </p:spPr>
+        <p:txBody>
+          <a:bodyPr/>
+          <a:lstStyle/>
+          <a:p>
+            <a:r>
+              <a:rPr lang="en-US"/>
+              <a:t>© Cognizant 2019</a:t>
+            </a:r>
+            <a:endParaRPr lang="en-US" dirty="0"/>
+          </a:p>
+        </p:txBody>
+      </p:sp>
+      <p:sp>
+        <p:nvSpPr>
+          <p:cNvPr id="3" name="Slide Number Placeholder 2">
+            <a:extLst>
+              <a:ext uri="{FF2B5EF4-FFF2-40B4-BE49-F238E27FC236}">
+                <a16:creationId xmlns:a16="http://schemas.microsoft.com/office/drawing/2014/main" id="{7250F41E-ABB9-451D-82AD-DD384B35C596}"/>
+              </a:ext>
+            </a:extLst>
+          </p:cNvPr>
+          <p:cNvSpPr>
+            <a:spLocks noGrp="1"/>
+          </p:cNvSpPr>
+          <p:nvPr>
+            <p:ph type="sldNum" sz="quarter" idx="12"/>
+          </p:nvPr>
+        </p:nvSpPr>
+        <p:spPr/>
+        <p:txBody>
+          <a:bodyPr/>
+          <a:lstStyle/>
+          <a:p>
+            <a:fld id="{8430ED8F-F4BA-4C5B-9498-F896284E1CAD}" type="slidenum">
+              <a:rPr lang="en-US" smtClean="0"/>
+              <a:t>14</a:t>
+            </a:fld>
+            <a:endParaRPr lang="en-US"/>
+          </a:p>
+        </p:txBody>
+      </p:sp>
+      <p:pic>
+        <p:nvPicPr>
+          <p:cNvPr id="8" name="Picture 7">
+            <a:extLst>
+              <a:ext uri="{FF2B5EF4-FFF2-40B4-BE49-F238E27FC236}">
+                <a16:creationId xmlns:a16="http://schemas.microsoft.com/office/drawing/2014/main" id="{9FF1DD27-FD8D-B944-A0C2-552F4353BDCF}"/>
+              </a:ext>
+            </a:extLst>
+          </p:cNvPr>
+          <p:cNvPicPr>
+            <a:picLocks noChangeAspect="1"/>
+          </p:cNvPicPr>
+          <p:nvPr/>
+        </p:nvPicPr>
+        <p:blipFill>
+          <a:blip r:embed="rId2"/>
+          <a:stretch>
+            <a:fillRect/>
+          </a:stretch>
+        </p:blipFill>
+        <p:spPr>
+          <a:xfrm>
+            <a:off x="4032817" y="4019046"/>
+            <a:ext cx="4763218" cy="1345168"/>
+          </a:xfrm>
+          <a:prstGeom prst="rect">
+            <a:avLst/>
+          </a:prstGeom>
+        </p:spPr>
+      </p:pic>
+      <p:pic>
+        <p:nvPicPr>
+          <p:cNvPr id="9" name="Picture 8">
+            <a:extLst>
+              <a:ext uri="{FF2B5EF4-FFF2-40B4-BE49-F238E27FC236}">
+                <a16:creationId xmlns:a16="http://schemas.microsoft.com/office/drawing/2014/main" id="{07B44683-5859-A24C-A226-26C140318F04}"/>
+              </a:ext>
+            </a:extLst>
+          </p:cNvPr>
+          <p:cNvPicPr>
+            <a:picLocks noChangeAspect="1"/>
+          </p:cNvPicPr>
+          <p:nvPr/>
+        </p:nvPicPr>
+        <p:blipFill>
+          <a:blip r:embed="rId3"/>
+          <a:stretch>
+            <a:fillRect/>
+          </a:stretch>
+        </p:blipFill>
+        <p:spPr>
+          <a:xfrm>
+            <a:off x="4653454" y="1743553"/>
+            <a:ext cx="3524117" cy="1378020"/>
+          </a:xfrm>
+          <a:prstGeom prst="rect">
+            <a:avLst/>
+          </a:prstGeom>
+        </p:spPr>
+      </p:pic>
+    </p:spTree>
+    <p:extLst>
+      <p:ext uri="{BB962C8B-B14F-4D97-AF65-F5344CB8AC3E}">
+        <p14:creationId xmlns:p14="http://schemas.microsoft.com/office/powerpoint/2010/main" val="3353788808"/>
+      </p:ext>
+    </p:extLst>
+  </p:cSld>
+  <p:clrMapOvr>
+    <a:masterClrMapping/>
+  </p:clrMapOvr>
+</p:sld>
+</file>
+
+<file path=ppt/slides/slide15.xml><?xml version="1.0" encoding="utf-8"?>
+<p:sld xmlns:a="http://schemas.openxmlformats.org/drawingml/2006/main" xmlns:r="http://schemas.openxmlformats.org/officeDocument/2006/relationships" xmlns:p="http://schemas.openxmlformats.org/presentationml/2006/main">
+  <p:cSld>
+    <p:spTree>
+      <p:nvGrpSpPr>
+        <p:cNvPr id="1" name=""/>
+        <p:cNvGrpSpPr/>
+        <p:nvPr/>
+      </p:nvGrpSpPr>
+      <p:grpSpPr>
+        <a:xfrm>
+          <a:off x="0" y="0"/>
+          <a:ext cx="0" cy="0"/>
+          <a:chOff x="0" y="0"/>
+          <a:chExt cx="0" cy="0"/>
+        </a:xfrm>
+      </p:grpSpPr>
+      <p:sp>
+        <p:nvSpPr>
+          <p:cNvPr id="2" name="Title 1"/>
+          <p:cNvSpPr>
+            <a:spLocks noGrp="1"/>
+          </p:cNvSpPr>
+          <p:nvPr>
+            <p:ph type="title"/>
+          </p:nvPr>
+        </p:nvSpPr>
+        <p:spPr>
+          <a:xfrm>
+            <a:off x="3886201" y="-76200"/>
+            <a:ext cx="5915025" cy="745629"/>
+          </a:xfrm>
+        </p:spPr>
+        <p:txBody>
+          <a:bodyPr>
+            <a:normAutofit/>
+          </a:bodyPr>
+          <a:lstStyle/>
+          <a:p>
+            <a:r>
+              <a:rPr lang="en-US" dirty="0"/>
+              <a:t>Shapes</a:t>
+            </a:r>
+            <a:endParaRPr lang="en-US" b="1" dirty="0"/>
+          </a:p>
+        </p:txBody>
+      </p:sp>
+      <p:sp>
+        <p:nvSpPr>
+          <p:cNvPr id="5" name="Content Placeholder 4"/>
+          <p:cNvSpPr>
+            <a:spLocks noGrp="1"/>
+          </p:cNvSpPr>
+          <p:nvPr>
+            <p:ph idx="1"/>
+          </p:nvPr>
+        </p:nvSpPr>
+        <p:spPr>
+          <a:xfrm>
+            <a:off x="600457" y="854984"/>
+            <a:ext cx="10992453" cy="1078918"/>
+          </a:xfrm>
+        </p:spPr>
+        <p:txBody>
+          <a:bodyPr>
+            <a:noAutofit/>
+          </a:bodyPr>
+          <a:lstStyle/>
+          <a:p>
+            <a:r>
+              <a:rPr lang="en-US" dirty="0"/>
+              <a:t>Shapes</a:t>
+            </a:r>
+            <a:r>
+              <a:rPr lang="en-US" b="1" dirty="0"/>
+              <a:t>:</a:t>
+            </a:r>
+            <a:r>
+              <a:rPr lang="en-US" dirty="0"/>
+              <a:t> Any two JavaScript objects (despite from different classes) are considered equivalent, if they are composed of same type of attributes</a:t>
+            </a:r>
+          </a:p>
           <a:p>
             <a:pPr lvl="1">
               <a:buFontTx/>
@@ -7167,265 +6508,321 @@
             <a:endParaRPr lang="en-US" sz="1200" dirty="0"/>
           </a:p>
           <a:p>
-            <a:pPr marL="457200" lvl="1" indent="0">
-              <a:buNone/>
-            </a:pPr>
-            <a:endParaRPr lang="en-US" sz="1200" dirty="0"/>
-          </a:p>
-          <a:p>
             <a:pPr lvl="1">
               <a:buFontTx/>
               <a:buChar char="-"/>
             </a:pPr>
             <a:endParaRPr lang="en-US" sz="1200" dirty="0"/>
           </a:p>
-        </p:txBody>
-      </p:sp>
-      <p:sp>
-        <p:nvSpPr>
-          <p:cNvPr id="6" name="Rectangle 5"/>
-          <p:cNvSpPr/>
+          <a:p>
+            <a:pPr lvl="1">
+              <a:buFontTx/>
+              <a:buChar char="-"/>
+            </a:pPr>
+            <a:endParaRPr lang="en-US" sz="1200" dirty="0"/>
+          </a:p>
+          <a:p>
+            <a:pPr lvl="1">
+              <a:buFontTx/>
+              <a:buChar char="-"/>
+            </a:pPr>
+            <a:endParaRPr lang="en-US" sz="1200" dirty="0"/>
+          </a:p>
+          <a:p>
+            <a:pPr lvl="1">
+              <a:buFontTx/>
+              <a:buChar char="-"/>
+            </a:pPr>
+            <a:endParaRPr lang="en-US" sz="1200" dirty="0"/>
+          </a:p>
+          <a:p>
+            <a:pPr lvl="1">
+              <a:buFontTx/>
+              <a:buChar char="-"/>
+            </a:pPr>
+            <a:endParaRPr lang="en-US" sz="1200" dirty="0"/>
+          </a:p>
+          <a:p>
+            <a:pPr lvl="1">
+              <a:buFontTx/>
+              <a:buChar char="-"/>
+            </a:pPr>
+            <a:endParaRPr lang="en-US" sz="1200" dirty="0"/>
+          </a:p>
+          <a:p>
+            <a:pPr lvl="1">
+              <a:buFontTx/>
+              <a:buChar char="-"/>
+            </a:pPr>
+            <a:endParaRPr lang="en-US" sz="1200" dirty="0"/>
+          </a:p>
+          <a:p>
+            <a:pPr marL="457200" lvl="1" indent="0">
+              <a:buNone/>
+            </a:pPr>
+            <a:endParaRPr lang="en-US" sz="1200" dirty="0"/>
+          </a:p>
+          <a:p>
+            <a:pPr lvl="1">
+              <a:buFontTx/>
+              <a:buChar char="-"/>
+            </a:pPr>
+            <a:endParaRPr lang="en-US" sz="1200" dirty="0"/>
+          </a:p>
+        </p:txBody>
+      </p:sp>
+      <p:sp>
+        <p:nvSpPr>
+          <p:cNvPr id="7" name="Footer Placeholder 1"/>
+          <p:cNvSpPr>
+            <a:spLocks noGrp="1"/>
+          </p:cNvSpPr>
+          <p:nvPr>
+            <p:ph type="ftr" sz="quarter" idx="11"/>
+          </p:nvPr>
+        </p:nvSpPr>
+        <p:spPr>
+          <a:xfrm>
+            <a:off x="97193" y="6425293"/>
+            <a:ext cx="1470349" cy="162119"/>
+          </a:xfrm>
+        </p:spPr>
+        <p:txBody>
+          <a:bodyPr/>
+          <a:lstStyle/>
+          <a:p>
+            <a:r>
+              <a:rPr lang="en-US"/>
+              <a:t>© Cognizant 2019</a:t>
+            </a:r>
+            <a:endParaRPr lang="en-US" dirty="0"/>
+          </a:p>
+        </p:txBody>
+      </p:sp>
+      <p:sp>
+        <p:nvSpPr>
+          <p:cNvPr id="3" name="Slide Number Placeholder 2">
+            <a:extLst>
+              <a:ext uri="{FF2B5EF4-FFF2-40B4-BE49-F238E27FC236}">
+                <a16:creationId xmlns:a16="http://schemas.microsoft.com/office/drawing/2014/main" id="{F49D9E42-3A44-4AD3-942E-44AD330134E4}"/>
+              </a:ext>
+            </a:extLst>
+          </p:cNvPr>
+          <p:cNvSpPr>
+            <a:spLocks noGrp="1"/>
+          </p:cNvSpPr>
+          <p:nvPr>
+            <p:ph type="sldNum" sz="quarter" idx="12"/>
+          </p:nvPr>
+        </p:nvSpPr>
+        <p:spPr/>
+        <p:txBody>
+          <a:bodyPr/>
+          <a:lstStyle/>
+          <a:p>
+            <a:fld id="{8430ED8F-F4BA-4C5B-9498-F896284E1CAD}" type="slidenum">
+              <a:rPr lang="en-US" smtClean="0"/>
+              <a:t>15</a:t>
+            </a:fld>
+            <a:endParaRPr lang="en-US"/>
+          </a:p>
+        </p:txBody>
+      </p:sp>
+      <p:pic>
+        <p:nvPicPr>
+          <p:cNvPr id="4" name="Picture 3">
+            <a:extLst>
+              <a:ext uri="{FF2B5EF4-FFF2-40B4-BE49-F238E27FC236}">
+                <a16:creationId xmlns:a16="http://schemas.microsoft.com/office/drawing/2014/main" id="{64A0FE2B-2678-0841-83F0-5B401ECEE221}"/>
+              </a:ext>
+            </a:extLst>
+          </p:cNvPr>
+          <p:cNvPicPr>
+            <a:picLocks noChangeAspect="1"/>
+          </p:cNvPicPr>
           <p:nvPr/>
-        </p:nvSpPr>
-        <p:spPr>
-          <a:xfrm>
-            <a:off x="6039934" y="1024904"/>
-            <a:ext cx="5660654" cy="5395838"/>
+        </p:nvPicPr>
+        <p:blipFill>
+          <a:blip r:embed="rId2"/>
+          <a:stretch>
+            <a:fillRect/>
+          </a:stretch>
+        </p:blipFill>
+        <p:spPr>
+          <a:xfrm>
+            <a:off x="1438689" y="1721332"/>
+            <a:ext cx="9315987" cy="4703961"/>
           </a:xfrm>
           <a:prstGeom prst="rect">
             <a:avLst/>
           </a:prstGeom>
-          <a:solidFill>
-            <a:schemeClr val="tx1"/>
-          </a:solidFill>
-          <a:ln>
-            <a:noFill/>
-          </a:ln>
-        </p:spPr>
-        <p:style>
-          <a:lnRef idx="2">
-            <a:schemeClr val="accent1">
-              <a:shade val="50000"/>
-            </a:schemeClr>
-          </a:lnRef>
-          <a:fillRef idx="1">
-            <a:schemeClr val="accent1"/>
-          </a:fillRef>
-          <a:effectRef idx="0">
-            <a:schemeClr val="accent1"/>
-          </a:effectRef>
-          <a:fontRef idx="minor">
-            <a:schemeClr val="lt1"/>
-          </a:fontRef>
-        </p:style>
-        <p:txBody>
-          <a:bodyPr rtlCol="0" anchor="ctr"/>
-          <a:lstStyle/>
-          <a:p>
+        </p:spPr>
+      </p:pic>
+    </p:spTree>
+    <p:extLst>
+      <p:ext uri="{BB962C8B-B14F-4D97-AF65-F5344CB8AC3E}">
+        <p14:creationId xmlns:p14="http://schemas.microsoft.com/office/powerpoint/2010/main" val="3682906627"/>
+      </p:ext>
+    </p:extLst>
+  </p:cSld>
+  <p:clrMapOvr>
+    <a:masterClrMapping/>
+  </p:clrMapOvr>
+</p:sld>
+</file>
+
+<file path=ppt/slides/slide16.xml><?xml version="1.0" encoding="utf-8"?>
+<p:sld xmlns:a="http://schemas.openxmlformats.org/drawingml/2006/main" xmlns:r="http://schemas.openxmlformats.org/officeDocument/2006/relationships" xmlns:p="http://schemas.openxmlformats.org/presentationml/2006/main">
+  <p:cSld>
+    <p:spTree>
+      <p:nvGrpSpPr>
+        <p:cNvPr id="1" name=""/>
+        <p:cNvGrpSpPr/>
+        <p:nvPr/>
+      </p:nvGrpSpPr>
+      <p:grpSpPr>
+        <a:xfrm>
+          <a:off x="0" y="0"/>
+          <a:ext cx="0" cy="0"/>
+          <a:chOff x="0" y="0"/>
+          <a:chExt cx="0" cy="0"/>
+        </a:xfrm>
+      </p:grpSpPr>
+      <p:sp>
+        <p:nvSpPr>
+          <p:cNvPr id="2" name="Title 1"/>
+          <p:cNvSpPr>
+            <a:spLocks noGrp="1"/>
+          </p:cNvSpPr>
+          <p:nvPr>
+            <p:ph type="title"/>
+          </p:nvPr>
+        </p:nvSpPr>
+        <p:spPr>
+          <a:xfrm>
+            <a:off x="3886201" y="1"/>
+            <a:ext cx="5915025" cy="745629"/>
+          </a:xfrm>
+        </p:spPr>
+        <p:txBody>
+          <a:bodyPr>
+            <a:normAutofit/>
+          </a:bodyPr>
+          <a:lstStyle/>
+          <a:p>
+            <a:r>
+              <a:rPr lang="en-US" dirty="0"/>
+              <a:t>Decorators</a:t>
+            </a:r>
+            <a:endParaRPr lang="en-US" b="1" dirty="0"/>
+          </a:p>
+        </p:txBody>
+      </p:sp>
+      <p:sp>
+        <p:nvSpPr>
+          <p:cNvPr id="5" name="Content Placeholder 4"/>
+          <p:cNvSpPr>
+            <a:spLocks noGrp="1"/>
+          </p:cNvSpPr>
+          <p:nvPr>
+            <p:ph idx="1"/>
+          </p:nvPr>
+        </p:nvSpPr>
+        <p:spPr>
+          <a:xfrm>
+            <a:off x="1224157" y="1089333"/>
+            <a:ext cx="9822216" cy="3472155"/>
+          </a:xfrm>
+        </p:spPr>
+        <p:txBody>
+          <a:bodyPr>
+            <a:noAutofit/>
+          </a:bodyPr>
+          <a:lstStyle/>
+          <a:p>
+            <a:r>
+              <a:rPr lang="en-US" dirty="0"/>
+              <a:t>Decorators are auxiliary components that can be hosted by Classes, Methods, Properties or Parameters</a:t>
+            </a:r>
+          </a:p>
+          <a:p>
+            <a:pPr marL="0" indent="0">
+              <a:buNone/>
+            </a:pPr>
+            <a:endParaRPr lang="en-US" dirty="0"/>
+          </a:p>
+          <a:p>
+            <a:r>
+              <a:rPr lang="en-US" dirty="0"/>
+              <a:t>These are specialized functions that execute in the context of the entity that they decorate – class / method etc.</a:t>
+            </a:r>
+          </a:p>
+          <a:p>
+            <a:endParaRPr lang="en-US" dirty="0"/>
+          </a:p>
+          <a:p>
+            <a:r>
+              <a:rPr lang="en-US" dirty="0"/>
+              <a:t>Any function can be used as a decorator</a:t>
+            </a:r>
+          </a:p>
+          <a:p>
+            <a:endParaRPr lang="en-US" dirty="0"/>
+          </a:p>
+          <a:p>
+            <a:r>
+              <a:rPr lang="en-US" dirty="0"/>
+              <a:t>See </a:t>
+            </a:r>
             <a:r>
               <a:rPr lang="en-US" dirty="0">
-                <a:solidFill>
-                  <a:schemeClr val="bg1"/>
-                </a:solidFill>
-                <a:latin typeface="Courier New" panose="02070309020205020404" pitchFamily="49" charset="0"/>
-                <a:cs typeface="Courier New" panose="02070309020205020404" pitchFamily="49" charset="0"/>
+                <a:hlinkClick r:id="rId2"/>
               </a:rPr>
-              <a:t>function Override(label: string) {</a:t>
-            </a:r>
-          </a:p>
-          <a:p>
-            <a:r>
-              <a:rPr lang="en-US" dirty="0">
-                <a:solidFill>
-                  <a:schemeClr val="bg1"/>
-                </a:solidFill>
-                <a:latin typeface="Courier New" panose="02070309020205020404" pitchFamily="49" charset="0"/>
-                <a:cs typeface="Courier New" panose="02070309020205020404" pitchFamily="49" charset="0"/>
-              </a:rPr>
-              <a:t>  return function (target: any, key: string) {</a:t>
-            </a:r>
-          </a:p>
-          <a:p>
-            <a:r>
-              <a:rPr lang="en-US" dirty="0">
-                <a:solidFill>
-                  <a:schemeClr val="bg1"/>
-                </a:solidFill>
-                <a:latin typeface="Courier New" panose="02070309020205020404" pitchFamily="49" charset="0"/>
-                <a:cs typeface="Courier New" panose="02070309020205020404" pitchFamily="49" charset="0"/>
-              </a:rPr>
-              <a:t>    </a:t>
-            </a:r>
-            <a:r>
-              <a:rPr lang="en-US" dirty="0" err="1">
-                <a:solidFill>
-                  <a:schemeClr val="bg1"/>
-                </a:solidFill>
-                <a:latin typeface="Courier New" panose="02070309020205020404" pitchFamily="49" charset="0"/>
-                <a:cs typeface="Courier New" panose="02070309020205020404" pitchFamily="49" charset="0"/>
-              </a:rPr>
-              <a:t>Object.defineProperty</a:t>
-            </a:r>
-            <a:r>
-              <a:rPr lang="en-US" dirty="0">
-                <a:solidFill>
-                  <a:schemeClr val="bg1"/>
-                </a:solidFill>
-                <a:latin typeface="Courier New" panose="02070309020205020404" pitchFamily="49" charset="0"/>
-                <a:cs typeface="Courier New" panose="02070309020205020404" pitchFamily="49" charset="0"/>
-              </a:rPr>
-              <a:t>(target, key, { </a:t>
-            </a:r>
-          </a:p>
-          <a:p>
-            <a:r>
-              <a:rPr lang="en-US" dirty="0">
-                <a:solidFill>
-                  <a:schemeClr val="bg1"/>
-                </a:solidFill>
-                <a:latin typeface="Courier New" panose="02070309020205020404" pitchFamily="49" charset="0"/>
-                <a:cs typeface="Courier New" panose="02070309020205020404" pitchFamily="49" charset="0"/>
-              </a:rPr>
-              <a:t>      configurable: false,</a:t>
-            </a:r>
-          </a:p>
-          <a:p>
-            <a:r>
-              <a:rPr lang="en-US" dirty="0">
-                <a:solidFill>
-                  <a:schemeClr val="bg1"/>
-                </a:solidFill>
-                <a:latin typeface="Courier New" panose="02070309020205020404" pitchFamily="49" charset="0"/>
-                <a:cs typeface="Courier New" panose="02070309020205020404" pitchFamily="49" charset="0"/>
-              </a:rPr>
-              <a:t>      get: () =&gt; label</a:t>
-            </a:r>
-          </a:p>
-          <a:p>
-            <a:r>
-              <a:rPr lang="en-US" dirty="0">
-                <a:solidFill>
-                  <a:schemeClr val="bg1"/>
-                </a:solidFill>
-                <a:latin typeface="Courier New" panose="02070309020205020404" pitchFamily="49" charset="0"/>
-                <a:cs typeface="Courier New" panose="02070309020205020404" pitchFamily="49" charset="0"/>
-              </a:rPr>
-              <a:t>    });</a:t>
-            </a:r>
-          </a:p>
-          <a:p>
-            <a:r>
-              <a:rPr lang="en-US" dirty="0">
-                <a:solidFill>
-                  <a:schemeClr val="bg1"/>
-                </a:solidFill>
-                <a:latin typeface="Courier New" panose="02070309020205020404" pitchFamily="49" charset="0"/>
-                <a:cs typeface="Courier New" panose="02070309020205020404" pitchFamily="49" charset="0"/>
-              </a:rPr>
-              <a:t>  }</a:t>
-            </a:r>
-          </a:p>
-          <a:p>
-            <a:r>
-              <a:rPr lang="en-US" dirty="0">
-                <a:solidFill>
-                  <a:schemeClr val="bg1"/>
-                </a:solidFill>
-                <a:latin typeface="Courier New" panose="02070309020205020404" pitchFamily="49" charset="0"/>
-                <a:cs typeface="Courier New" panose="02070309020205020404" pitchFamily="49" charset="0"/>
-              </a:rPr>
-              <a:t>}</a:t>
-            </a:r>
-          </a:p>
-          <a:p>
-            <a:endParaRPr lang="en-US" dirty="0">
-              <a:solidFill>
-                <a:schemeClr val="bg1"/>
-              </a:solidFill>
-              <a:latin typeface="Courier New" panose="02070309020205020404" pitchFamily="49" charset="0"/>
-              <a:cs typeface="Courier New" panose="02070309020205020404" pitchFamily="49" charset="0"/>
-            </a:endParaRPr>
-          </a:p>
-          <a:p>
-            <a:r>
-              <a:rPr lang="en-US" dirty="0">
-                <a:solidFill>
-                  <a:schemeClr val="bg1"/>
-                </a:solidFill>
-                <a:latin typeface="Courier New" panose="02070309020205020404" pitchFamily="49" charset="0"/>
-                <a:cs typeface="Courier New" panose="02070309020205020404" pitchFamily="49" charset="0"/>
-              </a:rPr>
-              <a:t>class Test {</a:t>
-            </a:r>
-          </a:p>
-          <a:p>
-            <a:r>
-              <a:rPr lang="en-US" dirty="0">
-                <a:solidFill>
-                  <a:schemeClr val="bg1"/>
-                </a:solidFill>
-                <a:latin typeface="Courier New" panose="02070309020205020404" pitchFamily="49" charset="0"/>
-                <a:cs typeface="Courier New" panose="02070309020205020404" pitchFamily="49" charset="0"/>
-              </a:rPr>
-              <a:t>  @Override('test')      // invokes Override, which returns the decorator</a:t>
-            </a:r>
-          </a:p>
-          <a:p>
-            <a:r>
-              <a:rPr lang="en-US" dirty="0">
-                <a:solidFill>
-                  <a:schemeClr val="bg1"/>
-                </a:solidFill>
-                <a:latin typeface="Courier New" panose="02070309020205020404" pitchFamily="49" charset="0"/>
-                <a:cs typeface="Courier New" panose="02070309020205020404" pitchFamily="49" charset="0"/>
-              </a:rPr>
-              <a:t>  name: string = 'pat';</a:t>
-            </a:r>
-          </a:p>
-          <a:p>
-            <a:r>
-              <a:rPr lang="en-US" dirty="0">
-                <a:solidFill>
-                  <a:schemeClr val="bg1"/>
-                </a:solidFill>
-                <a:latin typeface="Courier New" panose="02070309020205020404" pitchFamily="49" charset="0"/>
-                <a:cs typeface="Courier New" panose="02070309020205020404" pitchFamily="49" charset="0"/>
-              </a:rPr>
-              <a:t>}</a:t>
-            </a:r>
-          </a:p>
-          <a:p>
-            <a:endParaRPr lang="en-US" dirty="0">
-              <a:solidFill>
-                <a:schemeClr val="bg1"/>
-              </a:solidFill>
-              <a:latin typeface="Courier New" panose="02070309020205020404" pitchFamily="49" charset="0"/>
-              <a:cs typeface="Courier New" panose="02070309020205020404" pitchFamily="49" charset="0"/>
-            </a:endParaRPr>
-          </a:p>
-          <a:p>
-            <a:r>
-              <a:rPr lang="en-US" dirty="0">
-                <a:solidFill>
-                  <a:schemeClr val="bg1"/>
-                </a:solidFill>
-                <a:latin typeface="Courier New" panose="02070309020205020404" pitchFamily="49" charset="0"/>
-                <a:cs typeface="Courier New" panose="02070309020205020404" pitchFamily="49" charset="0"/>
-              </a:rPr>
-              <a:t>let t = new Test();</a:t>
-            </a:r>
-          </a:p>
-          <a:p>
-            <a:r>
-              <a:rPr lang="en-US" dirty="0">
-                <a:solidFill>
-                  <a:schemeClr val="bg1"/>
-                </a:solidFill>
-                <a:latin typeface="Courier New" panose="02070309020205020404" pitchFamily="49" charset="0"/>
-                <a:cs typeface="Courier New" panose="02070309020205020404" pitchFamily="49" charset="0"/>
-              </a:rPr>
-              <a:t>console.log(t.name);  // 'test'</a:t>
-            </a:r>
+              <a:t>https://www.typescriptlang.org/docs/handbook/decorators.html</a:t>
+            </a:r>
+            <a:r>
+              <a:rPr lang="en-US" dirty="0"/>
+              <a:t> for more info</a:t>
+            </a:r>
+          </a:p>
+          <a:p>
+            <a:endParaRPr lang="en-US" dirty="0"/>
+          </a:p>
+          <a:p>
+            <a:endParaRPr lang="en-US" dirty="0"/>
+          </a:p>
+          <a:p>
+            <a:pPr lvl="1">
+              <a:buFontTx/>
+              <a:buChar char="-"/>
+            </a:pPr>
+            <a:endParaRPr lang="en-US" sz="1200" dirty="0"/>
+          </a:p>
+          <a:p>
+            <a:pPr lvl="1">
+              <a:buFontTx/>
+              <a:buChar char="-"/>
+            </a:pPr>
+            <a:endParaRPr lang="en-US" sz="1200" dirty="0"/>
+          </a:p>
+          <a:p>
+            <a:pPr marL="457200" lvl="1" indent="0">
+              <a:buNone/>
+            </a:pPr>
+            <a:endParaRPr lang="en-US" sz="1200" dirty="0"/>
+          </a:p>
+          <a:p>
+            <a:pPr marL="457200" lvl="1" indent="0">
+              <a:buNone/>
+            </a:pPr>
+            <a:endParaRPr lang="en-US" sz="1200" dirty="0"/>
+          </a:p>
+          <a:p>
+            <a:pPr lvl="1">
+              <a:buFontTx/>
+              <a:buChar char="-"/>
+            </a:pPr>
+            <a:endParaRPr lang="en-US" sz="1200" dirty="0"/>
           </a:p>
         </p:txBody>
       </p:sp>
@@ -7480,7 +6877,7 @@
           <a:p>
             <a:fld id="{8430ED8F-F4BA-4C5B-9498-F896284E1CAD}" type="slidenum">
               <a:rPr lang="en-US" smtClean="0"/>
-              <a:t>14</a:t>
+              <a:t>16</a:t>
             </a:fld>
             <a:endParaRPr lang="en-US"/>
           </a:p>
@@ -7593,7 +6990,7 @@
                                         <p:tgtEl>
                                           <p:spTgt spid="5">
                                             <p:txEl>
-                                              <p:pRg st="1" end="1"/>
+                                              <p:pRg st="2" end="2"/>
                                             </p:txEl>
                                           </p:spTgt>
                                         </p:tgtEl>
@@ -7611,7 +7008,7 @@
                                         <p:tgtEl>
                                           <p:spTgt spid="5">
                                             <p:txEl>
-                                              <p:pRg st="1" end="1"/>
+                                              <p:pRg st="2" end="2"/>
                                             </p:txEl>
                                           </p:spTgt>
                                         </p:tgtEl>
@@ -7654,7 +7051,7 @@
                                         <p:tgtEl>
                                           <p:spTgt spid="5">
                                             <p:txEl>
-                                              <p:pRg st="2" end="2"/>
+                                              <p:pRg st="4" end="4"/>
                                             </p:txEl>
                                           </p:spTgt>
                                         </p:tgtEl>
@@ -7672,7 +7069,68 @@
                                         <p:tgtEl>
                                           <p:spTgt spid="5">
                                             <p:txEl>
-                                              <p:pRg st="2" end="2"/>
+                                              <p:pRg st="4" end="4"/>
+                                            </p:txEl>
+                                          </p:spTgt>
+                                        </p:tgtEl>
+                                      </p:cBhvr>
+                                    </p:animEffect>
+                                  </p:childTnLst>
+                                </p:cTn>
+                              </p:par>
+                            </p:childTnLst>
+                          </p:cTn>
+                        </p:par>
+                      </p:childTnLst>
+                    </p:cTn>
+                  </p:par>
+                  <p:par>
+                    <p:cTn id="18" fill="hold">
+                      <p:stCondLst>
+                        <p:cond delay="indefinite"/>
+                      </p:stCondLst>
+                      <p:childTnLst>
+                        <p:par>
+                          <p:cTn id="19" fill="hold">
+                            <p:stCondLst>
+                              <p:cond delay="0"/>
+                            </p:stCondLst>
+                            <p:childTnLst>
+                              <p:par>
+                                <p:cTn id="20" presetID="10" presetClass="entr" presetSubtype="0" fill="hold" grpId="0" nodeType="clickEffect">
+                                  <p:stCondLst>
+                                    <p:cond delay="0"/>
+                                  </p:stCondLst>
+                                  <p:childTnLst>
+                                    <p:set>
+                                      <p:cBhvr>
+                                        <p:cTn id="21" dur="1" fill="hold">
+                                          <p:stCondLst>
+                                            <p:cond delay="0"/>
+                                          </p:stCondLst>
+                                        </p:cTn>
+                                        <p:tgtEl>
+                                          <p:spTgt spid="5">
+                                            <p:txEl>
+                                              <p:pRg st="6" end="6"/>
+                                            </p:txEl>
+                                          </p:spTgt>
+                                        </p:tgtEl>
+                                        <p:attrNameLst>
+                                          <p:attrName>style.visibility</p:attrName>
+                                        </p:attrNameLst>
+                                      </p:cBhvr>
+                                      <p:to>
+                                        <p:strVal val="visible"/>
+                                      </p:to>
+                                    </p:set>
+                                    <p:animEffect transition="in" filter="fade">
+                                      <p:cBhvr>
+                                        <p:cTn id="22" dur="500"/>
+                                        <p:tgtEl>
+                                          <p:spTgt spid="5">
+                                            <p:txEl>
+                                              <p:pRg st="6" end="6"/>
                                             </p:txEl>
                                           </p:spTgt>
                                         </p:tgtEl>
@@ -7715,948 +7173,6 @@
 </p:sld>
 </file>
 
-<file path=ppt/slides/slide15.xml><?xml version="1.0" encoding="utf-8"?>
-<p:sld xmlns:a="http://schemas.openxmlformats.org/drawingml/2006/main" xmlns:r="http://schemas.openxmlformats.org/officeDocument/2006/relationships" xmlns:p="http://schemas.openxmlformats.org/presentationml/2006/main">
-  <p:cSld>
-    <p:spTree>
-      <p:nvGrpSpPr>
-        <p:cNvPr id="1" name=""/>
-        <p:cNvGrpSpPr/>
-        <p:nvPr/>
-      </p:nvGrpSpPr>
-      <p:grpSpPr>
-        <a:xfrm>
-          <a:off x="0" y="0"/>
-          <a:ext cx="0" cy="0"/>
-          <a:chOff x="0" y="0"/>
-          <a:chExt cx="0" cy="0"/>
-        </a:xfrm>
-      </p:grpSpPr>
-      <p:sp>
-        <p:nvSpPr>
-          <p:cNvPr id="2" name="Title 1"/>
-          <p:cNvSpPr>
-            <a:spLocks noGrp="1"/>
-          </p:cNvSpPr>
-          <p:nvPr>
-            <p:ph type="title"/>
-          </p:nvPr>
-        </p:nvSpPr>
-        <p:spPr>
-          <a:xfrm>
-            <a:off x="4717074" y="0"/>
-            <a:ext cx="2643553" cy="745629"/>
-          </a:xfrm>
-        </p:spPr>
-        <p:txBody>
-          <a:bodyPr>
-            <a:normAutofit/>
-          </a:bodyPr>
-          <a:lstStyle/>
-          <a:p>
-            <a:r>
-              <a:rPr lang="en-US" b="1" dirty="0">
-                <a:solidFill>
-                  <a:schemeClr val="bg1"/>
-                </a:solidFill>
-              </a:rPr>
-              <a:t>Decorators</a:t>
-            </a:r>
-          </a:p>
-        </p:txBody>
-      </p:sp>
-      <p:sp>
-        <p:nvSpPr>
-          <p:cNvPr id="5" name="Content Placeholder 4"/>
-          <p:cNvSpPr>
-            <a:spLocks noGrp="1"/>
-          </p:cNvSpPr>
-          <p:nvPr>
-            <p:ph idx="1"/>
-          </p:nvPr>
-        </p:nvSpPr>
-        <p:spPr>
-          <a:xfrm>
-            <a:off x="2952751" y="1027305"/>
-            <a:ext cx="6172200" cy="3737372"/>
-          </a:xfrm>
-        </p:spPr>
-        <p:txBody>
-          <a:bodyPr>
-            <a:noAutofit/>
-          </a:bodyPr>
-          <a:lstStyle/>
-          <a:p>
-            <a:pPr marL="0" indent="0" algn="ctr">
-              <a:buNone/>
-            </a:pPr>
-            <a:r>
-              <a:rPr lang="en-US" dirty="0"/>
-              <a:t>Class Decorator</a:t>
-            </a:r>
-          </a:p>
-          <a:p>
-            <a:endParaRPr lang="en-US" dirty="0"/>
-          </a:p>
-          <a:p>
-            <a:endParaRPr lang="en-US" dirty="0"/>
-          </a:p>
-          <a:p>
-            <a:endParaRPr lang="en-US" dirty="0"/>
-          </a:p>
-          <a:p>
-            <a:pPr lvl="1">
-              <a:buFontTx/>
-              <a:buChar char="-"/>
-            </a:pPr>
-            <a:endParaRPr lang="en-US" sz="1200" dirty="0"/>
-          </a:p>
-          <a:p>
-            <a:pPr lvl="1">
-              <a:buFontTx/>
-              <a:buChar char="-"/>
-            </a:pPr>
-            <a:endParaRPr lang="en-US" sz="1200" dirty="0"/>
-          </a:p>
-          <a:p>
-            <a:pPr lvl="1">
-              <a:buFontTx/>
-              <a:buChar char="-"/>
-            </a:pPr>
-            <a:endParaRPr lang="en-US" sz="1200" dirty="0"/>
-          </a:p>
-          <a:p>
-            <a:pPr lvl="1">
-              <a:buFontTx/>
-              <a:buChar char="-"/>
-            </a:pPr>
-            <a:endParaRPr lang="en-US" sz="1200" dirty="0"/>
-          </a:p>
-          <a:p>
-            <a:pPr lvl="1">
-              <a:buFontTx/>
-              <a:buChar char="-"/>
-            </a:pPr>
-            <a:endParaRPr lang="en-US" sz="1200" dirty="0"/>
-          </a:p>
-          <a:p>
-            <a:pPr lvl="1">
-              <a:buFontTx/>
-              <a:buChar char="-"/>
-            </a:pPr>
-            <a:endParaRPr lang="en-US" sz="1200" dirty="0"/>
-          </a:p>
-          <a:p>
-            <a:pPr lvl="1">
-              <a:buFontTx/>
-              <a:buChar char="-"/>
-            </a:pPr>
-            <a:endParaRPr lang="en-US" sz="1200" dirty="0"/>
-          </a:p>
-          <a:p>
-            <a:pPr lvl="1">
-              <a:buFontTx/>
-              <a:buChar char="-"/>
-            </a:pPr>
-            <a:endParaRPr lang="en-US" sz="1200" dirty="0"/>
-          </a:p>
-          <a:p>
-            <a:pPr lvl="1">
-              <a:buFontTx/>
-              <a:buChar char="-"/>
-            </a:pPr>
-            <a:endParaRPr lang="en-US" sz="1200" dirty="0"/>
-          </a:p>
-        </p:txBody>
-      </p:sp>
-      <p:sp>
-        <p:nvSpPr>
-          <p:cNvPr id="6" name="Rectangle 5"/>
-          <p:cNvSpPr/>
-          <p:nvPr/>
-        </p:nvSpPr>
-        <p:spPr>
-          <a:xfrm>
-            <a:off x="3208524" y="1899502"/>
-            <a:ext cx="5660654" cy="3713599"/>
-          </a:xfrm>
-          <a:prstGeom prst="rect">
-            <a:avLst/>
-          </a:prstGeom>
-          <a:solidFill>
-            <a:schemeClr val="tx1"/>
-          </a:solidFill>
-          <a:ln>
-            <a:noFill/>
-          </a:ln>
-        </p:spPr>
-        <p:style>
-          <a:lnRef idx="2">
-            <a:schemeClr val="accent1">
-              <a:shade val="50000"/>
-            </a:schemeClr>
-          </a:lnRef>
-          <a:fillRef idx="1">
-            <a:schemeClr val="accent1"/>
-          </a:fillRef>
-          <a:effectRef idx="0">
-            <a:schemeClr val="accent1"/>
-          </a:effectRef>
-          <a:fontRef idx="minor">
-            <a:schemeClr val="lt1"/>
-          </a:fontRef>
-        </p:style>
-        <p:txBody>
-          <a:bodyPr rtlCol="0" anchor="ctr"/>
-          <a:lstStyle/>
-          <a:p>
-            <a:r>
-              <a:rPr lang="en-US" dirty="0">
-                <a:solidFill>
-                  <a:schemeClr val="bg1"/>
-                </a:solidFill>
-                <a:latin typeface="Courier New" panose="02070309020205020404" pitchFamily="49" charset="0"/>
-                <a:cs typeface="Courier New" panose="02070309020205020404" pitchFamily="49" charset="0"/>
-              </a:rPr>
-              <a:t>function log(prefix?: string) {</a:t>
-            </a:r>
-          </a:p>
-          <a:p>
-            <a:r>
-              <a:rPr lang="en-US" dirty="0">
-                <a:solidFill>
-                  <a:schemeClr val="bg1"/>
-                </a:solidFill>
-                <a:latin typeface="Courier New" panose="02070309020205020404" pitchFamily="49" charset="0"/>
-                <a:cs typeface="Courier New" panose="02070309020205020404" pitchFamily="49" charset="0"/>
-              </a:rPr>
-              <a:t>  return (target) =&gt; {</a:t>
-            </a:r>
-          </a:p>
-          <a:p>
-            <a:r>
-              <a:rPr lang="en-US" dirty="0">
-                <a:solidFill>
-                  <a:schemeClr val="bg1"/>
-                </a:solidFill>
-                <a:latin typeface="Courier New" panose="02070309020205020404" pitchFamily="49" charset="0"/>
-                <a:cs typeface="Courier New" panose="02070309020205020404" pitchFamily="49" charset="0"/>
-              </a:rPr>
-              <a:t>    // save a reference to the original constructor</a:t>
-            </a:r>
-          </a:p>
-          <a:p>
-            <a:r>
-              <a:rPr lang="en-US" dirty="0">
-                <a:solidFill>
-                  <a:schemeClr val="bg1"/>
-                </a:solidFill>
-                <a:latin typeface="Courier New" panose="02070309020205020404" pitchFamily="49" charset="0"/>
-                <a:cs typeface="Courier New" panose="02070309020205020404" pitchFamily="49" charset="0"/>
-              </a:rPr>
-              <a:t>    </a:t>
-            </a:r>
-            <a:r>
-              <a:rPr lang="en-US" dirty="0" err="1">
-                <a:solidFill>
-                  <a:schemeClr val="bg1"/>
-                </a:solidFill>
-                <a:latin typeface="Courier New" panose="02070309020205020404" pitchFamily="49" charset="0"/>
-                <a:cs typeface="Courier New" panose="02070309020205020404" pitchFamily="49" charset="0"/>
-              </a:rPr>
-              <a:t>var</a:t>
-            </a:r>
-            <a:r>
-              <a:rPr lang="en-US" dirty="0">
-                <a:solidFill>
-                  <a:schemeClr val="bg1"/>
-                </a:solidFill>
-                <a:latin typeface="Courier New" panose="02070309020205020404" pitchFamily="49" charset="0"/>
-                <a:cs typeface="Courier New" panose="02070309020205020404" pitchFamily="49" charset="0"/>
-              </a:rPr>
-              <a:t> original = target;</a:t>
-            </a:r>
-          </a:p>
-          <a:p>
-            <a:r>
-              <a:rPr lang="en-US" dirty="0">
-                <a:solidFill>
-                  <a:schemeClr val="bg1"/>
-                </a:solidFill>
-                <a:latin typeface="Courier New" panose="02070309020205020404" pitchFamily="49" charset="0"/>
-                <a:cs typeface="Courier New" panose="02070309020205020404" pitchFamily="49" charset="0"/>
-              </a:rPr>
-              <a:t>    console.log(prefix + original.name);</a:t>
-            </a:r>
-          </a:p>
-          <a:p>
-            <a:r>
-              <a:rPr lang="en-US" dirty="0">
-                <a:solidFill>
-                  <a:schemeClr val="bg1"/>
-                </a:solidFill>
-                <a:latin typeface="Courier New" panose="02070309020205020404" pitchFamily="49" charset="0"/>
-                <a:cs typeface="Courier New" panose="02070309020205020404" pitchFamily="49" charset="0"/>
-              </a:rPr>
-              <a:t>   }</a:t>
-            </a:r>
-          </a:p>
-          <a:p>
-            <a:r>
-              <a:rPr lang="en-US" dirty="0">
-                <a:solidFill>
-                  <a:schemeClr val="bg1"/>
-                </a:solidFill>
-                <a:latin typeface="Courier New" panose="02070309020205020404" pitchFamily="49" charset="0"/>
-                <a:cs typeface="Courier New" panose="02070309020205020404" pitchFamily="49" charset="0"/>
-              </a:rPr>
-              <a:t>}</a:t>
-            </a:r>
-          </a:p>
-          <a:p>
-            <a:r>
-              <a:rPr lang="en-US" dirty="0">
-                <a:solidFill>
-                  <a:schemeClr val="bg1"/>
-                </a:solidFill>
-                <a:latin typeface="Courier New" panose="02070309020205020404" pitchFamily="49" charset="0"/>
-                <a:cs typeface="Courier New" panose="02070309020205020404" pitchFamily="49" charset="0"/>
-              </a:rPr>
-              <a:t>@log('hello')</a:t>
-            </a:r>
-          </a:p>
-          <a:p>
-            <a:r>
-              <a:rPr lang="en-US" dirty="0">
-                <a:solidFill>
-                  <a:schemeClr val="bg1"/>
-                </a:solidFill>
-                <a:latin typeface="Courier New" panose="02070309020205020404" pitchFamily="49" charset="0"/>
-                <a:cs typeface="Courier New" panose="02070309020205020404" pitchFamily="49" charset="0"/>
-              </a:rPr>
-              <a:t>class World {</a:t>
-            </a:r>
-          </a:p>
-          <a:p>
-            <a:r>
-              <a:rPr lang="en-US" dirty="0">
-                <a:solidFill>
-                  <a:schemeClr val="bg1"/>
-                </a:solidFill>
-                <a:latin typeface="Courier New" panose="02070309020205020404" pitchFamily="49" charset="0"/>
-                <a:cs typeface="Courier New" panose="02070309020205020404" pitchFamily="49" charset="0"/>
-              </a:rPr>
-              <a:t>}</a:t>
-            </a:r>
-          </a:p>
-          <a:p>
-            <a:r>
-              <a:rPr lang="en-US" dirty="0" err="1">
-                <a:solidFill>
-                  <a:schemeClr val="bg1"/>
-                </a:solidFill>
-                <a:latin typeface="Courier New" panose="02070309020205020404" pitchFamily="49" charset="0"/>
-                <a:cs typeface="Courier New" panose="02070309020205020404" pitchFamily="49" charset="0"/>
-              </a:rPr>
-              <a:t>const</a:t>
-            </a:r>
-            <a:r>
-              <a:rPr lang="en-US" dirty="0">
-                <a:solidFill>
-                  <a:schemeClr val="bg1"/>
-                </a:solidFill>
-                <a:latin typeface="Courier New" panose="02070309020205020404" pitchFamily="49" charset="0"/>
-                <a:cs typeface="Courier New" panose="02070309020205020404" pitchFamily="49" charset="0"/>
-              </a:rPr>
-              <a:t> w = new World(); // outputs "</a:t>
-            </a:r>
-            <a:r>
-              <a:rPr lang="en-US" dirty="0" err="1">
-                <a:solidFill>
-                  <a:schemeClr val="bg1"/>
-                </a:solidFill>
-                <a:latin typeface="Courier New" panose="02070309020205020404" pitchFamily="49" charset="0"/>
-                <a:cs typeface="Courier New" panose="02070309020205020404" pitchFamily="49" charset="0"/>
-              </a:rPr>
-              <a:t>helloWorld</a:t>
-            </a:r>
-            <a:r>
-              <a:rPr lang="en-US" dirty="0">
-                <a:solidFill>
-                  <a:schemeClr val="bg1"/>
-                </a:solidFill>
-                <a:latin typeface="Courier New" panose="02070309020205020404" pitchFamily="49" charset="0"/>
-                <a:cs typeface="Courier New" panose="02070309020205020404" pitchFamily="49" charset="0"/>
-              </a:rPr>
-              <a:t>"</a:t>
-            </a:r>
-          </a:p>
-        </p:txBody>
-      </p:sp>
-      <p:sp>
-        <p:nvSpPr>
-          <p:cNvPr id="8" name="Footer Placeholder 1"/>
-          <p:cNvSpPr>
-            <a:spLocks noGrp="1"/>
-          </p:cNvSpPr>
-          <p:nvPr>
-            <p:ph type="ftr" sz="quarter" idx="11"/>
-          </p:nvPr>
-        </p:nvSpPr>
-        <p:spPr>
-          <a:xfrm>
-            <a:off x="0" y="6458740"/>
-            <a:ext cx="1367711" cy="199442"/>
-          </a:xfrm>
-        </p:spPr>
-        <p:txBody>
-          <a:bodyPr/>
-          <a:lstStyle/>
-          <a:p>
-            <a:r>
-              <a:rPr lang="en-US"/>
-              <a:t>© Cognizant 2019</a:t>
-            </a:r>
-            <a:endParaRPr lang="en-US" dirty="0"/>
-          </a:p>
-        </p:txBody>
-      </p:sp>
-      <p:sp>
-        <p:nvSpPr>
-          <p:cNvPr id="3" name="Slide Number Placeholder 2">
-            <a:extLst>
-              <a:ext uri="{FF2B5EF4-FFF2-40B4-BE49-F238E27FC236}">
-                <a16:creationId xmlns:a16="http://schemas.microsoft.com/office/drawing/2014/main" id="{31CA0473-B710-45A8-8861-D030AE8B9908}"/>
-              </a:ext>
-            </a:extLst>
-          </p:cNvPr>
-          <p:cNvSpPr>
-            <a:spLocks noGrp="1"/>
-          </p:cNvSpPr>
-          <p:nvPr>
-            <p:ph type="sldNum" sz="quarter" idx="12"/>
-          </p:nvPr>
-        </p:nvSpPr>
-        <p:spPr/>
-        <p:txBody>
-          <a:bodyPr/>
-          <a:lstStyle/>
-          <a:p>
-            <a:fld id="{8430ED8F-F4BA-4C5B-9498-F896284E1CAD}" type="slidenum">
-              <a:rPr lang="en-US" smtClean="0"/>
-              <a:t>15</a:t>
-            </a:fld>
-            <a:endParaRPr lang="en-US"/>
-          </a:p>
-        </p:txBody>
-      </p:sp>
-    </p:spTree>
-    <p:extLst>
-      <p:ext uri="{BB962C8B-B14F-4D97-AF65-F5344CB8AC3E}">
-        <p14:creationId xmlns:p14="http://schemas.microsoft.com/office/powerpoint/2010/main" val="3049508663"/>
-      </p:ext>
-    </p:extLst>
-  </p:cSld>
-  <p:clrMapOvr>
-    <a:masterClrMapping/>
-  </p:clrMapOvr>
-</p:sld>
-</file>
-
-<file path=ppt/slides/slide16.xml><?xml version="1.0" encoding="utf-8"?>
-<p:sld xmlns:a="http://schemas.openxmlformats.org/drawingml/2006/main" xmlns:r="http://schemas.openxmlformats.org/officeDocument/2006/relationships" xmlns:p="http://schemas.openxmlformats.org/presentationml/2006/main">
-  <p:cSld>
-    <p:spTree>
-      <p:nvGrpSpPr>
-        <p:cNvPr id="1" name=""/>
-        <p:cNvGrpSpPr/>
-        <p:nvPr/>
-      </p:nvGrpSpPr>
-      <p:grpSpPr>
-        <a:xfrm>
-          <a:off x="0" y="0"/>
-          <a:ext cx="0" cy="0"/>
-          <a:chOff x="0" y="0"/>
-          <a:chExt cx="0" cy="0"/>
-        </a:xfrm>
-      </p:grpSpPr>
-      <p:sp>
-        <p:nvSpPr>
-          <p:cNvPr id="2" name="Title 1"/>
-          <p:cNvSpPr>
-            <a:spLocks noGrp="1"/>
-          </p:cNvSpPr>
-          <p:nvPr>
-            <p:ph type="title"/>
-          </p:nvPr>
-        </p:nvSpPr>
-        <p:spPr>
-          <a:xfrm>
-            <a:off x="4660804" y="-106544"/>
-            <a:ext cx="2756094" cy="745629"/>
-          </a:xfrm>
-        </p:spPr>
-        <p:txBody>
-          <a:bodyPr>
-            <a:normAutofit/>
-          </a:bodyPr>
-          <a:lstStyle/>
-          <a:p>
-            <a:r>
-              <a:rPr lang="en-US" b="1" dirty="0">
-                <a:solidFill>
-                  <a:schemeClr val="bg1"/>
-                </a:solidFill>
-              </a:rPr>
-              <a:t>Decorators</a:t>
-            </a:r>
-          </a:p>
-        </p:txBody>
-      </p:sp>
-      <p:sp>
-        <p:nvSpPr>
-          <p:cNvPr id="5" name="Content Placeholder 4"/>
-          <p:cNvSpPr>
-            <a:spLocks noGrp="1"/>
-          </p:cNvSpPr>
-          <p:nvPr>
-            <p:ph idx="1"/>
-          </p:nvPr>
-        </p:nvSpPr>
-        <p:spPr>
-          <a:xfrm>
-            <a:off x="2952751" y="1027305"/>
-            <a:ext cx="6172200" cy="3737372"/>
-          </a:xfrm>
-        </p:spPr>
-        <p:txBody>
-          <a:bodyPr>
-            <a:noAutofit/>
-          </a:bodyPr>
-          <a:lstStyle/>
-          <a:p>
-            <a:pPr marL="0" indent="0" algn="ctr">
-              <a:buNone/>
-            </a:pPr>
-            <a:r>
-              <a:rPr lang="en-US" dirty="0"/>
-              <a:t>Parameter Decorator</a:t>
-            </a:r>
-          </a:p>
-          <a:p>
-            <a:pPr lvl="1">
-              <a:buFontTx/>
-              <a:buChar char="-"/>
-            </a:pPr>
-            <a:endParaRPr lang="en-US" sz="1200" dirty="0"/>
-          </a:p>
-          <a:p>
-            <a:pPr lvl="1">
-              <a:buFontTx/>
-              <a:buChar char="-"/>
-            </a:pPr>
-            <a:endParaRPr lang="en-US" sz="1200" dirty="0"/>
-          </a:p>
-          <a:p>
-            <a:pPr lvl="1">
-              <a:buFontTx/>
-              <a:buChar char="-"/>
-            </a:pPr>
-            <a:endParaRPr lang="en-US" sz="1200" dirty="0"/>
-          </a:p>
-          <a:p>
-            <a:pPr lvl="1">
-              <a:buFontTx/>
-              <a:buChar char="-"/>
-            </a:pPr>
-            <a:endParaRPr lang="en-US" sz="1200" dirty="0"/>
-          </a:p>
-          <a:p>
-            <a:pPr lvl="1">
-              <a:buFontTx/>
-              <a:buChar char="-"/>
-            </a:pPr>
-            <a:endParaRPr lang="en-US" sz="1200" dirty="0"/>
-          </a:p>
-          <a:p>
-            <a:pPr lvl="1">
-              <a:buFontTx/>
-              <a:buChar char="-"/>
-            </a:pPr>
-            <a:endParaRPr lang="en-US" sz="1200" dirty="0"/>
-          </a:p>
-          <a:p>
-            <a:pPr lvl="1">
-              <a:buFontTx/>
-              <a:buChar char="-"/>
-            </a:pPr>
-            <a:endParaRPr lang="en-US" sz="1200" dirty="0"/>
-          </a:p>
-          <a:p>
-            <a:pPr lvl="1">
-              <a:buFontTx/>
-              <a:buChar char="-"/>
-            </a:pPr>
-            <a:endParaRPr lang="en-US" sz="1200" dirty="0"/>
-          </a:p>
-          <a:p>
-            <a:pPr lvl="1">
-              <a:buFontTx/>
-              <a:buChar char="-"/>
-            </a:pPr>
-            <a:endParaRPr lang="en-US" sz="1200" dirty="0"/>
-          </a:p>
-        </p:txBody>
-      </p:sp>
-      <p:sp>
-        <p:nvSpPr>
-          <p:cNvPr id="7" name="Rectangle 6"/>
-          <p:cNvSpPr/>
-          <p:nvPr/>
-        </p:nvSpPr>
-        <p:spPr>
-          <a:xfrm>
-            <a:off x="3208524" y="1871003"/>
-            <a:ext cx="5660654" cy="4069726"/>
-          </a:xfrm>
-          <a:prstGeom prst="rect">
-            <a:avLst/>
-          </a:prstGeom>
-          <a:solidFill>
-            <a:schemeClr val="tx1"/>
-          </a:solidFill>
-          <a:ln>
-            <a:noFill/>
-          </a:ln>
-        </p:spPr>
-        <p:style>
-          <a:lnRef idx="2">
-            <a:schemeClr val="accent1">
-              <a:shade val="50000"/>
-            </a:schemeClr>
-          </a:lnRef>
-          <a:fillRef idx="1">
-            <a:schemeClr val="accent1"/>
-          </a:fillRef>
-          <a:effectRef idx="0">
-            <a:schemeClr val="accent1"/>
-          </a:effectRef>
-          <a:fontRef idx="minor">
-            <a:schemeClr val="lt1"/>
-          </a:fontRef>
-        </p:style>
-        <p:txBody>
-          <a:bodyPr rtlCol="0" anchor="ctr"/>
-          <a:lstStyle/>
-          <a:p>
-            <a:r>
-              <a:rPr lang="en-US" dirty="0">
-                <a:solidFill>
-                  <a:schemeClr val="bg1"/>
-                </a:solidFill>
-                <a:latin typeface="Courier New" panose="02070309020205020404" pitchFamily="49" charset="0"/>
-                <a:cs typeface="Courier New" panose="02070309020205020404" pitchFamily="49" charset="0"/>
-              </a:rPr>
-              <a:t>function </a:t>
-            </a:r>
-            <a:r>
-              <a:rPr lang="en-US" dirty="0" err="1">
-                <a:solidFill>
-                  <a:schemeClr val="bg1"/>
-                </a:solidFill>
-                <a:latin typeface="Courier New" panose="02070309020205020404" pitchFamily="49" charset="0"/>
-                <a:cs typeface="Courier New" panose="02070309020205020404" pitchFamily="49" charset="0"/>
-              </a:rPr>
-              <a:t>logPosition</a:t>
-            </a:r>
-            <a:r>
-              <a:rPr lang="en-US" dirty="0">
-                <a:solidFill>
-                  <a:schemeClr val="bg1"/>
-                </a:solidFill>
-                <a:latin typeface="Courier New" panose="02070309020205020404" pitchFamily="49" charset="0"/>
-                <a:cs typeface="Courier New" panose="02070309020205020404" pitchFamily="49" charset="0"/>
-              </a:rPr>
-              <a:t>(target: any, </a:t>
-            </a:r>
-            <a:r>
-              <a:rPr lang="en-US" dirty="0" err="1">
-                <a:solidFill>
-                  <a:schemeClr val="bg1"/>
-                </a:solidFill>
-                <a:latin typeface="Courier New" panose="02070309020205020404" pitchFamily="49" charset="0"/>
-                <a:cs typeface="Courier New" panose="02070309020205020404" pitchFamily="49" charset="0"/>
-              </a:rPr>
-              <a:t>propertyKey</a:t>
-            </a:r>
-            <a:r>
-              <a:rPr lang="en-US" dirty="0">
-                <a:solidFill>
-                  <a:schemeClr val="bg1"/>
-                </a:solidFill>
-                <a:latin typeface="Courier New" panose="02070309020205020404" pitchFamily="49" charset="0"/>
-                <a:cs typeface="Courier New" panose="02070309020205020404" pitchFamily="49" charset="0"/>
-              </a:rPr>
-              <a:t>: string, </a:t>
-            </a:r>
-            <a:r>
-              <a:rPr lang="en-US" dirty="0" err="1">
-                <a:solidFill>
-                  <a:schemeClr val="bg1"/>
-                </a:solidFill>
-                <a:latin typeface="Courier New" panose="02070309020205020404" pitchFamily="49" charset="0"/>
-                <a:cs typeface="Courier New" panose="02070309020205020404" pitchFamily="49" charset="0"/>
-              </a:rPr>
-              <a:t>parameterIndex</a:t>
-            </a:r>
-            <a:r>
-              <a:rPr lang="en-US" dirty="0">
-                <a:solidFill>
-                  <a:schemeClr val="bg1"/>
-                </a:solidFill>
-                <a:latin typeface="Courier New" panose="02070309020205020404" pitchFamily="49" charset="0"/>
-                <a:cs typeface="Courier New" panose="02070309020205020404" pitchFamily="49" charset="0"/>
-              </a:rPr>
-              <a:t>: number) {</a:t>
-            </a:r>
-          </a:p>
-          <a:p>
-            <a:r>
-              <a:rPr lang="en-US" dirty="0">
-                <a:solidFill>
-                  <a:schemeClr val="bg1"/>
-                </a:solidFill>
-                <a:latin typeface="Courier New" panose="02070309020205020404" pitchFamily="49" charset="0"/>
-                <a:cs typeface="Courier New" panose="02070309020205020404" pitchFamily="49" charset="0"/>
-              </a:rPr>
-              <a:t>  console.log(</a:t>
-            </a:r>
-            <a:r>
-              <a:rPr lang="en-US" dirty="0" err="1">
-                <a:solidFill>
-                  <a:schemeClr val="bg1"/>
-                </a:solidFill>
-                <a:latin typeface="Courier New" panose="02070309020205020404" pitchFamily="49" charset="0"/>
-                <a:cs typeface="Courier New" panose="02070309020205020404" pitchFamily="49" charset="0"/>
-              </a:rPr>
-              <a:t>parameterIndex</a:t>
-            </a:r>
-            <a:r>
-              <a:rPr lang="en-US" dirty="0">
-                <a:solidFill>
-                  <a:schemeClr val="bg1"/>
-                </a:solidFill>
-                <a:latin typeface="Courier New" panose="02070309020205020404" pitchFamily="49" charset="0"/>
-                <a:cs typeface="Courier New" panose="02070309020205020404" pitchFamily="49" charset="0"/>
-              </a:rPr>
-              <a:t>);</a:t>
-            </a:r>
-          </a:p>
-          <a:p>
-            <a:r>
-              <a:rPr lang="en-US" dirty="0">
-                <a:solidFill>
-                  <a:schemeClr val="bg1"/>
-                </a:solidFill>
-                <a:latin typeface="Courier New" panose="02070309020205020404" pitchFamily="49" charset="0"/>
-                <a:cs typeface="Courier New" panose="02070309020205020404" pitchFamily="49" charset="0"/>
-              </a:rPr>
-              <a:t>}</a:t>
-            </a:r>
-          </a:p>
-          <a:p>
-            <a:r>
-              <a:rPr lang="en-US" dirty="0">
-                <a:solidFill>
-                  <a:schemeClr val="bg1"/>
-                </a:solidFill>
-                <a:latin typeface="Courier New" panose="02070309020205020404" pitchFamily="49" charset="0"/>
-                <a:cs typeface="Courier New" panose="02070309020205020404" pitchFamily="49" charset="0"/>
-              </a:rPr>
-              <a:t>class Cow {</a:t>
-            </a:r>
-          </a:p>
-          <a:p>
-            <a:r>
-              <a:rPr lang="en-US" dirty="0">
-                <a:solidFill>
-                  <a:schemeClr val="bg1"/>
-                </a:solidFill>
-                <a:latin typeface="Courier New" panose="02070309020205020404" pitchFamily="49" charset="0"/>
-                <a:cs typeface="Courier New" panose="02070309020205020404" pitchFamily="49" charset="0"/>
-              </a:rPr>
-              <a:t>  say(b: string, @</a:t>
-            </a:r>
-            <a:r>
-              <a:rPr lang="en-US" dirty="0" err="1">
-                <a:solidFill>
-                  <a:schemeClr val="bg1"/>
-                </a:solidFill>
-                <a:latin typeface="Courier New" panose="02070309020205020404" pitchFamily="49" charset="0"/>
-                <a:cs typeface="Courier New" panose="02070309020205020404" pitchFamily="49" charset="0"/>
-              </a:rPr>
-              <a:t>logPosition</a:t>
-            </a:r>
-            <a:r>
-              <a:rPr lang="en-US" dirty="0">
-                <a:solidFill>
-                  <a:schemeClr val="bg1"/>
-                </a:solidFill>
-                <a:latin typeface="Courier New" panose="02070309020205020404" pitchFamily="49" charset="0"/>
-                <a:cs typeface="Courier New" panose="02070309020205020404" pitchFamily="49" charset="0"/>
-              </a:rPr>
-              <a:t> c: </a:t>
-            </a:r>
-            <a:r>
-              <a:rPr lang="en-US" dirty="0" err="1">
-                <a:solidFill>
-                  <a:schemeClr val="bg1"/>
-                </a:solidFill>
-                <a:latin typeface="Courier New" panose="02070309020205020404" pitchFamily="49" charset="0"/>
-                <a:cs typeface="Courier New" panose="02070309020205020404" pitchFamily="49" charset="0"/>
-              </a:rPr>
-              <a:t>boolean</a:t>
-            </a:r>
-            <a:r>
-              <a:rPr lang="en-US" dirty="0">
-                <a:solidFill>
-                  <a:schemeClr val="bg1"/>
-                </a:solidFill>
-                <a:latin typeface="Courier New" panose="02070309020205020404" pitchFamily="49" charset="0"/>
-                <a:cs typeface="Courier New" panose="02070309020205020404" pitchFamily="49" charset="0"/>
-              </a:rPr>
-              <a:t>) {</a:t>
-            </a:r>
-          </a:p>
-          <a:p>
-            <a:r>
-              <a:rPr lang="en-US" dirty="0">
-                <a:solidFill>
-                  <a:schemeClr val="bg1"/>
-                </a:solidFill>
-                <a:latin typeface="Courier New" panose="02070309020205020404" pitchFamily="49" charset="0"/>
-                <a:cs typeface="Courier New" panose="02070309020205020404" pitchFamily="49" charset="0"/>
-              </a:rPr>
-              <a:t>    console.log(b);</a:t>
-            </a:r>
-          </a:p>
-          <a:p>
-            <a:r>
-              <a:rPr lang="en-US" dirty="0">
-                <a:solidFill>
-                  <a:schemeClr val="bg1"/>
-                </a:solidFill>
-                <a:latin typeface="Courier New" panose="02070309020205020404" pitchFamily="49" charset="0"/>
-                <a:cs typeface="Courier New" panose="02070309020205020404" pitchFamily="49" charset="0"/>
-              </a:rPr>
-              <a:t>  }</a:t>
-            </a:r>
-          </a:p>
-          <a:p>
-            <a:r>
-              <a:rPr lang="en-US" dirty="0">
-                <a:solidFill>
-                  <a:schemeClr val="bg1"/>
-                </a:solidFill>
-                <a:latin typeface="Courier New" panose="02070309020205020404" pitchFamily="49" charset="0"/>
-                <a:cs typeface="Courier New" panose="02070309020205020404" pitchFamily="49" charset="0"/>
-              </a:rPr>
-              <a:t>}</a:t>
-            </a:r>
-          </a:p>
-          <a:p>
-            <a:endParaRPr lang="en-US" dirty="0">
-              <a:solidFill>
-                <a:schemeClr val="bg1"/>
-              </a:solidFill>
-              <a:latin typeface="Courier New" panose="02070309020205020404" pitchFamily="49" charset="0"/>
-              <a:cs typeface="Courier New" panose="02070309020205020404" pitchFamily="49" charset="0"/>
-            </a:endParaRPr>
-          </a:p>
-          <a:p>
-            <a:r>
-              <a:rPr lang="en-US" dirty="0">
-                <a:solidFill>
-                  <a:schemeClr val="bg1"/>
-                </a:solidFill>
-                <a:latin typeface="Courier New" panose="02070309020205020404" pitchFamily="49" charset="0"/>
-                <a:cs typeface="Courier New" panose="02070309020205020404" pitchFamily="49" charset="0"/>
-              </a:rPr>
-              <a:t>new Cow().say('hello', false); // outputs 1 (newline) hello</a:t>
-            </a:r>
-          </a:p>
-        </p:txBody>
-      </p:sp>
-      <p:sp>
-        <p:nvSpPr>
-          <p:cNvPr id="8" name="Footer Placeholder 1"/>
-          <p:cNvSpPr>
-            <a:spLocks noGrp="1"/>
-          </p:cNvSpPr>
-          <p:nvPr>
-            <p:ph type="ftr" sz="quarter" idx="11"/>
-          </p:nvPr>
-        </p:nvSpPr>
-        <p:spPr>
-          <a:xfrm>
-            <a:off x="0" y="6486875"/>
-            <a:ext cx="1367711" cy="199442"/>
-          </a:xfrm>
-        </p:spPr>
-        <p:txBody>
-          <a:bodyPr/>
-          <a:lstStyle/>
-          <a:p>
-            <a:r>
-              <a:rPr lang="en-US"/>
-              <a:t>© Cognizant 2019</a:t>
-            </a:r>
-            <a:endParaRPr lang="en-US" dirty="0"/>
-          </a:p>
-        </p:txBody>
-      </p:sp>
-      <p:sp>
-        <p:nvSpPr>
-          <p:cNvPr id="3" name="Slide Number Placeholder 2">
-            <a:extLst>
-              <a:ext uri="{FF2B5EF4-FFF2-40B4-BE49-F238E27FC236}">
-                <a16:creationId xmlns:a16="http://schemas.microsoft.com/office/drawing/2014/main" id="{18FA90E1-9751-4AAF-AF7F-A0EE18AE0C64}"/>
-              </a:ext>
-            </a:extLst>
-          </p:cNvPr>
-          <p:cNvSpPr>
-            <a:spLocks noGrp="1"/>
-          </p:cNvSpPr>
-          <p:nvPr>
-            <p:ph type="sldNum" sz="quarter" idx="12"/>
-          </p:nvPr>
-        </p:nvSpPr>
-        <p:spPr/>
-        <p:txBody>
-          <a:bodyPr/>
-          <a:lstStyle/>
-          <a:p>
-            <a:fld id="{8430ED8F-F4BA-4C5B-9498-F896284E1CAD}" type="slidenum">
-              <a:rPr lang="en-US" smtClean="0"/>
-              <a:t>16</a:t>
-            </a:fld>
-            <a:endParaRPr lang="en-US"/>
-          </a:p>
-        </p:txBody>
-      </p:sp>
-    </p:spTree>
-    <p:extLst>
-      <p:ext uri="{BB962C8B-B14F-4D97-AF65-F5344CB8AC3E}">
-        <p14:creationId xmlns:p14="http://schemas.microsoft.com/office/powerpoint/2010/main" val="3798724064"/>
-      </p:ext>
-    </p:extLst>
-  </p:cSld>
-  <p:clrMapOvr>
-    <a:masterClrMapping/>
-  </p:clrMapOvr>
-</p:sld>
-</file>
-
 <file path=ppt/slides/slide17.xml><?xml version="1.0" encoding="utf-8"?>
 <p:sld xmlns:a="http://schemas.openxmlformats.org/drawingml/2006/main" xmlns:r="http://schemas.openxmlformats.org/officeDocument/2006/relationships" xmlns:p="http://schemas.openxmlformats.org/presentationml/2006/main">
   <p:cSld>
@@ -8676,6 +7192,1720 @@
       </p:grpSpPr>
       <p:sp>
         <p:nvSpPr>
+          <p:cNvPr id="2" name="Title 1"/>
+          <p:cNvSpPr>
+            <a:spLocks noGrp="1"/>
+          </p:cNvSpPr>
+          <p:nvPr>
+            <p:ph type="title"/>
+          </p:nvPr>
+        </p:nvSpPr>
+        <p:spPr>
+          <a:xfrm>
+            <a:off x="4660804" y="-106544"/>
+            <a:ext cx="2756094" cy="745629"/>
+          </a:xfrm>
+        </p:spPr>
+        <p:txBody>
+          <a:bodyPr>
+            <a:normAutofit/>
+          </a:bodyPr>
+          <a:lstStyle/>
+          <a:p>
+            <a:r>
+              <a:rPr lang="en-US" b="1" dirty="0">
+                <a:solidFill>
+                  <a:schemeClr val="bg1"/>
+                </a:solidFill>
+              </a:rPr>
+              <a:t>Decorators</a:t>
+            </a:r>
+          </a:p>
+        </p:txBody>
+      </p:sp>
+      <p:sp>
+        <p:nvSpPr>
+          <p:cNvPr id="5" name="Content Placeholder 4"/>
+          <p:cNvSpPr>
+            <a:spLocks noGrp="1"/>
+          </p:cNvSpPr>
+          <p:nvPr>
+            <p:ph idx="1"/>
+          </p:nvPr>
+        </p:nvSpPr>
+        <p:spPr>
+          <a:xfrm>
+            <a:off x="2952751" y="639085"/>
+            <a:ext cx="6172200" cy="3737372"/>
+          </a:xfrm>
+        </p:spPr>
+        <p:txBody>
+          <a:bodyPr>
+            <a:noAutofit/>
+          </a:bodyPr>
+          <a:lstStyle/>
+          <a:p>
+            <a:pPr marL="0" indent="0" algn="ctr">
+              <a:buNone/>
+            </a:pPr>
+            <a:r>
+              <a:rPr lang="en-US" dirty="0"/>
+              <a:t>Class Decorator</a:t>
+            </a:r>
+          </a:p>
+          <a:p>
+            <a:pPr lvl="1">
+              <a:buFontTx/>
+              <a:buChar char="-"/>
+            </a:pPr>
+            <a:endParaRPr lang="en-US" sz="1200" dirty="0"/>
+          </a:p>
+          <a:p>
+            <a:pPr lvl="1">
+              <a:buFontTx/>
+              <a:buChar char="-"/>
+            </a:pPr>
+            <a:endParaRPr lang="en-US" sz="1200" dirty="0"/>
+          </a:p>
+          <a:p>
+            <a:pPr lvl="1">
+              <a:buFontTx/>
+              <a:buChar char="-"/>
+            </a:pPr>
+            <a:endParaRPr lang="en-US" sz="1200" dirty="0"/>
+          </a:p>
+          <a:p>
+            <a:pPr lvl="1">
+              <a:buFontTx/>
+              <a:buChar char="-"/>
+            </a:pPr>
+            <a:endParaRPr lang="en-US" sz="1200" dirty="0"/>
+          </a:p>
+          <a:p>
+            <a:pPr lvl="1">
+              <a:buFontTx/>
+              <a:buChar char="-"/>
+            </a:pPr>
+            <a:endParaRPr lang="en-US" sz="1200" dirty="0"/>
+          </a:p>
+          <a:p>
+            <a:pPr lvl="1">
+              <a:buFontTx/>
+              <a:buChar char="-"/>
+            </a:pPr>
+            <a:endParaRPr lang="en-US" sz="1200" dirty="0"/>
+          </a:p>
+          <a:p>
+            <a:pPr lvl="1">
+              <a:buFontTx/>
+              <a:buChar char="-"/>
+            </a:pPr>
+            <a:endParaRPr lang="en-US" sz="1200" dirty="0"/>
+          </a:p>
+          <a:p>
+            <a:pPr lvl="1">
+              <a:buFontTx/>
+              <a:buChar char="-"/>
+            </a:pPr>
+            <a:endParaRPr lang="en-US" sz="1200" dirty="0"/>
+          </a:p>
+          <a:p>
+            <a:pPr lvl="1">
+              <a:buFontTx/>
+              <a:buChar char="-"/>
+            </a:pPr>
+            <a:endParaRPr lang="en-US" sz="1200" dirty="0"/>
+          </a:p>
+        </p:txBody>
+      </p:sp>
+      <p:sp>
+        <p:nvSpPr>
+          <p:cNvPr id="8" name="Footer Placeholder 1"/>
+          <p:cNvSpPr>
+            <a:spLocks noGrp="1"/>
+          </p:cNvSpPr>
+          <p:nvPr>
+            <p:ph type="ftr" sz="quarter" idx="11"/>
+          </p:nvPr>
+        </p:nvSpPr>
+        <p:spPr>
+          <a:xfrm>
+            <a:off x="0" y="6486875"/>
+            <a:ext cx="1367711" cy="199442"/>
+          </a:xfrm>
+        </p:spPr>
+        <p:txBody>
+          <a:bodyPr/>
+          <a:lstStyle/>
+          <a:p>
+            <a:r>
+              <a:rPr lang="en-US"/>
+              <a:t>© Cognizant 2019</a:t>
+            </a:r>
+            <a:endParaRPr lang="en-US" dirty="0"/>
+          </a:p>
+        </p:txBody>
+      </p:sp>
+      <p:sp>
+        <p:nvSpPr>
+          <p:cNvPr id="3" name="Slide Number Placeholder 2">
+            <a:extLst>
+              <a:ext uri="{FF2B5EF4-FFF2-40B4-BE49-F238E27FC236}">
+                <a16:creationId xmlns:a16="http://schemas.microsoft.com/office/drawing/2014/main" id="{18FA90E1-9751-4AAF-AF7F-A0EE18AE0C64}"/>
+              </a:ext>
+            </a:extLst>
+          </p:cNvPr>
+          <p:cNvSpPr>
+            <a:spLocks noGrp="1"/>
+          </p:cNvSpPr>
+          <p:nvPr>
+            <p:ph type="sldNum" sz="quarter" idx="12"/>
+          </p:nvPr>
+        </p:nvSpPr>
+        <p:spPr/>
+        <p:txBody>
+          <a:bodyPr/>
+          <a:lstStyle/>
+          <a:p>
+            <a:fld id="{8430ED8F-F4BA-4C5B-9498-F896284E1CAD}" type="slidenum">
+              <a:rPr lang="en-US" smtClean="0"/>
+              <a:t>17</a:t>
+            </a:fld>
+            <a:endParaRPr lang="en-US"/>
+          </a:p>
+        </p:txBody>
+      </p:sp>
+      <p:sp>
+        <p:nvSpPr>
+          <p:cNvPr id="4" name="TextBox 3">
+            <a:extLst>
+              <a:ext uri="{FF2B5EF4-FFF2-40B4-BE49-F238E27FC236}">
+                <a16:creationId xmlns:a16="http://schemas.microsoft.com/office/drawing/2014/main" id="{1BBB459F-43D2-C640-865F-66D93245DCF5}"/>
+              </a:ext>
+            </a:extLst>
+          </p:cNvPr>
+          <p:cNvSpPr txBox="1"/>
+          <p:nvPr/>
+        </p:nvSpPr>
+        <p:spPr>
+          <a:xfrm>
+            <a:off x="231228" y="1481959"/>
+            <a:ext cx="4429576" cy="1754326"/>
+          </a:xfrm>
+          <a:prstGeom prst="rect">
+            <a:avLst/>
+          </a:prstGeom>
+          <a:noFill/>
+        </p:spPr>
+        <p:txBody>
+          <a:bodyPr wrap="square" rtlCol="0">
+            <a:spAutoFit/>
+          </a:bodyPr>
+          <a:lstStyle/>
+          <a:p>
+            <a:r>
+              <a:rPr lang="en-US" dirty="0"/>
+              <a:t>The class decorator function is called with the following argument:</a:t>
+            </a:r>
+          </a:p>
+          <a:p>
+            <a:pPr marL="285750" indent="-285750">
+              <a:buFont typeface="Arial" panose="020B0604020202020204" pitchFamily="34" charset="0"/>
+              <a:buChar char="•"/>
+            </a:pPr>
+            <a:r>
+              <a:rPr lang="en-US" dirty="0"/>
+              <a:t>Either the constructor function of the class for a static member, or the prototype of the class for an instance member.</a:t>
+            </a:r>
+          </a:p>
+          <a:p>
+            <a:endParaRPr lang="en-US" dirty="0"/>
+          </a:p>
+        </p:txBody>
+      </p:sp>
+      <p:pic>
+        <p:nvPicPr>
+          <p:cNvPr id="9" name="Picture 8">
+            <a:extLst>
+              <a:ext uri="{FF2B5EF4-FFF2-40B4-BE49-F238E27FC236}">
+                <a16:creationId xmlns:a16="http://schemas.microsoft.com/office/drawing/2014/main" id="{F9310033-BC9F-1C4E-9F77-DC4B707DFAAA}"/>
+              </a:ext>
+            </a:extLst>
+          </p:cNvPr>
+          <p:cNvPicPr>
+            <a:picLocks noChangeAspect="1"/>
+          </p:cNvPicPr>
+          <p:nvPr/>
+        </p:nvPicPr>
+        <p:blipFill>
+          <a:blip r:embed="rId3"/>
+          <a:stretch>
+            <a:fillRect/>
+          </a:stretch>
+        </p:blipFill>
+        <p:spPr>
+          <a:xfrm>
+            <a:off x="5229122" y="1216397"/>
+            <a:ext cx="6416340" cy="4501442"/>
+          </a:xfrm>
+          <a:prstGeom prst="rect">
+            <a:avLst/>
+          </a:prstGeom>
+        </p:spPr>
+      </p:pic>
+      <p:sp>
+        <p:nvSpPr>
+          <p:cNvPr id="7" name="TextBox 6">
+            <a:extLst>
+              <a:ext uri="{FF2B5EF4-FFF2-40B4-BE49-F238E27FC236}">
+                <a16:creationId xmlns:a16="http://schemas.microsoft.com/office/drawing/2014/main" id="{2CF50098-BED3-2D4D-AE71-B52E4F34AAD2}"/>
+              </a:ext>
+            </a:extLst>
+          </p:cNvPr>
+          <p:cNvSpPr txBox="1"/>
+          <p:nvPr/>
+        </p:nvSpPr>
+        <p:spPr>
+          <a:xfrm>
+            <a:off x="683855" y="5122086"/>
+            <a:ext cx="3541304" cy="923330"/>
+          </a:xfrm>
+          <a:prstGeom prst="rect">
+            <a:avLst/>
+          </a:prstGeom>
+          <a:noFill/>
+        </p:spPr>
+        <p:txBody>
+          <a:bodyPr wrap="square" rtlCol="0">
+            <a:spAutoFit/>
+          </a:bodyPr>
+          <a:lstStyle/>
+          <a:p>
+            <a:r>
+              <a:rPr lang="en-US" dirty="0"/>
+              <a:t>Decorator executed at time of class evaluation (not instantiation)</a:t>
+            </a:r>
+          </a:p>
+          <a:p>
+            <a:endParaRPr lang="en-US" dirty="0"/>
+          </a:p>
+        </p:txBody>
+      </p:sp>
+      <p:cxnSp>
+        <p:nvCxnSpPr>
+          <p:cNvPr id="10" name="Straight Arrow Connector 9">
+            <a:extLst>
+              <a:ext uri="{FF2B5EF4-FFF2-40B4-BE49-F238E27FC236}">
+                <a16:creationId xmlns:a16="http://schemas.microsoft.com/office/drawing/2014/main" id="{8232258A-9089-154E-A713-14A9CD196C4B}"/>
+              </a:ext>
+            </a:extLst>
+          </p:cNvPr>
+          <p:cNvCxnSpPr>
+            <a:cxnSpLocks/>
+          </p:cNvCxnSpPr>
+          <p:nvPr/>
+        </p:nvCxnSpPr>
+        <p:spPr>
+          <a:xfrm flipV="1">
+            <a:off x="4232847" y="3821213"/>
+            <a:ext cx="929938" cy="1300873"/>
+          </a:xfrm>
+          <a:prstGeom prst="straightConnector1">
+            <a:avLst/>
+          </a:prstGeom>
+          <a:ln>
+            <a:tailEnd type="triangle"/>
+          </a:ln>
+        </p:spPr>
+        <p:style>
+          <a:lnRef idx="1">
+            <a:schemeClr val="accent1"/>
+          </a:lnRef>
+          <a:fillRef idx="0">
+            <a:schemeClr val="accent1"/>
+          </a:fillRef>
+          <a:effectRef idx="0">
+            <a:schemeClr val="accent1"/>
+          </a:effectRef>
+          <a:fontRef idx="minor">
+            <a:schemeClr val="tx1"/>
+          </a:fontRef>
+        </p:style>
+      </p:cxnSp>
+    </p:spTree>
+    <p:extLst>
+      <p:ext uri="{BB962C8B-B14F-4D97-AF65-F5344CB8AC3E}">
+        <p14:creationId xmlns:p14="http://schemas.microsoft.com/office/powerpoint/2010/main" val="1927512129"/>
+      </p:ext>
+    </p:extLst>
+  </p:cSld>
+  <p:clrMapOvr>
+    <a:masterClrMapping/>
+  </p:clrMapOvr>
+  <p:timing>
+    <p:tnLst>
+      <p:par>
+        <p:cTn id="1" dur="indefinite" restart="never" nodeType="tmRoot">
+          <p:childTnLst>
+            <p:seq concurrent="1" nextAc="seek">
+              <p:cTn id="2" dur="indefinite" nodeType="mainSeq">
+                <p:childTnLst>
+                  <p:par>
+                    <p:cTn id="3" fill="hold">
+                      <p:stCondLst>
+                        <p:cond delay="indefinite"/>
+                      </p:stCondLst>
+                      <p:childTnLst>
+                        <p:par>
+                          <p:cTn id="4" fill="hold">
+                            <p:stCondLst>
+                              <p:cond delay="0"/>
+                            </p:stCondLst>
+                            <p:childTnLst>
+                              <p:par>
+                                <p:cTn id="5" presetID="1" presetClass="entr" presetSubtype="0" fill="hold" grpId="0" nodeType="clickEffect">
+                                  <p:stCondLst>
+                                    <p:cond delay="0"/>
+                                  </p:stCondLst>
+                                  <p:childTnLst>
+                                    <p:set>
+                                      <p:cBhvr>
+                                        <p:cTn id="6" dur="1" fill="hold">
+                                          <p:stCondLst>
+                                            <p:cond delay="0"/>
+                                          </p:stCondLst>
+                                        </p:cTn>
+                                        <p:tgtEl>
+                                          <p:spTgt spid="4">
+                                            <p:txEl>
+                                              <p:pRg st="0" end="0"/>
+                                            </p:txEl>
+                                          </p:spTgt>
+                                        </p:tgtEl>
+                                        <p:attrNameLst>
+                                          <p:attrName>style.visibility</p:attrName>
+                                        </p:attrNameLst>
+                                      </p:cBhvr>
+                                      <p:to>
+                                        <p:strVal val="visible"/>
+                                      </p:to>
+                                    </p:set>
+                                  </p:childTnLst>
+                                </p:cTn>
+                              </p:par>
+                            </p:childTnLst>
+                          </p:cTn>
+                        </p:par>
+                      </p:childTnLst>
+                    </p:cTn>
+                  </p:par>
+                  <p:par>
+                    <p:cTn id="7" fill="hold">
+                      <p:stCondLst>
+                        <p:cond delay="indefinite"/>
+                      </p:stCondLst>
+                      <p:childTnLst>
+                        <p:par>
+                          <p:cTn id="8" fill="hold">
+                            <p:stCondLst>
+                              <p:cond delay="0"/>
+                            </p:stCondLst>
+                            <p:childTnLst>
+                              <p:par>
+                                <p:cTn id="9" presetID="1" presetClass="entr" presetSubtype="0" fill="hold" grpId="0" nodeType="clickEffect">
+                                  <p:stCondLst>
+                                    <p:cond delay="0"/>
+                                  </p:stCondLst>
+                                  <p:childTnLst>
+                                    <p:set>
+                                      <p:cBhvr>
+                                        <p:cTn id="10" dur="1" fill="hold">
+                                          <p:stCondLst>
+                                            <p:cond delay="0"/>
+                                          </p:stCondLst>
+                                        </p:cTn>
+                                        <p:tgtEl>
+                                          <p:spTgt spid="4">
+                                            <p:txEl>
+                                              <p:pRg st="1" end="1"/>
+                                            </p:txEl>
+                                          </p:spTgt>
+                                        </p:tgtEl>
+                                        <p:attrNameLst>
+                                          <p:attrName>style.visibility</p:attrName>
+                                        </p:attrNameLst>
+                                      </p:cBhvr>
+                                      <p:to>
+                                        <p:strVal val="visible"/>
+                                      </p:to>
+                                    </p:set>
+                                  </p:childTnLst>
+                                </p:cTn>
+                              </p:par>
+                            </p:childTnLst>
+                          </p:cTn>
+                        </p:par>
+                      </p:childTnLst>
+                    </p:cTn>
+                  </p:par>
+                </p:childTnLst>
+              </p:cTn>
+              <p:prevCondLst>
+                <p:cond evt="onPrev" delay="0">
+                  <p:tgtEl>
+                    <p:sldTgt/>
+                  </p:tgtEl>
+                </p:cond>
+              </p:prevCondLst>
+              <p:nextCondLst>
+                <p:cond evt="onNext" delay="0">
+                  <p:tgtEl>
+                    <p:sldTgt/>
+                  </p:tgtEl>
+                </p:cond>
+              </p:nextCondLst>
+            </p:seq>
+          </p:childTnLst>
+        </p:cTn>
+      </p:par>
+    </p:tnLst>
+    <p:bldLst>
+      <p:bldP spid="4" grpId="0" build="p"/>
+    </p:bldLst>
+  </p:timing>
+</p:sld>
+</file>
+
+<file path=ppt/slides/slide18.xml><?xml version="1.0" encoding="utf-8"?>
+<p:sld xmlns:a="http://schemas.openxmlformats.org/drawingml/2006/main" xmlns:r="http://schemas.openxmlformats.org/officeDocument/2006/relationships" xmlns:p="http://schemas.openxmlformats.org/presentationml/2006/main">
+  <p:cSld>
+    <p:spTree>
+      <p:nvGrpSpPr>
+        <p:cNvPr id="1" name=""/>
+        <p:cNvGrpSpPr/>
+        <p:nvPr/>
+      </p:nvGrpSpPr>
+      <p:grpSpPr>
+        <a:xfrm>
+          <a:off x="0" y="0"/>
+          <a:ext cx="0" cy="0"/>
+          <a:chOff x="0" y="0"/>
+          <a:chExt cx="0" cy="0"/>
+        </a:xfrm>
+      </p:grpSpPr>
+      <p:sp>
+        <p:nvSpPr>
+          <p:cNvPr id="2" name="Title 1"/>
+          <p:cNvSpPr>
+            <a:spLocks noGrp="1"/>
+          </p:cNvSpPr>
+          <p:nvPr>
+            <p:ph type="title"/>
+          </p:nvPr>
+        </p:nvSpPr>
+        <p:spPr>
+          <a:xfrm>
+            <a:off x="4660804" y="-106544"/>
+            <a:ext cx="2756094" cy="745629"/>
+          </a:xfrm>
+        </p:spPr>
+        <p:txBody>
+          <a:bodyPr>
+            <a:normAutofit/>
+          </a:bodyPr>
+          <a:lstStyle/>
+          <a:p>
+            <a:r>
+              <a:rPr lang="en-US" b="1" dirty="0">
+                <a:solidFill>
+                  <a:schemeClr val="bg1"/>
+                </a:solidFill>
+              </a:rPr>
+              <a:t>Decorators</a:t>
+            </a:r>
+          </a:p>
+        </p:txBody>
+      </p:sp>
+      <p:sp>
+        <p:nvSpPr>
+          <p:cNvPr id="5" name="Content Placeholder 4"/>
+          <p:cNvSpPr>
+            <a:spLocks noGrp="1"/>
+          </p:cNvSpPr>
+          <p:nvPr>
+            <p:ph idx="1"/>
+          </p:nvPr>
+        </p:nvSpPr>
+        <p:spPr>
+          <a:xfrm>
+            <a:off x="2952751" y="639085"/>
+            <a:ext cx="6172200" cy="3737372"/>
+          </a:xfrm>
+        </p:spPr>
+        <p:txBody>
+          <a:bodyPr>
+            <a:noAutofit/>
+          </a:bodyPr>
+          <a:lstStyle/>
+          <a:p>
+            <a:pPr marL="0" indent="0" algn="ctr">
+              <a:buNone/>
+            </a:pPr>
+            <a:r>
+              <a:rPr lang="en-US" dirty="0"/>
+              <a:t>Property Decorator</a:t>
+            </a:r>
+          </a:p>
+          <a:p>
+            <a:pPr lvl="1">
+              <a:buFontTx/>
+              <a:buChar char="-"/>
+            </a:pPr>
+            <a:endParaRPr lang="en-US" sz="1200" dirty="0"/>
+          </a:p>
+          <a:p>
+            <a:pPr lvl="1">
+              <a:buFontTx/>
+              <a:buChar char="-"/>
+            </a:pPr>
+            <a:endParaRPr lang="en-US" sz="1200" dirty="0"/>
+          </a:p>
+          <a:p>
+            <a:pPr lvl="1">
+              <a:buFontTx/>
+              <a:buChar char="-"/>
+            </a:pPr>
+            <a:endParaRPr lang="en-US" sz="1200" dirty="0"/>
+          </a:p>
+          <a:p>
+            <a:pPr lvl="1">
+              <a:buFontTx/>
+              <a:buChar char="-"/>
+            </a:pPr>
+            <a:endParaRPr lang="en-US" sz="1200" dirty="0"/>
+          </a:p>
+          <a:p>
+            <a:pPr lvl="1">
+              <a:buFontTx/>
+              <a:buChar char="-"/>
+            </a:pPr>
+            <a:endParaRPr lang="en-US" sz="1200" dirty="0"/>
+          </a:p>
+          <a:p>
+            <a:pPr lvl="1">
+              <a:buFontTx/>
+              <a:buChar char="-"/>
+            </a:pPr>
+            <a:endParaRPr lang="en-US" sz="1200" dirty="0"/>
+          </a:p>
+          <a:p>
+            <a:pPr lvl="1">
+              <a:buFontTx/>
+              <a:buChar char="-"/>
+            </a:pPr>
+            <a:endParaRPr lang="en-US" sz="1200" dirty="0"/>
+          </a:p>
+          <a:p>
+            <a:pPr lvl="1">
+              <a:buFontTx/>
+              <a:buChar char="-"/>
+            </a:pPr>
+            <a:endParaRPr lang="en-US" sz="1200" dirty="0"/>
+          </a:p>
+          <a:p>
+            <a:pPr lvl="1">
+              <a:buFontTx/>
+              <a:buChar char="-"/>
+            </a:pPr>
+            <a:endParaRPr lang="en-US" sz="1200" dirty="0"/>
+          </a:p>
+        </p:txBody>
+      </p:sp>
+      <p:sp>
+        <p:nvSpPr>
+          <p:cNvPr id="8" name="Footer Placeholder 1"/>
+          <p:cNvSpPr>
+            <a:spLocks noGrp="1"/>
+          </p:cNvSpPr>
+          <p:nvPr>
+            <p:ph type="ftr" sz="quarter" idx="11"/>
+          </p:nvPr>
+        </p:nvSpPr>
+        <p:spPr>
+          <a:xfrm>
+            <a:off x="0" y="6486875"/>
+            <a:ext cx="1367711" cy="199442"/>
+          </a:xfrm>
+        </p:spPr>
+        <p:txBody>
+          <a:bodyPr/>
+          <a:lstStyle/>
+          <a:p>
+            <a:r>
+              <a:rPr lang="en-US"/>
+              <a:t>© Cognizant 2019</a:t>
+            </a:r>
+            <a:endParaRPr lang="en-US" dirty="0"/>
+          </a:p>
+        </p:txBody>
+      </p:sp>
+      <p:sp>
+        <p:nvSpPr>
+          <p:cNvPr id="3" name="Slide Number Placeholder 2">
+            <a:extLst>
+              <a:ext uri="{FF2B5EF4-FFF2-40B4-BE49-F238E27FC236}">
+                <a16:creationId xmlns:a16="http://schemas.microsoft.com/office/drawing/2014/main" id="{18FA90E1-9751-4AAF-AF7F-A0EE18AE0C64}"/>
+              </a:ext>
+            </a:extLst>
+          </p:cNvPr>
+          <p:cNvSpPr>
+            <a:spLocks noGrp="1"/>
+          </p:cNvSpPr>
+          <p:nvPr>
+            <p:ph type="sldNum" sz="quarter" idx="12"/>
+          </p:nvPr>
+        </p:nvSpPr>
+        <p:spPr/>
+        <p:txBody>
+          <a:bodyPr/>
+          <a:lstStyle/>
+          <a:p>
+            <a:fld id="{8430ED8F-F4BA-4C5B-9498-F896284E1CAD}" type="slidenum">
+              <a:rPr lang="en-US" smtClean="0"/>
+              <a:t>18</a:t>
+            </a:fld>
+            <a:endParaRPr lang="en-US"/>
+          </a:p>
+        </p:txBody>
+      </p:sp>
+      <p:sp>
+        <p:nvSpPr>
+          <p:cNvPr id="4" name="TextBox 3">
+            <a:extLst>
+              <a:ext uri="{FF2B5EF4-FFF2-40B4-BE49-F238E27FC236}">
+                <a16:creationId xmlns:a16="http://schemas.microsoft.com/office/drawing/2014/main" id="{1BBB459F-43D2-C640-865F-66D93245DCF5}"/>
+              </a:ext>
+            </a:extLst>
+          </p:cNvPr>
+          <p:cNvSpPr txBox="1"/>
+          <p:nvPr/>
+        </p:nvSpPr>
+        <p:spPr>
+          <a:xfrm>
+            <a:off x="231228" y="1481959"/>
+            <a:ext cx="3384331" cy="2862322"/>
+          </a:xfrm>
+          <a:prstGeom prst="rect">
+            <a:avLst/>
+          </a:prstGeom>
+          <a:noFill/>
+        </p:spPr>
+        <p:txBody>
+          <a:bodyPr wrap="square" rtlCol="0">
+            <a:spAutoFit/>
+          </a:bodyPr>
+          <a:lstStyle/>
+          <a:p>
+            <a:r>
+              <a:rPr lang="en-US" dirty="0"/>
+              <a:t>The property decorator function is called with the following arguments:</a:t>
+            </a:r>
+          </a:p>
+          <a:p>
+            <a:pPr marL="285750" indent="-285750">
+              <a:buFont typeface="Arial" panose="020B0604020202020204" pitchFamily="34" charset="0"/>
+              <a:buChar char="•"/>
+            </a:pPr>
+            <a:r>
+              <a:rPr lang="en-US" dirty="0"/>
+              <a:t>Either the constructor function of the class for a static member, or the prototype of the class for an instance member.</a:t>
+            </a:r>
+          </a:p>
+          <a:p>
+            <a:pPr marL="285750" indent="-285750">
+              <a:buFont typeface="Arial" panose="020B0604020202020204" pitchFamily="34" charset="0"/>
+              <a:buChar char="•"/>
+            </a:pPr>
+            <a:r>
+              <a:rPr lang="en-US" dirty="0"/>
+              <a:t>The name of the member </a:t>
+            </a:r>
+            <a:r>
+              <a:rPr lang="en-US"/>
+              <a:t>(property).</a:t>
+            </a:r>
+            <a:endParaRPr lang="en-US" dirty="0"/>
+          </a:p>
+        </p:txBody>
+      </p:sp>
+      <p:pic>
+        <p:nvPicPr>
+          <p:cNvPr id="7" name="Picture 6">
+            <a:extLst>
+              <a:ext uri="{FF2B5EF4-FFF2-40B4-BE49-F238E27FC236}">
+                <a16:creationId xmlns:a16="http://schemas.microsoft.com/office/drawing/2014/main" id="{002CC8D1-C902-0C41-BC51-BA0A01ABA51E}"/>
+              </a:ext>
+            </a:extLst>
+          </p:cNvPr>
+          <p:cNvPicPr>
+            <a:picLocks noChangeAspect="1"/>
+          </p:cNvPicPr>
+          <p:nvPr/>
+        </p:nvPicPr>
+        <p:blipFill>
+          <a:blip r:embed="rId2"/>
+          <a:stretch>
+            <a:fillRect/>
+          </a:stretch>
+        </p:blipFill>
+        <p:spPr>
+          <a:xfrm>
+            <a:off x="4245073" y="1158209"/>
+            <a:ext cx="6343650" cy="5328666"/>
+          </a:xfrm>
+          <a:prstGeom prst="rect">
+            <a:avLst/>
+          </a:prstGeom>
+        </p:spPr>
+      </p:pic>
+    </p:spTree>
+    <p:extLst>
+      <p:ext uri="{BB962C8B-B14F-4D97-AF65-F5344CB8AC3E}">
+        <p14:creationId xmlns:p14="http://schemas.microsoft.com/office/powerpoint/2010/main" val="3919974064"/>
+      </p:ext>
+    </p:extLst>
+  </p:cSld>
+  <p:clrMapOvr>
+    <a:masterClrMapping/>
+  </p:clrMapOvr>
+  <p:timing>
+    <p:tnLst>
+      <p:par>
+        <p:cTn id="1" dur="indefinite" restart="never" nodeType="tmRoot">
+          <p:childTnLst>
+            <p:seq concurrent="1" nextAc="seek">
+              <p:cTn id="2" dur="indefinite" nodeType="mainSeq">
+                <p:childTnLst>
+                  <p:par>
+                    <p:cTn id="3" fill="hold">
+                      <p:stCondLst>
+                        <p:cond delay="indefinite"/>
+                      </p:stCondLst>
+                      <p:childTnLst>
+                        <p:par>
+                          <p:cTn id="4" fill="hold">
+                            <p:stCondLst>
+                              <p:cond delay="0"/>
+                            </p:stCondLst>
+                            <p:childTnLst>
+                              <p:par>
+                                <p:cTn id="5" presetID="1" presetClass="entr" presetSubtype="0" fill="hold" grpId="0" nodeType="clickEffect">
+                                  <p:stCondLst>
+                                    <p:cond delay="0"/>
+                                  </p:stCondLst>
+                                  <p:childTnLst>
+                                    <p:set>
+                                      <p:cBhvr>
+                                        <p:cTn id="6" dur="1" fill="hold">
+                                          <p:stCondLst>
+                                            <p:cond delay="0"/>
+                                          </p:stCondLst>
+                                        </p:cTn>
+                                        <p:tgtEl>
+                                          <p:spTgt spid="4">
+                                            <p:txEl>
+                                              <p:pRg st="0" end="0"/>
+                                            </p:txEl>
+                                          </p:spTgt>
+                                        </p:tgtEl>
+                                        <p:attrNameLst>
+                                          <p:attrName>style.visibility</p:attrName>
+                                        </p:attrNameLst>
+                                      </p:cBhvr>
+                                      <p:to>
+                                        <p:strVal val="visible"/>
+                                      </p:to>
+                                    </p:set>
+                                  </p:childTnLst>
+                                </p:cTn>
+                              </p:par>
+                            </p:childTnLst>
+                          </p:cTn>
+                        </p:par>
+                      </p:childTnLst>
+                    </p:cTn>
+                  </p:par>
+                  <p:par>
+                    <p:cTn id="7" fill="hold">
+                      <p:stCondLst>
+                        <p:cond delay="indefinite"/>
+                      </p:stCondLst>
+                      <p:childTnLst>
+                        <p:par>
+                          <p:cTn id="8" fill="hold">
+                            <p:stCondLst>
+                              <p:cond delay="0"/>
+                            </p:stCondLst>
+                            <p:childTnLst>
+                              <p:par>
+                                <p:cTn id="9" presetID="1" presetClass="entr" presetSubtype="0" fill="hold" grpId="0" nodeType="clickEffect">
+                                  <p:stCondLst>
+                                    <p:cond delay="0"/>
+                                  </p:stCondLst>
+                                  <p:childTnLst>
+                                    <p:set>
+                                      <p:cBhvr>
+                                        <p:cTn id="10" dur="1" fill="hold">
+                                          <p:stCondLst>
+                                            <p:cond delay="0"/>
+                                          </p:stCondLst>
+                                        </p:cTn>
+                                        <p:tgtEl>
+                                          <p:spTgt spid="4">
+                                            <p:txEl>
+                                              <p:pRg st="1" end="1"/>
+                                            </p:txEl>
+                                          </p:spTgt>
+                                        </p:tgtEl>
+                                        <p:attrNameLst>
+                                          <p:attrName>style.visibility</p:attrName>
+                                        </p:attrNameLst>
+                                      </p:cBhvr>
+                                      <p:to>
+                                        <p:strVal val="visible"/>
+                                      </p:to>
+                                    </p:set>
+                                  </p:childTnLst>
+                                </p:cTn>
+                              </p:par>
+                            </p:childTnLst>
+                          </p:cTn>
+                        </p:par>
+                      </p:childTnLst>
+                    </p:cTn>
+                  </p:par>
+                  <p:par>
+                    <p:cTn id="11" fill="hold">
+                      <p:stCondLst>
+                        <p:cond delay="indefinite"/>
+                      </p:stCondLst>
+                      <p:childTnLst>
+                        <p:par>
+                          <p:cTn id="12" fill="hold">
+                            <p:stCondLst>
+                              <p:cond delay="0"/>
+                            </p:stCondLst>
+                            <p:childTnLst>
+                              <p:par>
+                                <p:cTn id="13" presetID="1" presetClass="entr" presetSubtype="0" fill="hold" grpId="0" nodeType="clickEffect">
+                                  <p:stCondLst>
+                                    <p:cond delay="0"/>
+                                  </p:stCondLst>
+                                  <p:childTnLst>
+                                    <p:set>
+                                      <p:cBhvr>
+                                        <p:cTn id="14" dur="1" fill="hold">
+                                          <p:stCondLst>
+                                            <p:cond delay="0"/>
+                                          </p:stCondLst>
+                                        </p:cTn>
+                                        <p:tgtEl>
+                                          <p:spTgt spid="4">
+                                            <p:txEl>
+                                              <p:pRg st="2" end="2"/>
+                                            </p:txEl>
+                                          </p:spTgt>
+                                        </p:tgtEl>
+                                        <p:attrNameLst>
+                                          <p:attrName>style.visibility</p:attrName>
+                                        </p:attrNameLst>
+                                      </p:cBhvr>
+                                      <p:to>
+                                        <p:strVal val="visible"/>
+                                      </p:to>
+                                    </p:set>
+                                  </p:childTnLst>
+                                </p:cTn>
+                              </p:par>
+                            </p:childTnLst>
+                          </p:cTn>
+                        </p:par>
+                      </p:childTnLst>
+                    </p:cTn>
+                  </p:par>
+                </p:childTnLst>
+              </p:cTn>
+              <p:prevCondLst>
+                <p:cond evt="onPrev" delay="0">
+                  <p:tgtEl>
+                    <p:sldTgt/>
+                  </p:tgtEl>
+                </p:cond>
+              </p:prevCondLst>
+              <p:nextCondLst>
+                <p:cond evt="onNext" delay="0">
+                  <p:tgtEl>
+                    <p:sldTgt/>
+                  </p:tgtEl>
+                </p:cond>
+              </p:nextCondLst>
+            </p:seq>
+          </p:childTnLst>
+        </p:cTn>
+      </p:par>
+    </p:tnLst>
+    <p:bldLst>
+      <p:bldP spid="4" grpId="0" build="p"/>
+    </p:bldLst>
+  </p:timing>
+</p:sld>
+</file>
+
+<file path=ppt/slides/slide19.xml><?xml version="1.0" encoding="utf-8"?>
+<p:sld xmlns:a="http://schemas.openxmlformats.org/drawingml/2006/main" xmlns:r="http://schemas.openxmlformats.org/officeDocument/2006/relationships" xmlns:p="http://schemas.openxmlformats.org/presentationml/2006/main">
+  <p:cSld>
+    <p:spTree>
+      <p:nvGrpSpPr>
+        <p:cNvPr id="1" name=""/>
+        <p:cNvGrpSpPr/>
+        <p:nvPr/>
+      </p:nvGrpSpPr>
+      <p:grpSpPr>
+        <a:xfrm>
+          <a:off x="0" y="0"/>
+          <a:ext cx="0" cy="0"/>
+          <a:chOff x="0" y="0"/>
+          <a:chExt cx="0" cy="0"/>
+        </a:xfrm>
+      </p:grpSpPr>
+      <p:sp>
+        <p:nvSpPr>
+          <p:cNvPr id="2" name="Title 1"/>
+          <p:cNvSpPr>
+            <a:spLocks noGrp="1"/>
+          </p:cNvSpPr>
+          <p:nvPr>
+            <p:ph type="title"/>
+          </p:nvPr>
+        </p:nvSpPr>
+        <p:spPr>
+          <a:xfrm>
+            <a:off x="4660804" y="-106544"/>
+            <a:ext cx="2756094" cy="745629"/>
+          </a:xfrm>
+        </p:spPr>
+        <p:txBody>
+          <a:bodyPr>
+            <a:normAutofit/>
+          </a:bodyPr>
+          <a:lstStyle/>
+          <a:p>
+            <a:r>
+              <a:rPr lang="en-US" b="1" dirty="0">
+                <a:solidFill>
+                  <a:schemeClr val="bg1"/>
+                </a:solidFill>
+              </a:rPr>
+              <a:t>Decorators</a:t>
+            </a:r>
+          </a:p>
+        </p:txBody>
+      </p:sp>
+      <p:sp>
+        <p:nvSpPr>
+          <p:cNvPr id="5" name="Content Placeholder 4"/>
+          <p:cNvSpPr>
+            <a:spLocks noGrp="1"/>
+          </p:cNvSpPr>
+          <p:nvPr>
+            <p:ph idx="1"/>
+          </p:nvPr>
+        </p:nvSpPr>
+        <p:spPr>
+          <a:xfrm>
+            <a:off x="2952751" y="639085"/>
+            <a:ext cx="6172200" cy="3737372"/>
+          </a:xfrm>
+        </p:spPr>
+        <p:txBody>
+          <a:bodyPr>
+            <a:noAutofit/>
+          </a:bodyPr>
+          <a:lstStyle/>
+          <a:p>
+            <a:pPr marL="0" indent="0" algn="ctr">
+              <a:buNone/>
+            </a:pPr>
+            <a:r>
+              <a:rPr lang="en-US" dirty="0"/>
+              <a:t>Parameter Decorator</a:t>
+            </a:r>
+          </a:p>
+          <a:p>
+            <a:pPr lvl="1">
+              <a:buFontTx/>
+              <a:buChar char="-"/>
+            </a:pPr>
+            <a:endParaRPr lang="en-US" sz="1200" dirty="0"/>
+          </a:p>
+          <a:p>
+            <a:pPr lvl="1">
+              <a:buFontTx/>
+              <a:buChar char="-"/>
+            </a:pPr>
+            <a:endParaRPr lang="en-US" sz="1200" dirty="0"/>
+          </a:p>
+          <a:p>
+            <a:pPr lvl="1">
+              <a:buFontTx/>
+              <a:buChar char="-"/>
+            </a:pPr>
+            <a:endParaRPr lang="en-US" sz="1200" dirty="0"/>
+          </a:p>
+          <a:p>
+            <a:pPr lvl="1">
+              <a:buFontTx/>
+              <a:buChar char="-"/>
+            </a:pPr>
+            <a:endParaRPr lang="en-US" sz="1200" dirty="0"/>
+          </a:p>
+          <a:p>
+            <a:pPr lvl="1">
+              <a:buFontTx/>
+              <a:buChar char="-"/>
+            </a:pPr>
+            <a:endParaRPr lang="en-US" sz="1200" dirty="0"/>
+          </a:p>
+          <a:p>
+            <a:pPr lvl="1">
+              <a:buFontTx/>
+              <a:buChar char="-"/>
+            </a:pPr>
+            <a:endParaRPr lang="en-US" sz="1200" dirty="0"/>
+          </a:p>
+          <a:p>
+            <a:pPr lvl="1">
+              <a:buFontTx/>
+              <a:buChar char="-"/>
+            </a:pPr>
+            <a:endParaRPr lang="en-US" sz="1200" dirty="0"/>
+          </a:p>
+          <a:p>
+            <a:pPr lvl="1">
+              <a:buFontTx/>
+              <a:buChar char="-"/>
+            </a:pPr>
+            <a:endParaRPr lang="en-US" sz="1200" dirty="0"/>
+          </a:p>
+          <a:p>
+            <a:pPr lvl="1">
+              <a:buFontTx/>
+              <a:buChar char="-"/>
+            </a:pPr>
+            <a:endParaRPr lang="en-US" sz="1200" dirty="0"/>
+          </a:p>
+        </p:txBody>
+      </p:sp>
+      <p:sp>
+        <p:nvSpPr>
+          <p:cNvPr id="8" name="Footer Placeholder 1"/>
+          <p:cNvSpPr>
+            <a:spLocks noGrp="1"/>
+          </p:cNvSpPr>
+          <p:nvPr>
+            <p:ph type="ftr" sz="quarter" idx="11"/>
+          </p:nvPr>
+        </p:nvSpPr>
+        <p:spPr>
+          <a:xfrm>
+            <a:off x="0" y="6486875"/>
+            <a:ext cx="1367711" cy="199442"/>
+          </a:xfrm>
+        </p:spPr>
+        <p:txBody>
+          <a:bodyPr/>
+          <a:lstStyle/>
+          <a:p>
+            <a:r>
+              <a:rPr lang="en-US"/>
+              <a:t>© Cognizant 2019</a:t>
+            </a:r>
+            <a:endParaRPr lang="en-US" dirty="0"/>
+          </a:p>
+        </p:txBody>
+      </p:sp>
+      <p:sp>
+        <p:nvSpPr>
+          <p:cNvPr id="3" name="Slide Number Placeholder 2">
+            <a:extLst>
+              <a:ext uri="{FF2B5EF4-FFF2-40B4-BE49-F238E27FC236}">
+                <a16:creationId xmlns:a16="http://schemas.microsoft.com/office/drawing/2014/main" id="{18FA90E1-9751-4AAF-AF7F-A0EE18AE0C64}"/>
+              </a:ext>
+            </a:extLst>
+          </p:cNvPr>
+          <p:cNvSpPr>
+            <a:spLocks noGrp="1"/>
+          </p:cNvSpPr>
+          <p:nvPr>
+            <p:ph type="sldNum" sz="quarter" idx="12"/>
+          </p:nvPr>
+        </p:nvSpPr>
+        <p:spPr/>
+        <p:txBody>
+          <a:bodyPr/>
+          <a:lstStyle/>
+          <a:p>
+            <a:fld id="{8430ED8F-F4BA-4C5B-9498-F896284E1CAD}" type="slidenum">
+              <a:rPr lang="en-US" smtClean="0"/>
+              <a:t>19</a:t>
+            </a:fld>
+            <a:endParaRPr lang="en-US"/>
+          </a:p>
+        </p:txBody>
+      </p:sp>
+      <p:sp>
+        <p:nvSpPr>
+          <p:cNvPr id="4" name="TextBox 3">
+            <a:extLst>
+              <a:ext uri="{FF2B5EF4-FFF2-40B4-BE49-F238E27FC236}">
+                <a16:creationId xmlns:a16="http://schemas.microsoft.com/office/drawing/2014/main" id="{1BBB459F-43D2-C640-865F-66D93245DCF5}"/>
+              </a:ext>
+            </a:extLst>
+          </p:cNvPr>
+          <p:cNvSpPr txBox="1"/>
+          <p:nvPr/>
+        </p:nvSpPr>
+        <p:spPr>
+          <a:xfrm>
+            <a:off x="231228" y="1481959"/>
+            <a:ext cx="3384331" cy="3970318"/>
+          </a:xfrm>
+          <a:prstGeom prst="rect">
+            <a:avLst/>
+          </a:prstGeom>
+          <a:noFill/>
+        </p:spPr>
+        <p:txBody>
+          <a:bodyPr wrap="square" rtlCol="0">
+            <a:spAutoFit/>
+          </a:bodyPr>
+          <a:lstStyle/>
+          <a:p>
+            <a:r>
+              <a:rPr lang="en-US" dirty="0"/>
+              <a:t>The parameter decorator function is called with the following arguments:</a:t>
+            </a:r>
+          </a:p>
+          <a:p>
+            <a:pPr marL="285750" indent="-285750">
+              <a:buFont typeface="Arial" panose="020B0604020202020204" pitchFamily="34" charset="0"/>
+              <a:buChar char="•"/>
+            </a:pPr>
+            <a:r>
+              <a:rPr lang="en-US" dirty="0"/>
+              <a:t>Either the constructor function of the class for a static member, or the prototype of the class for an instance member.</a:t>
+            </a:r>
+          </a:p>
+          <a:p>
+            <a:pPr marL="285750" indent="-285750">
+              <a:buFont typeface="Arial" panose="020B0604020202020204" pitchFamily="34" charset="0"/>
+              <a:buChar char="•"/>
+            </a:pPr>
+            <a:r>
+              <a:rPr lang="en-US" dirty="0"/>
+              <a:t>The name of the member (method).</a:t>
+            </a:r>
+          </a:p>
+          <a:p>
+            <a:pPr marL="285750" indent="-285750">
+              <a:buFont typeface="Arial" panose="020B0604020202020204" pitchFamily="34" charset="0"/>
+              <a:buChar char="•"/>
+            </a:pPr>
+            <a:r>
+              <a:rPr lang="en-US" dirty="0"/>
+              <a:t>The ordinal index of the parameter in the function's parameter list.</a:t>
+            </a:r>
+          </a:p>
+          <a:p>
+            <a:endParaRPr lang="en-US" dirty="0"/>
+          </a:p>
+        </p:txBody>
+      </p:sp>
+      <p:pic>
+        <p:nvPicPr>
+          <p:cNvPr id="7" name="Picture 6">
+            <a:extLst>
+              <a:ext uri="{FF2B5EF4-FFF2-40B4-BE49-F238E27FC236}">
+                <a16:creationId xmlns:a16="http://schemas.microsoft.com/office/drawing/2014/main" id="{0BA8992C-D9C0-4B4D-B57A-02872A28C5A8}"/>
+              </a:ext>
+            </a:extLst>
+          </p:cNvPr>
+          <p:cNvPicPr>
+            <a:picLocks noChangeAspect="1"/>
+          </p:cNvPicPr>
+          <p:nvPr/>
+        </p:nvPicPr>
+        <p:blipFill>
+          <a:blip r:embed="rId2"/>
+          <a:stretch>
+            <a:fillRect/>
+          </a:stretch>
+        </p:blipFill>
+        <p:spPr>
+          <a:xfrm>
+            <a:off x="3839382" y="1381012"/>
+            <a:ext cx="7918834" cy="4071265"/>
+          </a:xfrm>
+          <a:prstGeom prst="rect">
+            <a:avLst/>
+          </a:prstGeom>
+        </p:spPr>
+      </p:pic>
+    </p:spTree>
+    <p:extLst>
+      <p:ext uri="{BB962C8B-B14F-4D97-AF65-F5344CB8AC3E}">
+        <p14:creationId xmlns:p14="http://schemas.microsoft.com/office/powerpoint/2010/main" val="419778363"/>
+      </p:ext>
+    </p:extLst>
+  </p:cSld>
+  <p:clrMapOvr>
+    <a:masterClrMapping/>
+  </p:clrMapOvr>
+  <p:timing>
+    <p:tnLst>
+      <p:par>
+        <p:cTn id="1" dur="indefinite" restart="never" nodeType="tmRoot">
+          <p:childTnLst>
+            <p:seq concurrent="1" nextAc="seek">
+              <p:cTn id="2" dur="indefinite" nodeType="mainSeq">
+                <p:childTnLst>
+                  <p:par>
+                    <p:cTn id="3" fill="hold">
+                      <p:stCondLst>
+                        <p:cond delay="indefinite"/>
+                      </p:stCondLst>
+                      <p:childTnLst>
+                        <p:par>
+                          <p:cTn id="4" fill="hold">
+                            <p:stCondLst>
+                              <p:cond delay="0"/>
+                            </p:stCondLst>
+                            <p:childTnLst>
+                              <p:par>
+                                <p:cTn id="5" presetID="1" presetClass="entr" presetSubtype="0" fill="hold" grpId="0" nodeType="clickEffect">
+                                  <p:stCondLst>
+                                    <p:cond delay="0"/>
+                                  </p:stCondLst>
+                                  <p:childTnLst>
+                                    <p:set>
+                                      <p:cBhvr>
+                                        <p:cTn id="6" dur="1" fill="hold">
+                                          <p:stCondLst>
+                                            <p:cond delay="0"/>
+                                          </p:stCondLst>
+                                        </p:cTn>
+                                        <p:tgtEl>
+                                          <p:spTgt spid="4">
+                                            <p:txEl>
+                                              <p:pRg st="0" end="0"/>
+                                            </p:txEl>
+                                          </p:spTgt>
+                                        </p:tgtEl>
+                                        <p:attrNameLst>
+                                          <p:attrName>style.visibility</p:attrName>
+                                        </p:attrNameLst>
+                                      </p:cBhvr>
+                                      <p:to>
+                                        <p:strVal val="visible"/>
+                                      </p:to>
+                                    </p:set>
+                                  </p:childTnLst>
+                                </p:cTn>
+                              </p:par>
+                            </p:childTnLst>
+                          </p:cTn>
+                        </p:par>
+                      </p:childTnLst>
+                    </p:cTn>
+                  </p:par>
+                  <p:par>
+                    <p:cTn id="7" fill="hold">
+                      <p:stCondLst>
+                        <p:cond delay="indefinite"/>
+                      </p:stCondLst>
+                      <p:childTnLst>
+                        <p:par>
+                          <p:cTn id="8" fill="hold">
+                            <p:stCondLst>
+                              <p:cond delay="0"/>
+                            </p:stCondLst>
+                            <p:childTnLst>
+                              <p:par>
+                                <p:cTn id="9" presetID="1" presetClass="entr" presetSubtype="0" fill="hold" grpId="0" nodeType="clickEffect">
+                                  <p:stCondLst>
+                                    <p:cond delay="0"/>
+                                  </p:stCondLst>
+                                  <p:childTnLst>
+                                    <p:set>
+                                      <p:cBhvr>
+                                        <p:cTn id="10" dur="1" fill="hold">
+                                          <p:stCondLst>
+                                            <p:cond delay="0"/>
+                                          </p:stCondLst>
+                                        </p:cTn>
+                                        <p:tgtEl>
+                                          <p:spTgt spid="4">
+                                            <p:txEl>
+                                              <p:pRg st="1" end="1"/>
+                                            </p:txEl>
+                                          </p:spTgt>
+                                        </p:tgtEl>
+                                        <p:attrNameLst>
+                                          <p:attrName>style.visibility</p:attrName>
+                                        </p:attrNameLst>
+                                      </p:cBhvr>
+                                      <p:to>
+                                        <p:strVal val="visible"/>
+                                      </p:to>
+                                    </p:set>
+                                  </p:childTnLst>
+                                </p:cTn>
+                              </p:par>
+                            </p:childTnLst>
+                          </p:cTn>
+                        </p:par>
+                      </p:childTnLst>
+                    </p:cTn>
+                  </p:par>
+                  <p:par>
+                    <p:cTn id="11" fill="hold">
+                      <p:stCondLst>
+                        <p:cond delay="indefinite"/>
+                      </p:stCondLst>
+                      <p:childTnLst>
+                        <p:par>
+                          <p:cTn id="12" fill="hold">
+                            <p:stCondLst>
+                              <p:cond delay="0"/>
+                            </p:stCondLst>
+                            <p:childTnLst>
+                              <p:par>
+                                <p:cTn id="13" presetID="1" presetClass="entr" presetSubtype="0" fill="hold" grpId="0" nodeType="clickEffect">
+                                  <p:stCondLst>
+                                    <p:cond delay="0"/>
+                                  </p:stCondLst>
+                                  <p:childTnLst>
+                                    <p:set>
+                                      <p:cBhvr>
+                                        <p:cTn id="14" dur="1" fill="hold">
+                                          <p:stCondLst>
+                                            <p:cond delay="0"/>
+                                          </p:stCondLst>
+                                        </p:cTn>
+                                        <p:tgtEl>
+                                          <p:spTgt spid="4">
+                                            <p:txEl>
+                                              <p:pRg st="2" end="2"/>
+                                            </p:txEl>
+                                          </p:spTgt>
+                                        </p:tgtEl>
+                                        <p:attrNameLst>
+                                          <p:attrName>style.visibility</p:attrName>
+                                        </p:attrNameLst>
+                                      </p:cBhvr>
+                                      <p:to>
+                                        <p:strVal val="visible"/>
+                                      </p:to>
+                                    </p:set>
+                                  </p:childTnLst>
+                                </p:cTn>
+                              </p:par>
+                            </p:childTnLst>
+                          </p:cTn>
+                        </p:par>
+                      </p:childTnLst>
+                    </p:cTn>
+                  </p:par>
+                  <p:par>
+                    <p:cTn id="15" fill="hold">
+                      <p:stCondLst>
+                        <p:cond delay="indefinite"/>
+                      </p:stCondLst>
+                      <p:childTnLst>
+                        <p:par>
+                          <p:cTn id="16" fill="hold">
+                            <p:stCondLst>
+                              <p:cond delay="0"/>
+                            </p:stCondLst>
+                            <p:childTnLst>
+                              <p:par>
+                                <p:cTn id="17" presetID="1" presetClass="entr" presetSubtype="0" fill="hold" grpId="0" nodeType="clickEffect">
+                                  <p:stCondLst>
+                                    <p:cond delay="0"/>
+                                  </p:stCondLst>
+                                  <p:childTnLst>
+                                    <p:set>
+                                      <p:cBhvr>
+                                        <p:cTn id="18" dur="1" fill="hold">
+                                          <p:stCondLst>
+                                            <p:cond delay="0"/>
+                                          </p:stCondLst>
+                                        </p:cTn>
+                                        <p:tgtEl>
+                                          <p:spTgt spid="4">
+                                            <p:txEl>
+                                              <p:pRg st="3" end="3"/>
+                                            </p:txEl>
+                                          </p:spTgt>
+                                        </p:tgtEl>
+                                        <p:attrNameLst>
+                                          <p:attrName>style.visibility</p:attrName>
+                                        </p:attrNameLst>
+                                      </p:cBhvr>
+                                      <p:to>
+                                        <p:strVal val="visible"/>
+                                      </p:to>
+                                    </p:set>
+                                  </p:childTnLst>
+                                </p:cTn>
+                              </p:par>
+                            </p:childTnLst>
+                          </p:cTn>
+                        </p:par>
+                      </p:childTnLst>
+                    </p:cTn>
+                  </p:par>
+                </p:childTnLst>
+              </p:cTn>
+              <p:prevCondLst>
+                <p:cond evt="onPrev" delay="0">
+                  <p:tgtEl>
+                    <p:sldTgt/>
+                  </p:tgtEl>
+                </p:cond>
+              </p:prevCondLst>
+              <p:nextCondLst>
+                <p:cond evt="onNext" delay="0">
+                  <p:tgtEl>
+                    <p:sldTgt/>
+                  </p:tgtEl>
+                </p:cond>
+              </p:nextCondLst>
+            </p:seq>
+          </p:childTnLst>
+        </p:cTn>
+      </p:par>
+    </p:tnLst>
+    <p:bldLst>
+      <p:bldP spid="4" grpId="0" build="p"/>
+    </p:bldLst>
+  </p:timing>
+</p:sld>
+</file>
+
+<file path=ppt/slides/slide2.xml><?xml version="1.0" encoding="utf-8"?>
+<p:sld xmlns:a="http://schemas.openxmlformats.org/drawingml/2006/main" xmlns:r="http://schemas.openxmlformats.org/officeDocument/2006/relationships" xmlns:p="http://schemas.openxmlformats.org/presentationml/2006/main">
+  <p:cSld>
+    <p:spTree>
+      <p:nvGrpSpPr>
+        <p:cNvPr id="1" name=""/>
+        <p:cNvGrpSpPr/>
+        <p:nvPr/>
+      </p:nvGrpSpPr>
+      <p:grpSpPr>
+        <a:xfrm>
+          <a:off x="0" y="0"/>
+          <a:ext cx="0" cy="0"/>
+          <a:chOff x="0" y="0"/>
+          <a:chExt cx="0" cy="0"/>
+        </a:xfrm>
+      </p:grpSpPr>
+      <p:sp>
+        <p:nvSpPr>
+          <p:cNvPr id="2" name="Footer Placeholder 1"/>
+          <p:cNvSpPr>
+            <a:spLocks noGrp="1"/>
+          </p:cNvSpPr>
+          <p:nvPr>
+            <p:ph type="ftr" sz="quarter" idx="11"/>
+          </p:nvPr>
+        </p:nvSpPr>
+        <p:spPr/>
+        <p:txBody>
+          <a:bodyPr/>
+          <a:lstStyle/>
+          <a:p>
+            <a:r>
+              <a:rPr lang="en-US"/>
+              <a:t>© Cognizant 2019</a:t>
+            </a:r>
+            <a:endParaRPr lang="en-US" dirty="0"/>
+          </a:p>
+        </p:txBody>
+      </p:sp>
+      <p:sp>
+        <p:nvSpPr>
+          <p:cNvPr id="4" name="Rectangle 3"/>
+          <p:cNvSpPr/>
+          <p:nvPr/>
+        </p:nvSpPr>
+        <p:spPr>
+          <a:xfrm>
+            <a:off x="4038601" y="2438400"/>
+            <a:ext cx="7434599" cy="369332"/>
+          </a:xfrm>
+          <a:prstGeom prst="rect">
+            <a:avLst/>
+          </a:prstGeom>
+        </p:spPr>
+        <p:txBody>
+          <a:bodyPr wrap="none">
+            <a:spAutoFit/>
+          </a:bodyPr>
+          <a:lstStyle/>
+          <a:p>
+            <a:pPr lvl="0" fontAlgn="base">
+              <a:spcBef>
+                <a:spcPct val="20000"/>
+              </a:spcBef>
+              <a:spcAft>
+                <a:spcPct val="0"/>
+              </a:spcAft>
+              <a:buSzPct val="95000"/>
+            </a:pPr>
+            <a:r>
+              <a:rPr lang="en-US" dirty="0">
+                <a:latin typeface="Arial" panose="020B0604020202020204" pitchFamily="34" charset="0"/>
+                <a:ea typeface="Arial Unicode MS" pitchFamily="34" charset="-128"/>
+                <a:cs typeface="Arial" panose="020B0604020202020204" pitchFamily="34" charset="0"/>
+              </a:rPr>
+              <a:t>Vignesh Murali Natarajan (119780)   Edited By Jason Monroe (688776)</a:t>
+            </a:r>
+          </a:p>
+        </p:txBody>
+      </p:sp>
+      <p:sp>
+        <p:nvSpPr>
+          <p:cNvPr id="5" name="Rectangle 4"/>
+          <p:cNvSpPr/>
+          <p:nvPr/>
+        </p:nvSpPr>
+        <p:spPr>
+          <a:xfrm>
+            <a:off x="4038600" y="2888233"/>
+            <a:ext cx="6324600" cy="671513"/>
+          </a:xfrm>
+          <a:prstGeom prst="rect">
+            <a:avLst/>
+          </a:prstGeom>
+        </p:spPr>
+        <p:txBody>
+          <a:bodyPr wrap="square">
+            <a:spAutoFit/>
+          </a:bodyPr>
+          <a:lstStyle/>
+          <a:p>
+            <a:pPr lvl="0" fontAlgn="base">
+              <a:spcBef>
+                <a:spcPct val="20000"/>
+              </a:spcBef>
+              <a:spcAft>
+                <a:spcPct val="0"/>
+              </a:spcAft>
+              <a:buSzPct val="95000"/>
+            </a:pPr>
+            <a:r>
+              <a:rPr lang="en-US" sz="1200" dirty="0">
+                <a:latin typeface="Arial" panose="020B0604020202020204" pitchFamily="34" charset="0"/>
+                <a:cs typeface="Arial" panose="020B0604020202020204" pitchFamily="34" charset="0"/>
+              </a:rPr>
+              <a:t>Veteran Trainer, Project Manager and Solution Architect with 14 years of technical training experience and 12 technical certifications on Java, Mobile, Web, Architecture, Design and Development</a:t>
+            </a:r>
+            <a:endParaRPr lang="en-US" sz="1200" dirty="0">
+              <a:latin typeface="Arial" panose="020B0604020202020204" pitchFamily="34" charset="0"/>
+              <a:ea typeface="Arial Unicode MS" pitchFamily="34" charset="-128"/>
+              <a:cs typeface="Arial" panose="020B0604020202020204" pitchFamily="34" charset="0"/>
+            </a:endParaRPr>
+          </a:p>
+        </p:txBody>
+      </p:sp>
+      <p:sp>
+        <p:nvSpPr>
+          <p:cNvPr id="6" name="Rectangle 5"/>
+          <p:cNvSpPr/>
+          <p:nvPr/>
+        </p:nvSpPr>
+        <p:spPr>
+          <a:xfrm>
+            <a:off x="4038600" y="3693906"/>
+            <a:ext cx="1646605" cy="369332"/>
+          </a:xfrm>
+          <a:prstGeom prst="rect">
+            <a:avLst/>
+          </a:prstGeom>
+        </p:spPr>
+        <p:txBody>
+          <a:bodyPr wrap="none">
+            <a:spAutoFit/>
+          </a:bodyPr>
+          <a:lstStyle/>
+          <a:p>
+            <a:pPr lvl="0" fontAlgn="base">
+              <a:spcBef>
+                <a:spcPct val="20000"/>
+              </a:spcBef>
+              <a:spcAft>
+                <a:spcPct val="0"/>
+              </a:spcAft>
+              <a:buSzPct val="95000"/>
+            </a:pPr>
+            <a:r>
+              <a:rPr lang="en-US" dirty="0">
+                <a:latin typeface="Arial" panose="020B0604020202020204" pitchFamily="34" charset="0"/>
+                <a:cs typeface="Arial" panose="020B0604020202020204" pitchFamily="34" charset="0"/>
+              </a:rPr>
+              <a:t>2.1, May 2019</a:t>
+            </a:r>
+            <a:endParaRPr lang="en-US" dirty="0">
+              <a:latin typeface="Arial" panose="020B0604020202020204" pitchFamily="34" charset="0"/>
+              <a:ea typeface="Arial Unicode MS" pitchFamily="34" charset="-128"/>
+              <a:cs typeface="Arial" panose="020B0604020202020204" pitchFamily="34" charset="0"/>
+            </a:endParaRPr>
+          </a:p>
+        </p:txBody>
+      </p:sp>
+    </p:spTree>
+    <p:extLst>
+      <p:ext uri="{BB962C8B-B14F-4D97-AF65-F5344CB8AC3E}">
+        <p14:creationId xmlns:p14="http://schemas.microsoft.com/office/powerpoint/2010/main" val="1701116326"/>
+      </p:ext>
+    </p:extLst>
+  </p:cSld>
+  <p:clrMapOvr>
+    <a:masterClrMapping/>
+  </p:clrMapOvr>
+</p:sld>
+</file>
+
+<file path=ppt/slides/slide20.xml><?xml version="1.0" encoding="utf-8"?>
+<p:sld xmlns:a="http://schemas.openxmlformats.org/drawingml/2006/main" xmlns:r="http://schemas.openxmlformats.org/officeDocument/2006/relationships" xmlns:p="http://schemas.openxmlformats.org/presentationml/2006/main">
+  <p:cSld>
+    <p:spTree>
+      <p:nvGrpSpPr>
+        <p:cNvPr id="1" name=""/>
+        <p:cNvGrpSpPr/>
+        <p:nvPr/>
+      </p:nvGrpSpPr>
+      <p:grpSpPr>
+        <a:xfrm>
+          <a:off x="0" y="0"/>
+          <a:ext cx="0" cy="0"/>
+          <a:chOff x="0" y="0"/>
+          <a:chExt cx="0" cy="0"/>
+        </a:xfrm>
+      </p:grpSpPr>
+      <p:sp>
+        <p:nvSpPr>
           <p:cNvPr id="6" name="Rectangle 5"/>
           <p:cNvSpPr/>
           <p:nvPr/>
@@ -8772,7 +9002,7 @@
 </p:sld>
 </file>
 
-<file path=ppt/slides/slide18.xml><?xml version="1.0" encoding="utf-8"?>
+<file path=ppt/slides/slide21.xml><?xml version="1.0" encoding="utf-8"?>
 <p:sld xmlns:a="http://schemas.openxmlformats.org/drawingml/2006/main" xmlns:r="http://schemas.openxmlformats.org/officeDocument/2006/relationships" xmlns:p="http://schemas.openxmlformats.org/presentationml/2006/main">
   <p:cSld>
     <p:spTree>
@@ -9271,7 +9501,7 @@
             <a:fld id="{E7AF38FF-B38D-4060-8B8D-2D16AAFBAAC1}" type="slidenum">
               <a:rPr lang="en-US" smtClean="0"/>
               <a:pPr/>
-              <a:t>18</a:t>
+              <a:t>21</a:t>
             </a:fld>
             <a:endParaRPr lang="en-US" dirty="0"/>
           </a:p>
@@ -9281,1568 +9511,6 @@
     <p:extLst>
       <p:ext uri="{BB962C8B-B14F-4D97-AF65-F5344CB8AC3E}">
         <p14:creationId xmlns:p14="http://schemas.microsoft.com/office/powerpoint/2010/main" val="1445942354"/>
-      </p:ext>
-    </p:extLst>
-  </p:cSld>
-  <p:clrMapOvr>
-    <a:masterClrMapping/>
-  </p:clrMapOvr>
-</p:sld>
-</file>
-
-<file path=ppt/slides/slide19.xml><?xml version="1.0" encoding="utf-8"?>
-<p:sld xmlns:a="http://schemas.openxmlformats.org/drawingml/2006/main" xmlns:r="http://schemas.openxmlformats.org/officeDocument/2006/relationships" xmlns:p="http://schemas.openxmlformats.org/presentationml/2006/main">
-  <p:cSld>
-    <p:spTree>
-      <p:nvGrpSpPr>
-        <p:cNvPr id="1" name=""/>
-        <p:cNvGrpSpPr/>
-        <p:nvPr/>
-      </p:nvGrpSpPr>
-      <p:grpSpPr>
-        <a:xfrm>
-          <a:off x="0" y="0"/>
-          <a:ext cx="0" cy="0"/>
-          <a:chOff x="0" y="0"/>
-          <a:chExt cx="0" cy="0"/>
-        </a:xfrm>
-      </p:grpSpPr>
-      <p:sp>
-        <p:nvSpPr>
-          <p:cNvPr id="2" name="Title 1"/>
-          <p:cNvSpPr>
-            <a:spLocks noGrp="1"/>
-          </p:cNvSpPr>
-          <p:nvPr>
-            <p:ph type="title"/>
-          </p:nvPr>
-        </p:nvSpPr>
-        <p:spPr>
-          <a:xfrm>
-            <a:off x="3110204" y="0"/>
-            <a:ext cx="3061996" cy="629871"/>
-          </a:xfrm>
-        </p:spPr>
-        <p:txBody>
-          <a:bodyPr>
-            <a:normAutofit fontScale="90000"/>
-          </a:bodyPr>
-          <a:lstStyle/>
-          <a:p>
-            <a:r>
-              <a:rPr lang="en-US" dirty="0"/>
-              <a:t>Data Binding</a:t>
-            </a:r>
-          </a:p>
-        </p:txBody>
-      </p:sp>
-      <p:sp>
-        <p:nvSpPr>
-          <p:cNvPr id="3" name="Rectangle 2"/>
-          <p:cNvSpPr/>
-          <p:nvPr/>
-        </p:nvSpPr>
-        <p:spPr>
-          <a:xfrm>
-            <a:off x="2057400" y="838201"/>
-            <a:ext cx="8229600" cy="7417415"/>
-          </a:xfrm>
-          <a:prstGeom prst="rect">
-            <a:avLst/>
-          </a:prstGeom>
-        </p:spPr>
-        <p:txBody>
-          <a:bodyPr wrap="square">
-            <a:spAutoFit/>
-          </a:bodyPr>
-          <a:lstStyle/>
-          <a:p>
-            <a:r>
-              <a:rPr lang="en-US" sz="1700" dirty="0">
-                <a:latin typeface="Arial" panose="020B0604020202020204" pitchFamily="34" charset="0"/>
-                <a:cs typeface="Arial" panose="020B0604020202020204" pitchFamily="34" charset="0"/>
-              </a:rPr>
-              <a:t>Data binding signifies how and what kind of data is bound between a component and its template.</a:t>
-            </a:r>
-          </a:p>
-          <a:p>
-            <a:pPr marL="285750" indent="-285750">
-              <a:buFont typeface="Arial" panose="020B0604020202020204" pitchFamily="34" charset="0"/>
-              <a:buChar char="•"/>
-            </a:pPr>
-            <a:endParaRPr lang="en-US" sz="1700" dirty="0">
-              <a:latin typeface="Arial" panose="020B0604020202020204" pitchFamily="34" charset="0"/>
-              <a:cs typeface="Arial" panose="020B0604020202020204" pitchFamily="34" charset="0"/>
-            </a:endParaRPr>
-          </a:p>
-          <a:p>
-            <a:pPr marL="742950" lvl="1" indent="-285750">
-              <a:buFont typeface="Arial" panose="020B0604020202020204" pitchFamily="34" charset="0"/>
-              <a:buChar char="•"/>
-            </a:pPr>
-            <a:r>
-              <a:rPr lang="en-US" sz="1700" b="1" dirty="0">
-                <a:latin typeface="Arial" panose="020B0604020202020204" pitchFamily="34" charset="0"/>
-                <a:cs typeface="Arial" panose="020B0604020202020204" pitchFamily="34" charset="0"/>
-              </a:rPr>
-              <a:t>Interpolation</a:t>
-            </a:r>
-            <a:r>
-              <a:rPr lang="en-US" sz="1700" dirty="0">
-                <a:latin typeface="Arial" panose="020B0604020202020204" pitchFamily="34" charset="0"/>
-                <a:cs typeface="Arial" panose="020B0604020202020204" pitchFamily="34" charset="0"/>
-              </a:rPr>
-              <a:t> – binds component properties in output template.  It uses {{}}.</a:t>
-            </a:r>
-            <a:endParaRPr lang="en-US" sz="1700" dirty="0">
-              <a:solidFill>
-                <a:srgbClr val="FF66FF"/>
-              </a:solidFill>
-              <a:latin typeface="Arial" panose="020B0604020202020204" pitchFamily="34" charset="0"/>
-              <a:cs typeface="Arial" panose="020B0604020202020204" pitchFamily="34" charset="0"/>
-            </a:endParaRPr>
-          </a:p>
-          <a:p>
-            <a:pPr lvl="1"/>
-            <a:endParaRPr lang="en-US" sz="1700" dirty="0">
-              <a:latin typeface="Arial" panose="020B0604020202020204" pitchFamily="34" charset="0"/>
-              <a:cs typeface="Arial" panose="020B0604020202020204" pitchFamily="34" charset="0"/>
-            </a:endParaRPr>
-          </a:p>
-          <a:p>
-            <a:pPr marL="742950" lvl="1" indent="-285750">
-              <a:buFont typeface="Arial" panose="020B0604020202020204" pitchFamily="34" charset="0"/>
-              <a:buChar char="•"/>
-            </a:pPr>
-            <a:endParaRPr lang="en-US" sz="1700" dirty="0">
-              <a:latin typeface="Arial" panose="020B0604020202020204" pitchFamily="34" charset="0"/>
-              <a:cs typeface="Arial" panose="020B0604020202020204" pitchFamily="34" charset="0"/>
-            </a:endParaRPr>
-          </a:p>
-          <a:p>
-            <a:pPr marL="742950" lvl="1" indent="-285750">
-              <a:buFont typeface="Arial" panose="020B0604020202020204" pitchFamily="34" charset="0"/>
-              <a:buChar char="•"/>
-            </a:pPr>
-            <a:endParaRPr lang="en-US" sz="1700" b="1" dirty="0">
-              <a:latin typeface="Arial" panose="020B0604020202020204" pitchFamily="34" charset="0"/>
-              <a:cs typeface="Arial" panose="020B0604020202020204" pitchFamily="34" charset="0"/>
-            </a:endParaRPr>
-          </a:p>
-          <a:p>
-            <a:pPr marL="742950" lvl="1" indent="-285750">
-              <a:buFont typeface="Arial" panose="020B0604020202020204" pitchFamily="34" charset="0"/>
-              <a:buChar char="•"/>
-            </a:pPr>
-            <a:r>
-              <a:rPr lang="en-US" sz="1700" b="1" dirty="0">
-                <a:latin typeface="Arial" panose="020B0604020202020204" pitchFamily="34" charset="0"/>
-                <a:cs typeface="Arial" panose="020B0604020202020204" pitchFamily="34" charset="0"/>
-              </a:rPr>
-              <a:t>Property Binding</a:t>
-            </a:r>
-            <a:r>
-              <a:rPr lang="en-US" sz="1700" dirty="0">
-                <a:latin typeface="Arial" panose="020B0604020202020204" pitchFamily="34" charset="0"/>
-                <a:cs typeface="Arial" panose="020B0604020202020204" pitchFamily="34" charset="0"/>
-              </a:rPr>
-              <a:t> – flows data from the component to the element. Uses []</a:t>
-            </a:r>
-            <a:r>
-              <a:rPr lang="en-US" sz="1700" dirty="0">
-                <a:solidFill>
-                  <a:srgbClr val="FF66FF"/>
-                </a:solidFill>
-                <a:latin typeface="Arial" panose="020B0604020202020204" pitchFamily="34" charset="0"/>
-                <a:cs typeface="Arial" panose="020B0604020202020204" pitchFamily="34" charset="0"/>
-              </a:rPr>
-              <a:t>.</a:t>
-            </a:r>
-            <a:endParaRPr lang="en-US" sz="1700" dirty="0">
-              <a:latin typeface="Arial" panose="020B0604020202020204" pitchFamily="34" charset="0"/>
-              <a:cs typeface="Arial" panose="020B0604020202020204" pitchFamily="34" charset="0"/>
-            </a:endParaRPr>
-          </a:p>
-          <a:p>
-            <a:pPr marL="742950" lvl="1" indent="-285750">
-              <a:buFont typeface="Arial" panose="020B0604020202020204" pitchFamily="34" charset="0"/>
-              <a:buChar char="•"/>
-            </a:pPr>
-            <a:endParaRPr lang="en-US" sz="1700" b="1" dirty="0">
-              <a:latin typeface="Arial" panose="020B0604020202020204" pitchFamily="34" charset="0"/>
-              <a:cs typeface="Arial" panose="020B0604020202020204" pitchFamily="34" charset="0"/>
-            </a:endParaRPr>
-          </a:p>
-          <a:p>
-            <a:pPr marL="742950" lvl="1" indent="-285750">
-              <a:buFont typeface="Arial" panose="020B0604020202020204" pitchFamily="34" charset="0"/>
-              <a:buChar char="•"/>
-            </a:pPr>
-            <a:endParaRPr lang="en-US" sz="1700" b="1" dirty="0">
-              <a:latin typeface="Arial" panose="020B0604020202020204" pitchFamily="34" charset="0"/>
-              <a:cs typeface="Arial" panose="020B0604020202020204" pitchFamily="34" charset="0"/>
-            </a:endParaRPr>
-          </a:p>
-          <a:p>
-            <a:pPr lvl="1"/>
-            <a:endParaRPr lang="en-US" sz="1700" b="1" dirty="0">
-              <a:latin typeface="Arial" panose="020B0604020202020204" pitchFamily="34" charset="0"/>
-              <a:cs typeface="Arial" panose="020B0604020202020204" pitchFamily="34" charset="0"/>
-            </a:endParaRPr>
-          </a:p>
-          <a:p>
-            <a:pPr marL="742950" lvl="1" indent="-285750">
-              <a:buFont typeface="Arial" panose="020B0604020202020204" pitchFamily="34" charset="0"/>
-              <a:buChar char="•"/>
-            </a:pPr>
-            <a:r>
-              <a:rPr lang="en-US" sz="1700" b="1" dirty="0">
-                <a:latin typeface="Arial" panose="020B0604020202020204" pitchFamily="34" charset="0"/>
-                <a:cs typeface="Arial" panose="020B0604020202020204" pitchFamily="34" charset="0"/>
-              </a:rPr>
-              <a:t>Event Binding</a:t>
-            </a:r>
-            <a:r>
-              <a:rPr lang="en-US" sz="1700" dirty="0">
-                <a:latin typeface="Arial" panose="020B0604020202020204" pitchFamily="34" charset="0"/>
-                <a:cs typeface="Arial" panose="020B0604020202020204" pitchFamily="34" charset="0"/>
-              </a:rPr>
-              <a:t> – flows data from an element to the component. Uses ()</a:t>
-            </a:r>
-            <a:r>
-              <a:rPr lang="en-US" sz="1700" dirty="0">
-                <a:solidFill>
-                  <a:srgbClr val="FF66FF"/>
-                </a:solidFill>
-                <a:latin typeface="Arial" panose="020B0604020202020204" pitchFamily="34" charset="0"/>
-                <a:cs typeface="Arial" panose="020B0604020202020204" pitchFamily="34" charset="0"/>
-              </a:rPr>
-              <a:t>.</a:t>
-            </a:r>
-            <a:endParaRPr lang="en-US" sz="1700" dirty="0">
-              <a:latin typeface="Arial" panose="020B0604020202020204" pitchFamily="34" charset="0"/>
-              <a:cs typeface="Arial" panose="020B0604020202020204" pitchFamily="34" charset="0"/>
-            </a:endParaRPr>
-          </a:p>
-          <a:p>
-            <a:pPr marL="742950" lvl="1" indent="-285750">
-              <a:buFont typeface="Arial" panose="020B0604020202020204" pitchFamily="34" charset="0"/>
-              <a:buChar char="•"/>
-            </a:pPr>
-            <a:endParaRPr lang="en-US" sz="1700" dirty="0">
-              <a:latin typeface="Arial" panose="020B0604020202020204" pitchFamily="34" charset="0"/>
-              <a:cs typeface="Arial" panose="020B0604020202020204" pitchFamily="34" charset="0"/>
-            </a:endParaRPr>
-          </a:p>
-          <a:p>
-            <a:pPr marL="742950" lvl="1" indent="-285750">
-              <a:buFont typeface="Arial" panose="020B0604020202020204" pitchFamily="34" charset="0"/>
-              <a:buChar char="•"/>
-            </a:pPr>
-            <a:endParaRPr lang="en-US" sz="1700" dirty="0">
-              <a:latin typeface="Arial" panose="020B0604020202020204" pitchFamily="34" charset="0"/>
-              <a:cs typeface="Arial" panose="020B0604020202020204" pitchFamily="34" charset="0"/>
-            </a:endParaRPr>
-          </a:p>
-          <a:p>
-            <a:pPr marL="742950" lvl="1" indent="-285750">
-              <a:buFont typeface="Arial" panose="020B0604020202020204" pitchFamily="34" charset="0"/>
-              <a:buChar char="•"/>
-            </a:pPr>
-            <a:endParaRPr lang="en-US" sz="1700" b="1" dirty="0">
-              <a:latin typeface="Arial" panose="020B0604020202020204" pitchFamily="34" charset="0"/>
-              <a:cs typeface="Arial" panose="020B0604020202020204" pitchFamily="34" charset="0"/>
-            </a:endParaRPr>
-          </a:p>
-          <a:p>
-            <a:pPr marL="742950" lvl="1" indent="-285750">
-              <a:buFont typeface="Arial" panose="020B0604020202020204" pitchFamily="34" charset="0"/>
-              <a:buChar char="•"/>
-            </a:pPr>
-            <a:r>
-              <a:rPr lang="en-US" sz="1700" b="1" dirty="0">
-                <a:latin typeface="Arial" panose="020B0604020202020204" pitchFamily="34" charset="0"/>
-                <a:cs typeface="Arial" panose="020B0604020202020204" pitchFamily="34" charset="0"/>
-              </a:rPr>
-              <a:t>Two-Way Binding</a:t>
-            </a:r>
-            <a:r>
-              <a:rPr lang="en-US" sz="1700" dirty="0">
-                <a:latin typeface="Arial" panose="020B0604020202020204" pitchFamily="34" charset="0"/>
-                <a:cs typeface="Arial" panose="020B0604020202020204" pitchFamily="34" charset="0"/>
-              </a:rPr>
-              <a:t> – is a combination of the Event and Property Bindings. Used along with the ngModel object. *Must Import FormsModule</a:t>
-            </a:r>
-          </a:p>
-          <a:p>
-            <a:pPr marL="742950" lvl="1" indent="-285750">
-              <a:buFont typeface="Arial" panose="020B0604020202020204" pitchFamily="34" charset="0"/>
-              <a:buChar char="•"/>
-            </a:pPr>
-            <a:endParaRPr lang="en-US" sz="1700" dirty="0">
-              <a:latin typeface="Arial" panose="020B0604020202020204" pitchFamily="34" charset="0"/>
-              <a:cs typeface="Arial" panose="020B0604020202020204" pitchFamily="34" charset="0"/>
-            </a:endParaRPr>
-          </a:p>
-          <a:p>
-            <a:pPr marL="742950" lvl="1" indent="-285750">
-              <a:buFont typeface="Arial" panose="020B0604020202020204" pitchFamily="34" charset="0"/>
-              <a:buChar char="•"/>
-            </a:pPr>
-            <a:endParaRPr lang="en-US" sz="1700" dirty="0">
-              <a:latin typeface="Arial" panose="020B0604020202020204" pitchFamily="34" charset="0"/>
-              <a:cs typeface="Arial" panose="020B0604020202020204" pitchFamily="34" charset="0"/>
-            </a:endParaRPr>
-          </a:p>
-          <a:p>
-            <a:pPr marL="742950" lvl="1" indent="-285750">
-              <a:buFont typeface="Arial" panose="020B0604020202020204" pitchFamily="34" charset="0"/>
-              <a:buChar char="•"/>
-            </a:pPr>
-            <a:endParaRPr lang="en-US" sz="1700" dirty="0">
-              <a:latin typeface="Arial" panose="020B0604020202020204" pitchFamily="34" charset="0"/>
-              <a:cs typeface="Arial" panose="020B0604020202020204" pitchFamily="34" charset="0"/>
-            </a:endParaRPr>
-          </a:p>
-          <a:p>
-            <a:pPr marL="742950" lvl="1" indent="-285750">
-              <a:buFont typeface="Arial" panose="020B0604020202020204" pitchFamily="34" charset="0"/>
-              <a:buChar char="•"/>
-            </a:pPr>
-            <a:endParaRPr lang="en-US" sz="1700" dirty="0">
-              <a:latin typeface="Arial" panose="020B0604020202020204" pitchFamily="34" charset="0"/>
-              <a:cs typeface="Arial" panose="020B0604020202020204" pitchFamily="34" charset="0"/>
-            </a:endParaRPr>
-          </a:p>
-          <a:p>
-            <a:pPr marL="742950" lvl="1" indent="-285750">
-              <a:buFont typeface="Arial" panose="020B0604020202020204" pitchFamily="34" charset="0"/>
-              <a:buChar char="•"/>
-            </a:pPr>
-            <a:endParaRPr lang="en-US" sz="1700" b="1" dirty="0">
-              <a:latin typeface="Arial" panose="020B0604020202020204" pitchFamily="34" charset="0"/>
-              <a:cs typeface="Arial" panose="020B0604020202020204" pitchFamily="34" charset="0"/>
-            </a:endParaRPr>
-          </a:p>
-          <a:p>
-            <a:pPr marL="742950" lvl="1" indent="-285750">
-              <a:buFont typeface="Arial" panose="020B0604020202020204" pitchFamily="34" charset="0"/>
-              <a:buChar char="•"/>
-            </a:pPr>
-            <a:endParaRPr lang="en-US" sz="1700" dirty="0">
-              <a:latin typeface="Arial" panose="020B0604020202020204" pitchFamily="34" charset="0"/>
-              <a:cs typeface="Arial" panose="020B0604020202020204" pitchFamily="34" charset="0"/>
-            </a:endParaRPr>
-          </a:p>
-          <a:p>
-            <a:pPr marL="742950" lvl="1" indent="-285750">
-              <a:buFont typeface="Arial" panose="020B0604020202020204" pitchFamily="34" charset="0"/>
-              <a:buChar char="•"/>
-            </a:pPr>
-            <a:endParaRPr lang="en-US" sz="1700" dirty="0">
-              <a:latin typeface="Arial" panose="020B0604020202020204" pitchFamily="34" charset="0"/>
-              <a:cs typeface="Arial" panose="020B0604020202020204" pitchFamily="34" charset="0"/>
-            </a:endParaRPr>
-          </a:p>
-          <a:p>
-            <a:pPr marL="742950" lvl="1" indent="-285750">
-              <a:buFont typeface="Arial" panose="020B0604020202020204" pitchFamily="34" charset="0"/>
-              <a:buChar char="•"/>
-            </a:pPr>
-            <a:endParaRPr lang="en-US" sz="1700" dirty="0">
-              <a:latin typeface="Arial" panose="020B0604020202020204" pitchFamily="34" charset="0"/>
-              <a:cs typeface="Arial" panose="020B0604020202020204" pitchFamily="34" charset="0"/>
-            </a:endParaRPr>
-          </a:p>
-          <a:p>
-            <a:pPr marL="742950" lvl="1" indent="-285750">
-              <a:buFont typeface="Arial" panose="020B0604020202020204" pitchFamily="34" charset="0"/>
-              <a:buChar char="•"/>
-            </a:pPr>
-            <a:endParaRPr lang="en-US" sz="1700" dirty="0">
-              <a:latin typeface="Arial" panose="020B0604020202020204" pitchFamily="34" charset="0"/>
-              <a:cs typeface="Arial" panose="020B0604020202020204" pitchFamily="34" charset="0"/>
-            </a:endParaRPr>
-          </a:p>
-          <a:p>
-            <a:pPr marL="742950" lvl="1" indent="-285750">
-              <a:buFont typeface="Arial" panose="020B0604020202020204" pitchFamily="34" charset="0"/>
-              <a:buChar char="•"/>
-            </a:pPr>
-            <a:endParaRPr lang="en-US" sz="1700" dirty="0"/>
-          </a:p>
-        </p:txBody>
-      </p:sp>
-      <p:sp>
-        <p:nvSpPr>
-          <p:cNvPr id="4" name="Rectangle 3"/>
-          <p:cNvSpPr/>
-          <p:nvPr/>
-        </p:nvSpPr>
-        <p:spPr>
-          <a:xfrm>
-            <a:off x="2514600" y="2078472"/>
-            <a:ext cx="7559494" cy="304800"/>
-          </a:xfrm>
-          <a:prstGeom prst="rect">
-            <a:avLst/>
-          </a:prstGeom>
-          <a:solidFill>
-            <a:schemeClr val="tx1"/>
-          </a:solidFill>
-          <a:ln>
-            <a:noFill/>
-          </a:ln>
-        </p:spPr>
-        <p:style>
-          <a:lnRef idx="2">
-            <a:schemeClr val="accent1">
-              <a:shade val="50000"/>
-            </a:schemeClr>
-          </a:lnRef>
-          <a:fillRef idx="1">
-            <a:schemeClr val="accent1"/>
-          </a:fillRef>
-          <a:effectRef idx="0">
-            <a:schemeClr val="accent1"/>
-          </a:effectRef>
-          <a:fontRef idx="minor">
-            <a:schemeClr val="lt1"/>
-          </a:fontRef>
-        </p:style>
-        <p:txBody>
-          <a:bodyPr rtlCol="0" anchor="ctr"/>
-          <a:lstStyle/>
-          <a:p>
-            <a:r>
-              <a:rPr lang="en-US" dirty="0">
-                <a:solidFill>
-                  <a:schemeClr val="bg1"/>
-                </a:solidFill>
-                <a:latin typeface="Courier New" panose="02070309020205020404" pitchFamily="49" charset="0"/>
-                <a:cs typeface="Courier New" panose="02070309020205020404" pitchFamily="49" charset="0"/>
-              </a:rPr>
-              <a:t>&lt;span&gt;{{interpolatedValue}}&lt;span&gt;</a:t>
-            </a:r>
-          </a:p>
-        </p:txBody>
-      </p:sp>
-      <p:sp>
-        <p:nvSpPr>
-          <p:cNvPr id="8" name="Rectangle 7"/>
-          <p:cNvSpPr/>
-          <p:nvPr/>
-        </p:nvSpPr>
-        <p:spPr>
-          <a:xfrm>
-            <a:off x="1840164" y="3127111"/>
-            <a:ext cx="8908366" cy="422030"/>
-          </a:xfrm>
-          <a:prstGeom prst="rect">
-            <a:avLst/>
-          </a:prstGeom>
-          <a:solidFill>
-            <a:schemeClr val="tx1"/>
-          </a:solidFill>
-          <a:ln>
-            <a:noFill/>
-          </a:ln>
-        </p:spPr>
-        <p:style>
-          <a:lnRef idx="2">
-            <a:schemeClr val="accent1">
-              <a:shade val="50000"/>
-            </a:schemeClr>
-          </a:lnRef>
-          <a:fillRef idx="1">
-            <a:schemeClr val="accent1"/>
-          </a:fillRef>
-          <a:effectRef idx="0">
-            <a:schemeClr val="accent1"/>
-          </a:effectRef>
-          <a:fontRef idx="minor">
-            <a:schemeClr val="lt1"/>
-          </a:fontRef>
-        </p:style>
-        <p:txBody>
-          <a:bodyPr rtlCol="0" anchor="ctr"/>
-          <a:lstStyle/>
-          <a:p>
-            <a:r>
-              <a:rPr lang="en-US" dirty="0">
-                <a:solidFill>
-                  <a:schemeClr val="bg1"/>
-                </a:solidFill>
-                <a:latin typeface="Courier New" panose="02070309020205020404" pitchFamily="49" charset="0"/>
-                <a:cs typeface="Courier New" panose="02070309020205020404" pitchFamily="49" charset="0"/>
-              </a:rPr>
-              <a:t>&lt;span [style.color]="componentStyle"&gt;Some colored text!&lt;/span&gt;</a:t>
-            </a:r>
-          </a:p>
-        </p:txBody>
-      </p:sp>
-      <p:sp>
-        <p:nvSpPr>
-          <p:cNvPr id="9" name="Rectangle 8"/>
-          <p:cNvSpPr/>
-          <p:nvPr/>
-        </p:nvSpPr>
-        <p:spPr>
-          <a:xfrm>
-            <a:off x="2514600" y="4099976"/>
-            <a:ext cx="7559494" cy="506469"/>
-          </a:xfrm>
-          <a:prstGeom prst="rect">
-            <a:avLst/>
-          </a:prstGeom>
-          <a:solidFill>
-            <a:schemeClr val="tx1"/>
-          </a:solidFill>
-          <a:ln>
-            <a:noFill/>
-          </a:ln>
-        </p:spPr>
-        <p:style>
-          <a:lnRef idx="2">
-            <a:schemeClr val="accent1">
-              <a:shade val="50000"/>
-            </a:schemeClr>
-          </a:lnRef>
-          <a:fillRef idx="1">
-            <a:schemeClr val="accent1"/>
-          </a:fillRef>
-          <a:effectRef idx="0">
-            <a:schemeClr val="accent1"/>
-          </a:effectRef>
-          <a:fontRef idx="minor">
-            <a:schemeClr val="lt1"/>
-          </a:fontRef>
-        </p:style>
-        <p:txBody>
-          <a:bodyPr rtlCol="0" anchor="ctr"/>
-          <a:lstStyle/>
-          <a:p>
-            <a:r>
-              <a:rPr lang="en-US" dirty="0">
-                <a:solidFill>
-                  <a:schemeClr val="bg1"/>
-                </a:solidFill>
-                <a:latin typeface="Courier New" panose="02070309020205020404" pitchFamily="49" charset="0"/>
-                <a:cs typeface="Courier New" panose="02070309020205020404" pitchFamily="49" charset="0"/>
-              </a:rPr>
-              <a:t>&lt;button (click)="alertTheWorld()"&gt;Click me!&lt;/button&gt;</a:t>
-            </a:r>
-          </a:p>
-        </p:txBody>
-      </p:sp>
-      <p:sp>
-        <p:nvSpPr>
-          <p:cNvPr id="10" name="Rectangle 9"/>
-          <p:cNvSpPr/>
-          <p:nvPr/>
-        </p:nvSpPr>
-        <p:spPr>
-          <a:xfrm>
-            <a:off x="2817868" y="5422386"/>
-            <a:ext cx="6952957" cy="1116526"/>
-          </a:xfrm>
-          <a:prstGeom prst="rect">
-            <a:avLst/>
-          </a:prstGeom>
-          <a:solidFill>
-            <a:schemeClr val="tx1"/>
-          </a:solidFill>
-          <a:ln>
-            <a:noFill/>
-          </a:ln>
-        </p:spPr>
-        <p:style>
-          <a:lnRef idx="2">
-            <a:schemeClr val="accent1">
-              <a:shade val="50000"/>
-            </a:schemeClr>
-          </a:lnRef>
-          <a:fillRef idx="1">
-            <a:schemeClr val="accent1"/>
-          </a:fillRef>
-          <a:effectRef idx="0">
-            <a:schemeClr val="accent1"/>
-          </a:effectRef>
-          <a:fontRef idx="minor">
-            <a:schemeClr val="lt1"/>
-          </a:fontRef>
-        </p:style>
-        <p:txBody>
-          <a:bodyPr rtlCol="0" anchor="ctr"/>
-          <a:lstStyle/>
-          <a:p>
-            <a:r>
-              <a:rPr lang="en-US" dirty="0">
-                <a:solidFill>
-                  <a:schemeClr val="bg1"/>
-                </a:solidFill>
-                <a:latin typeface="Courier New" panose="02070309020205020404" pitchFamily="49" charset="0"/>
-                <a:cs typeface="Courier New" panose="02070309020205020404" pitchFamily="49" charset="0"/>
-              </a:rPr>
-              <a:t>&lt;input md-input [(ngModel)]="dynamicValue"</a:t>
-            </a:r>
-          </a:p>
-          <a:p>
-            <a:r>
-              <a:rPr lang="en-US" dirty="0">
-                <a:solidFill>
-                  <a:schemeClr val="bg1"/>
-                </a:solidFill>
-                <a:latin typeface="Courier New" panose="02070309020205020404" pitchFamily="49" charset="0"/>
-                <a:cs typeface="Courier New" panose="02070309020205020404" pitchFamily="49" charset="0"/>
-              </a:rPr>
-              <a:t>placeholder="Watch the text update!" type="text"&gt;</a:t>
-            </a:r>
-          </a:p>
-          <a:p>
-            <a:r>
-              <a:rPr lang="en-US" dirty="0">
-                <a:solidFill>
-                  <a:schemeClr val="bg1"/>
-                </a:solidFill>
-                <a:latin typeface="Courier New" panose="02070309020205020404" pitchFamily="49" charset="0"/>
-                <a:cs typeface="Courier New" panose="02070309020205020404" pitchFamily="49" charset="0"/>
-              </a:rPr>
-              <a:t>&lt;br&gt;</a:t>
-            </a:r>
-          </a:p>
-          <a:p>
-            <a:r>
-              <a:rPr lang="en-US" dirty="0">
-                <a:solidFill>
-                  <a:schemeClr val="bg1"/>
-                </a:solidFill>
-                <a:latin typeface="Courier New" panose="02070309020205020404" pitchFamily="49" charset="0"/>
-                <a:cs typeface="Courier New" panose="02070309020205020404" pitchFamily="49" charset="0"/>
-              </a:rPr>
-              <a:t>&lt;span&gt;{{dynamicValue}}&lt;/span&gt;</a:t>
-            </a:r>
-          </a:p>
-        </p:txBody>
-      </p:sp>
-      <p:sp>
-        <p:nvSpPr>
-          <p:cNvPr id="11" name="Footer Placeholder 1"/>
-          <p:cNvSpPr>
-            <a:spLocks noGrp="1"/>
-          </p:cNvSpPr>
-          <p:nvPr>
-            <p:ph type="ftr" sz="quarter" idx="11"/>
-          </p:nvPr>
-        </p:nvSpPr>
-        <p:spPr>
-          <a:xfrm>
-            <a:off x="113004" y="6424612"/>
-            <a:ext cx="1371600" cy="228600"/>
-          </a:xfrm>
-        </p:spPr>
-        <p:txBody>
-          <a:bodyPr/>
-          <a:lstStyle/>
-          <a:p>
-            <a:r>
-              <a:rPr lang="en-US"/>
-              <a:t>© Cognizant 2019</a:t>
-            </a:r>
-            <a:endParaRPr lang="en-US" dirty="0"/>
-          </a:p>
-        </p:txBody>
-      </p:sp>
-      <p:sp>
-        <p:nvSpPr>
-          <p:cNvPr id="5" name="Slide Number Placeholder 4">
-            <a:extLst>
-              <a:ext uri="{FF2B5EF4-FFF2-40B4-BE49-F238E27FC236}">
-                <a16:creationId xmlns:a16="http://schemas.microsoft.com/office/drawing/2014/main" id="{2D489FAE-4110-407B-AB52-A4EED619A748}"/>
-              </a:ext>
-            </a:extLst>
-          </p:cNvPr>
-          <p:cNvSpPr>
-            <a:spLocks noGrp="1"/>
-          </p:cNvSpPr>
-          <p:nvPr>
-            <p:ph type="sldNum" sz="quarter" idx="12"/>
-          </p:nvPr>
-        </p:nvSpPr>
-        <p:spPr/>
-        <p:txBody>
-          <a:bodyPr/>
-          <a:lstStyle/>
-          <a:p>
-            <a:fld id="{8430ED8F-F4BA-4C5B-9498-F896284E1CAD}" type="slidenum">
-              <a:rPr lang="en-US" smtClean="0"/>
-              <a:t>19</a:t>
-            </a:fld>
-            <a:endParaRPr lang="en-US"/>
-          </a:p>
-        </p:txBody>
-      </p:sp>
-    </p:spTree>
-    <p:extLst>
-      <p:ext uri="{BB962C8B-B14F-4D97-AF65-F5344CB8AC3E}">
-        <p14:creationId xmlns:p14="http://schemas.microsoft.com/office/powerpoint/2010/main" val="1845596787"/>
-      </p:ext>
-    </p:extLst>
-  </p:cSld>
-  <p:clrMapOvr>
-    <a:masterClrMapping/>
-  </p:clrMapOvr>
-</p:sld>
-</file>
-
-<file path=ppt/slides/slide2.xml><?xml version="1.0" encoding="utf-8"?>
-<p:sld xmlns:a="http://schemas.openxmlformats.org/drawingml/2006/main" xmlns:r="http://schemas.openxmlformats.org/officeDocument/2006/relationships" xmlns:p="http://schemas.openxmlformats.org/presentationml/2006/main">
-  <p:cSld>
-    <p:spTree>
-      <p:nvGrpSpPr>
-        <p:cNvPr id="1" name=""/>
-        <p:cNvGrpSpPr/>
-        <p:nvPr/>
-      </p:nvGrpSpPr>
-      <p:grpSpPr>
-        <a:xfrm>
-          <a:off x="0" y="0"/>
-          <a:ext cx="0" cy="0"/>
-          <a:chOff x="0" y="0"/>
-          <a:chExt cx="0" cy="0"/>
-        </a:xfrm>
-      </p:grpSpPr>
-      <p:sp>
-        <p:nvSpPr>
-          <p:cNvPr id="2" name="Footer Placeholder 1"/>
-          <p:cNvSpPr>
-            <a:spLocks noGrp="1"/>
-          </p:cNvSpPr>
-          <p:nvPr>
-            <p:ph type="ftr" sz="quarter" idx="11"/>
-          </p:nvPr>
-        </p:nvSpPr>
-        <p:spPr/>
-        <p:txBody>
-          <a:bodyPr/>
-          <a:lstStyle/>
-          <a:p>
-            <a:r>
-              <a:rPr lang="en-US"/>
-              <a:t>© Cognizant 2019</a:t>
-            </a:r>
-            <a:endParaRPr lang="en-US" dirty="0"/>
-          </a:p>
-        </p:txBody>
-      </p:sp>
-      <p:sp>
-        <p:nvSpPr>
-          <p:cNvPr id="4" name="Rectangle 3"/>
-          <p:cNvSpPr/>
-          <p:nvPr/>
-        </p:nvSpPr>
-        <p:spPr>
-          <a:xfrm>
-            <a:off x="4038601" y="2438400"/>
-            <a:ext cx="7434599" cy="369332"/>
-          </a:xfrm>
-          <a:prstGeom prst="rect">
-            <a:avLst/>
-          </a:prstGeom>
-        </p:spPr>
-        <p:txBody>
-          <a:bodyPr wrap="none">
-            <a:spAutoFit/>
-          </a:bodyPr>
-          <a:lstStyle/>
-          <a:p>
-            <a:pPr lvl="0" fontAlgn="base">
-              <a:spcBef>
-                <a:spcPct val="20000"/>
-              </a:spcBef>
-              <a:spcAft>
-                <a:spcPct val="0"/>
-              </a:spcAft>
-              <a:buSzPct val="95000"/>
-            </a:pPr>
-            <a:r>
-              <a:rPr lang="en-US" dirty="0">
-                <a:latin typeface="Arial" panose="020B0604020202020204" pitchFamily="34" charset="0"/>
-                <a:ea typeface="Arial Unicode MS" pitchFamily="34" charset="-128"/>
-                <a:cs typeface="Arial" panose="020B0604020202020204" pitchFamily="34" charset="0"/>
-              </a:rPr>
-              <a:t>Vignesh Murali Natarajan (119780)   Edited By Jason Monroe (688776)</a:t>
-            </a:r>
-          </a:p>
-        </p:txBody>
-      </p:sp>
-      <p:sp>
-        <p:nvSpPr>
-          <p:cNvPr id="5" name="Rectangle 4"/>
-          <p:cNvSpPr/>
-          <p:nvPr/>
-        </p:nvSpPr>
-        <p:spPr>
-          <a:xfrm>
-            <a:off x="4038600" y="2888233"/>
-            <a:ext cx="6324600" cy="671513"/>
-          </a:xfrm>
-          <a:prstGeom prst="rect">
-            <a:avLst/>
-          </a:prstGeom>
-        </p:spPr>
-        <p:txBody>
-          <a:bodyPr wrap="square">
-            <a:spAutoFit/>
-          </a:bodyPr>
-          <a:lstStyle/>
-          <a:p>
-            <a:pPr lvl="0" fontAlgn="base">
-              <a:spcBef>
-                <a:spcPct val="20000"/>
-              </a:spcBef>
-              <a:spcAft>
-                <a:spcPct val="0"/>
-              </a:spcAft>
-              <a:buSzPct val="95000"/>
-            </a:pPr>
-            <a:r>
-              <a:rPr lang="en-US" sz="1200" dirty="0">
-                <a:latin typeface="Arial" panose="020B0604020202020204" pitchFamily="34" charset="0"/>
-                <a:cs typeface="Arial" panose="020B0604020202020204" pitchFamily="34" charset="0"/>
-              </a:rPr>
-              <a:t>Veteran Trainer, Project Manager and Solution Architect with 14 years of technical training experience and 12 technical certifications on Java, Mobile, Web, Architecture, Design and Development</a:t>
-            </a:r>
-            <a:endParaRPr lang="en-US" sz="1200" dirty="0">
-              <a:latin typeface="Arial" panose="020B0604020202020204" pitchFamily="34" charset="0"/>
-              <a:ea typeface="Arial Unicode MS" pitchFamily="34" charset="-128"/>
-              <a:cs typeface="Arial" panose="020B0604020202020204" pitchFamily="34" charset="0"/>
-            </a:endParaRPr>
-          </a:p>
-        </p:txBody>
-      </p:sp>
-      <p:sp>
-        <p:nvSpPr>
-          <p:cNvPr id="6" name="Rectangle 5"/>
-          <p:cNvSpPr/>
-          <p:nvPr/>
-        </p:nvSpPr>
-        <p:spPr>
-          <a:xfrm>
-            <a:off x="4038600" y="3693906"/>
-            <a:ext cx="1646605" cy="369332"/>
-          </a:xfrm>
-          <a:prstGeom prst="rect">
-            <a:avLst/>
-          </a:prstGeom>
-        </p:spPr>
-        <p:txBody>
-          <a:bodyPr wrap="none">
-            <a:spAutoFit/>
-          </a:bodyPr>
-          <a:lstStyle/>
-          <a:p>
-            <a:pPr lvl="0" fontAlgn="base">
-              <a:spcBef>
-                <a:spcPct val="20000"/>
-              </a:spcBef>
-              <a:spcAft>
-                <a:spcPct val="0"/>
-              </a:spcAft>
-              <a:buSzPct val="95000"/>
-            </a:pPr>
-            <a:r>
-              <a:rPr lang="en-US" dirty="0">
-                <a:latin typeface="Arial" panose="020B0604020202020204" pitchFamily="34" charset="0"/>
-                <a:cs typeface="Arial" panose="020B0604020202020204" pitchFamily="34" charset="0"/>
-              </a:rPr>
-              <a:t>2.1, May 2019</a:t>
-            </a:r>
-            <a:endParaRPr lang="en-US" dirty="0">
-              <a:latin typeface="Arial" panose="020B0604020202020204" pitchFamily="34" charset="0"/>
-              <a:ea typeface="Arial Unicode MS" pitchFamily="34" charset="-128"/>
-              <a:cs typeface="Arial" panose="020B0604020202020204" pitchFamily="34" charset="0"/>
-            </a:endParaRPr>
-          </a:p>
-        </p:txBody>
-      </p:sp>
-    </p:spTree>
-    <p:extLst>
-      <p:ext uri="{BB962C8B-B14F-4D97-AF65-F5344CB8AC3E}">
-        <p14:creationId xmlns:p14="http://schemas.microsoft.com/office/powerpoint/2010/main" val="1701116326"/>
-      </p:ext>
-    </p:extLst>
-  </p:cSld>
-  <p:clrMapOvr>
-    <a:masterClrMapping/>
-  </p:clrMapOvr>
-</p:sld>
-</file>
-
-<file path=ppt/slides/slide20.xml><?xml version="1.0" encoding="utf-8"?>
-<p:sld xmlns:a="http://schemas.openxmlformats.org/drawingml/2006/main" xmlns:r="http://schemas.openxmlformats.org/officeDocument/2006/relationships" xmlns:p="http://schemas.openxmlformats.org/presentationml/2006/main">
-  <p:cSld>
-    <p:spTree>
-      <p:nvGrpSpPr>
-        <p:cNvPr id="1" name=""/>
-        <p:cNvGrpSpPr/>
-        <p:nvPr/>
-      </p:nvGrpSpPr>
-      <p:grpSpPr>
-        <a:xfrm>
-          <a:off x="0" y="0"/>
-          <a:ext cx="0" cy="0"/>
-          <a:chOff x="0" y="0"/>
-          <a:chExt cx="0" cy="0"/>
-        </a:xfrm>
-      </p:grpSpPr>
-      <p:sp>
-        <p:nvSpPr>
-          <p:cNvPr id="2" name="Title 1"/>
-          <p:cNvSpPr>
-            <a:spLocks noGrp="1"/>
-          </p:cNvSpPr>
-          <p:nvPr>
-            <p:ph type="title"/>
-          </p:nvPr>
-        </p:nvSpPr>
-        <p:spPr>
-          <a:xfrm>
-            <a:off x="3124200" y="0"/>
-            <a:ext cx="4396273" cy="577267"/>
-          </a:xfrm>
-        </p:spPr>
-        <p:txBody>
-          <a:bodyPr>
-            <a:normAutofit fontScale="90000"/>
-          </a:bodyPr>
-          <a:lstStyle/>
-          <a:p>
-            <a:r>
-              <a:rPr lang="en-US" dirty="0"/>
-              <a:t>Two-Way Binding</a:t>
-            </a:r>
-          </a:p>
-        </p:txBody>
-      </p:sp>
-      <p:sp>
-        <p:nvSpPr>
-          <p:cNvPr id="15" name="Rectangle 14"/>
-          <p:cNvSpPr/>
-          <p:nvPr/>
-        </p:nvSpPr>
-        <p:spPr>
-          <a:xfrm>
-            <a:off x="1981200" y="1143001"/>
-            <a:ext cx="8229600" cy="2985433"/>
-          </a:xfrm>
-          <a:prstGeom prst="rect">
-            <a:avLst/>
-          </a:prstGeom>
-        </p:spPr>
-        <p:txBody>
-          <a:bodyPr wrap="square">
-            <a:spAutoFit/>
-          </a:bodyPr>
-          <a:lstStyle/>
-          <a:p>
-            <a:pPr marL="285750" indent="-285750">
-              <a:buFont typeface="Arial" panose="020B0604020202020204" pitchFamily="34" charset="0"/>
-              <a:buChar char="•"/>
-            </a:pPr>
-            <a:r>
-              <a:rPr lang="en-US" dirty="0">
-                <a:latin typeface="Arial" panose="020B0604020202020204" pitchFamily="34" charset="0"/>
-                <a:cs typeface="Arial" panose="020B0604020202020204" pitchFamily="34" charset="0"/>
-              </a:rPr>
-              <a:t>Two-way data binding combines the input and output binding into a single notation using the ngModel directive.</a:t>
-            </a:r>
-          </a:p>
-          <a:p>
-            <a:pPr marL="285750" indent="-285750">
-              <a:buFont typeface="Arial" panose="020B0604020202020204" pitchFamily="34" charset="0"/>
-              <a:buChar char="•"/>
-            </a:pPr>
-            <a:endParaRPr lang="en-US" dirty="0">
-              <a:latin typeface="Arial" panose="020B0604020202020204" pitchFamily="34" charset="0"/>
-              <a:cs typeface="Arial" panose="020B0604020202020204" pitchFamily="34" charset="0"/>
-            </a:endParaRPr>
-          </a:p>
-          <a:p>
-            <a:pPr marL="285750" indent="-285750">
-              <a:buFont typeface="Arial" panose="020B0604020202020204" pitchFamily="34" charset="0"/>
-              <a:buChar char="•"/>
-            </a:pPr>
-            <a:r>
-              <a:rPr lang="en-US" dirty="0">
-                <a:latin typeface="Arial" panose="020B0604020202020204" pitchFamily="34" charset="0"/>
-                <a:cs typeface="Arial" panose="020B0604020202020204" pitchFamily="34" charset="0"/>
-              </a:rPr>
-              <a:t>The following statement:</a:t>
-            </a:r>
-          </a:p>
-          <a:p>
-            <a:pPr marL="285750" indent="-285750">
-              <a:buFont typeface="Arial" panose="020B0604020202020204" pitchFamily="34" charset="0"/>
-              <a:buChar char="•"/>
-            </a:pPr>
-            <a:endParaRPr lang="en-US" sz="2000" dirty="0"/>
-          </a:p>
-          <a:p>
-            <a:pPr marL="285750" indent="-285750">
-              <a:buFont typeface="Arial" panose="020B0604020202020204" pitchFamily="34" charset="0"/>
-              <a:buChar char="•"/>
-            </a:pPr>
-            <a:endParaRPr lang="en-US" sz="2000" dirty="0"/>
-          </a:p>
-          <a:p>
-            <a:r>
-              <a:rPr lang="en-US" dirty="0">
-                <a:latin typeface="Arial" panose="020B0604020202020204" pitchFamily="34" charset="0"/>
-                <a:cs typeface="Arial" panose="020B0604020202020204" pitchFamily="34" charset="0"/>
-              </a:rPr>
-              <a:t>    is the same as:</a:t>
-            </a:r>
-          </a:p>
-          <a:p>
-            <a:endParaRPr lang="en-US" sz="2000" dirty="0"/>
-          </a:p>
-          <a:p>
-            <a:endParaRPr lang="en-US" sz="2000" dirty="0"/>
-          </a:p>
-          <a:p>
-            <a:pPr marL="342900" indent="-342900">
-              <a:buFont typeface="Arial" panose="020B0604020202020204" pitchFamily="34" charset="0"/>
-              <a:buChar char="•"/>
-            </a:pPr>
-            <a:endParaRPr lang="en-US" dirty="0">
-              <a:solidFill>
-                <a:srgbClr val="FF66FF"/>
-              </a:solidFill>
-              <a:latin typeface="Arial" panose="020B0604020202020204" pitchFamily="34" charset="0"/>
-              <a:cs typeface="Arial" panose="020B0604020202020204" pitchFamily="34" charset="0"/>
-            </a:endParaRPr>
-          </a:p>
-        </p:txBody>
-      </p:sp>
-      <p:sp>
-        <p:nvSpPr>
-          <p:cNvPr id="4" name="TextBox 3"/>
-          <p:cNvSpPr txBox="1"/>
-          <p:nvPr/>
-        </p:nvSpPr>
-        <p:spPr>
-          <a:xfrm>
-            <a:off x="2365248" y="2435424"/>
-            <a:ext cx="7562088" cy="369332"/>
-          </a:xfrm>
-          <a:prstGeom prst="rect">
-            <a:avLst/>
-          </a:prstGeom>
-          <a:solidFill>
-            <a:schemeClr val="tx1"/>
-          </a:solidFill>
-          <a:ln>
-            <a:noFill/>
-          </a:ln>
-        </p:spPr>
-        <p:txBody>
-          <a:bodyPr wrap="square" rtlCol="0">
-            <a:spAutoFit/>
-          </a:bodyPr>
-          <a:lstStyle/>
-          <a:p>
-            <a:r>
-              <a:rPr lang="en-US" dirty="0">
-                <a:solidFill>
-                  <a:schemeClr val="bg1"/>
-                </a:solidFill>
-                <a:latin typeface="Courier New" panose="02070309020205020404" pitchFamily="49" charset="0"/>
-                <a:cs typeface="Courier New" panose="02070309020205020404" pitchFamily="49" charset="0"/>
-              </a:rPr>
-              <a:t>&lt;input [(ngModel)]="name"&gt;</a:t>
-            </a:r>
-          </a:p>
-        </p:txBody>
-      </p:sp>
-      <p:sp>
-        <p:nvSpPr>
-          <p:cNvPr id="7" name="TextBox 6"/>
-          <p:cNvSpPr txBox="1"/>
-          <p:nvPr/>
-        </p:nvSpPr>
-        <p:spPr>
-          <a:xfrm>
-            <a:off x="2365248" y="3426024"/>
-            <a:ext cx="7562088" cy="369332"/>
-          </a:xfrm>
-          <a:prstGeom prst="rect">
-            <a:avLst/>
-          </a:prstGeom>
-          <a:solidFill>
-            <a:schemeClr val="tx1"/>
-          </a:solidFill>
-          <a:ln>
-            <a:noFill/>
-          </a:ln>
-        </p:spPr>
-        <p:txBody>
-          <a:bodyPr wrap="square" rtlCol="0">
-            <a:spAutoFit/>
-          </a:bodyPr>
-          <a:lstStyle/>
-          <a:p>
-            <a:r>
-              <a:rPr lang="en-US" dirty="0">
-                <a:solidFill>
-                  <a:schemeClr val="bg1"/>
-                </a:solidFill>
-                <a:latin typeface="Courier New" panose="02070309020205020404" pitchFamily="49" charset="0"/>
-                <a:cs typeface="Courier New" panose="02070309020205020404" pitchFamily="49" charset="0"/>
-              </a:rPr>
-              <a:t>&lt;input [ngModel]="name" (ngModelChange)="name=$event"&gt;</a:t>
-            </a:r>
-          </a:p>
-        </p:txBody>
-      </p:sp>
-      <p:sp>
-        <p:nvSpPr>
-          <p:cNvPr id="6" name="Footer Placeholder 1"/>
-          <p:cNvSpPr>
-            <a:spLocks noGrp="1"/>
-          </p:cNvSpPr>
-          <p:nvPr>
-            <p:ph type="ftr" sz="quarter" idx="11"/>
-          </p:nvPr>
-        </p:nvSpPr>
-        <p:spPr>
-          <a:xfrm>
-            <a:off x="1531257" y="6553200"/>
-            <a:ext cx="1371600" cy="228600"/>
-          </a:xfrm>
-        </p:spPr>
-        <p:txBody>
-          <a:bodyPr/>
-          <a:lstStyle/>
-          <a:p>
-            <a:r>
-              <a:rPr lang="en-US"/>
-              <a:t>© Cognizant 2019</a:t>
-            </a:r>
-            <a:endParaRPr lang="en-US" dirty="0"/>
-          </a:p>
-        </p:txBody>
-      </p:sp>
-      <p:sp>
-        <p:nvSpPr>
-          <p:cNvPr id="3" name="Slide Number Placeholder 2"/>
-          <p:cNvSpPr>
-            <a:spLocks noGrp="1"/>
-          </p:cNvSpPr>
-          <p:nvPr>
-            <p:ph type="sldNum" sz="quarter" idx="12"/>
-          </p:nvPr>
-        </p:nvSpPr>
-        <p:spPr/>
-        <p:txBody>
-          <a:bodyPr/>
-          <a:lstStyle/>
-          <a:p>
-            <a:fld id="{E7AF38FF-B38D-4060-8B8D-2D16AAFBAAC1}" type="slidenum">
-              <a:rPr lang="en-US" smtClean="0"/>
-              <a:pPr/>
-              <a:t>20</a:t>
-            </a:fld>
-            <a:endParaRPr lang="en-US" dirty="0"/>
-          </a:p>
-        </p:txBody>
-      </p:sp>
-    </p:spTree>
-    <p:extLst>
-      <p:ext uri="{BB962C8B-B14F-4D97-AF65-F5344CB8AC3E}">
-        <p14:creationId xmlns:p14="http://schemas.microsoft.com/office/powerpoint/2010/main" val="4131055893"/>
-      </p:ext>
-    </p:extLst>
-  </p:cSld>
-  <p:clrMapOvr>
-    <a:masterClrMapping/>
-  </p:clrMapOvr>
-</p:sld>
-</file>
-
-<file path=ppt/slides/slide21.xml><?xml version="1.0" encoding="utf-8"?>
-<p:sld xmlns:a="http://schemas.openxmlformats.org/drawingml/2006/main" xmlns:r="http://schemas.openxmlformats.org/officeDocument/2006/relationships" xmlns:p="http://schemas.openxmlformats.org/presentationml/2006/main">
-  <p:cSld>
-    <p:spTree>
-      <p:nvGrpSpPr>
-        <p:cNvPr id="1" name=""/>
-        <p:cNvGrpSpPr/>
-        <p:nvPr/>
-      </p:nvGrpSpPr>
-      <p:grpSpPr>
-        <a:xfrm>
-          <a:off x="0" y="0"/>
-          <a:ext cx="0" cy="0"/>
-          <a:chOff x="0" y="0"/>
-          <a:chExt cx="0" cy="0"/>
-        </a:xfrm>
-      </p:grpSpPr>
-      <p:sp>
-        <p:nvSpPr>
-          <p:cNvPr id="3" name="Title 2"/>
-          <p:cNvSpPr>
-            <a:spLocks noGrp="1"/>
-          </p:cNvSpPr>
-          <p:nvPr>
-            <p:ph type="title"/>
-          </p:nvPr>
-        </p:nvSpPr>
-        <p:spPr>
-          <a:xfrm>
-            <a:off x="3170853" y="-104582"/>
-            <a:ext cx="5829298" cy="791871"/>
-          </a:xfrm>
-        </p:spPr>
-        <p:txBody>
-          <a:bodyPr/>
-          <a:lstStyle/>
-          <a:p>
-            <a:r>
-              <a:rPr lang="en-US" b="1" dirty="0">
-                <a:solidFill>
-                  <a:schemeClr val="bg1"/>
-                </a:solidFill>
-              </a:rPr>
-              <a:t>Practice – HelloAngular</a:t>
-            </a:r>
-          </a:p>
-        </p:txBody>
-      </p:sp>
-      <p:pic>
-        <p:nvPicPr>
-          <p:cNvPr id="7" name="Picture 6"/>
-          <p:cNvPicPr>
-            <a:picLocks noChangeAspect="1"/>
-          </p:cNvPicPr>
-          <p:nvPr/>
-        </p:nvPicPr>
-        <p:blipFill>
-          <a:blip r:embed="rId3" cstate="print">
-            <a:extLst>
-              <a:ext uri="{28A0092B-C50C-407E-A947-70E740481C1C}">
-                <a14:useLocalDpi xmlns:a14="http://schemas.microsoft.com/office/drawing/2010/main" val="0"/>
-              </a:ext>
-            </a:extLst>
-          </a:blip>
-          <a:stretch>
-            <a:fillRect/>
-          </a:stretch>
-        </p:blipFill>
-        <p:spPr>
-          <a:xfrm>
-            <a:off x="205641" y="1003132"/>
-            <a:ext cx="1589293" cy="1589293"/>
-          </a:xfrm>
-          <a:prstGeom prst="rect">
-            <a:avLst/>
-          </a:prstGeom>
-        </p:spPr>
-      </p:pic>
-      <p:sp>
-        <p:nvSpPr>
-          <p:cNvPr id="8" name="Footer Placeholder 1"/>
-          <p:cNvSpPr>
-            <a:spLocks noGrp="1"/>
-          </p:cNvSpPr>
-          <p:nvPr>
-            <p:ph type="ftr" sz="quarter" idx="11"/>
-          </p:nvPr>
-        </p:nvSpPr>
-        <p:spPr>
-          <a:xfrm>
-            <a:off x="176827" y="6490977"/>
-            <a:ext cx="1371600" cy="228600"/>
-          </a:xfrm>
-        </p:spPr>
-        <p:txBody>
-          <a:bodyPr/>
-          <a:lstStyle/>
-          <a:p>
-            <a:r>
-              <a:rPr lang="en-US"/>
-              <a:t>© Cognizant 2019</a:t>
-            </a:r>
-            <a:endParaRPr lang="en-US" dirty="0"/>
-          </a:p>
-        </p:txBody>
-      </p:sp>
-      <p:sp>
-        <p:nvSpPr>
-          <p:cNvPr id="2" name="TextBox 1"/>
-          <p:cNvSpPr txBox="1"/>
-          <p:nvPr/>
-        </p:nvSpPr>
-        <p:spPr>
-          <a:xfrm>
-            <a:off x="2021501" y="858056"/>
-            <a:ext cx="9809254" cy="4801314"/>
-          </a:xfrm>
-          <a:prstGeom prst="rect">
-            <a:avLst/>
-          </a:prstGeom>
-          <a:noFill/>
-        </p:spPr>
-        <p:txBody>
-          <a:bodyPr wrap="square" rtlCol="0">
-            <a:spAutoFit/>
-          </a:bodyPr>
-          <a:lstStyle/>
-          <a:p>
-            <a:r>
-              <a:rPr lang="en-US" dirty="0"/>
-              <a:t>Property Binding Practice:</a:t>
-            </a:r>
-          </a:p>
-          <a:p>
-            <a:pPr marL="342900" indent="-342900">
-              <a:buFont typeface="+mj-lt"/>
-              <a:buAutoNum type="arabicPeriod"/>
-            </a:pPr>
-            <a:r>
-              <a:rPr lang="en-US" dirty="0"/>
-              <a:t>Add [style.color]=‘myColor’ property binding to the h2 element in app.component.html</a:t>
-            </a:r>
-          </a:p>
-          <a:p>
-            <a:pPr marL="342900" indent="-342900">
-              <a:buFont typeface="+mj-lt"/>
-              <a:buAutoNum type="arabicPeriod"/>
-            </a:pPr>
-            <a:endParaRPr lang="en-US" dirty="0"/>
-          </a:p>
-          <a:p>
-            <a:pPr marL="342900" indent="-342900">
-              <a:buFont typeface="+mj-lt"/>
-              <a:buAutoNum type="arabicPeriod"/>
-            </a:pPr>
-            <a:endParaRPr lang="en-US" dirty="0"/>
-          </a:p>
-          <a:p>
-            <a:pPr marL="342900" indent="-342900">
-              <a:buFont typeface="+mj-lt"/>
-              <a:buAutoNum type="arabicPeriod"/>
-            </a:pPr>
-            <a:r>
-              <a:rPr lang="en-US" dirty="0"/>
-              <a:t>Add myColor property to app.component.ts.  Make it a string type and assign it a literal that is your favorite color.  Verify that the h2 color changed in your app (it should be served to observe this )</a:t>
-            </a:r>
-          </a:p>
-          <a:p>
-            <a:pPr marL="342900" indent="-342900">
-              <a:buFont typeface="+mj-lt"/>
-              <a:buAutoNum type="arabicPeriod"/>
-            </a:pPr>
-            <a:endParaRPr lang="en-US" dirty="0"/>
-          </a:p>
-          <a:p>
-            <a:pPr marL="342900" indent="-342900">
-              <a:buFont typeface="+mj-lt"/>
-              <a:buAutoNum type="arabicPeriod"/>
-            </a:pPr>
-            <a:endParaRPr lang="en-US" dirty="0"/>
-          </a:p>
-          <a:p>
-            <a:pPr marL="342900" indent="-342900">
-              <a:buFont typeface="+mj-lt"/>
-              <a:buAutoNum type="arabicPeriod"/>
-            </a:pPr>
-            <a:endParaRPr lang="en-US" dirty="0"/>
-          </a:p>
-          <a:p>
-            <a:pPr marL="342900" indent="-342900">
-              <a:buFont typeface="+mj-lt"/>
-              <a:buAutoNum type="arabicPeriod"/>
-            </a:pPr>
-            <a:endParaRPr lang="en-US" dirty="0"/>
-          </a:p>
-          <a:p>
-            <a:pPr marL="342900" indent="-342900">
-              <a:buFont typeface="+mj-lt"/>
-              <a:buAutoNum type="arabicPeriod"/>
-            </a:pPr>
-            <a:endParaRPr lang="en-US" dirty="0"/>
-          </a:p>
-          <a:p>
-            <a:r>
-              <a:rPr lang="en-US" dirty="0"/>
-              <a:t>Event Binding Practice:</a:t>
-            </a:r>
-          </a:p>
-          <a:p>
-            <a:pPr marL="342900" indent="-342900">
-              <a:buFont typeface="+mj-lt"/>
-              <a:buAutoNum type="arabicPeriod"/>
-            </a:pPr>
-            <a:r>
-              <a:rPr lang="en-US" dirty="0"/>
-              <a:t>Add a button with a click event that calls a function called “changeColor()”</a:t>
-            </a:r>
-          </a:p>
-          <a:p>
-            <a:pPr marL="342900" indent="-342900">
-              <a:buFont typeface="+mj-lt"/>
-              <a:buAutoNum type="arabicPeriod"/>
-            </a:pPr>
-            <a:endParaRPr lang="en-US" dirty="0"/>
-          </a:p>
-          <a:p>
-            <a:pPr marL="342900" indent="-342900">
-              <a:buFont typeface="+mj-lt"/>
-              <a:buAutoNum type="arabicPeriod"/>
-            </a:pPr>
-            <a:endParaRPr lang="en-US" dirty="0"/>
-          </a:p>
-          <a:p>
-            <a:pPr marL="342900" indent="-342900">
-              <a:buFont typeface="+mj-lt"/>
-              <a:buAutoNum type="arabicPeriod"/>
-            </a:pPr>
-            <a:r>
-              <a:rPr lang="en-US" dirty="0"/>
-              <a:t>Define the function as shown below in app.component.ts.  Verify that clicking the button changes the color.</a:t>
-            </a:r>
-          </a:p>
-        </p:txBody>
-      </p:sp>
-      <p:pic>
-        <p:nvPicPr>
-          <p:cNvPr id="5" name="Picture 4"/>
-          <p:cNvPicPr>
-            <a:picLocks noChangeAspect="1"/>
-          </p:cNvPicPr>
-          <p:nvPr/>
-        </p:nvPicPr>
-        <p:blipFill>
-          <a:blip r:embed="rId4"/>
-          <a:stretch>
-            <a:fillRect/>
-          </a:stretch>
-        </p:blipFill>
-        <p:spPr>
-          <a:xfrm>
-            <a:off x="2474013" y="1581260"/>
-            <a:ext cx="7839075" cy="304800"/>
-          </a:xfrm>
-          <a:prstGeom prst="rect">
-            <a:avLst/>
-          </a:prstGeom>
-        </p:spPr>
-      </p:pic>
-      <p:pic>
-        <p:nvPicPr>
-          <p:cNvPr id="9" name="Picture 8"/>
-          <p:cNvPicPr>
-            <a:picLocks noChangeAspect="1"/>
-          </p:cNvPicPr>
-          <p:nvPr/>
-        </p:nvPicPr>
-        <p:blipFill>
-          <a:blip r:embed="rId5"/>
-          <a:stretch>
-            <a:fillRect/>
-          </a:stretch>
-        </p:blipFill>
-        <p:spPr>
-          <a:xfrm>
-            <a:off x="2496457" y="2609264"/>
-            <a:ext cx="3897094" cy="882361"/>
-          </a:xfrm>
-          <a:prstGeom prst="rect">
-            <a:avLst/>
-          </a:prstGeom>
-        </p:spPr>
-      </p:pic>
-      <p:pic>
-        <p:nvPicPr>
-          <p:cNvPr id="10" name="Picture 9"/>
-          <p:cNvPicPr>
-            <a:picLocks noChangeAspect="1"/>
-          </p:cNvPicPr>
-          <p:nvPr/>
-        </p:nvPicPr>
-        <p:blipFill>
-          <a:blip r:embed="rId6"/>
-          <a:stretch>
-            <a:fillRect/>
-          </a:stretch>
-        </p:blipFill>
-        <p:spPr>
-          <a:xfrm>
-            <a:off x="2496457" y="4490901"/>
-            <a:ext cx="6248400" cy="314325"/>
-          </a:xfrm>
-          <a:prstGeom prst="rect">
-            <a:avLst/>
-          </a:prstGeom>
-        </p:spPr>
-      </p:pic>
-      <p:pic>
-        <p:nvPicPr>
-          <p:cNvPr id="11" name="Picture 10"/>
-          <p:cNvPicPr>
-            <a:picLocks noChangeAspect="1"/>
-          </p:cNvPicPr>
-          <p:nvPr/>
-        </p:nvPicPr>
-        <p:blipFill>
-          <a:blip r:embed="rId7"/>
-          <a:stretch>
-            <a:fillRect/>
-          </a:stretch>
-        </p:blipFill>
-        <p:spPr>
-          <a:xfrm>
-            <a:off x="2446952" y="5633727"/>
-            <a:ext cx="3638550" cy="857250"/>
-          </a:xfrm>
-          <a:prstGeom prst="rect">
-            <a:avLst/>
-          </a:prstGeom>
-        </p:spPr>
-      </p:pic>
-      <p:sp>
-        <p:nvSpPr>
-          <p:cNvPr id="4" name="Slide Number Placeholder 3">
-            <a:extLst>
-              <a:ext uri="{FF2B5EF4-FFF2-40B4-BE49-F238E27FC236}">
-                <a16:creationId xmlns:a16="http://schemas.microsoft.com/office/drawing/2014/main" id="{68FCF349-2F95-4643-AD6C-D64A9AA8E0A4}"/>
-              </a:ext>
-            </a:extLst>
-          </p:cNvPr>
-          <p:cNvSpPr>
-            <a:spLocks noGrp="1"/>
-          </p:cNvSpPr>
-          <p:nvPr>
-            <p:ph type="sldNum" sz="quarter" idx="12"/>
-          </p:nvPr>
-        </p:nvSpPr>
-        <p:spPr/>
-        <p:txBody>
-          <a:bodyPr/>
-          <a:lstStyle/>
-          <a:p>
-            <a:fld id="{8430ED8F-F4BA-4C5B-9498-F896284E1CAD}" type="slidenum">
-              <a:rPr lang="en-US" smtClean="0"/>
-              <a:t>21</a:t>
-            </a:fld>
-            <a:endParaRPr lang="en-US"/>
-          </a:p>
-        </p:txBody>
-      </p:sp>
-    </p:spTree>
-    <p:extLst>
-      <p:ext uri="{BB962C8B-B14F-4D97-AF65-F5344CB8AC3E}">
-        <p14:creationId xmlns:p14="http://schemas.microsoft.com/office/powerpoint/2010/main" val="570050378"/>
       </p:ext>
     </p:extLst>
   </p:cSld>
@@ -10871,7 +9539,7 @@
       </p:grpSpPr>
       <p:sp>
         <p:nvSpPr>
-          <p:cNvPr id="3" name="Title 2"/>
+          <p:cNvPr id="2" name="Title 1"/>
           <p:cNvSpPr>
             <a:spLocks noGrp="1"/>
           </p:cNvSpPr>
@@ -10881,335 +9549,646 @@
         </p:nvSpPr>
         <p:spPr>
           <a:xfrm>
-            <a:off x="3170853" y="-104582"/>
-            <a:ext cx="5829298" cy="791871"/>
-          </a:xfrm>
-        </p:spPr>
-        <p:txBody>
-          <a:bodyPr/>
-          <a:lstStyle/>
-          <a:p>
-            <a:r>
-              <a:rPr lang="en-US" b="1" dirty="0">
+            <a:off x="3110204" y="0"/>
+            <a:ext cx="3061996" cy="629871"/>
+          </a:xfrm>
+        </p:spPr>
+        <p:txBody>
+          <a:bodyPr>
+            <a:normAutofit fontScale="90000"/>
+          </a:bodyPr>
+          <a:lstStyle/>
+          <a:p>
+            <a:r>
+              <a:rPr lang="en-US" dirty="0"/>
+              <a:t>Data Binding</a:t>
+            </a:r>
+          </a:p>
+        </p:txBody>
+      </p:sp>
+      <p:sp>
+        <p:nvSpPr>
+          <p:cNvPr id="3" name="Rectangle 2"/>
+          <p:cNvSpPr/>
+          <p:nvPr/>
+        </p:nvSpPr>
+        <p:spPr>
+          <a:xfrm>
+            <a:off x="2057400" y="838201"/>
+            <a:ext cx="8229600" cy="7417415"/>
+          </a:xfrm>
+          <a:prstGeom prst="rect">
+            <a:avLst/>
+          </a:prstGeom>
+        </p:spPr>
+        <p:txBody>
+          <a:bodyPr wrap="square">
+            <a:spAutoFit/>
+          </a:bodyPr>
+          <a:lstStyle/>
+          <a:p>
+            <a:r>
+              <a:rPr lang="en-US" sz="1700" dirty="0">
+                <a:latin typeface="Arial" panose="020B0604020202020204" pitchFamily="34" charset="0"/>
+                <a:cs typeface="Arial" panose="020B0604020202020204" pitchFamily="34" charset="0"/>
+              </a:rPr>
+              <a:t>Data binding signifies how and what kind of data is bound between a component and its template.</a:t>
+            </a:r>
+          </a:p>
+          <a:p>
+            <a:pPr marL="285750" indent="-285750">
+              <a:buFont typeface="Arial" panose="020B0604020202020204" pitchFamily="34" charset="0"/>
+              <a:buChar char="•"/>
+            </a:pPr>
+            <a:endParaRPr lang="en-US" sz="1700" dirty="0">
+              <a:latin typeface="Arial" panose="020B0604020202020204" pitchFamily="34" charset="0"/>
+              <a:cs typeface="Arial" panose="020B0604020202020204" pitchFamily="34" charset="0"/>
+            </a:endParaRPr>
+          </a:p>
+          <a:p>
+            <a:pPr marL="742950" lvl="1" indent="-285750">
+              <a:buFont typeface="Arial" panose="020B0604020202020204" pitchFamily="34" charset="0"/>
+              <a:buChar char="•"/>
+            </a:pPr>
+            <a:r>
+              <a:rPr lang="en-US" sz="1700" b="1" dirty="0">
+                <a:latin typeface="Arial" panose="020B0604020202020204" pitchFamily="34" charset="0"/>
+                <a:cs typeface="Arial" panose="020B0604020202020204" pitchFamily="34" charset="0"/>
+              </a:rPr>
+              <a:t>Interpolation</a:t>
+            </a:r>
+            <a:r>
+              <a:rPr lang="en-US" sz="1700" dirty="0">
+                <a:latin typeface="Arial" panose="020B0604020202020204" pitchFamily="34" charset="0"/>
+                <a:cs typeface="Arial" panose="020B0604020202020204" pitchFamily="34" charset="0"/>
+              </a:rPr>
+              <a:t> – binds component properties in output template.  It uses {{}}.</a:t>
+            </a:r>
+            <a:endParaRPr lang="en-US" sz="1700" dirty="0">
+              <a:solidFill>
+                <a:srgbClr val="FF66FF"/>
+              </a:solidFill>
+              <a:latin typeface="Arial" panose="020B0604020202020204" pitchFamily="34" charset="0"/>
+              <a:cs typeface="Arial" panose="020B0604020202020204" pitchFamily="34" charset="0"/>
+            </a:endParaRPr>
+          </a:p>
+          <a:p>
+            <a:pPr lvl="1"/>
+            <a:endParaRPr lang="en-US" sz="1700" dirty="0">
+              <a:latin typeface="Arial" panose="020B0604020202020204" pitchFamily="34" charset="0"/>
+              <a:cs typeface="Arial" panose="020B0604020202020204" pitchFamily="34" charset="0"/>
+            </a:endParaRPr>
+          </a:p>
+          <a:p>
+            <a:pPr marL="742950" lvl="1" indent="-285750">
+              <a:buFont typeface="Arial" panose="020B0604020202020204" pitchFamily="34" charset="0"/>
+              <a:buChar char="•"/>
+            </a:pPr>
+            <a:endParaRPr lang="en-US" sz="1700" dirty="0">
+              <a:latin typeface="Arial" panose="020B0604020202020204" pitchFamily="34" charset="0"/>
+              <a:cs typeface="Arial" panose="020B0604020202020204" pitchFamily="34" charset="0"/>
+            </a:endParaRPr>
+          </a:p>
+          <a:p>
+            <a:pPr marL="742950" lvl="1" indent="-285750">
+              <a:buFont typeface="Arial" panose="020B0604020202020204" pitchFamily="34" charset="0"/>
+              <a:buChar char="•"/>
+            </a:pPr>
+            <a:endParaRPr lang="en-US" sz="1700" b="1" dirty="0">
+              <a:latin typeface="Arial" panose="020B0604020202020204" pitchFamily="34" charset="0"/>
+              <a:cs typeface="Arial" panose="020B0604020202020204" pitchFamily="34" charset="0"/>
+            </a:endParaRPr>
+          </a:p>
+          <a:p>
+            <a:pPr marL="742950" lvl="1" indent="-285750">
+              <a:buFont typeface="Arial" panose="020B0604020202020204" pitchFamily="34" charset="0"/>
+              <a:buChar char="•"/>
+            </a:pPr>
+            <a:r>
+              <a:rPr lang="en-US" sz="1700" b="1" dirty="0">
+                <a:latin typeface="Arial" panose="020B0604020202020204" pitchFamily="34" charset="0"/>
+                <a:cs typeface="Arial" panose="020B0604020202020204" pitchFamily="34" charset="0"/>
+              </a:rPr>
+              <a:t>Property Binding</a:t>
+            </a:r>
+            <a:r>
+              <a:rPr lang="en-US" sz="1700" dirty="0">
+                <a:latin typeface="Arial" panose="020B0604020202020204" pitchFamily="34" charset="0"/>
+                <a:cs typeface="Arial" panose="020B0604020202020204" pitchFamily="34" charset="0"/>
+              </a:rPr>
+              <a:t> – flows data from the component to the element. Uses []</a:t>
+            </a:r>
+            <a:r>
+              <a:rPr lang="en-US" sz="1700" dirty="0">
+                <a:solidFill>
+                  <a:srgbClr val="FF66FF"/>
+                </a:solidFill>
+                <a:latin typeface="Arial" panose="020B0604020202020204" pitchFamily="34" charset="0"/>
+                <a:cs typeface="Arial" panose="020B0604020202020204" pitchFamily="34" charset="0"/>
+              </a:rPr>
+              <a:t>.</a:t>
+            </a:r>
+            <a:endParaRPr lang="en-US" sz="1700" dirty="0">
+              <a:latin typeface="Arial" panose="020B0604020202020204" pitchFamily="34" charset="0"/>
+              <a:cs typeface="Arial" panose="020B0604020202020204" pitchFamily="34" charset="0"/>
+            </a:endParaRPr>
+          </a:p>
+          <a:p>
+            <a:pPr marL="742950" lvl="1" indent="-285750">
+              <a:buFont typeface="Arial" panose="020B0604020202020204" pitchFamily="34" charset="0"/>
+              <a:buChar char="•"/>
+            </a:pPr>
+            <a:endParaRPr lang="en-US" sz="1700" b="1" dirty="0">
+              <a:latin typeface="Arial" panose="020B0604020202020204" pitchFamily="34" charset="0"/>
+              <a:cs typeface="Arial" panose="020B0604020202020204" pitchFamily="34" charset="0"/>
+            </a:endParaRPr>
+          </a:p>
+          <a:p>
+            <a:pPr marL="742950" lvl="1" indent="-285750">
+              <a:buFont typeface="Arial" panose="020B0604020202020204" pitchFamily="34" charset="0"/>
+              <a:buChar char="•"/>
+            </a:pPr>
+            <a:endParaRPr lang="en-US" sz="1700" b="1" dirty="0">
+              <a:latin typeface="Arial" panose="020B0604020202020204" pitchFamily="34" charset="0"/>
+              <a:cs typeface="Arial" panose="020B0604020202020204" pitchFamily="34" charset="0"/>
+            </a:endParaRPr>
+          </a:p>
+          <a:p>
+            <a:pPr lvl="1"/>
+            <a:endParaRPr lang="en-US" sz="1700" b="1" dirty="0">
+              <a:latin typeface="Arial" panose="020B0604020202020204" pitchFamily="34" charset="0"/>
+              <a:cs typeface="Arial" panose="020B0604020202020204" pitchFamily="34" charset="0"/>
+            </a:endParaRPr>
+          </a:p>
+          <a:p>
+            <a:pPr marL="742950" lvl="1" indent="-285750">
+              <a:buFont typeface="Arial" panose="020B0604020202020204" pitchFamily="34" charset="0"/>
+              <a:buChar char="•"/>
+            </a:pPr>
+            <a:r>
+              <a:rPr lang="en-US" sz="1700" b="1" dirty="0">
+                <a:latin typeface="Arial" panose="020B0604020202020204" pitchFamily="34" charset="0"/>
+                <a:cs typeface="Arial" panose="020B0604020202020204" pitchFamily="34" charset="0"/>
+              </a:rPr>
+              <a:t>Event Binding</a:t>
+            </a:r>
+            <a:r>
+              <a:rPr lang="en-US" sz="1700" dirty="0">
+                <a:latin typeface="Arial" panose="020B0604020202020204" pitchFamily="34" charset="0"/>
+                <a:cs typeface="Arial" panose="020B0604020202020204" pitchFamily="34" charset="0"/>
+              </a:rPr>
+              <a:t> – flows data from an element to the component. Uses ()</a:t>
+            </a:r>
+            <a:r>
+              <a:rPr lang="en-US" sz="1700" dirty="0">
+                <a:solidFill>
+                  <a:srgbClr val="FF66FF"/>
+                </a:solidFill>
+                <a:latin typeface="Arial" panose="020B0604020202020204" pitchFamily="34" charset="0"/>
+                <a:cs typeface="Arial" panose="020B0604020202020204" pitchFamily="34" charset="0"/>
+              </a:rPr>
+              <a:t>.</a:t>
+            </a:r>
+            <a:endParaRPr lang="en-US" sz="1700" dirty="0">
+              <a:latin typeface="Arial" panose="020B0604020202020204" pitchFamily="34" charset="0"/>
+              <a:cs typeface="Arial" panose="020B0604020202020204" pitchFamily="34" charset="0"/>
+            </a:endParaRPr>
+          </a:p>
+          <a:p>
+            <a:pPr marL="742950" lvl="1" indent="-285750">
+              <a:buFont typeface="Arial" panose="020B0604020202020204" pitchFamily="34" charset="0"/>
+              <a:buChar char="•"/>
+            </a:pPr>
+            <a:endParaRPr lang="en-US" sz="1700" dirty="0">
+              <a:latin typeface="Arial" panose="020B0604020202020204" pitchFamily="34" charset="0"/>
+              <a:cs typeface="Arial" panose="020B0604020202020204" pitchFamily="34" charset="0"/>
+            </a:endParaRPr>
+          </a:p>
+          <a:p>
+            <a:pPr marL="742950" lvl="1" indent="-285750">
+              <a:buFont typeface="Arial" panose="020B0604020202020204" pitchFamily="34" charset="0"/>
+              <a:buChar char="•"/>
+            </a:pPr>
+            <a:endParaRPr lang="en-US" sz="1700" dirty="0">
+              <a:latin typeface="Arial" panose="020B0604020202020204" pitchFamily="34" charset="0"/>
+              <a:cs typeface="Arial" panose="020B0604020202020204" pitchFamily="34" charset="0"/>
+            </a:endParaRPr>
+          </a:p>
+          <a:p>
+            <a:pPr marL="742950" lvl="1" indent="-285750">
+              <a:buFont typeface="Arial" panose="020B0604020202020204" pitchFamily="34" charset="0"/>
+              <a:buChar char="•"/>
+            </a:pPr>
+            <a:endParaRPr lang="en-US" sz="1700" b="1" dirty="0">
+              <a:latin typeface="Arial" panose="020B0604020202020204" pitchFamily="34" charset="0"/>
+              <a:cs typeface="Arial" panose="020B0604020202020204" pitchFamily="34" charset="0"/>
+            </a:endParaRPr>
+          </a:p>
+          <a:p>
+            <a:pPr marL="742950" lvl="1" indent="-285750">
+              <a:buFont typeface="Arial" panose="020B0604020202020204" pitchFamily="34" charset="0"/>
+              <a:buChar char="•"/>
+            </a:pPr>
+            <a:r>
+              <a:rPr lang="en-US" sz="1700" b="1" dirty="0">
+                <a:latin typeface="Arial" panose="020B0604020202020204" pitchFamily="34" charset="0"/>
+                <a:cs typeface="Arial" panose="020B0604020202020204" pitchFamily="34" charset="0"/>
+              </a:rPr>
+              <a:t>Two-Way Binding</a:t>
+            </a:r>
+            <a:r>
+              <a:rPr lang="en-US" sz="1700" dirty="0">
+                <a:latin typeface="Arial" panose="020B0604020202020204" pitchFamily="34" charset="0"/>
+                <a:cs typeface="Arial" panose="020B0604020202020204" pitchFamily="34" charset="0"/>
+              </a:rPr>
+              <a:t> – is a combination of the Event and Property Bindings. Used along with the ngModel object. *Must Import FormsModule</a:t>
+            </a:r>
+          </a:p>
+          <a:p>
+            <a:pPr marL="742950" lvl="1" indent="-285750">
+              <a:buFont typeface="Arial" panose="020B0604020202020204" pitchFamily="34" charset="0"/>
+              <a:buChar char="•"/>
+            </a:pPr>
+            <a:endParaRPr lang="en-US" sz="1700" dirty="0">
+              <a:latin typeface="Arial" panose="020B0604020202020204" pitchFamily="34" charset="0"/>
+              <a:cs typeface="Arial" panose="020B0604020202020204" pitchFamily="34" charset="0"/>
+            </a:endParaRPr>
+          </a:p>
+          <a:p>
+            <a:pPr marL="742950" lvl="1" indent="-285750">
+              <a:buFont typeface="Arial" panose="020B0604020202020204" pitchFamily="34" charset="0"/>
+              <a:buChar char="•"/>
+            </a:pPr>
+            <a:endParaRPr lang="en-US" sz="1700" dirty="0">
+              <a:latin typeface="Arial" panose="020B0604020202020204" pitchFamily="34" charset="0"/>
+              <a:cs typeface="Arial" panose="020B0604020202020204" pitchFamily="34" charset="0"/>
+            </a:endParaRPr>
+          </a:p>
+          <a:p>
+            <a:pPr marL="742950" lvl="1" indent="-285750">
+              <a:buFont typeface="Arial" panose="020B0604020202020204" pitchFamily="34" charset="0"/>
+              <a:buChar char="•"/>
+            </a:pPr>
+            <a:endParaRPr lang="en-US" sz="1700" dirty="0">
+              <a:latin typeface="Arial" panose="020B0604020202020204" pitchFamily="34" charset="0"/>
+              <a:cs typeface="Arial" panose="020B0604020202020204" pitchFamily="34" charset="0"/>
+            </a:endParaRPr>
+          </a:p>
+          <a:p>
+            <a:pPr marL="742950" lvl="1" indent="-285750">
+              <a:buFont typeface="Arial" panose="020B0604020202020204" pitchFamily="34" charset="0"/>
+              <a:buChar char="•"/>
+            </a:pPr>
+            <a:endParaRPr lang="en-US" sz="1700" dirty="0">
+              <a:latin typeface="Arial" panose="020B0604020202020204" pitchFamily="34" charset="0"/>
+              <a:cs typeface="Arial" panose="020B0604020202020204" pitchFamily="34" charset="0"/>
+            </a:endParaRPr>
+          </a:p>
+          <a:p>
+            <a:pPr marL="742950" lvl="1" indent="-285750">
+              <a:buFont typeface="Arial" panose="020B0604020202020204" pitchFamily="34" charset="0"/>
+              <a:buChar char="•"/>
+            </a:pPr>
+            <a:endParaRPr lang="en-US" sz="1700" b="1" dirty="0">
+              <a:latin typeface="Arial" panose="020B0604020202020204" pitchFamily="34" charset="0"/>
+              <a:cs typeface="Arial" panose="020B0604020202020204" pitchFamily="34" charset="0"/>
+            </a:endParaRPr>
+          </a:p>
+          <a:p>
+            <a:pPr marL="742950" lvl="1" indent="-285750">
+              <a:buFont typeface="Arial" panose="020B0604020202020204" pitchFamily="34" charset="0"/>
+              <a:buChar char="•"/>
+            </a:pPr>
+            <a:endParaRPr lang="en-US" sz="1700" dirty="0">
+              <a:latin typeface="Arial" panose="020B0604020202020204" pitchFamily="34" charset="0"/>
+              <a:cs typeface="Arial" panose="020B0604020202020204" pitchFamily="34" charset="0"/>
+            </a:endParaRPr>
+          </a:p>
+          <a:p>
+            <a:pPr marL="742950" lvl="1" indent="-285750">
+              <a:buFont typeface="Arial" panose="020B0604020202020204" pitchFamily="34" charset="0"/>
+              <a:buChar char="•"/>
+            </a:pPr>
+            <a:endParaRPr lang="en-US" sz="1700" dirty="0">
+              <a:latin typeface="Arial" panose="020B0604020202020204" pitchFamily="34" charset="0"/>
+              <a:cs typeface="Arial" panose="020B0604020202020204" pitchFamily="34" charset="0"/>
+            </a:endParaRPr>
+          </a:p>
+          <a:p>
+            <a:pPr marL="742950" lvl="1" indent="-285750">
+              <a:buFont typeface="Arial" panose="020B0604020202020204" pitchFamily="34" charset="0"/>
+              <a:buChar char="•"/>
+            </a:pPr>
+            <a:endParaRPr lang="en-US" sz="1700" dirty="0">
+              <a:latin typeface="Arial" panose="020B0604020202020204" pitchFamily="34" charset="0"/>
+              <a:cs typeface="Arial" panose="020B0604020202020204" pitchFamily="34" charset="0"/>
+            </a:endParaRPr>
+          </a:p>
+          <a:p>
+            <a:pPr marL="742950" lvl="1" indent="-285750">
+              <a:buFont typeface="Arial" panose="020B0604020202020204" pitchFamily="34" charset="0"/>
+              <a:buChar char="•"/>
+            </a:pPr>
+            <a:endParaRPr lang="en-US" sz="1700" dirty="0">
+              <a:latin typeface="Arial" panose="020B0604020202020204" pitchFamily="34" charset="0"/>
+              <a:cs typeface="Arial" panose="020B0604020202020204" pitchFamily="34" charset="0"/>
+            </a:endParaRPr>
+          </a:p>
+          <a:p>
+            <a:pPr marL="742950" lvl="1" indent="-285750">
+              <a:buFont typeface="Arial" panose="020B0604020202020204" pitchFamily="34" charset="0"/>
+              <a:buChar char="•"/>
+            </a:pPr>
+            <a:endParaRPr lang="en-US" sz="1700" dirty="0"/>
+          </a:p>
+        </p:txBody>
+      </p:sp>
+      <p:sp>
+        <p:nvSpPr>
+          <p:cNvPr id="4" name="Rectangle 3"/>
+          <p:cNvSpPr/>
+          <p:nvPr/>
+        </p:nvSpPr>
+        <p:spPr>
+          <a:xfrm>
+            <a:off x="2514600" y="2078472"/>
+            <a:ext cx="7559494" cy="304800"/>
+          </a:xfrm>
+          <a:prstGeom prst="rect">
+            <a:avLst/>
+          </a:prstGeom>
+          <a:solidFill>
+            <a:schemeClr val="tx1"/>
+          </a:solidFill>
+          <a:ln>
+            <a:noFill/>
+          </a:ln>
+        </p:spPr>
+        <p:style>
+          <a:lnRef idx="2">
+            <a:schemeClr val="accent1">
+              <a:shade val="50000"/>
+            </a:schemeClr>
+          </a:lnRef>
+          <a:fillRef idx="1">
+            <a:schemeClr val="accent1"/>
+          </a:fillRef>
+          <a:effectRef idx="0">
+            <a:schemeClr val="accent1"/>
+          </a:effectRef>
+          <a:fontRef idx="minor">
+            <a:schemeClr val="lt1"/>
+          </a:fontRef>
+        </p:style>
+        <p:txBody>
+          <a:bodyPr rtlCol="0" anchor="ctr"/>
+          <a:lstStyle/>
+          <a:p>
+            <a:r>
+              <a:rPr lang="en-US" dirty="0">
                 <a:solidFill>
                   <a:schemeClr val="bg1"/>
                 </a:solidFill>
+                <a:latin typeface="Courier New" panose="02070309020205020404" pitchFamily="49" charset="0"/>
+                <a:cs typeface="Courier New" panose="02070309020205020404" pitchFamily="49" charset="0"/>
               </a:rPr>
-              <a:t>Practice – HelloAngular</a:t>
-            </a:r>
-          </a:p>
-        </p:txBody>
-      </p:sp>
-      <p:pic>
-        <p:nvPicPr>
-          <p:cNvPr id="7" name="Picture 6"/>
-          <p:cNvPicPr>
-            <a:picLocks noChangeAspect="1"/>
-          </p:cNvPicPr>
+              <a:t>&lt;span&gt;{{interpolatedValue}}&lt;span&gt;</a:t>
+            </a:r>
+          </a:p>
+        </p:txBody>
+      </p:sp>
+      <p:sp>
+        <p:nvSpPr>
+          <p:cNvPr id="8" name="Rectangle 7"/>
+          <p:cNvSpPr/>
           <p:nvPr/>
-        </p:nvPicPr>
-        <p:blipFill>
-          <a:blip r:embed="rId3" cstate="print">
-            <a:extLst>
-              <a:ext uri="{28A0092B-C50C-407E-A947-70E740481C1C}">
-                <a14:useLocalDpi xmlns:a14="http://schemas.microsoft.com/office/drawing/2010/main" val="0"/>
-              </a:ext>
-            </a:extLst>
-          </a:blip>
-          <a:stretch>
-            <a:fillRect/>
-          </a:stretch>
-        </p:blipFill>
-        <p:spPr>
-          <a:xfrm>
-            <a:off x="205641" y="1003132"/>
-            <a:ext cx="1589293" cy="1589293"/>
+        </p:nvSpPr>
+        <p:spPr>
+          <a:xfrm>
+            <a:off x="1840164" y="3127111"/>
+            <a:ext cx="8908366" cy="422030"/>
           </a:xfrm>
           <a:prstGeom prst="rect">
             <a:avLst/>
           </a:prstGeom>
-        </p:spPr>
-      </p:pic>
-      <p:sp>
-        <p:nvSpPr>
-          <p:cNvPr id="8" name="Footer Placeholder 1"/>
-          <p:cNvSpPr>
-            <a:spLocks noGrp="1"/>
-          </p:cNvSpPr>
-          <p:nvPr>
-            <p:ph type="ftr" sz="quarter" idx="11"/>
-          </p:nvPr>
-        </p:nvSpPr>
-        <p:spPr>
-          <a:xfrm>
-            <a:off x="176827" y="6490977"/>
-            <a:ext cx="1371600" cy="228600"/>
-          </a:xfrm>
-        </p:spPr>
-        <p:txBody>
-          <a:bodyPr/>
-          <a:lstStyle/>
-          <a:p>
-            <a:r>
-              <a:rPr lang="en-US"/>
-              <a:t>© Cognizant 2019</a:t>
-            </a:r>
-            <a:endParaRPr lang="en-US" dirty="0"/>
-          </a:p>
-        </p:txBody>
-      </p:sp>
-      <p:sp>
-        <p:nvSpPr>
-          <p:cNvPr id="2" name="TextBox 1"/>
-          <p:cNvSpPr txBox="1"/>
+          <a:solidFill>
+            <a:schemeClr val="tx1"/>
+          </a:solidFill>
+          <a:ln>
+            <a:noFill/>
+          </a:ln>
+        </p:spPr>
+        <p:style>
+          <a:lnRef idx="2">
+            <a:schemeClr val="accent1">
+              <a:shade val="50000"/>
+            </a:schemeClr>
+          </a:lnRef>
+          <a:fillRef idx="1">
+            <a:schemeClr val="accent1"/>
+          </a:fillRef>
+          <a:effectRef idx="0">
+            <a:schemeClr val="accent1"/>
+          </a:effectRef>
+          <a:fontRef idx="minor">
+            <a:schemeClr val="lt1"/>
+          </a:fontRef>
+        </p:style>
+        <p:txBody>
+          <a:bodyPr rtlCol="0" anchor="ctr"/>
+          <a:lstStyle/>
+          <a:p>
+            <a:r>
+              <a:rPr lang="en-US" dirty="0">
+                <a:solidFill>
+                  <a:schemeClr val="bg1"/>
+                </a:solidFill>
+                <a:latin typeface="Courier New" panose="02070309020205020404" pitchFamily="49" charset="0"/>
+                <a:cs typeface="Courier New" panose="02070309020205020404" pitchFamily="49" charset="0"/>
+              </a:rPr>
+              <a:t>&lt;span [style.color]="componentStyle"&gt;Some colored text!&lt;/span&gt;</a:t>
+            </a:r>
+          </a:p>
+        </p:txBody>
+      </p:sp>
+      <p:sp>
+        <p:nvSpPr>
+          <p:cNvPr id="9" name="Rectangle 8"/>
+          <p:cNvSpPr/>
           <p:nvPr/>
         </p:nvSpPr>
         <p:spPr>
           <a:xfrm>
-            <a:off x="2021501" y="858056"/>
-            <a:ext cx="9809254" cy="6740307"/>
+            <a:off x="2514600" y="4099976"/>
+            <a:ext cx="7559494" cy="506469"/>
           </a:xfrm>
           <a:prstGeom prst="rect">
             <a:avLst/>
           </a:prstGeom>
-          <a:noFill/>
-        </p:spPr>
-        <p:txBody>
-          <a:bodyPr wrap="square" rtlCol="0">
-            <a:spAutoFit/>
-          </a:bodyPr>
-          <a:lstStyle/>
-          <a:p>
-            <a:r>
-              <a:rPr lang="en-US" dirty="0"/>
-              <a:t>Two-Way Binding Practice:</a:t>
-            </a:r>
-          </a:p>
-          <a:p>
-            <a:pPr marL="342900" indent="-342900">
-              <a:buFont typeface="+mj-lt"/>
-              <a:buAutoNum type="arabicPeriod"/>
-            </a:pPr>
-            <a:r>
-              <a:rPr lang="en-US" dirty="0"/>
-              <a:t>Add an input element to app.component.html with a binding to ‘myColor’</a:t>
-            </a:r>
-          </a:p>
-          <a:p>
-            <a:pPr marL="342900" indent="-342900">
-              <a:buFont typeface="+mj-lt"/>
-              <a:buAutoNum type="arabicPeriod"/>
-            </a:pPr>
-            <a:endParaRPr lang="en-US" dirty="0"/>
-          </a:p>
-          <a:p>
-            <a:pPr marL="342900" indent="-342900">
-              <a:buFont typeface="+mj-lt"/>
-              <a:buAutoNum type="arabicPeriod"/>
-            </a:pPr>
-            <a:endParaRPr lang="en-US" dirty="0"/>
-          </a:p>
-          <a:p>
-            <a:pPr marL="342900" indent="-342900">
-              <a:buFont typeface="+mj-lt"/>
-              <a:buAutoNum type="arabicPeriod"/>
-            </a:pPr>
-            <a:r>
-              <a:rPr lang="en-US" dirty="0"/>
-              <a:t>In order for Two-Way binding to work, FormsModule must be imported in app.module.ts</a:t>
-            </a:r>
-          </a:p>
-          <a:p>
-            <a:pPr marL="342900" indent="-342900">
-              <a:buFont typeface="+mj-lt"/>
-              <a:buAutoNum type="arabicPeriod"/>
-            </a:pPr>
-            <a:endParaRPr lang="en-US" dirty="0"/>
-          </a:p>
-          <a:p>
-            <a:pPr marL="342900" indent="-342900">
-              <a:buFont typeface="+mj-lt"/>
-              <a:buAutoNum type="arabicPeriod"/>
-            </a:pPr>
-            <a:endParaRPr lang="en-US" dirty="0"/>
-          </a:p>
-          <a:p>
-            <a:pPr marL="342900" indent="-342900">
-              <a:buFont typeface="+mj-lt"/>
-              <a:buAutoNum type="arabicPeriod"/>
-            </a:pPr>
-            <a:endParaRPr lang="en-US" dirty="0"/>
-          </a:p>
-          <a:p>
-            <a:pPr marL="342900" indent="-342900">
-              <a:buFont typeface="+mj-lt"/>
-              <a:buAutoNum type="arabicPeriod"/>
-            </a:pPr>
-            <a:endParaRPr lang="en-US" dirty="0"/>
-          </a:p>
-          <a:p>
-            <a:pPr marL="342900" indent="-342900">
-              <a:buFont typeface="+mj-lt"/>
-              <a:buAutoNum type="arabicPeriod"/>
-            </a:pPr>
-            <a:endParaRPr lang="en-US" dirty="0"/>
-          </a:p>
-          <a:p>
-            <a:pPr marL="342900" indent="-342900">
-              <a:buFont typeface="+mj-lt"/>
-              <a:buAutoNum type="arabicPeriod"/>
-            </a:pPr>
-            <a:endParaRPr lang="en-US" dirty="0"/>
-          </a:p>
-          <a:p>
-            <a:pPr marL="342900" indent="-342900">
-              <a:buFont typeface="+mj-lt"/>
-              <a:buAutoNum type="arabicPeriod"/>
-            </a:pPr>
-            <a:endParaRPr lang="en-US" dirty="0"/>
-          </a:p>
-          <a:p>
-            <a:pPr marL="342900" indent="-342900">
-              <a:buFont typeface="+mj-lt"/>
-              <a:buAutoNum type="arabicPeriod"/>
-            </a:pPr>
-            <a:endParaRPr lang="en-US" dirty="0"/>
-          </a:p>
-          <a:p>
-            <a:pPr marL="342900" indent="-342900">
-              <a:buFont typeface="+mj-lt"/>
-              <a:buAutoNum type="arabicPeriod"/>
-            </a:pPr>
-            <a:endParaRPr lang="en-US" dirty="0"/>
-          </a:p>
-          <a:p>
-            <a:pPr marL="342900" indent="-342900">
-              <a:buFont typeface="+mj-lt"/>
-              <a:buAutoNum type="arabicPeriod"/>
-            </a:pPr>
-            <a:endParaRPr lang="en-US" dirty="0"/>
-          </a:p>
-          <a:p>
-            <a:pPr marL="342900" indent="-342900">
-              <a:buFont typeface="+mj-lt"/>
-              <a:buAutoNum type="arabicPeriod"/>
-            </a:pPr>
-            <a:endParaRPr lang="en-US" dirty="0"/>
-          </a:p>
-          <a:p>
-            <a:pPr marL="342900" indent="-342900">
-              <a:buFont typeface="+mj-lt"/>
-              <a:buAutoNum type="arabicPeriod"/>
-            </a:pPr>
-            <a:endParaRPr lang="en-US" dirty="0"/>
-          </a:p>
-          <a:p>
-            <a:pPr marL="342900" indent="-342900">
-              <a:buFont typeface="+mj-lt"/>
-              <a:buAutoNum type="arabicPeriod"/>
-            </a:pPr>
-            <a:endParaRPr lang="en-US" dirty="0"/>
-          </a:p>
-          <a:p>
-            <a:pPr marL="342900" indent="-342900">
-              <a:buFont typeface="+mj-lt"/>
-              <a:buAutoNum type="arabicPeriod"/>
-            </a:pPr>
-            <a:r>
-              <a:rPr lang="en-US" dirty="0"/>
-              <a:t>Type color names into the new textbox and verify that the color of the h2 element changes</a:t>
-            </a:r>
-          </a:p>
-          <a:p>
-            <a:pPr marL="342900" indent="-342900">
-              <a:buFont typeface="+mj-lt"/>
-              <a:buAutoNum type="arabicPeriod"/>
-            </a:pPr>
-            <a:endParaRPr lang="en-US" dirty="0"/>
-          </a:p>
-          <a:p>
-            <a:pPr marL="342900" indent="-342900">
-              <a:buFont typeface="+mj-lt"/>
-              <a:buAutoNum type="arabicPeriod"/>
-            </a:pPr>
-            <a:endParaRPr lang="en-US" dirty="0"/>
-          </a:p>
-          <a:p>
-            <a:pPr marL="342900" indent="-342900">
-              <a:buFont typeface="+mj-lt"/>
-              <a:buAutoNum type="arabicPeriod"/>
-            </a:pPr>
-            <a:endParaRPr lang="en-US" dirty="0"/>
-          </a:p>
-          <a:p>
-            <a:pPr marL="342900" indent="-342900">
-              <a:buFont typeface="+mj-lt"/>
-              <a:buAutoNum type="arabicPeriod"/>
-            </a:pPr>
-            <a:endParaRPr lang="en-US" dirty="0"/>
-          </a:p>
-          <a:p>
-            <a:pPr marL="342900" indent="-342900">
-              <a:buFont typeface="+mj-lt"/>
-              <a:buAutoNum type="arabicPeriod"/>
-            </a:pPr>
-            <a:endParaRPr lang="en-US" dirty="0"/>
-          </a:p>
-        </p:txBody>
-      </p:sp>
-      <p:pic>
-        <p:nvPicPr>
-          <p:cNvPr id="4" name="Picture 3"/>
-          <p:cNvPicPr>
-            <a:picLocks noChangeAspect="1"/>
-          </p:cNvPicPr>
+          <a:solidFill>
+            <a:schemeClr val="tx1"/>
+          </a:solidFill>
+          <a:ln>
+            <a:noFill/>
+          </a:ln>
+        </p:spPr>
+        <p:style>
+          <a:lnRef idx="2">
+            <a:schemeClr val="accent1">
+              <a:shade val="50000"/>
+            </a:schemeClr>
+          </a:lnRef>
+          <a:fillRef idx="1">
+            <a:schemeClr val="accent1"/>
+          </a:fillRef>
+          <a:effectRef idx="0">
+            <a:schemeClr val="accent1"/>
+          </a:effectRef>
+          <a:fontRef idx="minor">
+            <a:schemeClr val="lt1"/>
+          </a:fontRef>
+        </p:style>
+        <p:txBody>
+          <a:bodyPr rtlCol="0" anchor="ctr"/>
+          <a:lstStyle/>
+          <a:p>
+            <a:r>
+              <a:rPr lang="en-US" dirty="0">
+                <a:solidFill>
+                  <a:schemeClr val="bg1"/>
+                </a:solidFill>
+                <a:latin typeface="Courier New" panose="02070309020205020404" pitchFamily="49" charset="0"/>
+                <a:cs typeface="Courier New" panose="02070309020205020404" pitchFamily="49" charset="0"/>
+              </a:rPr>
+              <a:t>&lt;button (click)="alertTheWorld()"&gt;Click me!&lt;/button&gt;</a:t>
+            </a:r>
+          </a:p>
+        </p:txBody>
+      </p:sp>
+      <p:sp>
+        <p:nvSpPr>
+          <p:cNvPr id="10" name="Rectangle 9"/>
+          <p:cNvSpPr/>
           <p:nvPr/>
-        </p:nvPicPr>
-        <p:blipFill>
-          <a:blip r:embed="rId4"/>
-          <a:stretch>
-            <a:fillRect/>
-          </a:stretch>
-        </p:blipFill>
-        <p:spPr>
-          <a:xfrm>
-            <a:off x="2446952" y="1515790"/>
-            <a:ext cx="3819525" cy="314325"/>
+        </p:nvSpPr>
+        <p:spPr>
+          <a:xfrm>
+            <a:off x="2817868" y="5422386"/>
+            <a:ext cx="6952957" cy="1116526"/>
           </a:xfrm>
           <a:prstGeom prst="rect">
             <a:avLst/>
           </a:prstGeom>
-        </p:spPr>
-      </p:pic>
-      <p:pic>
-        <p:nvPicPr>
-          <p:cNvPr id="6" name="Picture 5"/>
-          <p:cNvPicPr>
-            <a:picLocks noChangeAspect="1"/>
-          </p:cNvPicPr>
-          <p:nvPr/>
-        </p:nvPicPr>
-        <p:blipFill rotWithShape="1">
-          <a:blip r:embed="rId5"/>
-          <a:srcRect b="15811"/>
-          <a:stretch/>
-        </p:blipFill>
-        <p:spPr>
-          <a:xfrm>
-            <a:off x="2485222" y="2347221"/>
-            <a:ext cx="4793215" cy="3419596"/>
-          </a:xfrm>
-          <a:prstGeom prst="rect">
-            <a:avLst/>
-          </a:prstGeom>
-        </p:spPr>
-      </p:pic>
+          <a:solidFill>
+            <a:schemeClr val="tx1"/>
+          </a:solidFill>
+          <a:ln>
+            <a:noFill/>
+          </a:ln>
+        </p:spPr>
+        <p:style>
+          <a:lnRef idx="2">
+            <a:schemeClr val="accent1">
+              <a:shade val="50000"/>
+            </a:schemeClr>
+          </a:lnRef>
+          <a:fillRef idx="1">
+            <a:schemeClr val="accent1"/>
+          </a:fillRef>
+          <a:effectRef idx="0">
+            <a:schemeClr val="accent1"/>
+          </a:effectRef>
+          <a:fontRef idx="minor">
+            <a:schemeClr val="lt1"/>
+          </a:fontRef>
+        </p:style>
+        <p:txBody>
+          <a:bodyPr rtlCol="0" anchor="ctr"/>
+          <a:lstStyle/>
+          <a:p>
+            <a:r>
+              <a:rPr lang="en-US" dirty="0">
+                <a:solidFill>
+                  <a:schemeClr val="bg1"/>
+                </a:solidFill>
+                <a:latin typeface="Courier New" panose="02070309020205020404" pitchFamily="49" charset="0"/>
+                <a:cs typeface="Courier New" panose="02070309020205020404" pitchFamily="49" charset="0"/>
+              </a:rPr>
+              <a:t>&lt;input md-input [(ngModel)]="dynamicValue"</a:t>
+            </a:r>
+          </a:p>
+          <a:p>
+            <a:r>
+              <a:rPr lang="en-US" dirty="0">
+                <a:solidFill>
+                  <a:schemeClr val="bg1"/>
+                </a:solidFill>
+                <a:latin typeface="Courier New" panose="02070309020205020404" pitchFamily="49" charset="0"/>
+                <a:cs typeface="Courier New" panose="02070309020205020404" pitchFamily="49" charset="0"/>
+              </a:rPr>
+              <a:t>placeholder="Watch the text update!" type="text"&gt;</a:t>
+            </a:r>
+          </a:p>
+          <a:p>
+            <a:r>
+              <a:rPr lang="en-US" dirty="0">
+                <a:solidFill>
+                  <a:schemeClr val="bg1"/>
+                </a:solidFill>
+                <a:latin typeface="Courier New" panose="02070309020205020404" pitchFamily="49" charset="0"/>
+                <a:cs typeface="Courier New" panose="02070309020205020404" pitchFamily="49" charset="0"/>
+              </a:rPr>
+              <a:t>&lt;br&gt;</a:t>
+            </a:r>
+          </a:p>
+          <a:p>
+            <a:r>
+              <a:rPr lang="en-US" dirty="0">
+                <a:solidFill>
+                  <a:schemeClr val="bg1"/>
+                </a:solidFill>
+                <a:latin typeface="Courier New" panose="02070309020205020404" pitchFamily="49" charset="0"/>
+                <a:cs typeface="Courier New" panose="02070309020205020404" pitchFamily="49" charset="0"/>
+              </a:rPr>
+              <a:t>&lt;span&gt;{{dynamicValue}}&lt;/span&gt;</a:t>
+            </a:r>
+          </a:p>
+        </p:txBody>
+      </p:sp>
+      <p:sp>
+        <p:nvSpPr>
+          <p:cNvPr id="11" name="Footer Placeholder 1"/>
+          <p:cNvSpPr>
+            <a:spLocks noGrp="1"/>
+          </p:cNvSpPr>
+          <p:nvPr>
+            <p:ph type="ftr" sz="quarter" idx="11"/>
+          </p:nvPr>
+        </p:nvSpPr>
+        <p:spPr>
+          <a:xfrm>
+            <a:off x="113004" y="6424612"/>
+            <a:ext cx="1371600" cy="228600"/>
+          </a:xfrm>
+        </p:spPr>
+        <p:txBody>
+          <a:bodyPr/>
+          <a:lstStyle/>
+          <a:p>
+            <a:r>
+              <a:rPr lang="en-US"/>
+              <a:t>© Cognizant 2019</a:t>
+            </a:r>
+            <a:endParaRPr lang="en-US" dirty="0"/>
+          </a:p>
+        </p:txBody>
+      </p:sp>
       <p:sp>
         <p:nvSpPr>
           <p:cNvPr id="5" name="Slide Number Placeholder 4">
             <a:extLst>
               <a:ext uri="{FF2B5EF4-FFF2-40B4-BE49-F238E27FC236}">
-                <a16:creationId xmlns:a16="http://schemas.microsoft.com/office/drawing/2014/main" id="{303D2D4E-47EB-47E4-88F7-0FC62C4BD7D6}"/>
+                <a16:creationId xmlns:a16="http://schemas.microsoft.com/office/drawing/2014/main" id="{2D489FAE-4110-407B-AB52-A4EED619A748}"/>
               </a:ext>
             </a:extLst>
           </p:cNvPr>
@@ -11236,7 +10215,7 @@
     </p:spTree>
     <p:extLst>
       <p:ext uri="{BB962C8B-B14F-4D97-AF65-F5344CB8AC3E}">
-        <p14:creationId xmlns:p14="http://schemas.microsoft.com/office/powerpoint/2010/main" val="953311900"/>
+        <p14:creationId xmlns:p14="http://schemas.microsoft.com/office/powerpoint/2010/main" val="1845596787"/>
       </p:ext>
     </p:extLst>
   </p:cSld>
@@ -11265,6 +10244,1073 @@
       </p:grpSpPr>
       <p:sp>
         <p:nvSpPr>
+          <p:cNvPr id="2" name="Title 1"/>
+          <p:cNvSpPr>
+            <a:spLocks noGrp="1"/>
+          </p:cNvSpPr>
+          <p:nvPr>
+            <p:ph type="title"/>
+          </p:nvPr>
+        </p:nvSpPr>
+        <p:spPr>
+          <a:xfrm>
+            <a:off x="3124200" y="0"/>
+            <a:ext cx="4396273" cy="577267"/>
+          </a:xfrm>
+        </p:spPr>
+        <p:txBody>
+          <a:bodyPr>
+            <a:normAutofit fontScale="90000"/>
+          </a:bodyPr>
+          <a:lstStyle/>
+          <a:p>
+            <a:r>
+              <a:rPr lang="en-US" dirty="0"/>
+              <a:t>Two-Way Binding</a:t>
+            </a:r>
+          </a:p>
+        </p:txBody>
+      </p:sp>
+      <p:sp>
+        <p:nvSpPr>
+          <p:cNvPr id="15" name="Rectangle 14"/>
+          <p:cNvSpPr/>
+          <p:nvPr/>
+        </p:nvSpPr>
+        <p:spPr>
+          <a:xfrm>
+            <a:off x="1981200" y="1143001"/>
+            <a:ext cx="8229600" cy="2985433"/>
+          </a:xfrm>
+          <a:prstGeom prst="rect">
+            <a:avLst/>
+          </a:prstGeom>
+        </p:spPr>
+        <p:txBody>
+          <a:bodyPr wrap="square">
+            <a:spAutoFit/>
+          </a:bodyPr>
+          <a:lstStyle/>
+          <a:p>
+            <a:pPr marL="285750" indent="-285750">
+              <a:buFont typeface="Arial" panose="020B0604020202020204" pitchFamily="34" charset="0"/>
+              <a:buChar char="•"/>
+            </a:pPr>
+            <a:r>
+              <a:rPr lang="en-US" dirty="0">
+                <a:latin typeface="Arial" panose="020B0604020202020204" pitchFamily="34" charset="0"/>
+                <a:cs typeface="Arial" panose="020B0604020202020204" pitchFamily="34" charset="0"/>
+              </a:rPr>
+              <a:t>Two-way data binding combines the input and output binding into a single notation using the ngModel directive.</a:t>
+            </a:r>
+          </a:p>
+          <a:p>
+            <a:pPr marL="285750" indent="-285750">
+              <a:buFont typeface="Arial" panose="020B0604020202020204" pitchFamily="34" charset="0"/>
+              <a:buChar char="•"/>
+            </a:pPr>
+            <a:endParaRPr lang="en-US" dirty="0">
+              <a:latin typeface="Arial" panose="020B0604020202020204" pitchFamily="34" charset="0"/>
+              <a:cs typeface="Arial" panose="020B0604020202020204" pitchFamily="34" charset="0"/>
+            </a:endParaRPr>
+          </a:p>
+          <a:p>
+            <a:pPr marL="285750" indent="-285750">
+              <a:buFont typeface="Arial" panose="020B0604020202020204" pitchFamily="34" charset="0"/>
+              <a:buChar char="•"/>
+            </a:pPr>
+            <a:r>
+              <a:rPr lang="en-US" dirty="0">
+                <a:latin typeface="Arial" panose="020B0604020202020204" pitchFamily="34" charset="0"/>
+                <a:cs typeface="Arial" panose="020B0604020202020204" pitchFamily="34" charset="0"/>
+              </a:rPr>
+              <a:t>The following statement:</a:t>
+            </a:r>
+          </a:p>
+          <a:p>
+            <a:pPr marL="285750" indent="-285750">
+              <a:buFont typeface="Arial" panose="020B0604020202020204" pitchFamily="34" charset="0"/>
+              <a:buChar char="•"/>
+            </a:pPr>
+            <a:endParaRPr lang="en-US" sz="2000" dirty="0"/>
+          </a:p>
+          <a:p>
+            <a:pPr marL="285750" indent="-285750">
+              <a:buFont typeface="Arial" panose="020B0604020202020204" pitchFamily="34" charset="0"/>
+              <a:buChar char="•"/>
+            </a:pPr>
+            <a:endParaRPr lang="en-US" sz="2000" dirty="0"/>
+          </a:p>
+          <a:p>
+            <a:r>
+              <a:rPr lang="en-US" dirty="0">
+                <a:latin typeface="Arial" panose="020B0604020202020204" pitchFamily="34" charset="0"/>
+                <a:cs typeface="Arial" panose="020B0604020202020204" pitchFamily="34" charset="0"/>
+              </a:rPr>
+              <a:t>    is the same as:</a:t>
+            </a:r>
+          </a:p>
+          <a:p>
+            <a:endParaRPr lang="en-US" sz="2000" dirty="0"/>
+          </a:p>
+          <a:p>
+            <a:endParaRPr lang="en-US" sz="2000" dirty="0"/>
+          </a:p>
+          <a:p>
+            <a:pPr marL="342900" indent="-342900">
+              <a:buFont typeface="Arial" panose="020B0604020202020204" pitchFamily="34" charset="0"/>
+              <a:buChar char="•"/>
+            </a:pPr>
+            <a:endParaRPr lang="en-US" dirty="0">
+              <a:solidFill>
+                <a:srgbClr val="FF66FF"/>
+              </a:solidFill>
+              <a:latin typeface="Arial" panose="020B0604020202020204" pitchFamily="34" charset="0"/>
+              <a:cs typeface="Arial" panose="020B0604020202020204" pitchFamily="34" charset="0"/>
+            </a:endParaRPr>
+          </a:p>
+        </p:txBody>
+      </p:sp>
+      <p:sp>
+        <p:nvSpPr>
+          <p:cNvPr id="4" name="TextBox 3"/>
+          <p:cNvSpPr txBox="1"/>
+          <p:nvPr/>
+        </p:nvSpPr>
+        <p:spPr>
+          <a:xfrm>
+            <a:off x="2365248" y="2435424"/>
+            <a:ext cx="7562088" cy="369332"/>
+          </a:xfrm>
+          <a:prstGeom prst="rect">
+            <a:avLst/>
+          </a:prstGeom>
+          <a:solidFill>
+            <a:schemeClr val="tx1"/>
+          </a:solidFill>
+          <a:ln>
+            <a:noFill/>
+          </a:ln>
+        </p:spPr>
+        <p:txBody>
+          <a:bodyPr wrap="square" rtlCol="0">
+            <a:spAutoFit/>
+          </a:bodyPr>
+          <a:lstStyle/>
+          <a:p>
+            <a:r>
+              <a:rPr lang="en-US" dirty="0">
+                <a:solidFill>
+                  <a:schemeClr val="bg1"/>
+                </a:solidFill>
+                <a:latin typeface="Courier New" panose="02070309020205020404" pitchFamily="49" charset="0"/>
+                <a:cs typeface="Courier New" panose="02070309020205020404" pitchFamily="49" charset="0"/>
+              </a:rPr>
+              <a:t>&lt;input [(ngModel)]="name"&gt;</a:t>
+            </a:r>
+          </a:p>
+        </p:txBody>
+      </p:sp>
+      <p:sp>
+        <p:nvSpPr>
+          <p:cNvPr id="7" name="TextBox 6"/>
+          <p:cNvSpPr txBox="1"/>
+          <p:nvPr/>
+        </p:nvSpPr>
+        <p:spPr>
+          <a:xfrm>
+            <a:off x="2365248" y="3426024"/>
+            <a:ext cx="7562088" cy="369332"/>
+          </a:xfrm>
+          <a:prstGeom prst="rect">
+            <a:avLst/>
+          </a:prstGeom>
+          <a:solidFill>
+            <a:schemeClr val="tx1"/>
+          </a:solidFill>
+          <a:ln>
+            <a:noFill/>
+          </a:ln>
+        </p:spPr>
+        <p:txBody>
+          <a:bodyPr wrap="square" rtlCol="0">
+            <a:spAutoFit/>
+          </a:bodyPr>
+          <a:lstStyle/>
+          <a:p>
+            <a:r>
+              <a:rPr lang="en-US" dirty="0">
+                <a:solidFill>
+                  <a:schemeClr val="bg1"/>
+                </a:solidFill>
+                <a:latin typeface="Courier New" panose="02070309020205020404" pitchFamily="49" charset="0"/>
+                <a:cs typeface="Courier New" panose="02070309020205020404" pitchFamily="49" charset="0"/>
+              </a:rPr>
+              <a:t>&lt;input [ngModel]="name" (ngModelChange)="name=$event"&gt;</a:t>
+            </a:r>
+          </a:p>
+        </p:txBody>
+      </p:sp>
+      <p:sp>
+        <p:nvSpPr>
+          <p:cNvPr id="6" name="Footer Placeholder 1"/>
+          <p:cNvSpPr>
+            <a:spLocks noGrp="1"/>
+          </p:cNvSpPr>
+          <p:nvPr>
+            <p:ph type="ftr" sz="quarter" idx="11"/>
+          </p:nvPr>
+        </p:nvSpPr>
+        <p:spPr>
+          <a:xfrm>
+            <a:off x="1531257" y="6553200"/>
+            <a:ext cx="1371600" cy="228600"/>
+          </a:xfrm>
+        </p:spPr>
+        <p:txBody>
+          <a:bodyPr/>
+          <a:lstStyle/>
+          <a:p>
+            <a:r>
+              <a:rPr lang="en-US"/>
+              <a:t>© Cognizant 2019</a:t>
+            </a:r>
+            <a:endParaRPr lang="en-US" dirty="0"/>
+          </a:p>
+        </p:txBody>
+      </p:sp>
+      <p:sp>
+        <p:nvSpPr>
+          <p:cNvPr id="3" name="Slide Number Placeholder 2"/>
+          <p:cNvSpPr>
+            <a:spLocks noGrp="1"/>
+          </p:cNvSpPr>
+          <p:nvPr>
+            <p:ph type="sldNum" sz="quarter" idx="12"/>
+          </p:nvPr>
+        </p:nvSpPr>
+        <p:spPr/>
+        <p:txBody>
+          <a:bodyPr/>
+          <a:lstStyle/>
+          <a:p>
+            <a:fld id="{E7AF38FF-B38D-4060-8B8D-2D16AAFBAAC1}" type="slidenum">
+              <a:rPr lang="en-US" smtClean="0"/>
+              <a:pPr/>
+              <a:t>23</a:t>
+            </a:fld>
+            <a:endParaRPr lang="en-US" dirty="0"/>
+          </a:p>
+        </p:txBody>
+      </p:sp>
+    </p:spTree>
+    <p:extLst>
+      <p:ext uri="{BB962C8B-B14F-4D97-AF65-F5344CB8AC3E}">
+        <p14:creationId xmlns:p14="http://schemas.microsoft.com/office/powerpoint/2010/main" val="4131055893"/>
+      </p:ext>
+    </p:extLst>
+  </p:cSld>
+  <p:clrMapOvr>
+    <a:masterClrMapping/>
+  </p:clrMapOvr>
+</p:sld>
+</file>
+
+<file path=ppt/slides/slide24.xml><?xml version="1.0" encoding="utf-8"?>
+<p:sld xmlns:a="http://schemas.openxmlformats.org/drawingml/2006/main" xmlns:r="http://schemas.openxmlformats.org/officeDocument/2006/relationships" xmlns:p="http://schemas.openxmlformats.org/presentationml/2006/main">
+  <p:cSld>
+    <p:spTree>
+      <p:nvGrpSpPr>
+        <p:cNvPr id="1" name=""/>
+        <p:cNvGrpSpPr/>
+        <p:nvPr/>
+      </p:nvGrpSpPr>
+      <p:grpSpPr>
+        <a:xfrm>
+          <a:off x="0" y="0"/>
+          <a:ext cx="0" cy="0"/>
+          <a:chOff x="0" y="0"/>
+          <a:chExt cx="0" cy="0"/>
+        </a:xfrm>
+      </p:grpSpPr>
+      <p:sp>
+        <p:nvSpPr>
+          <p:cNvPr id="3" name="Title 2"/>
+          <p:cNvSpPr>
+            <a:spLocks noGrp="1"/>
+          </p:cNvSpPr>
+          <p:nvPr>
+            <p:ph type="title"/>
+          </p:nvPr>
+        </p:nvSpPr>
+        <p:spPr>
+          <a:xfrm>
+            <a:off x="3170853" y="-104582"/>
+            <a:ext cx="5829298" cy="791871"/>
+          </a:xfrm>
+        </p:spPr>
+        <p:txBody>
+          <a:bodyPr/>
+          <a:lstStyle/>
+          <a:p>
+            <a:r>
+              <a:rPr lang="en-US" b="1" dirty="0">
+                <a:solidFill>
+                  <a:schemeClr val="bg1"/>
+                </a:solidFill>
+              </a:rPr>
+              <a:t>Practice – HelloAngular</a:t>
+            </a:r>
+          </a:p>
+        </p:txBody>
+      </p:sp>
+      <p:pic>
+        <p:nvPicPr>
+          <p:cNvPr id="7" name="Picture 6"/>
+          <p:cNvPicPr>
+            <a:picLocks noChangeAspect="1"/>
+          </p:cNvPicPr>
+          <p:nvPr/>
+        </p:nvPicPr>
+        <p:blipFill>
+          <a:blip r:embed="rId3" cstate="print">
+            <a:extLst>
+              <a:ext uri="{28A0092B-C50C-407E-A947-70E740481C1C}">
+                <a14:useLocalDpi xmlns:a14="http://schemas.microsoft.com/office/drawing/2010/main" val="0"/>
+              </a:ext>
+            </a:extLst>
+          </a:blip>
+          <a:stretch>
+            <a:fillRect/>
+          </a:stretch>
+        </p:blipFill>
+        <p:spPr>
+          <a:xfrm>
+            <a:off x="205641" y="1003132"/>
+            <a:ext cx="1589293" cy="1589293"/>
+          </a:xfrm>
+          <a:prstGeom prst="rect">
+            <a:avLst/>
+          </a:prstGeom>
+        </p:spPr>
+      </p:pic>
+      <p:sp>
+        <p:nvSpPr>
+          <p:cNvPr id="8" name="Footer Placeholder 1"/>
+          <p:cNvSpPr>
+            <a:spLocks noGrp="1"/>
+          </p:cNvSpPr>
+          <p:nvPr>
+            <p:ph type="ftr" sz="quarter" idx="11"/>
+          </p:nvPr>
+        </p:nvSpPr>
+        <p:spPr>
+          <a:xfrm>
+            <a:off x="176827" y="6490977"/>
+            <a:ext cx="1371600" cy="228600"/>
+          </a:xfrm>
+        </p:spPr>
+        <p:txBody>
+          <a:bodyPr/>
+          <a:lstStyle/>
+          <a:p>
+            <a:r>
+              <a:rPr lang="en-US"/>
+              <a:t>© Cognizant 2019</a:t>
+            </a:r>
+            <a:endParaRPr lang="en-US" dirty="0"/>
+          </a:p>
+        </p:txBody>
+      </p:sp>
+      <p:sp>
+        <p:nvSpPr>
+          <p:cNvPr id="2" name="TextBox 1"/>
+          <p:cNvSpPr txBox="1"/>
+          <p:nvPr/>
+        </p:nvSpPr>
+        <p:spPr>
+          <a:xfrm>
+            <a:off x="2021501" y="858056"/>
+            <a:ext cx="9809254" cy="4801314"/>
+          </a:xfrm>
+          <a:prstGeom prst="rect">
+            <a:avLst/>
+          </a:prstGeom>
+          <a:noFill/>
+        </p:spPr>
+        <p:txBody>
+          <a:bodyPr wrap="square" rtlCol="0">
+            <a:spAutoFit/>
+          </a:bodyPr>
+          <a:lstStyle/>
+          <a:p>
+            <a:r>
+              <a:rPr lang="en-US" dirty="0"/>
+              <a:t>Property Binding Practice:</a:t>
+            </a:r>
+          </a:p>
+          <a:p>
+            <a:pPr marL="342900" indent="-342900">
+              <a:buFont typeface="+mj-lt"/>
+              <a:buAutoNum type="arabicPeriod"/>
+            </a:pPr>
+            <a:r>
+              <a:rPr lang="en-US" dirty="0"/>
+              <a:t>Add [style.color]=‘myColor’ property binding to the h2 element in app.component.html</a:t>
+            </a:r>
+          </a:p>
+          <a:p>
+            <a:pPr marL="342900" indent="-342900">
+              <a:buFont typeface="+mj-lt"/>
+              <a:buAutoNum type="arabicPeriod"/>
+            </a:pPr>
+            <a:endParaRPr lang="en-US" dirty="0"/>
+          </a:p>
+          <a:p>
+            <a:pPr marL="342900" indent="-342900">
+              <a:buFont typeface="+mj-lt"/>
+              <a:buAutoNum type="arabicPeriod"/>
+            </a:pPr>
+            <a:endParaRPr lang="en-US" dirty="0"/>
+          </a:p>
+          <a:p>
+            <a:pPr marL="342900" indent="-342900">
+              <a:buFont typeface="+mj-lt"/>
+              <a:buAutoNum type="arabicPeriod"/>
+            </a:pPr>
+            <a:r>
+              <a:rPr lang="en-US" dirty="0"/>
+              <a:t>Add myColor property to app.component.ts.  Make it a string type and assign it a literal that is your favorite color.  Verify that the h2 color changed in your app (it should be served to observe this )</a:t>
+            </a:r>
+          </a:p>
+          <a:p>
+            <a:pPr marL="342900" indent="-342900">
+              <a:buFont typeface="+mj-lt"/>
+              <a:buAutoNum type="arabicPeriod"/>
+            </a:pPr>
+            <a:endParaRPr lang="en-US" dirty="0"/>
+          </a:p>
+          <a:p>
+            <a:pPr marL="342900" indent="-342900">
+              <a:buFont typeface="+mj-lt"/>
+              <a:buAutoNum type="arabicPeriod"/>
+            </a:pPr>
+            <a:endParaRPr lang="en-US" dirty="0"/>
+          </a:p>
+          <a:p>
+            <a:pPr marL="342900" indent="-342900">
+              <a:buFont typeface="+mj-lt"/>
+              <a:buAutoNum type="arabicPeriod"/>
+            </a:pPr>
+            <a:endParaRPr lang="en-US" dirty="0"/>
+          </a:p>
+          <a:p>
+            <a:pPr marL="342900" indent="-342900">
+              <a:buFont typeface="+mj-lt"/>
+              <a:buAutoNum type="arabicPeriod"/>
+            </a:pPr>
+            <a:endParaRPr lang="en-US" dirty="0"/>
+          </a:p>
+          <a:p>
+            <a:pPr marL="342900" indent="-342900">
+              <a:buFont typeface="+mj-lt"/>
+              <a:buAutoNum type="arabicPeriod"/>
+            </a:pPr>
+            <a:endParaRPr lang="en-US" dirty="0"/>
+          </a:p>
+          <a:p>
+            <a:r>
+              <a:rPr lang="en-US" dirty="0"/>
+              <a:t>Event Binding Practice:</a:t>
+            </a:r>
+          </a:p>
+          <a:p>
+            <a:pPr marL="342900" indent="-342900">
+              <a:buFont typeface="+mj-lt"/>
+              <a:buAutoNum type="arabicPeriod"/>
+            </a:pPr>
+            <a:r>
+              <a:rPr lang="en-US" dirty="0"/>
+              <a:t>Add a button with a click event that calls a function called “changeColor()”</a:t>
+            </a:r>
+          </a:p>
+          <a:p>
+            <a:pPr marL="342900" indent="-342900">
+              <a:buFont typeface="+mj-lt"/>
+              <a:buAutoNum type="arabicPeriod"/>
+            </a:pPr>
+            <a:endParaRPr lang="en-US" dirty="0"/>
+          </a:p>
+          <a:p>
+            <a:pPr marL="342900" indent="-342900">
+              <a:buFont typeface="+mj-lt"/>
+              <a:buAutoNum type="arabicPeriod"/>
+            </a:pPr>
+            <a:endParaRPr lang="en-US" dirty="0"/>
+          </a:p>
+          <a:p>
+            <a:pPr marL="342900" indent="-342900">
+              <a:buFont typeface="+mj-lt"/>
+              <a:buAutoNum type="arabicPeriod"/>
+            </a:pPr>
+            <a:r>
+              <a:rPr lang="en-US" dirty="0"/>
+              <a:t>Define the function as shown below in app.component.ts.  Verify that clicking the button changes the color.</a:t>
+            </a:r>
+          </a:p>
+        </p:txBody>
+      </p:sp>
+      <p:pic>
+        <p:nvPicPr>
+          <p:cNvPr id="5" name="Picture 4"/>
+          <p:cNvPicPr>
+            <a:picLocks noChangeAspect="1"/>
+          </p:cNvPicPr>
+          <p:nvPr/>
+        </p:nvPicPr>
+        <p:blipFill>
+          <a:blip r:embed="rId4"/>
+          <a:stretch>
+            <a:fillRect/>
+          </a:stretch>
+        </p:blipFill>
+        <p:spPr>
+          <a:xfrm>
+            <a:off x="2474013" y="1581260"/>
+            <a:ext cx="7839075" cy="304800"/>
+          </a:xfrm>
+          <a:prstGeom prst="rect">
+            <a:avLst/>
+          </a:prstGeom>
+        </p:spPr>
+      </p:pic>
+      <p:pic>
+        <p:nvPicPr>
+          <p:cNvPr id="9" name="Picture 8"/>
+          <p:cNvPicPr>
+            <a:picLocks noChangeAspect="1"/>
+          </p:cNvPicPr>
+          <p:nvPr/>
+        </p:nvPicPr>
+        <p:blipFill>
+          <a:blip r:embed="rId5"/>
+          <a:stretch>
+            <a:fillRect/>
+          </a:stretch>
+        </p:blipFill>
+        <p:spPr>
+          <a:xfrm>
+            <a:off x="2496457" y="2609264"/>
+            <a:ext cx="3897094" cy="882361"/>
+          </a:xfrm>
+          <a:prstGeom prst="rect">
+            <a:avLst/>
+          </a:prstGeom>
+        </p:spPr>
+      </p:pic>
+      <p:pic>
+        <p:nvPicPr>
+          <p:cNvPr id="10" name="Picture 9"/>
+          <p:cNvPicPr>
+            <a:picLocks noChangeAspect="1"/>
+          </p:cNvPicPr>
+          <p:nvPr/>
+        </p:nvPicPr>
+        <p:blipFill>
+          <a:blip r:embed="rId6"/>
+          <a:stretch>
+            <a:fillRect/>
+          </a:stretch>
+        </p:blipFill>
+        <p:spPr>
+          <a:xfrm>
+            <a:off x="2496457" y="4490901"/>
+            <a:ext cx="6248400" cy="314325"/>
+          </a:xfrm>
+          <a:prstGeom prst="rect">
+            <a:avLst/>
+          </a:prstGeom>
+        </p:spPr>
+      </p:pic>
+      <p:pic>
+        <p:nvPicPr>
+          <p:cNvPr id="11" name="Picture 10"/>
+          <p:cNvPicPr>
+            <a:picLocks noChangeAspect="1"/>
+          </p:cNvPicPr>
+          <p:nvPr/>
+        </p:nvPicPr>
+        <p:blipFill>
+          <a:blip r:embed="rId7"/>
+          <a:stretch>
+            <a:fillRect/>
+          </a:stretch>
+        </p:blipFill>
+        <p:spPr>
+          <a:xfrm>
+            <a:off x="2446952" y="5633727"/>
+            <a:ext cx="3638550" cy="857250"/>
+          </a:xfrm>
+          <a:prstGeom prst="rect">
+            <a:avLst/>
+          </a:prstGeom>
+        </p:spPr>
+      </p:pic>
+      <p:sp>
+        <p:nvSpPr>
+          <p:cNvPr id="4" name="Slide Number Placeholder 3">
+            <a:extLst>
+              <a:ext uri="{FF2B5EF4-FFF2-40B4-BE49-F238E27FC236}">
+                <a16:creationId xmlns:a16="http://schemas.microsoft.com/office/drawing/2014/main" id="{68FCF349-2F95-4643-AD6C-D64A9AA8E0A4}"/>
+              </a:ext>
+            </a:extLst>
+          </p:cNvPr>
+          <p:cNvSpPr>
+            <a:spLocks noGrp="1"/>
+          </p:cNvSpPr>
+          <p:nvPr>
+            <p:ph type="sldNum" sz="quarter" idx="12"/>
+          </p:nvPr>
+        </p:nvSpPr>
+        <p:spPr/>
+        <p:txBody>
+          <a:bodyPr/>
+          <a:lstStyle/>
+          <a:p>
+            <a:fld id="{8430ED8F-F4BA-4C5B-9498-F896284E1CAD}" type="slidenum">
+              <a:rPr lang="en-US" smtClean="0"/>
+              <a:t>24</a:t>
+            </a:fld>
+            <a:endParaRPr lang="en-US"/>
+          </a:p>
+        </p:txBody>
+      </p:sp>
+    </p:spTree>
+    <p:extLst>
+      <p:ext uri="{BB962C8B-B14F-4D97-AF65-F5344CB8AC3E}">
+        <p14:creationId xmlns:p14="http://schemas.microsoft.com/office/powerpoint/2010/main" val="570050378"/>
+      </p:ext>
+    </p:extLst>
+  </p:cSld>
+  <p:clrMapOvr>
+    <a:masterClrMapping/>
+  </p:clrMapOvr>
+</p:sld>
+</file>
+
+<file path=ppt/slides/slide25.xml><?xml version="1.0" encoding="utf-8"?>
+<p:sld xmlns:a="http://schemas.openxmlformats.org/drawingml/2006/main" xmlns:r="http://schemas.openxmlformats.org/officeDocument/2006/relationships" xmlns:p="http://schemas.openxmlformats.org/presentationml/2006/main">
+  <p:cSld>
+    <p:spTree>
+      <p:nvGrpSpPr>
+        <p:cNvPr id="1" name=""/>
+        <p:cNvGrpSpPr/>
+        <p:nvPr/>
+      </p:nvGrpSpPr>
+      <p:grpSpPr>
+        <a:xfrm>
+          <a:off x="0" y="0"/>
+          <a:ext cx="0" cy="0"/>
+          <a:chOff x="0" y="0"/>
+          <a:chExt cx="0" cy="0"/>
+        </a:xfrm>
+      </p:grpSpPr>
+      <p:sp>
+        <p:nvSpPr>
+          <p:cNvPr id="3" name="Title 2"/>
+          <p:cNvSpPr>
+            <a:spLocks noGrp="1"/>
+          </p:cNvSpPr>
+          <p:nvPr>
+            <p:ph type="title"/>
+          </p:nvPr>
+        </p:nvSpPr>
+        <p:spPr>
+          <a:xfrm>
+            <a:off x="3170853" y="-104582"/>
+            <a:ext cx="5829298" cy="791871"/>
+          </a:xfrm>
+        </p:spPr>
+        <p:txBody>
+          <a:bodyPr/>
+          <a:lstStyle/>
+          <a:p>
+            <a:r>
+              <a:rPr lang="en-US" b="1" dirty="0">
+                <a:solidFill>
+                  <a:schemeClr val="bg1"/>
+                </a:solidFill>
+              </a:rPr>
+              <a:t>Practice – HelloAngular</a:t>
+            </a:r>
+          </a:p>
+        </p:txBody>
+      </p:sp>
+      <p:pic>
+        <p:nvPicPr>
+          <p:cNvPr id="7" name="Picture 6"/>
+          <p:cNvPicPr>
+            <a:picLocks noChangeAspect="1"/>
+          </p:cNvPicPr>
+          <p:nvPr/>
+        </p:nvPicPr>
+        <p:blipFill>
+          <a:blip r:embed="rId3" cstate="print">
+            <a:extLst>
+              <a:ext uri="{28A0092B-C50C-407E-A947-70E740481C1C}">
+                <a14:useLocalDpi xmlns:a14="http://schemas.microsoft.com/office/drawing/2010/main" val="0"/>
+              </a:ext>
+            </a:extLst>
+          </a:blip>
+          <a:stretch>
+            <a:fillRect/>
+          </a:stretch>
+        </p:blipFill>
+        <p:spPr>
+          <a:xfrm>
+            <a:off x="205641" y="1003132"/>
+            <a:ext cx="1589293" cy="1589293"/>
+          </a:xfrm>
+          <a:prstGeom prst="rect">
+            <a:avLst/>
+          </a:prstGeom>
+        </p:spPr>
+      </p:pic>
+      <p:sp>
+        <p:nvSpPr>
+          <p:cNvPr id="8" name="Footer Placeholder 1"/>
+          <p:cNvSpPr>
+            <a:spLocks noGrp="1"/>
+          </p:cNvSpPr>
+          <p:nvPr>
+            <p:ph type="ftr" sz="quarter" idx="11"/>
+          </p:nvPr>
+        </p:nvSpPr>
+        <p:spPr>
+          <a:xfrm>
+            <a:off x="176827" y="6490977"/>
+            <a:ext cx="1371600" cy="228600"/>
+          </a:xfrm>
+        </p:spPr>
+        <p:txBody>
+          <a:bodyPr/>
+          <a:lstStyle/>
+          <a:p>
+            <a:r>
+              <a:rPr lang="en-US"/>
+              <a:t>© Cognizant 2019</a:t>
+            </a:r>
+            <a:endParaRPr lang="en-US" dirty="0"/>
+          </a:p>
+        </p:txBody>
+      </p:sp>
+      <p:sp>
+        <p:nvSpPr>
+          <p:cNvPr id="2" name="TextBox 1"/>
+          <p:cNvSpPr txBox="1"/>
+          <p:nvPr/>
+        </p:nvSpPr>
+        <p:spPr>
+          <a:xfrm>
+            <a:off x="2021501" y="858056"/>
+            <a:ext cx="9809254" cy="6740307"/>
+          </a:xfrm>
+          <a:prstGeom prst="rect">
+            <a:avLst/>
+          </a:prstGeom>
+          <a:noFill/>
+        </p:spPr>
+        <p:txBody>
+          <a:bodyPr wrap="square" rtlCol="0">
+            <a:spAutoFit/>
+          </a:bodyPr>
+          <a:lstStyle/>
+          <a:p>
+            <a:r>
+              <a:rPr lang="en-US" dirty="0"/>
+              <a:t>Two-Way Binding Practice:</a:t>
+            </a:r>
+          </a:p>
+          <a:p>
+            <a:pPr marL="342900" indent="-342900">
+              <a:buFont typeface="+mj-lt"/>
+              <a:buAutoNum type="arabicPeriod"/>
+            </a:pPr>
+            <a:r>
+              <a:rPr lang="en-US" dirty="0"/>
+              <a:t>Add an input element to app.component.html with a binding to ‘myColor’</a:t>
+            </a:r>
+          </a:p>
+          <a:p>
+            <a:pPr marL="342900" indent="-342900">
+              <a:buFont typeface="+mj-lt"/>
+              <a:buAutoNum type="arabicPeriod"/>
+            </a:pPr>
+            <a:endParaRPr lang="en-US" dirty="0"/>
+          </a:p>
+          <a:p>
+            <a:pPr marL="342900" indent="-342900">
+              <a:buFont typeface="+mj-lt"/>
+              <a:buAutoNum type="arabicPeriod"/>
+            </a:pPr>
+            <a:endParaRPr lang="en-US" dirty="0"/>
+          </a:p>
+          <a:p>
+            <a:pPr marL="342900" indent="-342900">
+              <a:buFont typeface="+mj-lt"/>
+              <a:buAutoNum type="arabicPeriod"/>
+            </a:pPr>
+            <a:r>
+              <a:rPr lang="en-US" dirty="0"/>
+              <a:t>In order for Two-Way binding to work, FormsModule must be imported in app.module.ts</a:t>
+            </a:r>
+          </a:p>
+          <a:p>
+            <a:pPr marL="342900" indent="-342900">
+              <a:buFont typeface="+mj-lt"/>
+              <a:buAutoNum type="arabicPeriod"/>
+            </a:pPr>
+            <a:endParaRPr lang="en-US" dirty="0"/>
+          </a:p>
+          <a:p>
+            <a:pPr marL="342900" indent="-342900">
+              <a:buFont typeface="+mj-lt"/>
+              <a:buAutoNum type="arabicPeriod"/>
+            </a:pPr>
+            <a:endParaRPr lang="en-US" dirty="0"/>
+          </a:p>
+          <a:p>
+            <a:pPr marL="342900" indent="-342900">
+              <a:buFont typeface="+mj-lt"/>
+              <a:buAutoNum type="arabicPeriod"/>
+            </a:pPr>
+            <a:endParaRPr lang="en-US" dirty="0"/>
+          </a:p>
+          <a:p>
+            <a:pPr marL="342900" indent="-342900">
+              <a:buFont typeface="+mj-lt"/>
+              <a:buAutoNum type="arabicPeriod"/>
+            </a:pPr>
+            <a:endParaRPr lang="en-US" dirty="0"/>
+          </a:p>
+          <a:p>
+            <a:pPr marL="342900" indent="-342900">
+              <a:buFont typeface="+mj-lt"/>
+              <a:buAutoNum type="arabicPeriod"/>
+            </a:pPr>
+            <a:endParaRPr lang="en-US" dirty="0"/>
+          </a:p>
+          <a:p>
+            <a:pPr marL="342900" indent="-342900">
+              <a:buFont typeface="+mj-lt"/>
+              <a:buAutoNum type="arabicPeriod"/>
+            </a:pPr>
+            <a:endParaRPr lang="en-US" dirty="0"/>
+          </a:p>
+          <a:p>
+            <a:pPr marL="342900" indent="-342900">
+              <a:buFont typeface="+mj-lt"/>
+              <a:buAutoNum type="arabicPeriod"/>
+            </a:pPr>
+            <a:endParaRPr lang="en-US" dirty="0"/>
+          </a:p>
+          <a:p>
+            <a:pPr marL="342900" indent="-342900">
+              <a:buFont typeface="+mj-lt"/>
+              <a:buAutoNum type="arabicPeriod"/>
+            </a:pPr>
+            <a:endParaRPr lang="en-US" dirty="0"/>
+          </a:p>
+          <a:p>
+            <a:pPr marL="342900" indent="-342900">
+              <a:buFont typeface="+mj-lt"/>
+              <a:buAutoNum type="arabicPeriod"/>
+            </a:pPr>
+            <a:endParaRPr lang="en-US" dirty="0"/>
+          </a:p>
+          <a:p>
+            <a:pPr marL="342900" indent="-342900">
+              <a:buFont typeface="+mj-lt"/>
+              <a:buAutoNum type="arabicPeriod"/>
+            </a:pPr>
+            <a:endParaRPr lang="en-US" dirty="0"/>
+          </a:p>
+          <a:p>
+            <a:pPr marL="342900" indent="-342900">
+              <a:buFont typeface="+mj-lt"/>
+              <a:buAutoNum type="arabicPeriod"/>
+            </a:pPr>
+            <a:endParaRPr lang="en-US" dirty="0"/>
+          </a:p>
+          <a:p>
+            <a:pPr marL="342900" indent="-342900">
+              <a:buFont typeface="+mj-lt"/>
+              <a:buAutoNum type="arabicPeriod"/>
+            </a:pPr>
+            <a:endParaRPr lang="en-US" dirty="0"/>
+          </a:p>
+          <a:p>
+            <a:pPr marL="342900" indent="-342900">
+              <a:buFont typeface="+mj-lt"/>
+              <a:buAutoNum type="arabicPeriod"/>
+            </a:pPr>
+            <a:endParaRPr lang="en-US" dirty="0"/>
+          </a:p>
+          <a:p>
+            <a:pPr marL="342900" indent="-342900">
+              <a:buFont typeface="+mj-lt"/>
+              <a:buAutoNum type="arabicPeriod"/>
+            </a:pPr>
+            <a:r>
+              <a:rPr lang="en-US" dirty="0"/>
+              <a:t>Type color names into the new textbox and verify that the color of the h2 element changes</a:t>
+            </a:r>
+          </a:p>
+          <a:p>
+            <a:pPr marL="342900" indent="-342900">
+              <a:buFont typeface="+mj-lt"/>
+              <a:buAutoNum type="arabicPeriod"/>
+            </a:pPr>
+            <a:endParaRPr lang="en-US" dirty="0"/>
+          </a:p>
+          <a:p>
+            <a:pPr marL="342900" indent="-342900">
+              <a:buFont typeface="+mj-lt"/>
+              <a:buAutoNum type="arabicPeriod"/>
+            </a:pPr>
+            <a:endParaRPr lang="en-US" dirty="0"/>
+          </a:p>
+          <a:p>
+            <a:pPr marL="342900" indent="-342900">
+              <a:buFont typeface="+mj-lt"/>
+              <a:buAutoNum type="arabicPeriod"/>
+            </a:pPr>
+            <a:endParaRPr lang="en-US" dirty="0"/>
+          </a:p>
+          <a:p>
+            <a:pPr marL="342900" indent="-342900">
+              <a:buFont typeface="+mj-lt"/>
+              <a:buAutoNum type="arabicPeriod"/>
+            </a:pPr>
+            <a:endParaRPr lang="en-US" dirty="0"/>
+          </a:p>
+          <a:p>
+            <a:pPr marL="342900" indent="-342900">
+              <a:buFont typeface="+mj-lt"/>
+              <a:buAutoNum type="arabicPeriod"/>
+            </a:pPr>
+            <a:endParaRPr lang="en-US" dirty="0"/>
+          </a:p>
+        </p:txBody>
+      </p:sp>
+      <p:pic>
+        <p:nvPicPr>
+          <p:cNvPr id="4" name="Picture 3"/>
+          <p:cNvPicPr>
+            <a:picLocks noChangeAspect="1"/>
+          </p:cNvPicPr>
+          <p:nvPr/>
+        </p:nvPicPr>
+        <p:blipFill>
+          <a:blip r:embed="rId4"/>
+          <a:stretch>
+            <a:fillRect/>
+          </a:stretch>
+        </p:blipFill>
+        <p:spPr>
+          <a:xfrm>
+            <a:off x="2446952" y="1515790"/>
+            <a:ext cx="3819525" cy="314325"/>
+          </a:xfrm>
+          <a:prstGeom prst="rect">
+            <a:avLst/>
+          </a:prstGeom>
+        </p:spPr>
+      </p:pic>
+      <p:pic>
+        <p:nvPicPr>
+          <p:cNvPr id="6" name="Picture 5"/>
+          <p:cNvPicPr>
+            <a:picLocks noChangeAspect="1"/>
+          </p:cNvPicPr>
+          <p:nvPr/>
+        </p:nvPicPr>
+        <p:blipFill rotWithShape="1">
+          <a:blip r:embed="rId5"/>
+          <a:srcRect b="15811"/>
+          <a:stretch/>
+        </p:blipFill>
+        <p:spPr>
+          <a:xfrm>
+            <a:off x="2485222" y="2347221"/>
+            <a:ext cx="4793215" cy="3419596"/>
+          </a:xfrm>
+          <a:prstGeom prst="rect">
+            <a:avLst/>
+          </a:prstGeom>
+        </p:spPr>
+      </p:pic>
+      <p:sp>
+        <p:nvSpPr>
+          <p:cNvPr id="5" name="Slide Number Placeholder 4">
+            <a:extLst>
+              <a:ext uri="{FF2B5EF4-FFF2-40B4-BE49-F238E27FC236}">
+                <a16:creationId xmlns:a16="http://schemas.microsoft.com/office/drawing/2014/main" id="{303D2D4E-47EB-47E4-88F7-0FC62C4BD7D6}"/>
+              </a:ext>
+            </a:extLst>
+          </p:cNvPr>
+          <p:cNvSpPr>
+            <a:spLocks noGrp="1"/>
+          </p:cNvSpPr>
+          <p:nvPr>
+            <p:ph type="sldNum" sz="quarter" idx="12"/>
+          </p:nvPr>
+        </p:nvSpPr>
+        <p:spPr/>
+        <p:txBody>
+          <a:bodyPr/>
+          <a:lstStyle/>
+          <a:p>
+            <a:fld id="{8430ED8F-F4BA-4C5B-9498-F896284E1CAD}" type="slidenum">
+              <a:rPr lang="en-US" smtClean="0"/>
+              <a:t>25</a:t>
+            </a:fld>
+            <a:endParaRPr lang="en-US"/>
+          </a:p>
+        </p:txBody>
+      </p:sp>
+    </p:spTree>
+    <p:extLst>
+      <p:ext uri="{BB962C8B-B14F-4D97-AF65-F5344CB8AC3E}">
+        <p14:creationId xmlns:p14="http://schemas.microsoft.com/office/powerpoint/2010/main" val="953311900"/>
+      </p:ext>
+    </p:extLst>
+  </p:cSld>
+  <p:clrMapOvr>
+    <a:masterClrMapping/>
+  </p:clrMapOvr>
+</p:sld>
+</file>
+
+<file path=ppt/slides/slide26.xml><?xml version="1.0" encoding="utf-8"?>
+<p:sld xmlns:a="http://schemas.openxmlformats.org/drawingml/2006/main" xmlns:r="http://schemas.openxmlformats.org/officeDocument/2006/relationships" xmlns:p="http://schemas.openxmlformats.org/presentationml/2006/main">
+  <p:cSld>
+    <p:spTree>
+      <p:nvGrpSpPr>
+        <p:cNvPr id="1" name=""/>
+        <p:cNvGrpSpPr/>
+        <p:nvPr/>
+      </p:nvGrpSpPr>
+      <p:grpSpPr>
+        <a:xfrm>
+          <a:off x="0" y="0"/>
+          <a:ext cx="0" cy="0"/>
+          <a:chOff x="0" y="0"/>
+          <a:chExt cx="0" cy="0"/>
+        </a:xfrm>
+      </p:grpSpPr>
+      <p:sp>
+        <p:nvSpPr>
           <p:cNvPr id="3" name="Title 2"/>
           <p:cNvSpPr>
             <a:spLocks noGrp="1"/>
@@ -11315,7 +11361,7 @@
             <a:fld id="{47ED8886-DB3B-44F4-9A80-E6A224679F20}" type="slidenum">
               <a:rPr lang="en-US" smtClean="0"/>
               <a:pPr algn="r"/>
-              <a:t>23</a:t>
+              <a:t>26</a:t>
             </a:fld>
             <a:endParaRPr lang="en-US" dirty="0"/>
           </a:p>
@@ -11452,7 +11498,7 @@
 </p:sld>
 </file>
 
-<file path=ppt/slides/slide24.xml><?xml version="1.0" encoding="utf-8"?>
+<file path=ppt/slides/slide27.xml><?xml version="1.0" encoding="utf-8"?>
 <p:sld xmlns:a="http://schemas.openxmlformats.org/drawingml/2006/main" xmlns:r="http://schemas.openxmlformats.org/officeDocument/2006/relationships" xmlns:p="http://schemas.openxmlformats.org/presentationml/2006/main">
   <p:cSld>
     <p:spTree>
@@ -11574,7 +11620,7 @@
 </p:sld>
 </file>
 
-<file path=ppt/slides/slide25.xml><?xml version="1.0" encoding="utf-8"?>
+<file path=ppt/slides/slide28.xml><?xml version="1.0" encoding="utf-8"?>
 <p:sld xmlns:a="http://schemas.openxmlformats.org/drawingml/2006/main" xmlns:r="http://schemas.openxmlformats.org/officeDocument/2006/relationships" xmlns:p="http://schemas.openxmlformats.org/presentationml/2006/main">
   <p:cSld>
     <p:spTree>
@@ -11614,7 +11660,7 @@
             <a:fld id="{E7AF38FF-B38D-4060-8B8D-2D16AAFBAAC1}" type="slidenum">
               <a:rPr lang="en-US" smtClean="0"/>
               <a:pPr/>
-              <a:t>25</a:t>
+              <a:t>28</a:t>
             </a:fld>
             <a:endParaRPr lang="en-US" dirty="0"/>
           </a:p>
@@ -11875,7 +11921,7 @@
                   <a:schemeClr val="tx1"/>
                 </a:solidFill>
               </a:rPr>
-              <a:t>TS Primer</a:t>
+              <a:t>TS / JS Primer</a:t>
             </a:r>
           </a:p>
           <a:p>
@@ -12110,7 +12156,7 @@
                 <a:latin typeface="Arial Rounded MT Bold" pitchFamily="34" charset="0"/>
                 <a:cs typeface="Arial" pitchFamily="34" charset="0"/>
               </a:rPr>
-              <a:t>TS Primer</a:t>
+              <a:t>TS / JS Primer</a:t>
             </a:r>
           </a:p>
         </p:txBody>
@@ -12193,7 +12239,7 @@
         </p:spPr>
         <p:txBody>
           <a:bodyPr>
-            <a:normAutofit fontScale="70000" lnSpcReduction="20000"/>
+            <a:normAutofit fontScale="85000" lnSpcReduction="20000"/>
           </a:bodyPr>
           <a:lstStyle/>
           <a:p>
@@ -12204,7 +12250,7 @@
             </a:pPr>
             <a:r>
               <a:rPr lang="en-US" dirty="0"/>
-              <a:t>TypeScript is a superset of ES6, which means all ES6 features are part of TypeScript, but not all TypeScript features are part of ES6. Consequently, TypeScript must be transpiled into ES5 to run in most browsers.</a:t>
+              <a:t>TypeScript is a superset of ES6, which means all ES6 features are part of TypeScript, but not all TypeScript features are part of ES6. </a:t>
             </a:r>
           </a:p>
           <a:p>
@@ -12288,27 +12334,7 @@
                 <a:latin typeface="Courier New" panose="02070309020205020404" pitchFamily="49" charset="0"/>
                 <a:cs typeface="Courier New" panose="02070309020205020404" pitchFamily="49" charset="0"/>
               </a:rPr>
-              <a:t>function add (</a:t>
-            </a:r>
-            <a:r>
-              <a:rPr lang="en-US" dirty="0" err="1">
-                <a:solidFill>
-                  <a:schemeClr val="bg1"/>
-                </a:solidFill>
-                <a:latin typeface="Courier New" panose="02070309020205020404" pitchFamily="49" charset="0"/>
-                <a:cs typeface="Courier New" panose="02070309020205020404" pitchFamily="49" charset="0"/>
-              </a:rPr>
-              <a:t>a:number</a:t>
-            </a:r>
-            <a:r>
-              <a:rPr lang="en-US" dirty="0">
-                <a:solidFill>
-                  <a:schemeClr val="bg1"/>
-                </a:solidFill>
-                <a:latin typeface="Courier New" panose="02070309020205020404" pitchFamily="49" charset="0"/>
-                <a:cs typeface="Courier New" panose="02070309020205020404" pitchFamily="49" charset="0"/>
-              </a:rPr>
-              <a:t>, b:number){</a:t>
+              <a:t>function add (a:number, b:number){</a:t>
             </a:r>
           </a:p>
           <a:p>
@@ -13720,6 +13746,17 @@
             <a:r>
               <a:rPr lang="en-US" dirty="0"/>
               <a:t>Types</a:t>
+            </a:r>
+          </a:p>
+          <a:p>
+            <a:pPr lvl="1">
+              <a:lnSpc>
+                <a:spcPct val="150000"/>
+              </a:lnSpc>
+            </a:pPr>
+            <a:r>
+              <a:rPr lang="en-US" dirty="0"/>
+              <a:t>Spread and Rest Operators, Aliases</a:t>
             </a:r>
           </a:p>
           <a:p>
@@ -14008,33 +14045,15 @@
                                   </p:childTnLst>
                                 </p:cTn>
                               </p:par>
-                            </p:childTnLst>
-                          </p:cTn>
-                        </p:par>
-                      </p:childTnLst>
-                    </p:cTn>
-                  </p:par>
-                  <p:par>
-                    <p:cTn id="13" fill="hold">
-                      <p:stCondLst>
-                        <p:cond delay="indefinite"/>
-                      </p:stCondLst>
-                      <p:childTnLst>
-                        <p:par>
-                          <p:cTn id="14" fill="hold">
-                            <p:stCondLst>
-                              <p:cond delay="0"/>
-                            </p:stCondLst>
-                            <p:childTnLst>
                               <p:par>
-                                <p:cTn id="15" presetID="10" presetClass="entr" presetSubtype="0" fill="hold" grpId="0" nodeType="clickEffect">
+                                <p:cTn id="13" presetID="10" presetClass="entr" presetSubtype="0" fill="hold" grpId="0" nodeType="withEffect">
                                   <p:stCondLst>
                                     <p:cond delay="0"/>
                                   </p:stCondLst>
                                   <p:childTnLst>
                                     <p:set>
                                       <p:cBhvr>
-                                        <p:cTn id="16" dur="1" fill="hold">
+                                        <p:cTn id="14" dur="1" fill="hold">
                                           <p:stCondLst>
                                             <p:cond delay="0"/>
                                           </p:stCondLst>
@@ -14056,7 +14075,7 @@
                                     </p:set>
                                     <p:animEffect transition="in" filter="fade">
                                       <p:cBhvr>
-                                        <p:cTn id="17" dur="500"/>
+                                        <p:cTn id="15" dur="500"/>
                                         <p:tgtEl>
                                           <p:spTgt spid="3">
                                             <p:txEl>
@@ -14076,26 +14095,26 @@
                     </p:cTn>
                   </p:par>
                   <p:par>
-                    <p:cTn id="18" fill="hold">
+                    <p:cTn id="16" fill="hold">
                       <p:stCondLst>
                         <p:cond delay="indefinite"/>
                       </p:stCondLst>
                       <p:childTnLst>
                         <p:par>
-                          <p:cTn id="19" fill="hold">
+                          <p:cTn id="17" fill="hold">
                             <p:stCondLst>
                               <p:cond delay="0"/>
                             </p:stCondLst>
                             <p:childTnLst>
                               <p:par>
-                                <p:cTn id="20" presetID="10" presetClass="entr" presetSubtype="0" fill="hold" grpId="0" nodeType="clickEffect">
+                                <p:cTn id="18" presetID="10" presetClass="entr" presetSubtype="0" fill="hold" grpId="0" nodeType="clickEffect">
                                   <p:stCondLst>
                                     <p:cond delay="0"/>
                                   </p:stCondLst>
                                   <p:childTnLst>
                                     <p:set>
                                       <p:cBhvr>
-                                        <p:cTn id="21" dur="1" fill="hold">
+                                        <p:cTn id="19" dur="1" fill="hold">
                                           <p:stCondLst>
                                             <p:cond delay="0"/>
                                           </p:stCondLst>
@@ -14117,7 +14136,7 @@
                                     </p:set>
                                     <p:animEffect transition="in" filter="fade">
                                       <p:cBhvr>
-                                        <p:cTn id="22" dur="500"/>
+                                        <p:cTn id="20" dur="500"/>
                                         <p:tgtEl>
                                           <p:spTgt spid="3">
                                             <p:txEl>
@@ -14137,26 +14156,26 @@
                     </p:cTn>
                   </p:par>
                   <p:par>
-                    <p:cTn id="23" fill="hold">
+                    <p:cTn id="21" fill="hold">
                       <p:stCondLst>
                         <p:cond delay="indefinite"/>
                       </p:stCondLst>
                       <p:childTnLst>
                         <p:par>
-                          <p:cTn id="24" fill="hold">
+                          <p:cTn id="22" fill="hold">
                             <p:stCondLst>
                               <p:cond delay="0"/>
                             </p:stCondLst>
                             <p:childTnLst>
                               <p:par>
-                                <p:cTn id="25" presetID="10" presetClass="entr" presetSubtype="0" fill="hold" grpId="0" nodeType="clickEffect">
+                                <p:cTn id="23" presetID="10" presetClass="entr" presetSubtype="0" fill="hold" grpId="0" nodeType="clickEffect">
                                   <p:stCondLst>
                                     <p:cond delay="0"/>
                                   </p:stCondLst>
                                   <p:childTnLst>
                                     <p:set>
                                       <p:cBhvr>
-                                        <p:cTn id="26" dur="1" fill="hold">
+                                        <p:cTn id="24" dur="1" fill="hold">
                                           <p:stCondLst>
                                             <p:cond delay="0"/>
                                           </p:stCondLst>
@@ -14178,11 +14197,72 @@
                                     </p:set>
                                     <p:animEffect transition="in" filter="fade">
                                       <p:cBhvr>
-                                        <p:cTn id="27" dur="500"/>
+                                        <p:cTn id="25" dur="500"/>
                                         <p:tgtEl>
                                           <p:spTgt spid="3">
                                             <p:txEl>
                                               <p:pRg st="4" end="4"/>
+                                            </p:txEl>
+                                          </p:spTgt>
+                                        </p:tgtEl>
+                                      </p:cBhvr>
+                                    </p:animEffect>
+                                  </p:childTnLst>
+                                </p:cTn>
+                              </p:par>
+                            </p:childTnLst>
+                          </p:cTn>
+                        </p:par>
+                      </p:childTnLst>
+                    </p:cTn>
+                  </p:par>
+                  <p:par>
+                    <p:cTn id="26" fill="hold">
+                      <p:stCondLst>
+                        <p:cond delay="indefinite"/>
+                      </p:stCondLst>
+                      <p:childTnLst>
+                        <p:par>
+                          <p:cTn id="27" fill="hold">
+                            <p:stCondLst>
+                              <p:cond delay="0"/>
+                            </p:stCondLst>
+                            <p:childTnLst>
+                              <p:par>
+                                <p:cTn id="28" presetID="10" presetClass="entr" presetSubtype="0" fill="hold" grpId="0" nodeType="clickEffect">
+                                  <p:stCondLst>
+                                    <p:cond delay="0"/>
+                                  </p:stCondLst>
+                                  <p:childTnLst>
+                                    <p:set>
+                                      <p:cBhvr>
+                                        <p:cTn id="29" dur="1" fill="hold">
+                                          <p:stCondLst>
+                                            <p:cond delay="0"/>
+                                          </p:stCondLst>
+                                        </p:cTn>
+                                        <p:tgtEl>
+                                          <p:spTgt spid="3">
+                                            <p:txEl>
+                                              <p:pRg st="5" end="5"/>
+                                            </p:txEl>
+                                          </p:spTgt>
+                                        </p:tgtEl>
+                                        <p:attrNameLst>
+                                          <p:attrName>style.visibility</p:attrName>
+                                        </p:attrNameLst>
+                                      </p:cBhvr>
+                                      <p:to>
+                                        <p:strVal val="visible"/>
+                                      </p:to>
+                                    </p:set>
+                                    <p:animEffect transition="in" filter="fade">
+                                      <p:cBhvr>
+                                        <p:cTn id="30" dur="500"/>
+                                        <p:tgtEl>
+                                          <p:spTgt spid="3">
+                                            <p:txEl>
+                                              <p:pRg st="5" end="5"/>
                                             </p:txEl>
                                           </p:spTgt>
                                         </p:tgtEl>
@@ -14748,15 +14828,6 @@
 </file>
 
 <file path=customXml/item1.xml><?xml version="1.0" encoding="utf-8"?>
-<?mso-contentType ?>
-<FormTemplates xmlns="http://schemas.microsoft.com/sharepoint/v3/contenttype/forms">
-  <Display>DocumentLibraryForm</Display>
-  <Edit>DocumentLibraryForm</Edit>
-  <New>DocumentLibraryForm</New>
-</FormTemplates>
-</file>
-
-<file path=customXml/item2.xml><?xml version="1.0" encoding="utf-8"?>
 <ct:contentTypeSchema xmlns:ct="http://schemas.microsoft.com/office/2006/metadata/contentType" xmlns:ma="http://schemas.microsoft.com/office/2006/metadata/properties/metaAttributes" ct:_="" ma:_="" ma:contentTypeName="Document" ma:contentTypeID="0x010100348CA4AA68F5A649B6FC2B4481499820" ma:contentTypeVersion="0" ma:contentTypeDescription="Create a new document." ma:contentTypeScope="" ma:versionID="b9f06d6c5e6413d5718fbf4634c1f44f">
   <xsd:schema xmlns:xsd="http://www.w3.org/2001/XMLSchema" xmlns:xs="http://www.w3.org/2001/XMLSchema" xmlns:p="http://schemas.microsoft.com/office/2006/metadata/properties" targetNamespace="http://schemas.microsoft.com/office/2006/metadata/properties" ma:root="true" ma:fieldsID="c64490b4aec6201516c3a874156f37b2">
     <xsd:element name="properties">
@@ -14870,21 +14941,22 @@
 </ct:contentTypeSchema>
 </file>
 
-<file path=customXml/item3.xml><?xml version="1.0" encoding="utf-8"?>
+<file path=customXml/item2.xml><?xml version="1.0" encoding="utf-8"?>
 <p:properties xmlns:p="http://schemas.microsoft.com/office/2006/metadata/properties" xmlns:xsi="http://www.w3.org/2001/XMLSchema-instance" xmlns:pc="http://schemas.microsoft.com/office/infopath/2007/PartnerControls">
   <documentManagement/>
 </p:properties>
 </file>
 
-<file path=customXml/itemProps1.xml><?xml version="1.0" encoding="utf-8"?>
-<ds:datastoreItem xmlns:ds="http://schemas.openxmlformats.org/officeDocument/2006/customXml" ds:itemID="{BFFCC6EC-85D7-4DC5-82B2-48FBAA9091E4}">
-  <ds:schemaRefs>
-    <ds:schemaRef ds:uri="http://schemas.microsoft.com/sharepoint/v3/contenttype/forms"/>
-  </ds:schemaRefs>
-</ds:datastoreItem>
+<file path=customXml/item3.xml><?xml version="1.0" encoding="utf-8"?>
+<?mso-contentType ?>
+<FormTemplates xmlns="http://schemas.microsoft.com/sharepoint/v3/contenttype/forms">
+  <Display>DocumentLibraryForm</Display>
+  <Edit>DocumentLibraryForm</Edit>
+  <New>DocumentLibraryForm</New>
+</FormTemplates>
 </file>
 
-<file path=customXml/itemProps2.xml><?xml version="1.0" encoding="utf-8"?>
+<file path=customXml/itemProps1.xml><?xml version="1.0" encoding="utf-8"?>
 <ds:datastoreItem xmlns:ds="http://schemas.openxmlformats.org/officeDocument/2006/customXml" ds:itemID="{B7E06977-26C6-4BD3-9F37-44216CD18778}">
   <ds:schemaRefs>
     <ds:schemaRef ds:uri="http://schemas.microsoft.com/office/2006/metadata/contentType"/>
@@ -14900,7 +14972,7 @@
 </ds:datastoreItem>
 </file>
 
-<file path=customXml/itemProps3.xml><?xml version="1.0" encoding="utf-8"?>
+<file path=customXml/itemProps2.xml><?xml version="1.0" encoding="utf-8"?>
 <ds:datastoreItem xmlns:ds="http://schemas.openxmlformats.org/officeDocument/2006/customXml" ds:itemID="{8FDFBD88-7B16-476B-AF47-AB7BEBA326E3}">
   <ds:schemaRefs>
     <ds:schemaRef ds:uri="http://schemas.microsoft.com/office/infopath/2007/PartnerControls"/>
@@ -14913,4 +14985,12 @@
     <ds:schemaRef ds:uri="http://purl.org/dc/terms/"/>
   </ds:schemaRefs>
 </ds:datastoreItem>
+</file>
+
+<file path=customXml/itemProps3.xml><?xml version="1.0" encoding="utf-8"?>
+<ds:datastoreItem xmlns:ds="http://schemas.openxmlformats.org/officeDocument/2006/customXml" ds:itemID="{BFFCC6EC-85D7-4DC5-82B2-48FBAA9091E4}">
+  <ds:schemaRefs>
+    <ds:schemaRef ds:uri="http://schemas.microsoft.com/sharepoint/v3/contenttype/forms"/>
+  </ds:schemaRefs>
+</ds:datastoreItem>
 </file>
--- a/Angular 8 Day 2 Basic Concepts and Binding.pptx
+++ b/Angular 8 Day 2 Basic Concepts and Binding.pptx
@@ -5,7 +5,7 @@
     <p:sldMasterId id="2147483648" r:id="rId4"/>
   </p:sldMasterIdLst>
   <p:notesMasterIdLst>
-    <p:notesMasterId r:id="rId33"/>
+    <p:notesMasterId r:id="rId31"/>
   </p:notesMasterIdLst>
   <p:sldIdLst>
     <p:sldId id="257" r:id="rId5"/>
@@ -25,17 +25,15 @@
     <p:sldId id="268" r:id="rId19"/>
     <p:sldId id="293" r:id="rId20"/>
     <p:sldId id="297" r:id="rId21"/>
-    <p:sldId id="299" r:id="rId22"/>
-    <p:sldId id="298" r:id="rId23"/>
-    <p:sldId id="273" r:id="rId24"/>
-    <p:sldId id="274" r:id="rId25"/>
-    <p:sldId id="275" r:id="rId26"/>
-    <p:sldId id="276" r:id="rId27"/>
-    <p:sldId id="278" r:id="rId28"/>
-    <p:sldId id="290" r:id="rId29"/>
-    <p:sldId id="287" r:id="rId30"/>
-    <p:sldId id="288" r:id="rId31"/>
-    <p:sldId id="289" r:id="rId32"/>
+    <p:sldId id="273" r:id="rId22"/>
+    <p:sldId id="274" r:id="rId23"/>
+    <p:sldId id="275" r:id="rId24"/>
+    <p:sldId id="276" r:id="rId25"/>
+    <p:sldId id="278" r:id="rId26"/>
+    <p:sldId id="290" r:id="rId27"/>
+    <p:sldId id="287" r:id="rId28"/>
+    <p:sldId id="288" r:id="rId29"/>
+    <p:sldId id="289" r:id="rId30"/>
   </p:sldIdLst>
   <p:sldSz cx="12192000" cy="6858000"/>
   <p:notesSz cx="6858000" cy="9144000"/>
@@ -224,7 +222,7 @@
           <a:p>
             <a:fld id="{55593F35-F13A-4F57-BBC6-7C953344B8D8}" type="datetimeFigureOut">
               <a:rPr lang="en-US" smtClean="0"/>
-              <a:t>11/12/19</a:t>
+              <a:t>11/13/19</a:t>
             </a:fld>
             <a:endParaRPr lang="en-US"/>
           </a:p>
@@ -646,7 +644,7 @@
             <a:fld id="{6A8B6E77-EC63-4CD7-8F8A-914122582C5F}" type="slidenum">
               <a:rPr lang="en-US" smtClean="0"/>
               <a:pPr/>
-              <a:t>22</a:t>
+              <a:t>20</a:t>
             </a:fld>
             <a:endParaRPr lang="en-US" dirty="0"/>
           </a:p>
@@ -756,7 +754,7 @@
             <a:fld id="{6A8B6E77-EC63-4CD7-8F8A-914122582C5F}" type="slidenum">
               <a:rPr lang="en-US" smtClean="0"/>
               <a:pPr/>
-              <a:t>24</a:t>
+              <a:t>22</a:t>
             </a:fld>
             <a:endParaRPr lang="en-US" dirty="0"/>
           </a:p>
@@ -866,7 +864,7 @@
             <a:fld id="{6A8B6E77-EC63-4CD7-8F8A-914122582C5F}" type="slidenum">
               <a:rPr lang="en-US" smtClean="0"/>
               <a:pPr/>
-              <a:t>25</a:t>
+              <a:t>23</a:t>
             </a:fld>
             <a:endParaRPr lang="en-US" dirty="0"/>
           </a:p>
@@ -6742,7 +6740,7 @@
           <a:p>
             <a:r>
               <a:rPr lang="en-US" dirty="0"/>
-              <a:t>Decorators are auxiliary components that can be hosted by Classes, Methods, Properties or Parameters</a:t>
+              <a:t>Decorators are auxiliary components that can be hosted by Classes, Methods, Properties, Parameters, or Accessors</a:t>
             </a:r>
           </a:p>
           <a:p>
@@ -7695,1217 +7693,6 @@
       </p:grpSpPr>
       <p:sp>
         <p:nvSpPr>
-          <p:cNvPr id="2" name="Title 1"/>
-          <p:cNvSpPr>
-            <a:spLocks noGrp="1"/>
-          </p:cNvSpPr>
-          <p:nvPr>
-            <p:ph type="title"/>
-          </p:nvPr>
-        </p:nvSpPr>
-        <p:spPr>
-          <a:xfrm>
-            <a:off x="4660804" y="-106544"/>
-            <a:ext cx="2756094" cy="745629"/>
-          </a:xfrm>
-        </p:spPr>
-        <p:txBody>
-          <a:bodyPr>
-            <a:normAutofit/>
-          </a:bodyPr>
-          <a:lstStyle/>
-          <a:p>
-            <a:r>
-              <a:rPr lang="en-US" b="1" dirty="0">
-                <a:solidFill>
-                  <a:schemeClr val="bg1"/>
-                </a:solidFill>
-              </a:rPr>
-              <a:t>Decorators</a:t>
-            </a:r>
-          </a:p>
-        </p:txBody>
-      </p:sp>
-      <p:sp>
-        <p:nvSpPr>
-          <p:cNvPr id="5" name="Content Placeholder 4"/>
-          <p:cNvSpPr>
-            <a:spLocks noGrp="1"/>
-          </p:cNvSpPr>
-          <p:nvPr>
-            <p:ph idx="1"/>
-          </p:nvPr>
-        </p:nvSpPr>
-        <p:spPr>
-          <a:xfrm>
-            <a:off x="2952751" y="639085"/>
-            <a:ext cx="6172200" cy="3737372"/>
-          </a:xfrm>
-        </p:spPr>
-        <p:txBody>
-          <a:bodyPr>
-            <a:noAutofit/>
-          </a:bodyPr>
-          <a:lstStyle/>
-          <a:p>
-            <a:pPr marL="0" indent="0" algn="ctr">
-              <a:buNone/>
-            </a:pPr>
-            <a:r>
-              <a:rPr lang="en-US" dirty="0"/>
-              <a:t>Property Decorator</a:t>
-            </a:r>
-          </a:p>
-          <a:p>
-            <a:pPr lvl="1">
-              <a:buFontTx/>
-              <a:buChar char="-"/>
-            </a:pPr>
-            <a:endParaRPr lang="en-US" sz="1200" dirty="0"/>
-          </a:p>
-          <a:p>
-            <a:pPr lvl="1">
-              <a:buFontTx/>
-              <a:buChar char="-"/>
-            </a:pPr>
-            <a:endParaRPr lang="en-US" sz="1200" dirty="0"/>
-          </a:p>
-          <a:p>
-            <a:pPr lvl="1">
-              <a:buFontTx/>
-              <a:buChar char="-"/>
-            </a:pPr>
-            <a:endParaRPr lang="en-US" sz="1200" dirty="0"/>
-          </a:p>
-          <a:p>
-            <a:pPr lvl="1">
-              <a:buFontTx/>
-              <a:buChar char="-"/>
-            </a:pPr>
-            <a:endParaRPr lang="en-US" sz="1200" dirty="0"/>
-          </a:p>
-          <a:p>
-            <a:pPr lvl="1">
-              <a:buFontTx/>
-              <a:buChar char="-"/>
-            </a:pPr>
-            <a:endParaRPr lang="en-US" sz="1200" dirty="0"/>
-          </a:p>
-          <a:p>
-            <a:pPr lvl="1">
-              <a:buFontTx/>
-              <a:buChar char="-"/>
-            </a:pPr>
-            <a:endParaRPr lang="en-US" sz="1200" dirty="0"/>
-          </a:p>
-          <a:p>
-            <a:pPr lvl="1">
-              <a:buFontTx/>
-              <a:buChar char="-"/>
-            </a:pPr>
-            <a:endParaRPr lang="en-US" sz="1200" dirty="0"/>
-          </a:p>
-          <a:p>
-            <a:pPr lvl="1">
-              <a:buFontTx/>
-              <a:buChar char="-"/>
-            </a:pPr>
-            <a:endParaRPr lang="en-US" sz="1200" dirty="0"/>
-          </a:p>
-          <a:p>
-            <a:pPr lvl="1">
-              <a:buFontTx/>
-              <a:buChar char="-"/>
-            </a:pPr>
-            <a:endParaRPr lang="en-US" sz="1200" dirty="0"/>
-          </a:p>
-        </p:txBody>
-      </p:sp>
-      <p:sp>
-        <p:nvSpPr>
-          <p:cNvPr id="8" name="Footer Placeholder 1"/>
-          <p:cNvSpPr>
-            <a:spLocks noGrp="1"/>
-          </p:cNvSpPr>
-          <p:nvPr>
-            <p:ph type="ftr" sz="quarter" idx="11"/>
-          </p:nvPr>
-        </p:nvSpPr>
-        <p:spPr>
-          <a:xfrm>
-            <a:off x="0" y="6486875"/>
-            <a:ext cx="1367711" cy="199442"/>
-          </a:xfrm>
-        </p:spPr>
-        <p:txBody>
-          <a:bodyPr/>
-          <a:lstStyle/>
-          <a:p>
-            <a:r>
-              <a:rPr lang="en-US"/>
-              <a:t>© Cognizant 2019</a:t>
-            </a:r>
-            <a:endParaRPr lang="en-US" dirty="0"/>
-          </a:p>
-        </p:txBody>
-      </p:sp>
-      <p:sp>
-        <p:nvSpPr>
-          <p:cNvPr id="3" name="Slide Number Placeholder 2">
-            <a:extLst>
-              <a:ext uri="{FF2B5EF4-FFF2-40B4-BE49-F238E27FC236}">
-                <a16:creationId xmlns:a16="http://schemas.microsoft.com/office/drawing/2014/main" id="{18FA90E1-9751-4AAF-AF7F-A0EE18AE0C64}"/>
-              </a:ext>
-            </a:extLst>
-          </p:cNvPr>
-          <p:cNvSpPr>
-            <a:spLocks noGrp="1"/>
-          </p:cNvSpPr>
-          <p:nvPr>
-            <p:ph type="sldNum" sz="quarter" idx="12"/>
-          </p:nvPr>
-        </p:nvSpPr>
-        <p:spPr/>
-        <p:txBody>
-          <a:bodyPr/>
-          <a:lstStyle/>
-          <a:p>
-            <a:fld id="{8430ED8F-F4BA-4C5B-9498-F896284E1CAD}" type="slidenum">
-              <a:rPr lang="en-US" smtClean="0"/>
-              <a:t>18</a:t>
-            </a:fld>
-            <a:endParaRPr lang="en-US"/>
-          </a:p>
-        </p:txBody>
-      </p:sp>
-      <p:sp>
-        <p:nvSpPr>
-          <p:cNvPr id="4" name="TextBox 3">
-            <a:extLst>
-              <a:ext uri="{FF2B5EF4-FFF2-40B4-BE49-F238E27FC236}">
-                <a16:creationId xmlns:a16="http://schemas.microsoft.com/office/drawing/2014/main" id="{1BBB459F-43D2-C640-865F-66D93245DCF5}"/>
-              </a:ext>
-            </a:extLst>
-          </p:cNvPr>
-          <p:cNvSpPr txBox="1"/>
-          <p:nvPr/>
-        </p:nvSpPr>
-        <p:spPr>
-          <a:xfrm>
-            <a:off x="231228" y="1481959"/>
-            <a:ext cx="3384331" cy="2862322"/>
-          </a:xfrm>
-          <a:prstGeom prst="rect">
-            <a:avLst/>
-          </a:prstGeom>
-          <a:noFill/>
-        </p:spPr>
-        <p:txBody>
-          <a:bodyPr wrap="square" rtlCol="0">
-            <a:spAutoFit/>
-          </a:bodyPr>
-          <a:lstStyle/>
-          <a:p>
-            <a:r>
-              <a:rPr lang="en-US" dirty="0"/>
-              <a:t>The property decorator function is called with the following arguments:</a:t>
-            </a:r>
-          </a:p>
-          <a:p>
-            <a:pPr marL="285750" indent="-285750">
-              <a:buFont typeface="Arial" panose="020B0604020202020204" pitchFamily="34" charset="0"/>
-              <a:buChar char="•"/>
-            </a:pPr>
-            <a:r>
-              <a:rPr lang="en-US" dirty="0"/>
-              <a:t>Either the constructor function of the class for a static member, or the prototype of the class for an instance member.</a:t>
-            </a:r>
-          </a:p>
-          <a:p>
-            <a:pPr marL="285750" indent="-285750">
-              <a:buFont typeface="Arial" panose="020B0604020202020204" pitchFamily="34" charset="0"/>
-              <a:buChar char="•"/>
-            </a:pPr>
-            <a:r>
-              <a:rPr lang="en-US" dirty="0"/>
-              <a:t>The name of the member </a:t>
-            </a:r>
-            <a:r>
-              <a:rPr lang="en-US"/>
-              <a:t>(property).</a:t>
-            </a:r>
-            <a:endParaRPr lang="en-US" dirty="0"/>
-          </a:p>
-        </p:txBody>
-      </p:sp>
-      <p:pic>
-        <p:nvPicPr>
-          <p:cNvPr id="7" name="Picture 6">
-            <a:extLst>
-              <a:ext uri="{FF2B5EF4-FFF2-40B4-BE49-F238E27FC236}">
-                <a16:creationId xmlns:a16="http://schemas.microsoft.com/office/drawing/2014/main" id="{002CC8D1-C902-0C41-BC51-BA0A01ABA51E}"/>
-              </a:ext>
-            </a:extLst>
-          </p:cNvPr>
-          <p:cNvPicPr>
-            <a:picLocks noChangeAspect="1"/>
-          </p:cNvPicPr>
-          <p:nvPr/>
-        </p:nvPicPr>
-        <p:blipFill>
-          <a:blip r:embed="rId2"/>
-          <a:stretch>
-            <a:fillRect/>
-          </a:stretch>
-        </p:blipFill>
-        <p:spPr>
-          <a:xfrm>
-            <a:off x="4245073" y="1158209"/>
-            <a:ext cx="6343650" cy="5328666"/>
-          </a:xfrm>
-          <a:prstGeom prst="rect">
-            <a:avLst/>
-          </a:prstGeom>
-        </p:spPr>
-      </p:pic>
-    </p:spTree>
-    <p:extLst>
-      <p:ext uri="{BB962C8B-B14F-4D97-AF65-F5344CB8AC3E}">
-        <p14:creationId xmlns:p14="http://schemas.microsoft.com/office/powerpoint/2010/main" val="3919974064"/>
-      </p:ext>
-    </p:extLst>
-  </p:cSld>
-  <p:clrMapOvr>
-    <a:masterClrMapping/>
-  </p:clrMapOvr>
-  <p:timing>
-    <p:tnLst>
-      <p:par>
-        <p:cTn id="1" dur="indefinite" restart="never" nodeType="tmRoot">
-          <p:childTnLst>
-            <p:seq concurrent="1" nextAc="seek">
-              <p:cTn id="2" dur="indefinite" nodeType="mainSeq">
-                <p:childTnLst>
-                  <p:par>
-                    <p:cTn id="3" fill="hold">
-                      <p:stCondLst>
-                        <p:cond delay="indefinite"/>
-                      </p:stCondLst>
-                      <p:childTnLst>
-                        <p:par>
-                          <p:cTn id="4" fill="hold">
-                            <p:stCondLst>
-                              <p:cond delay="0"/>
-                            </p:stCondLst>
-                            <p:childTnLst>
-                              <p:par>
-                                <p:cTn id="5" presetID="1" presetClass="entr" presetSubtype="0" fill="hold" grpId="0" nodeType="clickEffect">
-                                  <p:stCondLst>
-                                    <p:cond delay="0"/>
-                                  </p:stCondLst>
-                                  <p:childTnLst>
-                                    <p:set>
-                                      <p:cBhvr>
-                                        <p:cTn id="6" dur="1" fill="hold">
-                                          <p:stCondLst>
-                                            <p:cond delay="0"/>
-                                          </p:stCondLst>
-                                        </p:cTn>
-                                        <p:tgtEl>
-                                          <p:spTgt spid="4">
-                                            <p:txEl>
-                                              <p:pRg st="0" end="0"/>
-                                            </p:txEl>
-                                          </p:spTgt>
-                                        </p:tgtEl>
-                                        <p:attrNameLst>
-                                          <p:attrName>style.visibility</p:attrName>
-                                        </p:attrNameLst>
-                                      </p:cBhvr>
-                                      <p:to>
-                                        <p:strVal val="visible"/>
-                                      </p:to>
-                                    </p:set>
-                                  </p:childTnLst>
-                                </p:cTn>
-                              </p:par>
-                            </p:childTnLst>
-                          </p:cTn>
-                        </p:par>
-                      </p:childTnLst>
-                    </p:cTn>
-                  </p:par>
-                  <p:par>
-                    <p:cTn id="7" fill="hold">
-                      <p:stCondLst>
-                        <p:cond delay="indefinite"/>
-                      </p:stCondLst>
-                      <p:childTnLst>
-                        <p:par>
-                          <p:cTn id="8" fill="hold">
-                            <p:stCondLst>
-                              <p:cond delay="0"/>
-                            </p:stCondLst>
-                            <p:childTnLst>
-                              <p:par>
-                                <p:cTn id="9" presetID="1" presetClass="entr" presetSubtype="0" fill="hold" grpId="0" nodeType="clickEffect">
-                                  <p:stCondLst>
-                                    <p:cond delay="0"/>
-                                  </p:stCondLst>
-                                  <p:childTnLst>
-                                    <p:set>
-                                      <p:cBhvr>
-                                        <p:cTn id="10" dur="1" fill="hold">
-                                          <p:stCondLst>
-                                            <p:cond delay="0"/>
-                                          </p:stCondLst>
-                                        </p:cTn>
-                                        <p:tgtEl>
-                                          <p:spTgt spid="4">
-                                            <p:txEl>
-                                              <p:pRg st="1" end="1"/>
-                                            </p:txEl>
-                                          </p:spTgt>
-                                        </p:tgtEl>
-                                        <p:attrNameLst>
-                                          <p:attrName>style.visibility</p:attrName>
-                                        </p:attrNameLst>
-                                      </p:cBhvr>
-                                      <p:to>
-                                        <p:strVal val="visible"/>
-                                      </p:to>
-                                    </p:set>
-                                  </p:childTnLst>
-                                </p:cTn>
-                              </p:par>
-                            </p:childTnLst>
-                          </p:cTn>
-                        </p:par>
-                      </p:childTnLst>
-                    </p:cTn>
-                  </p:par>
-                  <p:par>
-                    <p:cTn id="11" fill="hold">
-                      <p:stCondLst>
-                        <p:cond delay="indefinite"/>
-                      </p:stCondLst>
-                      <p:childTnLst>
-                        <p:par>
-                          <p:cTn id="12" fill="hold">
-                            <p:stCondLst>
-                              <p:cond delay="0"/>
-                            </p:stCondLst>
-                            <p:childTnLst>
-                              <p:par>
-                                <p:cTn id="13" presetID="1" presetClass="entr" presetSubtype="0" fill="hold" grpId="0" nodeType="clickEffect">
-                                  <p:stCondLst>
-                                    <p:cond delay="0"/>
-                                  </p:stCondLst>
-                                  <p:childTnLst>
-                                    <p:set>
-                                      <p:cBhvr>
-                                        <p:cTn id="14" dur="1" fill="hold">
-                                          <p:stCondLst>
-                                            <p:cond delay="0"/>
-                                          </p:stCondLst>
-                                        </p:cTn>
-                                        <p:tgtEl>
-                                          <p:spTgt spid="4">
-                                            <p:txEl>
-                                              <p:pRg st="2" end="2"/>
-                                            </p:txEl>
-                                          </p:spTgt>
-                                        </p:tgtEl>
-                                        <p:attrNameLst>
-                                          <p:attrName>style.visibility</p:attrName>
-                                        </p:attrNameLst>
-                                      </p:cBhvr>
-                                      <p:to>
-                                        <p:strVal val="visible"/>
-                                      </p:to>
-                                    </p:set>
-                                  </p:childTnLst>
-                                </p:cTn>
-                              </p:par>
-                            </p:childTnLst>
-                          </p:cTn>
-                        </p:par>
-                      </p:childTnLst>
-                    </p:cTn>
-                  </p:par>
-                </p:childTnLst>
-              </p:cTn>
-              <p:prevCondLst>
-                <p:cond evt="onPrev" delay="0">
-                  <p:tgtEl>
-                    <p:sldTgt/>
-                  </p:tgtEl>
-                </p:cond>
-              </p:prevCondLst>
-              <p:nextCondLst>
-                <p:cond evt="onNext" delay="0">
-                  <p:tgtEl>
-                    <p:sldTgt/>
-                  </p:tgtEl>
-                </p:cond>
-              </p:nextCondLst>
-            </p:seq>
-          </p:childTnLst>
-        </p:cTn>
-      </p:par>
-    </p:tnLst>
-    <p:bldLst>
-      <p:bldP spid="4" grpId="0" build="p"/>
-    </p:bldLst>
-  </p:timing>
-</p:sld>
-</file>
-
-<file path=ppt/slides/slide19.xml><?xml version="1.0" encoding="utf-8"?>
-<p:sld xmlns:a="http://schemas.openxmlformats.org/drawingml/2006/main" xmlns:r="http://schemas.openxmlformats.org/officeDocument/2006/relationships" xmlns:p="http://schemas.openxmlformats.org/presentationml/2006/main">
-  <p:cSld>
-    <p:spTree>
-      <p:nvGrpSpPr>
-        <p:cNvPr id="1" name=""/>
-        <p:cNvGrpSpPr/>
-        <p:nvPr/>
-      </p:nvGrpSpPr>
-      <p:grpSpPr>
-        <a:xfrm>
-          <a:off x="0" y="0"/>
-          <a:ext cx="0" cy="0"/>
-          <a:chOff x="0" y="0"/>
-          <a:chExt cx="0" cy="0"/>
-        </a:xfrm>
-      </p:grpSpPr>
-      <p:sp>
-        <p:nvSpPr>
-          <p:cNvPr id="2" name="Title 1"/>
-          <p:cNvSpPr>
-            <a:spLocks noGrp="1"/>
-          </p:cNvSpPr>
-          <p:nvPr>
-            <p:ph type="title"/>
-          </p:nvPr>
-        </p:nvSpPr>
-        <p:spPr>
-          <a:xfrm>
-            <a:off x="4660804" y="-106544"/>
-            <a:ext cx="2756094" cy="745629"/>
-          </a:xfrm>
-        </p:spPr>
-        <p:txBody>
-          <a:bodyPr>
-            <a:normAutofit/>
-          </a:bodyPr>
-          <a:lstStyle/>
-          <a:p>
-            <a:r>
-              <a:rPr lang="en-US" b="1" dirty="0">
-                <a:solidFill>
-                  <a:schemeClr val="bg1"/>
-                </a:solidFill>
-              </a:rPr>
-              <a:t>Decorators</a:t>
-            </a:r>
-          </a:p>
-        </p:txBody>
-      </p:sp>
-      <p:sp>
-        <p:nvSpPr>
-          <p:cNvPr id="5" name="Content Placeholder 4"/>
-          <p:cNvSpPr>
-            <a:spLocks noGrp="1"/>
-          </p:cNvSpPr>
-          <p:nvPr>
-            <p:ph idx="1"/>
-          </p:nvPr>
-        </p:nvSpPr>
-        <p:spPr>
-          <a:xfrm>
-            <a:off x="2952751" y="639085"/>
-            <a:ext cx="6172200" cy="3737372"/>
-          </a:xfrm>
-        </p:spPr>
-        <p:txBody>
-          <a:bodyPr>
-            <a:noAutofit/>
-          </a:bodyPr>
-          <a:lstStyle/>
-          <a:p>
-            <a:pPr marL="0" indent="0" algn="ctr">
-              <a:buNone/>
-            </a:pPr>
-            <a:r>
-              <a:rPr lang="en-US" dirty="0"/>
-              <a:t>Parameter Decorator</a:t>
-            </a:r>
-          </a:p>
-          <a:p>
-            <a:pPr lvl="1">
-              <a:buFontTx/>
-              <a:buChar char="-"/>
-            </a:pPr>
-            <a:endParaRPr lang="en-US" sz="1200" dirty="0"/>
-          </a:p>
-          <a:p>
-            <a:pPr lvl="1">
-              <a:buFontTx/>
-              <a:buChar char="-"/>
-            </a:pPr>
-            <a:endParaRPr lang="en-US" sz="1200" dirty="0"/>
-          </a:p>
-          <a:p>
-            <a:pPr lvl="1">
-              <a:buFontTx/>
-              <a:buChar char="-"/>
-            </a:pPr>
-            <a:endParaRPr lang="en-US" sz="1200" dirty="0"/>
-          </a:p>
-          <a:p>
-            <a:pPr lvl="1">
-              <a:buFontTx/>
-              <a:buChar char="-"/>
-            </a:pPr>
-            <a:endParaRPr lang="en-US" sz="1200" dirty="0"/>
-          </a:p>
-          <a:p>
-            <a:pPr lvl="1">
-              <a:buFontTx/>
-              <a:buChar char="-"/>
-            </a:pPr>
-            <a:endParaRPr lang="en-US" sz="1200" dirty="0"/>
-          </a:p>
-          <a:p>
-            <a:pPr lvl="1">
-              <a:buFontTx/>
-              <a:buChar char="-"/>
-            </a:pPr>
-            <a:endParaRPr lang="en-US" sz="1200" dirty="0"/>
-          </a:p>
-          <a:p>
-            <a:pPr lvl="1">
-              <a:buFontTx/>
-              <a:buChar char="-"/>
-            </a:pPr>
-            <a:endParaRPr lang="en-US" sz="1200" dirty="0"/>
-          </a:p>
-          <a:p>
-            <a:pPr lvl="1">
-              <a:buFontTx/>
-              <a:buChar char="-"/>
-            </a:pPr>
-            <a:endParaRPr lang="en-US" sz="1200" dirty="0"/>
-          </a:p>
-          <a:p>
-            <a:pPr lvl="1">
-              <a:buFontTx/>
-              <a:buChar char="-"/>
-            </a:pPr>
-            <a:endParaRPr lang="en-US" sz="1200" dirty="0"/>
-          </a:p>
-        </p:txBody>
-      </p:sp>
-      <p:sp>
-        <p:nvSpPr>
-          <p:cNvPr id="8" name="Footer Placeholder 1"/>
-          <p:cNvSpPr>
-            <a:spLocks noGrp="1"/>
-          </p:cNvSpPr>
-          <p:nvPr>
-            <p:ph type="ftr" sz="quarter" idx="11"/>
-          </p:nvPr>
-        </p:nvSpPr>
-        <p:spPr>
-          <a:xfrm>
-            <a:off x="0" y="6486875"/>
-            <a:ext cx="1367711" cy="199442"/>
-          </a:xfrm>
-        </p:spPr>
-        <p:txBody>
-          <a:bodyPr/>
-          <a:lstStyle/>
-          <a:p>
-            <a:r>
-              <a:rPr lang="en-US"/>
-              <a:t>© Cognizant 2019</a:t>
-            </a:r>
-            <a:endParaRPr lang="en-US" dirty="0"/>
-          </a:p>
-        </p:txBody>
-      </p:sp>
-      <p:sp>
-        <p:nvSpPr>
-          <p:cNvPr id="3" name="Slide Number Placeholder 2">
-            <a:extLst>
-              <a:ext uri="{FF2B5EF4-FFF2-40B4-BE49-F238E27FC236}">
-                <a16:creationId xmlns:a16="http://schemas.microsoft.com/office/drawing/2014/main" id="{18FA90E1-9751-4AAF-AF7F-A0EE18AE0C64}"/>
-              </a:ext>
-            </a:extLst>
-          </p:cNvPr>
-          <p:cNvSpPr>
-            <a:spLocks noGrp="1"/>
-          </p:cNvSpPr>
-          <p:nvPr>
-            <p:ph type="sldNum" sz="quarter" idx="12"/>
-          </p:nvPr>
-        </p:nvSpPr>
-        <p:spPr/>
-        <p:txBody>
-          <a:bodyPr/>
-          <a:lstStyle/>
-          <a:p>
-            <a:fld id="{8430ED8F-F4BA-4C5B-9498-F896284E1CAD}" type="slidenum">
-              <a:rPr lang="en-US" smtClean="0"/>
-              <a:t>19</a:t>
-            </a:fld>
-            <a:endParaRPr lang="en-US"/>
-          </a:p>
-        </p:txBody>
-      </p:sp>
-      <p:sp>
-        <p:nvSpPr>
-          <p:cNvPr id="4" name="TextBox 3">
-            <a:extLst>
-              <a:ext uri="{FF2B5EF4-FFF2-40B4-BE49-F238E27FC236}">
-                <a16:creationId xmlns:a16="http://schemas.microsoft.com/office/drawing/2014/main" id="{1BBB459F-43D2-C640-865F-66D93245DCF5}"/>
-              </a:ext>
-            </a:extLst>
-          </p:cNvPr>
-          <p:cNvSpPr txBox="1"/>
-          <p:nvPr/>
-        </p:nvSpPr>
-        <p:spPr>
-          <a:xfrm>
-            <a:off x="231228" y="1481959"/>
-            <a:ext cx="3384331" cy="3970318"/>
-          </a:xfrm>
-          <a:prstGeom prst="rect">
-            <a:avLst/>
-          </a:prstGeom>
-          <a:noFill/>
-        </p:spPr>
-        <p:txBody>
-          <a:bodyPr wrap="square" rtlCol="0">
-            <a:spAutoFit/>
-          </a:bodyPr>
-          <a:lstStyle/>
-          <a:p>
-            <a:r>
-              <a:rPr lang="en-US" dirty="0"/>
-              <a:t>The parameter decorator function is called with the following arguments:</a:t>
-            </a:r>
-          </a:p>
-          <a:p>
-            <a:pPr marL="285750" indent="-285750">
-              <a:buFont typeface="Arial" panose="020B0604020202020204" pitchFamily="34" charset="0"/>
-              <a:buChar char="•"/>
-            </a:pPr>
-            <a:r>
-              <a:rPr lang="en-US" dirty="0"/>
-              <a:t>Either the constructor function of the class for a static member, or the prototype of the class for an instance member.</a:t>
-            </a:r>
-          </a:p>
-          <a:p>
-            <a:pPr marL="285750" indent="-285750">
-              <a:buFont typeface="Arial" panose="020B0604020202020204" pitchFamily="34" charset="0"/>
-              <a:buChar char="•"/>
-            </a:pPr>
-            <a:r>
-              <a:rPr lang="en-US" dirty="0"/>
-              <a:t>The name of the member (method).</a:t>
-            </a:r>
-          </a:p>
-          <a:p>
-            <a:pPr marL="285750" indent="-285750">
-              <a:buFont typeface="Arial" panose="020B0604020202020204" pitchFamily="34" charset="0"/>
-              <a:buChar char="•"/>
-            </a:pPr>
-            <a:r>
-              <a:rPr lang="en-US" dirty="0"/>
-              <a:t>The ordinal index of the parameter in the function's parameter list.</a:t>
-            </a:r>
-          </a:p>
-          <a:p>
-            <a:endParaRPr lang="en-US" dirty="0"/>
-          </a:p>
-        </p:txBody>
-      </p:sp>
-      <p:pic>
-        <p:nvPicPr>
-          <p:cNvPr id="7" name="Picture 6">
-            <a:extLst>
-              <a:ext uri="{FF2B5EF4-FFF2-40B4-BE49-F238E27FC236}">
-                <a16:creationId xmlns:a16="http://schemas.microsoft.com/office/drawing/2014/main" id="{0BA8992C-D9C0-4B4D-B57A-02872A28C5A8}"/>
-              </a:ext>
-            </a:extLst>
-          </p:cNvPr>
-          <p:cNvPicPr>
-            <a:picLocks noChangeAspect="1"/>
-          </p:cNvPicPr>
-          <p:nvPr/>
-        </p:nvPicPr>
-        <p:blipFill>
-          <a:blip r:embed="rId2"/>
-          <a:stretch>
-            <a:fillRect/>
-          </a:stretch>
-        </p:blipFill>
-        <p:spPr>
-          <a:xfrm>
-            <a:off x="3839382" y="1381012"/>
-            <a:ext cx="7918834" cy="4071265"/>
-          </a:xfrm>
-          <a:prstGeom prst="rect">
-            <a:avLst/>
-          </a:prstGeom>
-        </p:spPr>
-      </p:pic>
-    </p:spTree>
-    <p:extLst>
-      <p:ext uri="{BB962C8B-B14F-4D97-AF65-F5344CB8AC3E}">
-        <p14:creationId xmlns:p14="http://schemas.microsoft.com/office/powerpoint/2010/main" val="419778363"/>
-      </p:ext>
-    </p:extLst>
-  </p:cSld>
-  <p:clrMapOvr>
-    <a:masterClrMapping/>
-  </p:clrMapOvr>
-  <p:timing>
-    <p:tnLst>
-      <p:par>
-        <p:cTn id="1" dur="indefinite" restart="never" nodeType="tmRoot">
-          <p:childTnLst>
-            <p:seq concurrent="1" nextAc="seek">
-              <p:cTn id="2" dur="indefinite" nodeType="mainSeq">
-                <p:childTnLst>
-                  <p:par>
-                    <p:cTn id="3" fill="hold">
-                      <p:stCondLst>
-                        <p:cond delay="indefinite"/>
-                      </p:stCondLst>
-                      <p:childTnLst>
-                        <p:par>
-                          <p:cTn id="4" fill="hold">
-                            <p:stCondLst>
-                              <p:cond delay="0"/>
-                            </p:stCondLst>
-                            <p:childTnLst>
-                              <p:par>
-                                <p:cTn id="5" presetID="1" presetClass="entr" presetSubtype="0" fill="hold" grpId="0" nodeType="clickEffect">
-                                  <p:stCondLst>
-                                    <p:cond delay="0"/>
-                                  </p:stCondLst>
-                                  <p:childTnLst>
-                                    <p:set>
-                                      <p:cBhvr>
-                                        <p:cTn id="6" dur="1" fill="hold">
-                                          <p:stCondLst>
-                                            <p:cond delay="0"/>
-                                          </p:stCondLst>
-                                        </p:cTn>
-                                        <p:tgtEl>
-                                          <p:spTgt spid="4">
-                                            <p:txEl>
-                                              <p:pRg st="0" end="0"/>
-                                            </p:txEl>
-                                          </p:spTgt>
-                                        </p:tgtEl>
-                                        <p:attrNameLst>
-                                          <p:attrName>style.visibility</p:attrName>
-                                        </p:attrNameLst>
-                                      </p:cBhvr>
-                                      <p:to>
-                                        <p:strVal val="visible"/>
-                                      </p:to>
-                                    </p:set>
-                                  </p:childTnLst>
-                                </p:cTn>
-                              </p:par>
-                            </p:childTnLst>
-                          </p:cTn>
-                        </p:par>
-                      </p:childTnLst>
-                    </p:cTn>
-                  </p:par>
-                  <p:par>
-                    <p:cTn id="7" fill="hold">
-                      <p:stCondLst>
-                        <p:cond delay="indefinite"/>
-                      </p:stCondLst>
-                      <p:childTnLst>
-                        <p:par>
-                          <p:cTn id="8" fill="hold">
-                            <p:stCondLst>
-                              <p:cond delay="0"/>
-                            </p:stCondLst>
-                            <p:childTnLst>
-                              <p:par>
-                                <p:cTn id="9" presetID="1" presetClass="entr" presetSubtype="0" fill="hold" grpId="0" nodeType="clickEffect">
-                                  <p:stCondLst>
-                                    <p:cond delay="0"/>
-                                  </p:stCondLst>
-                                  <p:childTnLst>
-                                    <p:set>
-                                      <p:cBhvr>
-                                        <p:cTn id="10" dur="1" fill="hold">
-                                          <p:stCondLst>
-                                            <p:cond delay="0"/>
-                                          </p:stCondLst>
-                                        </p:cTn>
-                                        <p:tgtEl>
-                                          <p:spTgt spid="4">
-                                            <p:txEl>
-                                              <p:pRg st="1" end="1"/>
-                                            </p:txEl>
-                                          </p:spTgt>
-                                        </p:tgtEl>
-                                        <p:attrNameLst>
-                                          <p:attrName>style.visibility</p:attrName>
-                                        </p:attrNameLst>
-                                      </p:cBhvr>
-                                      <p:to>
-                                        <p:strVal val="visible"/>
-                                      </p:to>
-                                    </p:set>
-                                  </p:childTnLst>
-                                </p:cTn>
-                              </p:par>
-                            </p:childTnLst>
-                          </p:cTn>
-                        </p:par>
-                      </p:childTnLst>
-                    </p:cTn>
-                  </p:par>
-                  <p:par>
-                    <p:cTn id="11" fill="hold">
-                      <p:stCondLst>
-                        <p:cond delay="indefinite"/>
-                      </p:stCondLst>
-                      <p:childTnLst>
-                        <p:par>
-                          <p:cTn id="12" fill="hold">
-                            <p:stCondLst>
-                              <p:cond delay="0"/>
-                            </p:stCondLst>
-                            <p:childTnLst>
-                              <p:par>
-                                <p:cTn id="13" presetID="1" presetClass="entr" presetSubtype="0" fill="hold" grpId="0" nodeType="clickEffect">
-                                  <p:stCondLst>
-                                    <p:cond delay="0"/>
-                                  </p:stCondLst>
-                                  <p:childTnLst>
-                                    <p:set>
-                                      <p:cBhvr>
-                                        <p:cTn id="14" dur="1" fill="hold">
-                                          <p:stCondLst>
-                                            <p:cond delay="0"/>
-                                          </p:stCondLst>
-                                        </p:cTn>
-                                        <p:tgtEl>
-                                          <p:spTgt spid="4">
-                                            <p:txEl>
-                                              <p:pRg st="2" end="2"/>
-                                            </p:txEl>
-                                          </p:spTgt>
-                                        </p:tgtEl>
-                                        <p:attrNameLst>
-                                          <p:attrName>style.visibility</p:attrName>
-                                        </p:attrNameLst>
-                                      </p:cBhvr>
-                                      <p:to>
-                                        <p:strVal val="visible"/>
-                                      </p:to>
-                                    </p:set>
-                                  </p:childTnLst>
-                                </p:cTn>
-                              </p:par>
-                            </p:childTnLst>
-                          </p:cTn>
-                        </p:par>
-                      </p:childTnLst>
-                    </p:cTn>
-                  </p:par>
-                  <p:par>
-                    <p:cTn id="15" fill="hold">
-                      <p:stCondLst>
-                        <p:cond delay="indefinite"/>
-                      </p:stCondLst>
-                      <p:childTnLst>
-                        <p:par>
-                          <p:cTn id="16" fill="hold">
-                            <p:stCondLst>
-                              <p:cond delay="0"/>
-                            </p:stCondLst>
-                            <p:childTnLst>
-                              <p:par>
-                                <p:cTn id="17" presetID="1" presetClass="entr" presetSubtype="0" fill="hold" grpId="0" nodeType="clickEffect">
-                                  <p:stCondLst>
-                                    <p:cond delay="0"/>
-                                  </p:stCondLst>
-                                  <p:childTnLst>
-                                    <p:set>
-                                      <p:cBhvr>
-                                        <p:cTn id="18" dur="1" fill="hold">
-                                          <p:stCondLst>
-                                            <p:cond delay="0"/>
-                                          </p:stCondLst>
-                                        </p:cTn>
-                                        <p:tgtEl>
-                                          <p:spTgt spid="4">
-                                            <p:txEl>
-                                              <p:pRg st="3" end="3"/>
-                                            </p:txEl>
-                                          </p:spTgt>
-                                        </p:tgtEl>
-                                        <p:attrNameLst>
-                                          <p:attrName>style.visibility</p:attrName>
-                                        </p:attrNameLst>
-                                      </p:cBhvr>
-                                      <p:to>
-                                        <p:strVal val="visible"/>
-                                      </p:to>
-                                    </p:set>
-                                  </p:childTnLst>
-                                </p:cTn>
-                              </p:par>
-                            </p:childTnLst>
-                          </p:cTn>
-                        </p:par>
-                      </p:childTnLst>
-                    </p:cTn>
-                  </p:par>
-                </p:childTnLst>
-              </p:cTn>
-              <p:prevCondLst>
-                <p:cond evt="onPrev" delay="0">
-                  <p:tgtEl>
-                    <p:sldTgt/>
-                  </p:tgtEl>
-                </p:cond>
-              </p:prevCondLst>
-              <p:nextCondLst>
-                <p:cond evt="onNext" delay="0">
-                  <p:tgtEl>
-                    <p:sldTgt/>
-                  </p:tgtEl>
-                </p:cond>
-              </p:nextCondLst>
-            </p:seq>
-          </p:childTnLst>
-        </p:cTn>
-      </p:par>
-    </p:tnLst>
-    <p:bldLst>
-      <p:bldP spid="4" grpId="0" build="p"/>
-    </p:bldLst>
-  </p:timing>
-</p:sld>
-</file>
-
-<file path=ppt/slides/slide2.xml><?xml version="1.0" encoding="utf-8"?>
-<p:sld xmlns:a="http://schemas.openxmlformats.org/drawingml/2006/main" xmlns:r="http://schemas.openxmlformats.org/officeDocument/2006/relationships" xmlns:p="http://schemas.openxmlformats.org/presentationml/2006/main">
-  <p:cSld>
-    <p:spTree>
-      <p:nvGrpSpPr>
-        <p:cNvPr id="1" name=""/>
-        <p:cNvGrpSpPr/>
-        <p:nvPr/>
-      </p:nvGrpSpPr>
-      <p:grpSpPr>
-        <a:xfrm>
-          <a:off x="0" y="0"/>
-          <a:ext cx="0" cy="0"/>
-          <a:chOff x="0" y="0"/>
-          <a:chExt cx="0" cy="0"/>
-        </a:xfrm>
-      </p:grpSpPr>
-      <p:sp>
-        <p:nvSpPr>
-          <p:cNvPr id="2" name="Footer Placeholder 1"/>
-          <p:cNvSpPr>
-            <a:spLocks noGrp="1"/>
-          </p:cNvSpPr>
-          <p:nvPr>
-            <p:ph type="ftr" sz="quarter" idx="11"/>
-          </p:nvPr>
-        </p:nvSpPr>
-        <p:spPr/>
-        <p:txBody>
-          <a:bodyPr/>
-          <a:lstStyle/>
-          <a:p>
-            <a:r>
-              <a:rPr lang="en-US"/>
-              <a:t>© Cognizant 2019</a:t>
-            </a:r>
-            <a:endParaRPr lang="en-US" dirty="0"/>
-          </a:p>
-        </p:txBody>
-      </p:sp>
-      <p:sp>
-        <p:nvSpPr>
-          <p:cNvPr id="4" name="Rectangle 3"/>
-          <p:cNvSpPr/>
-          <p:nvPr/>
-        </p:nvSpPr>
-        <p:spPr>
-          <a:xfrm>
-            <a:off x="4038601" y="2438400"/>
-            <a:ext cx="7434599" cy="369332"/>
-          </a:xfrm>
-          <a:prstGeom prst="rect">
-            <a:avLst/>
-          </a:prstGeom>
-        </p:spPr>
-        <p:txBody>
-          <a:bodyPr wrap="none">
-            <a:spAutoFit/>
-          </a:bodyPr>
-          <a:lstStyle/>
-          <a:p>
-            <a:pPr lvl="0" fontAlgn="base">
-              <a:spcBef>
-                <a:spcPct val="20000"/>
-              </a:spcBef>
-              <a:spcAft>
-                <a:spcPct val="0"/>
-              </a:spcAft>
-              <a:buSzPct val="95000"/>
-            </a:pPr>
-            <a:r>
-              <a:rPr lang="en-US" dirty="0">
-                <a:latin typeface="Arial" panose="020B0604020202020204" pitchFamily="34" charset="0"/>
-                <a:ea typeface="Arial Unicode MS" pitchFamily="34" charset="-128"/>
-                <a:cs typeface="Arial" panose="020B0604020202020204" pitchFamily="34" charset="0"/>
-              </a:rPr>
-              <a:t>Vignesh Murali Natarajan (119780)   Edited By Jason Monroe (688776)</a:t>
-            </a:r>
-          </a:p>
-        </p:txBody>
-      </p:sp>
-      <p:sp>
-        <p:nvSpPr>
-          <p:cNvPr id="5" name="Rectangle 4"/>
-          <p:cNvSpPr/>
-          <p:nvPr/>
-        </p:nvSpPr>
-        <p:spPr>
-          <a:xfrm>
-            <a:off x="4038600" y="2888233"/>
-            <a:ext cx="6324600" cy="671513"/>
-          </a:xfrm>
-          <a:prstGeom prst="rect">
-            <a:avLst/>
-          </a:prstGeom>
-        </p:spPr>
-        <p:txBody>
-          <a:bodyPr wrap="square">
-            <a:spAutoFit/>
-          </a:bodyPr>
-          <a:lstStyle/>
-          <a:p>
-            <a:pPr lvl="0" fontAlgn="base">
-              <a:spcBef>
-                <a:spcPct val="20000"/>
-              </a:spcBef>
-              <a:spcAft>
-                <a:spcPct val="0"/>
-              </a:spcAft>
-              <a:buSzPct val="95000"/>
-            </a:pPr>
-            <a:r>
-              <a:rPr lang="en-US" sz="1200" dirty="0">
-                <a:latin typeface="Arial" panose="020B0604020202020204" pitchFamily="34" charset="0"/>
-                <a:cs typeface="Arial" panose="020B0604020202020204" pitchFamily="34" charset="0"/>
-              </a:rPr>
-              <a:t>Veteran Trainer, Project Manager and Solution Architect with 14 years of technical training experience and 12 technical certifications on Java, Mobile, Web, Architecture, Design and Development</a:t>
-            </a:r>
-            <a:endParaRPr lang="en-US" sz="1200" dirty="0">
-              <a:latin typeface="Arial" panose="020B0604020202020204" pitchFamily="34" charset="0"/>
-              <a:ea typeface="Arial Unicode MS" pitchFamily="34" charset="-128"/>
-              <a:cs typeface="Arial" panose="020B0604020202020204" pitchFamily="34" charset="0"/>
-            </a:endParaRPr>
-          </a:p>
-        </p:txBody>
-      </p:sp>
-      <p:sp>
-        <p:nvSpPr>
-          <p:cNvPr id="6" name="Rectangle 5"/>
-          <p:cNvSpPr/>
-          <p:nvPr/>
-        </p:nvSpPr>
-        <p:spPr>
-          <a:xfrm>
-            <a:off x="4038600" y="3693906"/>
-            <a:ext cx="1646605" cy="369332"/>
-          </a:xfrm>
-          <a:prstGeom prst="rect">
-            <a:avLst/>
-          </a:prstGeom>
-        </p:spPr>
-        <p:txBody>
-          <a:bodyPr wrap="none">
-            <a:spAutoFit/>
-          </a:bodyPr>
-          <a:lstStyle/>
-          <a:p>
-            <a:pPr lvl="0" fontAlgn="base">
-              <a:spcBef>
-                <a:spcPct val="20000"/>
-              </a:spcBef>
-              <a:spcAft>
-                <a:spcPct val="0"/>
-              </a:spcAft>
-              <a:buSzPct val="95000"/>
-            </a:pPr>
-            <a:r>
-              <a:rPr lang="en-US" dirty="0">
-                <a:latin typeface="Arial" panose="020B0604020202020204" pitchFamily="34" charset="0"/>
-                <a:cs typeface="Arial" panose="020B0604020202020204" pitchFamily="34" charset="0"/>
-              </a:rPr>
-              <a:t>2.1, May 2019</a:t>
-            </a:r>
-            <a:endParaRPr lang="en-US" dirty="0">
-              <a:latin typeface="Arial" panose="020B0604020202020204" pitchFamily="34" charset="0"/>
-              <a:ea typeface="Arial Unicode MS" pitchFamily="34" charset="-128"/>
-              <a:cs typeface="Arial" panose="020B0604020202020204" pitchFamily="34" charset="0"/>
-            </a:endParaRPr>
-          </a:p>
-        </p:txBody>
-      </p:sp>
-    </p:spTree>
-    <p:extLst>
-      <p:ext uri="{BB962C8B-B14F-4D97-AF65-F5344CB8AC3E}">
-        <p14:creationId xmlns:p14="http://schemas.microsoft.com/office/powerpoint/2010/main" val="1701116326"/>
-      </p:ext>
-    </p:extLst>
-  </p:cSld>
-  <p:clrMapOvr>
-    <a:masterClrMapping/>
-  </p:clrMapOvr>
-</p:sld>
-</file>
-
-<file path=ppt/slides/slide20.xml><?xml version="1.0" encoding="utf-8"?>
-<p:sld xmlns:a="http://schemas.openxmlformats.org/drawingml/2006/main" xmlns:r="http://schemas.openxmlformats.org/officeDocument/2006/relationships" xmlns:p="http://schemas.openxmlformats.org/presentationml/2006/main">
-  <p:cSld>
-    <p:spTree>
-      <p:nvGrpSpPr>
-        <p:cNvPr id="1" name=""/>
-        <p:cNvGrpSpPr/>
-        <p:nvPr/>
-      </p:nvGrpSpPr>
-      <p:grpSpPr>
-        <a:xfrm>
-          <a:off x="0" y="0"/>
-          <a:ext cx="0" cy="0"/>
-          <a:chOff x="0" y="0"/>
-          <a:chExt cx="0" cy="0"/>
-        </a:xfrm>
-      </p:grpSpPr>
-      <p:sp>
-        <p:nvSpPr>
           <p:cNvPr id="6" name="Rectangle 5"/>
           <p:cNvSpPr/>
           <p:nvPr/>
@@ -9002,7 +7789,7 @@
 </p:sld>
 </file>
 
-<file path=ppt/slides/slide21.xml><?xml version="1.0" encoding="utf-8"?>
+<file path=ppt/slides/slide19.xml><?xml version="1.0" encoding="utf-8"?>
 <p:sld xmlns:a="http://schemas.openxmlformats.org/drawingml/2006/main" xmlns:r="http://schemas.openxmlformats.org/officeDocument/2006/relationships" xmlns:p="http://schemas.openxmlformats.org/presentationml/2006/main">
   <p:cSld>
     <p:spTree>
@@ -9501,7 +8288,7 @@
             <a:fld id="{E7AF38FF-B38D-4060-8B8D-2D16AAFBAAC1}" type="slidenum">
               <a:rPr lang="en-US" smtClean="0"/>
               <a:pPr/>
-              <a:t>21</a:t>
+              <a:t>19</a:t>
             </a:fld>
             <a:endParaRPr lang="en-US" dirty="0"/>
           </a:p>
@@ -9511,6 +8298,1186 @@
     <p:extLst>
       <p:ext uri="{BB962C8B-B14F-4D97-AF65-F5344CB8AC3E}">
         <p14:creationId xmlns:p14="http://schemas.microsoft.com/office/powerpoint/2010/main" val="1445942354"/>
+      </p:ext>
+    </p:extLst>
+  </p:cSld>
+  <p:clrMapOvr>
+    <a:masterClrMapping/>
+  </p:clrMapOvr>
+</p:sld>
+</file>
+
+<file path=ppt/slides/slide2.xml><?xml version="1.0" encoding="utf-8"?>
+<p:sld xmlns:a="http://schemas.openxmlformats.org/drawingml/2006/main" xmlns:r="http://schemas.openxmlformats.org/officeDocument/2006/relationships" xmlns:p="http://schemas.openxmlformats.org/presentationml/2006/main">
+  <p:cSld>
+    <p:spTree>
+      <p:nvGrpSpPr>
+        <p:cNvPr id="1" name=""/>
+        <p:cNvGrpSpPr/>
+        <p:nvPr/>
+      </p:nvGrpSpPr>
+      <p:grpSpPr>
+        <a:xfrm>
+          <a:off x="0" y="0"/>
+          <a:ext cx="0" cy="0"/>
+          <a:chOff x="0" y="0"/>
+          <a:chExt cx="0" cy="0"/>
+        </a:xfrm>
+      </p:grpSpPr>
+      <p:sp>
+        <p:nvSpPr>
+          <p:cNvPr id="2" name="Footer Placeholder 1"/>
+          <p:cNvSpPr>
+            <a:spLocks noGrp="1"/>
+          </p:cNvSpPr>
+          <p:nvPr>
+            <p:ph type="ftr" sz="quarter" idx="11"/>
+          </p:nvPr>
+        </p:nvSpPr>
+        <p:spPr/>
+        <p:txBody>
+          <a:bodyPr/>
+          <a:lstStyle/>
+          <a:p>
+            <a:r>
+              <a:rPr lang="en-US"/>
+              <a:t>© Cognizant 2019</a:t>
+            </a:r>
+            <a:endParaRPr lang="en-US" dirty="0"/>
+          </a:p>
+        </p:txBody>
+      </p:sp>
+      <p:sp>
+        <p:nvSpPr>
+          <p:cNvPr id="4" name="Rectangle 3"/>
+          <p:cNvSpPr/>
+          <p:nvPr/>
+        </p:nvSpPr>
+        <p:spPr>
+          <a:xfrm>
+            <a:off x="4038601" y="2438400"/>
+            <a:ext cx="7434599" cy="369332"/>
+          </a:xfrm>
+          <a:prstGeom prst="rect">
+            <a:avLst/>
+          </a:prstGeom>
+        </p:spPr>
+        <p:txBody>
+          <a:bodyPr wrap="none">
+            <a:spAutoFit/>
+          </a:bodyPr>
+          <a:lstStyle/>
+          <a:p>
+            <a:pPr lvl="0" fontAlgn="base">
+              <a:spcBef>
+                <a:spcPct val="20000"/>
+              </a:spcBef>
+              <a:spcAft>
+                <a:spcPct val="0"/>
+              </a:spcAft>
+              <a:buSzPct val="95000"/>
+            </a:pPr>
+            <a:r>
+              <a:rPr lang="en-US" dirty="0">
+                <a:latin typeface="Arial" panose="020B0604020202020204" pitchFamily="34" charset="0"/>
+                <a:ea typeface="Arial Unicode MS" pitchFamily="34" charset="-128"/>
+                <a:cs typeface="Arial" panose="020B0604020202020204" pitchFamily="34" charset="0"/>
+              </a:rPr>
+              <a:t>Vignesh Murali Natarajan (119780)   Edited By Jason Monroe (688776)</a:t>
+            </a:r>
+          </a:p>
+        </p:txBody>
+      </p:sp>
+      <p:sp>
+        <p:nvSpPr>
+          <p:cNvPr id="5" name="Rectangle 4"/>
+          <p:cNvSpPr/>
+          <p:nvPr/>
+        </p:nvSpPr>
+        <p:spPr>
+          <a:xfrm>
+            <a:off x="4038600" y="2888233"/>
+            <a:ext cx="6324600" cy="671513"/>
+          </a:xfrm>
+          <a:prstGeom prst="rect">
+            <a:avLst/>
+          </a:prstGeom>
+        </p:spPr>
+        <p:txBody>
+          <a:bodyPr wrap="square">
+            <a:spAutoFit/>
+          </a:bodyPr>
+          <a:lstStyle/>
+          <a:p>
+            <a:pPr lvl="0" fontAlgn="base">
+              <a:spcBef>
+                <a:spcPct val="20000"/>
+              </a:spcBef>
+              <a:spcAft>
+                <a:spcPct val="0"/>
+              </a:spcAft>
+              <a:buSzPct val="95000"/>
+            </a:pPr>
+            <a:r>
+              <a:rPr lang="en-US" sz="1200" dirty="0">
+                <a:latin typeface="Arial" panose="020B0604020202020204" pitchFamily="34" charset="0"/>
+                <a:cs typeface="Arial" panose="020B0604020202020204" pitchFamily="34" charset="0"/>
+              </a:rPr>
+              <a:t>Veteran Trainer, Project Manager and Solution Architect with 14 years of technical training experience and 12 technical certifications on Java, Mobile, Web, Architecture, Design and Development</a:t>
+            </a:r>
+            <a:endParaRPr lang="en-US" sz="1200" dirty="0">
+              <a:latin typeface="Arial" panose="020B0604020202020204" pitchFamily="34" charset="0"/>
+              <a:ea typeface="Arial Unicode MS" pitchFamily="34" charset="-128"/>
+              <a:cs typeface="Arial" panose="020B0604020202020204" pitchFamily="34" charset="0"/>
+            </a:endParaRPr>
+          </a:p>
+        </p:txBody>
+      </p:sp>
+      <p:sp>
+        <p:nvSpPr>
+          <p:cNvPr id="6" name="Rectangle 5"/>
+          <p:cNvSpPr/>
+          <p:nvPr/>
+        </p:nvSpPr>
+        <p:spPr>
+          <a:xfrm>
+            <a:off x="4038600" y="3693906"/>
+            <a:ext cx="1646605" cy="369332"/>
+          </a:xfrm>
+          <a:prstGeom prst="rect">
+            <a:avLst/>
+          </a:prstGeom>
+        </p:spPr>
+        <p:txBody>
+          <a:bodyPr wrap="none">
+            <a:spAutoFit/>
+          </a:bodyPr>
+          <a:lstStyle/>
+          <a:p>
+            <a:pPr lvl="0" fontAlgn="base">
+              <a:spcBef>
+                <a:spcPct val="20000"/>
+              </a:spcBef>
+              <a:spcAft>
+                <a:spcPct val="0"/>
+              </a:spcAft>
+              <a:buSzPct val="95000"/>
+            </a:pPr>
+            <a:r>
+              <a:rPr lang="en-US" dirty="0">
+                <a:latin typeface="Arial" panose="020B0604020202020204" pitchFamily="34" charset="0"/>
+                <a:cs typeface="Arial" panose="020B0604020202020204" pitchFamily="34" charset="0"/>
+              </a:rPr>
+              <a:t>2.1, May 2019</a:t>
+            </a:r>
+            <a:endParaRPr lang="en-US" dirty="0">
+              <a:latin typeface="Arial" panose="020B0604020202020204" pitchFamily="34" charset="0"/>
+              <a:ea typeface="Arial Unicode MS" pitchFamily="34" charset="-128"/>
+              <a:cs typeface="Arial" panose="020B0604020202020204" pitchFamily="34" charset="0"/>
+            </a:endParaRPr>
+          </a:p>
+        </p:txBody>
+      </p:sp>
+    </p:spTree>
+    <p:extLst>
+      <p:ext uri="{BB962C8B-B14F-4D97-AF65-F5344CB8AC3E}">
+        <p14:creationId xmlns:p14="http://schemas.microsoft.com/office/powerpoint/2010/main" val="1701116326"/>
+      </p:ext>
+    </p:extLst>
+  </p:cSld>
+  <p:clrMapOvr>
+    <a:masterClrMapping/>
+  </p:clrMapOvr>
+</p:sld>
+</file>
+
+<file path=ppt/slides/slide20.xml><?xml version="1.0" encoding="utf-8"?>
+<p:sld xmlns:a="http://schemas.openxmlformats.org/drawingml/2006/main" xmlns:r="http://schemas.openxmlformats.org/officeDocument/2006/relationships" xmlns:p="http://schemas.openxmlformats.org/presentationml/2006/main">
+  <p:cSld>
+    <p:spTree>
+      <p:nvGrpSpPr>
+        <p:cNvPr id="1" name=""/>
+        <p:cNvGrpSpPr/>
+        <p:nvPr/>
+      </p:nvGrpSpPr>
+      <p:grpSpPr>
+        <a:xfrm>
+          <a:off x="0" y="0"/>
+          <a:ext cx="0" cy="0"/>
+          <a:chOff x="0" y="0"/>
+          <a:chExt cx="0" cy="0"/>
+        </a:xfrm>
+      </p:grpSpPr>
+      <p:sp>
+        <p:nvSpPr>
+          <p:cNvPr id="2" name="Title 1"/>
+          <p:cNvSpPr>
+            <a:spLocks noGrp="1"/>
+          </p:cNvSpPr>
+          <p:nvPr>
+            <p:ph type="title"/>
+          </p:nvPr>
+        </p:nvSpPr>
+        <p:spPr>
+          <a:xfrm>
+            <a:off x="3110204" y="0"/>
+            <a:ext cx="3061996" cy="629871"/>
+          </a:xfrm>
+        </p:spPr>
+        <p:txBody>
+          <a:bodyPr>
+            <a:normAutofit fontScale="90000"/>
+          </a:bodyPr>
+          <a:lstStyle/>
+          <a:p>
+            <a:r>
+              <a:rPr lang="en-US" dirty="0"/>
+              <a:t>Data Binding</a:t>
+            </a:r>
+          </a:p>
+        </p:txBody>
+      </p:sp>
+      <p:sp>
+        <p:nvSpPr>
+          <p:cNvPr id="3" name="Rectangle 2"/>
+          <p:cNvSpPr/>
+          <p:nvPr/>
+        </p:nvSpPr>
+        <p:spPr>
+          <a:xfrm>
+            <a:off x="2057400" y="838201"/>
+            <a:ext cx="8229600" cy="7417415"/>
+          </a:xfrm>
+          <a:prstGeom prst="rect">
+            <a:avLst/>
+          </a:prstGeom>
+        </p:spPr>
+        <p:txBody>
+          <a:bodyPr wrap="square">
+            <a:spAutoFit/>
+          </a:bodyPr>
+          <a:lstStyle/>
+          <a:p>
+            <a:r>
+              <a:rPr lang="en-US" sz="1700" dirty="0">
+                <a:latin typeface="Arial" panose="020B0604020202020204" pitchFamily="34" charset="0"/>
+                <a:cs typeface="Arial" panose="020B0604020202020204" pitchFamily="34" charset="0"/>
+              </a:rPr>
+              <a:t>Data binding signifies how and what kind of data is bound between a component and its template.</a:t>
+            </a:r>
+          </a:p>
+          <a:p>
+            <a:pPr marL="285750" indent="-285750">
+              <a:buFont typeface="Arial" panose="020B0604020202020204" pitchFamily="34" charset="0"/>
+              <a:buChar char="•"/>
+            </a:pPr>
+            <a:endParaRPr lang="en-US" sz="1700" dirty="0">
+              <a:latin typeface="Arial" panose="020B0604020202020204" pitchFamily="34" charset="0"/>
+              <a:cs typeface="Arial" panose="020B0604020202020204" pitchFamily="34" charset="0"/>
+            </a:endParaRPr>
+          </a:p>
+          <a:p>
+            <a:pPr marL="742950" lvl="1" indent="-285750">
+              <a:buFont typeface="Arial" panose="020B0604020202020204" pitchFamily="34" charset="0"/>
+              <a:buChar char="•"/>
+            </a:pPr>
+            <a:r>
+              <a:rPr lang="en-US" sz="1700" b="1" dirty="0">
+                <a:latin typeface="Arial" panose="020B0604020202020204" pitchFamily="34" charset="0"/>
+                <a:cs typeface="Arial" panose="020B0604020202020204" pitchFamily="34" charset="0"/>
+              </a:rPr>
+              <a:t>Interpolation</a:t>
+            </a:r>
+            <a:r>
+              <a:rPr lang="en-US" sz="1700" dirty="0">
+                <a:latin typeface="Arial" panose="020B0604020202020204" pitchFamily="34" charset="0"/>
+                <a:cs typeface="Arial" panose="020B0604020202020204" pitchFamily="34" charset="0"/>
+              </a:rPr>
+              <a:t> – binds component properties in output template.  It uses {{}}.</a:t>
+            </a:r>
+            <a:endParaRPr lang="en-US" sz="1700" dirty="0">
+              <a:solidFill>
+                <a:srgbClr val="FF66FF"/>
+              </a:solidFill>
+              <a:latin typeface="Arial" panose="020B0604020202020204" pitchFamily="34" charset="0"/>
+              <a:cs typeface="Arial" panose="020B0604020202020204" pitchFamily="34" charset="0"/>
+            </a:endParaRPr>
+          </a:p>
+          <a:p>
+            <a:pPr lvl="1"/>
+            <a:endParaRPr lang="en-US" sz="1700" dirty="0">
+              <a:latin typeface="Arial" panose="020B0604020202020204" pitchFamily="34" charset="0"/>
+              <a:cs typeface="Arial" panose="020B0604020202020204" pitchFamily="34" charset="0"/>
+            </a:endParaRPr>
+          </a:p>
+          <a:p>
+            <a:pPr marL="742950" lvl="1" indent="-285750">
+              <a:buFont typeface="Arial" panose="020B0604020202020204" pitchFamily="34" charset="0"/>
+              <a:buChar char="•"/>
+            </a:pPr>
+            <a:endParaRPr lang="en-US" sz="1700" dirty="0">
+              <a:latin typeface="Arial" panose="020B0604020202020204" pitchFamily="34" charset="0"/>
+              <a:cs typeface="Arial" panose="020B0604020202020204" pitchFamily="34" charset="0"/>
+            </a:endParaRPr>
+          </a:p>
+          <a:p>
+            <a:pPr marL="742950" lvl="1" indent="-285750">
+              <a:buFont typeface="Arial" panose="020B0604020202020204" pitchFamily="34" charset="0"/>
+              <a:buChar char="•"/>
+            </a:pPr>
+            <a:endParaRPr lang="en-US" sz="1700" b="1" dirty="0">
+              <a:latin typeface="Arial" panose="020B0604020202020204" pitchFamily="34" charset="0"/>
+              <a:cs typeface="Arial" panose="020B0604020202020204" pitchFamily="34" charset="0"/>
+            </a:endParaRPr>
+          </a:p>
+          <a:p>
+            <a:pPr marL="742950" lvl="1" indent="-285750">
+              <a:buFont typeface="Arial" panose="020B0604020202020204" pitchFamily="34" charset="0"/>
+              <a:buChar char="•"/>
+            </a:pPr>
+            <a:r>
+              <a:rPr lang="en-US" sz="1700" b="1" dirty="0">
+                <a:latin typeface="Arial" panose="020B0604020202020204" pitchFamily="34" charset="0"/>
+                <a:cs typeface="Arial" panose="020B0604020202020204" pitchFamily="34" charset="0"/>
+              </a:rPr>
+              <a:t>Property Binding</a:t>
+            </a:r>
+            <a:r>
+              <a:rPr lang="en-US" sz="1700" dirty="0">
+                <a:latin typeface="Arial" panose="020B0604020202020204" pitchFamily="34" charset="0"/>
+                <a:cs typeface="Arial" panose="020B0604020202020204" pitchFamily="34" charset="0"/>
+              </a:rPr>
+              <a:t> – flows data from the component to the element. Uses []</a:t>
+            </a:r>
+            <a:r>
+              <a:rPr lang="en-US" sz="1700" dirty="0">
+                <a:solidFill>
+                  <a:srgbClr val="FF66FF"/>
+                </a:solidFill>
+                <a:latin typeface="Arial" panose="020B0604020202020204" pitchFamily="34" charset="0"/>
+                <a:cs typeface="Arial" panose="020B0604020202020204" pitchFamily="34" charset="0"/>
+              </a:rPr>
+              <a:t>.</a:t>
+            </a:r>
+            <a:endParaRPr lang="en-US" sz="1700" dirty="0">
+              <a:latin typeface="Arial" panose="020B0604020202020204" pitchFamily="34" charset="0"/>
+              <a:cs typeface="Arial" panose="020B0604020202020204" pitchFamily="34" charset="0"/>
+            </a:endParaRPr>
+          </a:p>
+          <a:p>
+            <a:pPr marL="742950" lvl="1" indent="-285750">
+              <a:buFont typeface="Arial" panose="020B0604020202020204" pitchFamily="34" charset="0"/>
+              <a:buChar char="•"/>
+            </a:pPr>
+            <a:endParaRPr lang="en-US" sz="1700" b="1" dirty="0">
+              <a:latin typeface="Arial" panose="020B0604020202020204" pitchFamily="34" charset="0"/>
+              <a:cs typeface="Arial" panose="020B0604020202020204" pitchFamily="34" charset="0"/>
+            </a:endParaRPr>
+          </a:p>
+          <a:p>
+            <a:pPr marL="742950" lvl="1" indent="-285750">
+              <a:buFont typeface="Arial" panose="020B0604020202020204" pitchFamily="34" charset="0"/>
+              <a:buChar char="•"/>
+            </a:pPr>
+            <a:endParaRPr lang="en-US" sz="1700" b="1" dirty="0">
+              <a:latin typeface="Arial" panose="020B0604020202020204" pitchFamily="34" charset="0"/>
+              <a:cs typeface="Arial" panose="020B0604020202020204" pitchFamily="34" charset="0"/>
+            </a:endParaRPr>
+          </a:p>
+          <a:p>
+            <a:pPr lvl="1"/>
+            <a:endParaRPr lang="en-US" sz="1700" b="1" dirty="0">
+              <a:latin typeface="Arial" panose="020B0604020202020204" pitchFamily="34" charset="0"/>
+              <a:cs typeface="Arial" panose="020B0604020202020204" pitchFamily="34" charset="0"/>
+            </a:endParaRPr>
+          </a:p>
+          <a:p>
+            <a:pPr marL="742950" lvl="1" indent="-285750">
+              <a:buFont typeface="Arial" panose="020B0604020202020204" pitchFamily="34" charset="0"/>
+              <a:buChar char="•"/>
+            </a:pPr>
+            <a:r>
+              <a:rPr lang="en-US" sz="1700" b="1" dirty="0">
+                <a:latin typeface="Arial" panose="020B0604020202020204" pitchFamily="34" charset="0"/>
+                <a:cs typeface="Arial" panose="020B0604020202020204" pitchFamily="34" charset="0"/>
+              </a:rPr>
+              <a:t>Event Binding</a:t>
+            </a:r>
+            <a:r>
+              <a:rPr lang="en-US" sz="1700" dirty="0">
+                <a:latin typeface="Arial" panose="020B0604020202020204" pitchFamily="34" charset="0"/>
+                <a:cs typeface="Arial" panose="020B0604020202020204" pitchFamily="34" charset="0"/>
+              </a:rPr>
+              <a:t> – flows data from an element to the component. Uses ()</a:t>
+            </a:r>
+            <a:r>
+              <a:rPr lang="en-US" sz="1700" dirty="0">
+                <a:solidFill>
+                  <a:srgbClr val="FF66FF"/>
+                </a:solidFill>
+                <a:latin typeface="Arial" panose="020B0604020202020204" pitchFamily="34" charset="0"/>
+                <a:cs typeface="Arial" panose="020B0604020202020204" pitchFamily="34" charset="0"/>
+              </a:rPr>
+              <a:t>.</a:t>
+            </a:r>
+            <a:endParaRPr lang="en-US" sz="1700" dirty="0">
+              <a:latin typeface="Arial" panose="020B0604020202020204" pitchFamily="34" charset="0"/>
+              <a:cs typeface="Arial" panose="020B0604020202020204" pitchFamily="34" charset="0"/>
+            </a:endParaRPr>
+          </a:p>
+          <a:p>
+            <a:pPr marL="742950" lvl="1" indent="-285750">
+              <a:buFont typeface="Arial" panose="020B0604020202020204" pitchFamily="34" charset="0"/>
+              <a:buChar char="•"/>
+            </a:pPr>
+            <a:endParaRPr lang="en-US" sz="1700" dirty="0">
+              <a:latin typeface="Arial" panose="020B0604020202020204" pitchFamily="34" charset="0"/>
+              <a:cs typeface="Arial" panose="020B0604020202020204" pitchFamily="34" charset="0"/>
+            </a:endParaRPr>
+          </a:p>
+          <a:p>
+            <a:pPr marL="742950" lvl="1" indent="-285750">
+              <a:buFont typeface="Arial" panose="020B0604020202020204" pitchFamily="34" charset="0"/>
+              <a:buChar char="•"/>
+            </a:pPr>
+            <a:endParaRPr lang="en-US" sz="1700" dirty="0">
+              <a:latin typeface="Arial" panose="020B0604020202020204" pitchFamily="34" charset="0"/>
+              <a:cs typeface="Arial" panose="020B0604020202020204" pitchFamily="34" charset="0"/>
+            </a:endParaRPr>
+          </a:p>
+          <a:p>
+            <a:pPr marL="742950" lvl="1" indent="-285750">
+              <a:buFont typeface="Arial" panose="020B0604020202020204" pitchFamily="34" charset="0"/>
+              <a:buChar char="•"/>
+            </a:pPr>
+            <a:endParaRPr lang="en-US" sz="1700" b="1" dirty="0">
+              <a:latin typeface="Arial" panose="020B0604020202020204" pitchFamily="34" charset="0"/>
+              <a:cs typeface="Arial" panose="020B0604020202020204" pitchFamily="34" charset="0"/>
+            </a:endParaRPr>
+          </a:p>
+          <a:p>
+            <a:pPr marL="742950" lvl="1" indent="-285750">
+              <a:buFont typeface="Arial" panose="020B0604020202020204" pitchFamily="34" charset="0"/>
+              <a:buChar char="•"/>
+            </a:pPr>
+            <a:r>
+              <a:rPr lang="en-US" sz="1700" b="1" dirty="0">
+                <a:latin typeface="Arial" panose="020B0604020202020204" pitchFamily="34" charset="0"/>
+                <a:cs typeface="Arial" panose="020B0604020202020204" pitchFamily="34" charset="0"/>
+              </a:rPr>
+              <a:t>Two-Way Binding</a:t>
+            </a:r>
+            <a:r>
+              <a:rPr lang="en-US" sz="1700" dirty="0">
+                <a:latin typeface="Arial" panose="020B0604020202020204" pitchFamily="34" charset="0"/>
+                <a:cs typeface="Arial" panose="020B0604020202020204" pitchFamily="34" charset="0"/>
+              </a:rPr>
+              <a:t> – is a combination of the Event and Property Bindings. Used along with the ngModel object. *Must Import FormsModule</a:t>
+            </a:r>
+          </a:p>
+          <a:p>
+            <a:pPr marL="742950" lvl="1" indent="-285750">
+              <a:buFont typeface="Arial" panose="020B0604020202020204" pitchFamily="34" charset="0"/>
+              <a:buChar char="•"/>
+            </a:pPr>
+            <a:endParaRPr lang="en-US" sz="1700" dirty="0">
+              <a:latin typeface="Arial" panose="020B0604020202020204" pitchFamily="34" charset="0"/>
+              <a:cs typeface="Arial" panose="020B0604020202020204" pitchFamily="34" charset="0"/>
+            </a:endParaRPr>
+          </a:p>
+          <a:p>
+            <a:pPr marL="742950" lvl="1" indent="-285750">
+              <a:buFont typeface="Arial" panose="020B0604020202020204" pitchFamily="34" charset="0"/>
+              <a:buChar char="•"/>
+            </a:pPr>
+            <a:endParaRPr lang="en-US" sz="1700" dirty="0">
+              <a:latin typeface="Arial" panose="020B0604020202020204" pitchFamily="34" charset="0"/>
+              <a:cs typeface="Arial" panose="020B0604020202020204" pitchFamily="34" charset="0"/>
+            </a:endParaRPr>
+          </a:p>
+          <a:p>
+            <a:pPr marL="742950" lvl="1" indent="-285750">
+              <a:buFont typeface="Arial" panose="020B0604020202020204" pitchFamily="34" charset="0"/>
+              <a:buChar char="•"/>
+            </a:pPr>
+            <a:endParaRPr lang="en-US" sz="1700" dirty="0">
+              <a:latin typeface="Arial" panose="020B0604020202020204" pitchFamily="34" charset="0"/>
+              <a:cs typeface="Arial" panose="020B0604020202020204" pitchFamily="34" charset="0"/>
+            </a:endParaRPr>
+          </a:p>
+          <a:p>
+            <a:pPr marL="742950" lvl="1" indent="-285750">
+              <a:buFont typeface="Arial" panose="020B0604020202020204" pitchFamily="34" charset="0"/>
+              <a:buChar char="•"/>
+            </a:pPr>
+            <a:endParaRPr lang="en-US" sz="1700" dirty="0">
+              <a:latin typeface="Arial" panose="020B0604020202020204" pitchFamily="34" charset="0"/>
+              <a:cs typeface="Arial" panose="020B0604020202020204" pitchFamily="34" charset="0"/>
+            </a:endParaRPr>
+          </a:p>
+          <a:p>
+            <a:pPr marL="742950" lvl="1" indent="-285750">
+              <a:buFont typeface="Arial" panose="020B0604020202020204" pitchFamily="34" charset="0"/>
+              <a:buChar char="•"/>
+            </a:pPr>
+            <a:endParaRPr lang="en-US" sz="1700" b="1" dirty="0">
+              <a:latin typeface="Arial" panose="020B0604020202020204" pitchFamily="34" charset="0"/>
+              <a:cs typeface="Arial" panose="020B0604020202020204" pitchFamily="34" charset="0"/>
+            </a:endParaRPr>
+          </a:p>
+          <a:p>
+            <a:pPr marL="742950" lvl="1" indent="-285750">
+              <a:buFont typeface="Arial" panose="020B0604020202020204" pitchFamily="34" charset="0"/>
+              <a:buChar char="•"/>
+            </a:pPr>
+            <a:endParaRPr lang="en-US" sz="1700" dirty="0">
+              <a:latin typeface="Arial" panose="020B0604020202020204" pitchFamily="34" charset="0"/>
+              <a:cs typeface="Arial" panose="020B0604020202020204" pitchFamily="34" charset="0"/>
+            </a:endParaRPr>
+          </a:p>
+          <a:p>
+            <a:pPr marL="742950" lvl="1" indent="-285750">
+              <a:buFont typeface="Arial" panose="020B0604020202020204" pitchFamily="34" charset="0"/>
+              <a:buChar char="•"/>
+            </a:pPr>
+            <a:endParaRPr lang="en-US" sz="1700" dirty="0">
+              <a:latin typeface="Arial" panose="020B0604020202020204" pitchFamily="34" charset="0"/>
+              <a:cs typeface="Arial" panose="020B0604020202020204" pitchFamily="34" charset="0"/>
+            </a:endParaRPr>
+          </a:p>
+          <a:p>
+            <a:pPr marL="742950" lvl="1" indent="-285750">
+              <a:buFont typeface="Arial" panose="020B0604020202020204" pitchFamily="34" charset="0"/>
+              <a:buChar char="•"/>
+            </a:pPr>
+            <a:endParaRPr lang="en-US" sz="1700" dirty="0">
+              <a:latin typeface="Arial" panose="020B0604020202020204" pitchFamily="34" charset="0"/>
+              <a:cs typeface="Arial" panose="020B0604020202020204" pitchFamily="34" charset="0"/>
+            </a:endParaRPr>
+          </a:p>
+          <a:p>
+            <a:pPr marL="742950" lvl="1" indent="-285750">
+              <a:buFont typeface="Arial" panose="020B0604020202020204" pitchFamily="34" charset="0"/>
+              <a:buChar char="•"/>
+            </a:pPr>
+            <a:endParaRPr lang="en-US" sz="1700" dirty="0">
+              <a:latin typeface="Arial" panose="020B0604020202020204" pitchFamily="34" charset="0"/>
+              <a:cs typeface="Arial" panose="020B0604020202020204" pitchFamily="34" charset="0"/>
+            </a:endParaRPr>
+          </a:p>
+          <a:p>
+            <a:pPr marL="742950" lvl="1" indent="-285750">
+              <a:buFont typeface="Arial" panose="020B0604020202020204" pitchFamily="34" charset="0"/>
+              <a:buChar char="•"/>
+            </a:pPr>
+            <a:endParaRPr lang="en-US" sz="1700" dirty="0"/>
+          </a:p>
+        </p:txBody>
+      </p:sp>
+      <p:sp>
+        <p:nvSpPr>
+          <p:cNvPr id="4" name="Rectangle 3"/>
+          <p:cNvSpPr/>
+          <p:nvPr/>
+        </p:nvSpPr>
+        <p:spPr>
+          <a:xfrm>
+            <a:off x="2514600" y="2078472"/>
+            <a:ext cx="7559494" cy="304800"/>
+          </a:xfrm>
+          <a:prstGeom prst="rect">
+            <a:avLst/>
+          </a:prstGeom>
+          <a:solidFill>
+            <a:schemeClr val="tx1"/>
+          </a:solidFill>
+          <a:ln>
+            <a:noFill/>
+          </a:ln>
+        </p:spPr>
+        <p:style>
+          <a:lnRef idx="2">
+            <a:schemeClr val="accent1">
+              <a:shade val="50000"/>
+            </a:schemeClr>
+          </a:lnRef>
+          <a:fillRef idx="1">
+            <a:schemeClr val="accent1"/>
+          </a:fillRef>
+          <a:effectRef idx="0">
+            <a:schemeClr val="accent1"/>
+          </a:effectRef>
+          <a:fontRef idx="minor">
+            <a:schemeClr val="lt1"/>
+          </a:fontRef>
+        </p:style>
+        <p:txBody>
+          <a:bodyPr rtlCol="0" anchor="ctr"/>
+          <a:lstStyle/>
+          <a:p>
+            <a:r>
+              <a:rPr lang="en-US" dirty="0">
+                <a:solidFill>
+                  <a:schemeClr val="bg1"/>
+                </a:solidFill>
+                <a:latin typeface="Courier New" panose="02070309020205020404" pitchFamily="49" charset="0"/>
+                <a:cs typeface="Courier New" panose="02070309020205020404" pitchFamily="49" charset="0"/>
+              </a:rPr>
+              <a:t>&lt;span&gt;{{interpolatedValue}}&lt;span&gt;</a:t>
+            </a:r>
+          </a:p>
+        </p:txBody>
+      </p:sp>
+      <p:sp>
+        <p:nvSpPr>
+          <p:cNvPr id="8" name="Rectangle 7"/>
+          <p:cNvSpPr/>
+          <p:nvPr/>
+        </p:nvSpPr>
+        <p:spPr>
+          <a:xfrm>
+            <a:off x="1840164" y="3127111"/>
+            <a:ext cx="8908366" cy="422030"/>
+          </a:xfrm>
+          <a:prstGeom prst="rect">
+            <a:avLst/>
+          </a:prstGeom>
+          <a:solidFill>
+            <a:schemeClr val="tx1"/>
+          </a:solidFill>
+          <a:ln>
+            <a:noFill/>
+          </a:ln>
+        </p:spPr>
+        <p:style>
+          <a:lnRef idx="2">
+            <a:schemeClr val="accent1">
+              <a:shade val="50000"/>
+            </a:schemeClr>
+          </a:lnRef>
+          <a:fillRef idx="1">
+            <a:schemeClr val="accent1"/>
+          </a:fillRef>
+          <a:effectRef idx="0">
+            <a:schemeClr val="accent1"/>
+          </a:effectRef>
+          <a:fontRef idx="minor">
+            <a:schemeClr val="lt1"/>
+          </a:fontRef>
+        </p:style>
+        <p:txBody>
+          <a:bodyPr rtlCol="0" anchor="ctr"/>
+          <a:lstStyle/>
+          <a:p>
+            <a:r>
+              <a:rPr lang="en-US" dirty="0">
+                <a:solidFill>
+                  <a:schemeClr val="bg1"/>
+                </a:solidFill>
+                <a:latin typeface="Courier New" panose="02070309020205020404" pitchFamily="49" charset="0"/>
+                <a:cs typeface="Courier New" panose="02070309020205020404" pitchFamily="49" charset="0"/>
+              </a:rPr>
+              <a:t>&lt;span [style.color]="componentStyle"&gt;Some colored text!&lt;/span&gt;</a:t>
+            </a:r>
+          </a:p>
+        </p:txBody>
+      </p:sp>
+      <p:sp>
+        <p:nvSpPr>
+          <p:cNvPr id="9" name="Rectangle 8"/>
+          <p:cNvSpPr/>
+          <p:nvPr/>
+        </p:nvSpPr>
+        <p:spPr>
+          <a:xfrm>
+            <a:off x="2514600" y="4099976"/>
+            <a:ext cx="7559494" cy="506469"/>
+          </a:xfrm>
+          <a:prstGeom prst="rect">
+            <a:avLst/>
+          </a:prstGeom>
+          <a:solidFill>
+            <a:schemeClr val="tx1"/>
+          </a:solidFill>
+          <a:ln>
+            <a:noFill/>
+          </a:ln>
+        </p:spPr>
+        <p:style>
+          <a:lnRef idx="2">
+            <a:schemeClr val="accent1">
+              <a:shade val="50000"/>
+            </a:schemeClr>
+          </a:lnRef>
+          <a:fillRef idx="1">
+            <a:schemeClr val="accent1"/>
+          </a:fillRef>
+          <a:effectRef idx="0">
+            <a:schemeClr val="accent1"/>
+          </a:effectRef>
+          <a:fontRef idx="minor">
+            <a:schemeClr val="lt1"/>
+          </a:fontRef>
+        </p:style>
+        <p:txBody>
+          <a:bodyPr rtlCol="0" anchor="ctr"/>
+          <a:lstStyle/>
+          <a:p>
+            <a:r>
+              <a:rPr lang="en-US" dirty="0">
+                <a:solidFill>
+                  <a:schemeClr val="bg1"/>
+                </a:solidFill>
+                <a:latin typeface="Courier New" panose="02070309020205020404" pitchFamily="49" charset="0"/>
+                <a:cs typeface="Courier New" panose="02070309020205020404" pitchFamily="49" charset="0"/>
+              </a:rPr>
+              <a:t>&lt;button (click)="alertTheWorld()"&gt;Click me!&lt;/button&gt;</a:t>
+            </a:r>
+          </a:p>
+        </p:txBody>
+      </p:sp>
+      <p:sp>
+        <p:nvSpPr>
+          <p:cNvPr id="10" name="Rectangle 9"/>
+          <p:cNvSpPr/>
+          <p:nvPr/>
+        </p:nvSpPr>
+        <p:spPr>
+          <a:xfrm>
+            <a:off x="2817868" y="5422386"/>
+            <a:ext cx="6952957" cy="1116526"/>
+          </a:xfrm>
+          <a:prstGeom prst="rect">
+            <a:avLst/>
+          </a:prstGeom>
+          <a:solidFill>
+            <a:schemeClr val="tx1"/>
+          </a:solidFill>
+          <a:ln>
+            <a:noFill/>
+          </a:ln>
+        </p:spPr>
+        <p:style>
+          <a:lnRef idx="2">
+            <a:schemeClr val="accent1">
+              <a:shade val="50000"/>
+            </a:schemeClr>
+          </a:lnRef>
+          <a:fillRef idx="1">
+            <a:schemeClr val="accent1"/>
+          </a:fillRef>
+          <a:effectRef idx="0">
+            <a:schemeClr val="accent1"/>
+          </a:effectRef>
+          <a:fontRef idx="minor">
+            <a:schemeClr val="lt1"/>
+          </a:fontRef>
+        </p:style>
+        <p:txBody>
+          <a:bodyPr rtlCol="0" anchor="ctr"/>
+          <a:lstStyle/>
+          <a:p>
+            <a:r>
+              <a:rPr lang="en-US" dirty="0">
+                <a:solidFill>
+                  <a:schemeClr val="bg1"/>
+                </a:solidFill>
+                <a:latin typeface="Courier New" panose="02070309020205020404" pitchFamily="49" charset="0"/>
+                <a:cs typeface="Courier New" panose="02070309020205020404" pitchFamily="49" charset="0"/>
+              </a:rPr>
+              <a:t>&lt;input md-input [(ngModel)]="dynamicValue"</a:t>
+            </a:r>
+          </a:p>
+          <a:p>
+            <a:r>
+              <a:rPr lang="en-US" dirty="0">
+                <a:solidFill>
+                  <a:schemeClr val="bg1"/>
+                </a:solidFill>
+                <a:latin typeface="Courier New" panose="02070309020205020404" pitchFamily="49" charset="0"/>
+                <a:cs typeface="Courier New" panose="02070309020205020404" pitchFamily="49" charset="0"/>
+              </a:rPr>
+              <a:t>placeholder="Watch the text update!" type="text"&gt;</a:t>
+            </a:r>
+          </a:p>
+          <a:p>
+            <a:r>
+              <a:rPr lang="en-US" dirty="0">
+                <a:solidFill>
+                  <a:schemeClr val="bg1"/>
+                </a:solidFill>
+                <a:latin typeface="Courier New" panose="02070309020205020404" pitchFamily="49" charset="0"/>
+                <a:cs typeface="Courier New" panose="02070309020205020404" pitchFamily="49" charset="0"/>
+              </a:rPr>
+              <a:t>&lt;br&gt;</a:t>
+            </a:r>
+          </a:p>
+          <a:p>
+            <a:r>
+              <a:rPr lang="en-US" dirty="0">
+                <a:solidFill>
+                  <a:schemeClr val="bg1"/>
+                </a:solidFill>
+                <a:latin typeface="Courier New" panose="02070309020205020404" pitchFamily="49" charset="0"/>
+                <a:cs typeface="Courier New" panose="02070309020205020404" pitchFamily="49" charset="0"/>
+              </a:rPr>
+              <a:t>&lt;span&gt;{{dynamicValue}}&lt;/span&gt;</a:t>
+            </a:r>
+          </a:p>
+        </p:txBody>
+      </p:sp>
+      <p:sp>
+        <p:nvSpPr>
+          <p:cNvPr id="11" name="Footer Placeholder 1"/>
+          <p:cNvSpPr>
+            <a:spLocks noGrp="1"/>
+          </p:cNvSpPr>
+          <p:nvPr>
+            <p:ph type="ftr" sz="quarter" idx="11"/>
+          </p:nvPr>
+        </p:nvSpPr>
+        <p:spPr>
+          <a:xfrm>
+            <a:off x="113004" y="6424612"/>
+            <a:ext cx="1371600" cy="228600"/>
+          </a:xfrm>
+        </p:spPr>
+        <p:txBody>
+          <a:bodyPr/>
+          <a:lstStyle/>
+          <a:p>
+            <a:r>
+              <a:rPr lang="en-US"/>
+              <a:t>© Cognizant 2019</a:t>
+            </a:r>
+            <a:endParaRPr lang="en-US" dirty="0"/>
+          </a:p>
+        </p:txBody>
+      </p:sp>
+      <p:sp>
+        <p:nvSpPr>
+          <p:cNvPr id="5" name="Slide Number Placeholder 4">
+            <a:extLst>
+              <a:ext uri="{FF2B5EF4-FFF2-40B4-BE49-F238E27FC236}">
+                <a16:creationId xmlns:a16="http://schemas.microsoft.com/office/drawing/2014/main" id="{2D489FAE-4110-407B-AB52-A4EED619A748}"/>
+              </a:ext>
+            </a:extLst>
+          </p:cNvPr>
+          <p:cNvSpPr>
+            <a:spLocks noGrp="1"/>
+          </p:cNvSpPr>
+          <p:nvPr>
+            <p:ph type="sldNum" sz="quarter" idx="12"/>
+          </p:nvPr>
+        </p:nvSpPr>
+        <p:spPr/>
+        <p:txBody>
+          <a:bodyPr/>
+          <a:lstStyle/>
+          <a:p>
+            <a:fld id="{8430ED8F-F4BA-4C5B-9498-F896284E1CAD}" type="slidenum">
+              <a:rPr lang="en-US" smtClean="0"/>
+              <a:t>20</a:t>
+            </a:fld>
+            <a:endParaRPr lang="en-US"/>
+          </a:p>
+        </p:txBody>
+      </p:sp>
+    </p:spTree>
+    <p:extLst>
+      <p:ext uri="{BB962C8B-B14F-4D97-AF65-F5344CB8AC3E}">
+        <p14:creationId xmlns:p14="http://schemas.microsoft.com/office/powerpoint/2010/main" val="1845596787"/>
+      </p:ext>
+    </p:extLst>
+  </p:cSld>
+  <p:clrMapOvr>
+    <a:masterClrMapping/>
+  </p:clrMapOvr>
+</p:sld>
+</file>
+
+<file path=ppt/slides/slide21.xml><?xml version="1.0" encoding="utf-8"?>
+<p:sld xmlns:a="http://schemas.openxmlformats.org/drawingml/2006/main" xmlns:r="http://schemas.openxmlformats.org/officeDocument/2006/relationships" xmlns:p="http://schemas.openxmlformats.org/presentationml/2006/main">
+  <p:cSld>
+    <p:spTree>
+      <p:nvGrpSpPr>
+        <p:cNvPr id="1" name=""/>
+        <p:cNvGrpSpPr/>
+        <p:nvPr/>
+      </p:nvGrpSpPr>
+      <p:grpSpPr>
+        <a:xfrm>
+          <a:off x="0" y="0"/>
+          <a:ext cx="0" cy="0"/>
+          <a:chOff x="0" y="0"/>
+          <a:chExt cx="0" cy="0"/>
+        </a:xfrm>
+      </p:grpSpPr>
+      <p:sp>
+        <p:nvSpPr>
+          <p:cNvPr id="2" name="Title 1"/>
+          <p:cNvSpPr>
+            <a:spLocks noGrp="1"/>
+          </p:cNvSpPr>
+          <p:nvPr>
+            <p:ph type="title"/>
+          </p:nvPr>
+        </p:nvSpPr>
+        <p:spPr>
+          <a:xfrm>
+            <a:off x="3124200" y="0"/>
+            <a:ext cx="4396273" cy="577267"/>
+          </a:xfrm>
+        </p:spPr>
+        <p:txBody>
+          <a:bodyPr>
+            <a:normAutofit fontScale="90000"/>
+          </a:bodyPr>
+          <a:lstStyle/>
+          <a:p>
+            <a:r>
+              <a:rPr lang="en-US" dirty="0"/>
+              <a:t>Two-Way Binding</a:t>
+            </a:r>
+          </a:p>
+        </p:txBody>
+      </p:sp>
+      <p:sp>
+        <p:nvSpPr>
+          <p:cNvPr id="15" name="Rectangle 14"/>
+          <p:cNvSpPr/>
+          <p:nvPr/>
+        </p:nvSpPr>
+        <p:spPr>
+          <a:xfrm>
+            <a:off x="1981200" y="1143001"/>
+            <a:ext cx="8229600" cy="2985433"/>
+          </a:xfrm>
+          <a:prstGeom prst="rect">
+            <a:avLst/>
+          </a:prstGeom>
+        </p:spPr>
+        <p:txBody>
+          <a:bodyPr wrap="square">
+            <a:spAutoFit/>
+          </a:bodyPr>
+          <a:lstStyle/>
+          <a:p>
+            <a:pPr marL="285750" indent="-285750">
+              <a:buFont typeface="Arial" panose="020B0604020202020204" pitchFamily="34" charset="0"/>
+              <a:buChar char="•"/>
+            </a:pPr>
+            <a:r>
+              <a:rPr lang="en-US" dirty="0">
+                <a:latin typeface="Arial" panose="020B0604020202020204" pitchFamily="34" charset="0"/>
+                <a:cs typeface="Arial" panose="020B0604020202020204" pitchFamily="34" charset="0"/>
+              </a:rPr>
+              <a:t>Two-way data binding combines the input and output binding into a single notation using the ngModel directive.</a:t>
+            </a:r>
+          </a:p>
+          <a:p>
+            <a:pPr marL="285750" indent="-285750">
+              <a:buFont typeface="Arial" panose="020B0604020202020204" pitchFamily="34" charset="0"/>
+              <a:buChar char="•"/>
+            </a:pPr>
+            <a:endParaRPr lang="en-US" dirty="0">
+              <a:latin typeface="Arial" panose="020B0604020202020204" pitchFamily="34" charset="0"/>
+              <a:cs typeface="Arial" panose="020B0604020202020204" pitchFamily="34" charset="0"/>
+            </a:endParaRPr>
+          </a:p>
+          <a:p>
+            <a:pPr marL="285750" indent="-285750">
+              <a:buFont typeface="Arial" panose="020B0604020202020204" pitchFamily="34" charset="0"/>
+              <a:buChar char="•"/>
+            </a:pPr>
+            <a:r>
+              <a:rPr lang="en-US" dirty="0">
+                <a:latin typeface="Arial" panose="020B0604020202020204" pitchFamily="34" charset="0"/>
+                <a:cs typeface="Arial" panose="020B0604020202020204" pitchFamily="34" charset="0"/>
+              </a:rPr>
+              <a:t>The following statement:</a:t>
+            </a:r>
+          </a:p>
+          <a:p>
+            <a:pPr marL="285750" indent="-285750">
+              <a:buFont typeface="Arial" panose="020B0604020202020204" pitchFamily="34" charset="0"/>
+              <a:buChar char="•"/>
+            </a:pPr>
+            <a:endParaRPr lang="en-US" sz="2000" dirty="0"/>
+          </a:p>
+          <a:p>
+            <a:pPr marL="285750" indent="-285750">
+              <a:buFont typeface="Arial" panose="020B0604020202020204" pitchFamily="34" charset="0"/>
+              <a:buChar char="•"/>
+            </a:pPr>
+            <a:endParaRPr lang="en-US" sz="2000" dirty="0"/>
+          </a:p>
+          <a:p>
+            <a:r>
+              <a:rPr lang="en-US" dirty="0">
+                <a:latin typeface="Arial" panose="020B0604020202020204" pitchFamily="34" charset="0"/>
+                <a:cs typeface="Arial" panose="020B0604020202020204" pitchFamily="34" charset="0"/>
+              </a:rPr>
+              <a:t>    is the same as:</a:t>
+            </a:r>
+          </a:p>
+          <a:p>
+            <a:endParaRPr lang="en-US" sz="2000" dirty="0"/>
+          </a:p>
+          <a:p>
+            <a:endParaRPr lang="en-US" sz="2000" dirty="0"/>
+          </a:p>
+          <a:p>
+            <a:pPr marL="342900" indent="-342900">
+              <a:buFont typeface="Arial" panose="020B0604020202020204" pitchFamily="34" charset="0"/>
+              <a:buChar char="•"/>
+            </a:pPr>
+            <a:endParaRPr lang="en-US" dirty="0">
+              <a:solidFill>
+                <a:srgbClr val="FF66FF"/>
+              </a:solidFill>
+              <a:latin typeface="Arial" panose="020B0604020202020204" pitchFamily="34" charset="0"/>
+              <a:cs typeface="Arial" panose="020B0604020202020204" pitchFamily="34" charset="0"/>
+            </a:endParaRPr>
+          </a:p>
+        </p:txBody>
+      </p:sp>
+      <p:sp>
+        <p:nvSpPr>
+          <p:cNvPr id="4" name="TextBox 3"/>
+          <p:cNvSpPr txBox="1"/>
+          <p:nvPr/>
+        </p:nvSpPr>
+        <p:spPr>
+          <a:xfrm>
+            <a:off x="2365248" y="2435424"/>
+            <a:ext cx="7562088" cy="369332"/>
+          </a:xfrm>
+          <a:prstGeom prst="rect">
+            <a:avLst/>
+          </a:prstGeom>
+          <a:solidFill>
+            <a:schemeClr val="tx1"/>
+          </a:solidFill>
+          <a:ln>
+            <a:noFill/>
+          </a:ln>
+        </p:spPr>
+        <p:txBody>
+          <a:bodyPr wrap="square" rtlCol="0">
+            <a:spAutoFit/>
+          </a:bodyPr>
+          <a:lstStyle/>
+          <a:p>
+            <a:r>
+              <a:rPr lang="en-US" dirty="0">
+                <a:solidFill>
+                  <a:schemeClr val="bg1"/>
+                </a:solidFill>
+                <a:latin typeface="Courier New" panose="02070309020205020404" pitchFamily="49" charset="0"/>
+                <a:cs typeface="Courier New" panose="02070309020205020404" pitchFamily="49" charset="0"/>
+              </a:rPr>
+              <a:t>&lt;input [(ngModel)]="name"&gt;</a:t>
+            </a:r>
+          </a:p>
+        </p:txBody>
+      </p:sp>
+      <p:sp>
+        <p:nvSpPr>
+          <p:cNvPr id="7" name="TextBox 6"/>
+          <p:cNvSpPr txBox="1"/>
+          <p:nvPr/>
+        </p:nvSpPr>
+        <p:spPr>
+          <a:xfrm>
+            <a:off x="2365248" y="3426024"/>
+            <a:ext cx="7562088" cy="369332"/>
+          </a:xfrm>
+          <a:prstGeom prst="rect">
+            <a:avLst/>
+          </a:prstGeom>
+          <a:solidFill>
+            <a:schemeClr val="tx1"/>
+          </a:solidFill>
+          <a:ln>
+            <a:noFill/>
+          </a:ln>
+        </p:spPr>
+        <p:txBody>
+          <a:bodyPr wrap="square" rtlCol="0">
+            <a:spAutoFit/>
+          </a:bodyPr>
+          <a:lstStyle/>
+          <a:p>
+            <a:r>
+              <a:rPr lang="en-US" dirty="0">
+                <a:solidFill>
+                  <a:schemeClr val="bg1"/>
+                </a:solidFill>
+                <a:latin typeface="Courier New" panose="02070309020205020404" pitchFamily="49" charset="0"/>
+                <a:cs typeface="Courier New" panose="02070309020205020404" pitchFamily="49" charset="0"/>
+              </a:rPr>
+              <a:t>&lt;input [ngModel]="name" (ngModelChange)="name=$event"&gt;</a:t>
+            </a:r>
+          </a:p>
+        </p:txBody>
+      </p:sp>
+      <p:sp>
+        <p:nvSpPr>
+          <p:cNvPr id="6" name="Footer Placeholder 1"/>
+          <p:cNvSpPr>
+            <a:spLocks noGrp="1"/>
+          </p:cNvSpPr>
+          <p:nvPr>
+            <p:ph type="ftr" sz="quarter" idx="11"/>
+          </p:nvPr>
+        </p:nvSpPr>
+        <p:spPr>
+          <a:xfrm>
+            <a:off x="1531257" y="6553200"/>
+            <a:ext cx="1371600" cy="228600"/>
+          </a:xfrm>
+        </p:spPr>
+        <p:txBody>
+          <a:bodyPr/>
+          <a:lstStyle/>
+          <a:p>
+            <a:r>
+              <a:rPr lang="en-US"/>
+              <a:t>© Cognizant 2019</a:t>
+            </a:r>
+            <a:endParaRPr lang="en-US" dirty="0"/>
+          </a:p>
+        </p:txBody>
+      </p:sp>
+      <p:sp>
+        <p:nvSpPr>
+          <p:cNvPr id="3" name="Slide Number Placeholder 2"/>
+          <p:cNvSpPr>
+            <a:spLocks noGrp="1"/>
+          </p:cNvSpPr>
+          <p:nvPr>
+            <p:ph type="sldNum" sz="quarter" idx="12"/>
+          </p:nvPr>
+        </p:nvSpPr>
+        <p:spPr/>
+        <p:txBody>
+          <a:bodyPr/>
+          <a:lstStyle/>
+          <a:p>
+            <a:fld id="{E7AF38FF-B38D-4060-8B8D-2D16AAFBAAC1}" type="slidenum">
+              <a:rPr lang="en-US" smtClean="0"/>
+              <a:pPr/>
+              <a:t>21</a:t>
+            </a:fld>
+            <a:endParaRPr lang="en-US" dirty="0"/>
+          </a:p>
+        </p:txBody>
+      </p:sp>
+    </p:spTree>
+    <p:extLst>
+      <p:ext uri="{BB962C8B-B14F-4D97-AF65-F5344CB8AC3E}">
+        <p14:creationId xmlns:p14="http://schemas.microsoft.com/office/powerpoint/2010/main" val="4131055893"/>
       </p:ext>
     </p:extLst>
   </p:cSld>
@@ -9539,7 +9506,7 @@
       </p:grpSpPr>
       <p:sp>
         <p:nvSpPr>
-          <p:cNvPr id="2" name="Title 1"/>
+          <p:cNvPr id="3" name="Title 2"/>
           <p:cNvSpPr>
             <a:spLocks noGrp="1"/>
           </p:cNvSpPr>
@@ -9549,646 +9516,323 @@
         </p:nvSpPr>
         <p:spPr>
           <a:xfrm>
-            <a:off x="3110204" y="0"/>
-            <a:ext cx="3061996" cy="629871"/>
-          </a:xfrm>
-        </p:spPr>
-        <p:txBody>
-          <a:bodyPr>
-            <a:normAutofit fontScale="90000"/>
-          </a:bodyPr>
-          <a:lstStyle/>
-          <a:p>
-            <a:r>
-              <a:rPr lang="en-US" dirty="0"/>
-              <a:t>Data Binding</a:t>
-            </a:r>
-          </a:p>
-        </p:txBody>
-      </p:sp>
-      <p:sp>
-        <p:nvSpPr>
-          <p:cNvPr id="3" name="Rectangle 2"/>
-          <p:cNvSpPr/>
+            <a:off x="3170853" y="-104582"/>
+            <a:ext cx="5829298" cy="791871"/>
+          </a:xfrm>
+        </p:spPr>
+        <p:txBody>
+          <a:bodyPr/>
+          <a:lstStyle/>
+          <a:p>
+            <a:r>
+              <a:rPr lang="en-US" b="1" dirty="0">
+                <a:solidFill>
+                  <a:schemeClr val="bg1"/>
+                </a:solidFill>
+              </a:rPr>
+              <a:t>Practice – HelloAngular</a:t>
+            </a:r>
+          </a:p>
+        </p:txBody>
+      </p:sp>
+      <p:pic>
+        <p:nvPicPr>
+          <p:cNvPr id="7" name="Picture 6"/>
+          <p:cNvPicPr>
+            <a:picLocks noChangeAspect="1"/>
+          </p:cNvPicPr>
           <p:nvPr/>
-        </p:nvSpPr>
-        <p:spPr>
-          <a:xfrm>
-            <a:off x="2057400" y="838201"/>
-            <a:ext cx="8229600" cy="7417415"/>
+        </p:nvPicPr>
+        <p:blipFill>
+          <a:blip r:embed="rId3" cstate="print">
+            <a:extLst>
+              <a:ext uri="{28A0092B-C50C-407E-A947-70E740481C1C}">
+                <a14:useLocalDpi xmlns:a14="http://schemas.microsoft.com/office/drawing/2010/main" val="0"/>
+              </a:ext>
+            </a:extLst>
+          </a:blip>
+          <a:stretch>
+            <a:fillRect/>
+          </a:stretch>
+        </p:blipFill>
+        <p:spPr>
+          <a:xfrm>
+            <a:off x="205641" y="1003132"/>
+            <a:ext cx="1589293" cy="1589293"/>
           </a:xfrm>
           <a:prstGeom prst="rect">
             <a:avLst/>
           </a:prstGeom>
         </p:spPr>
-        <p:txBody>
-          <a:bodyPr wrap="square">
-            <a:spAutoFit/>
-          </a:bodyPr>
-          <a:lstStyle/>
-          <a:p>
-            <a:r>
-              <a:rPr lang="en-US" sz="1700" dirty="0">
-                <a:latin typeface="Arial" panose="020B0604020202020204" pitchFamily="34" charset="0"/>
-                <a:cs typeface="Arial" panose="020B0604020202020204" pitchFamily="34" charset="0"/>
-              </a:rPr>
-              <a:t>Data binding signifies how and what kind of data is bound between a component and its template.</a:t>
-            </a:r>
-          </a:p>
-          <a:p>
-            <a:pPr marL="285750" indent="-285750">
-              <a:buFont typeface="Arial" panose="020B0604020202020204" pitchFamily="34" charset="0"/>
-              <a:buChar char="•"/>
-            </a:pPr>
-            <a:endParaRPr lang="en-US" sz="1700" dirty="0">
-              <a:latin typeface="Arial" panose="020B0604020202020204" pitchFamily="34" charset="0"/>
-              <a:cs typeface="Arial" panose="020B0604020202020204" pitchFamily="34" charset="0"/>
-            </a:endParaRPr>
-          </a:p>
-          <a:p>
-            <a:pPr marL="742950" lvl="1" indent="-285750">
-              <a:buFont typeface="Arial" panose="020B0604020202020204" pitchFamily="34" charset="0"/>
-              <a:buChar char="•"/>
-            </a:pPr>
-            <a:r>
-              <a:rPr lang="en-US" sz="1700" b="1" dirty="0">
-                <a:latin typeface="Arial" panose="020B0604020202020204" pitchFamily="34" charset="0"/>
-                <a:cs typeface="Arial" panose="020B0604020202020204" pitchFamily="34" charset="0"/>
-              </a:rPr>
-              <a:t>Interpolation</a:t>
-            </a:r>
-            <a:r>
-              <a:rPr lang="en-US" sz="1700" dirty="0">
-                <a:latin typeface="Arial" panose="020B0604020202020204" pitchFamily="34" charset="0"/>
-                <a:cs typeface="Arial" panose="020B0604020202020204" pitchFamily="34" charset="0"/>
-              </a:rPr>
-              <a:t> – binds component properties in output template.  It uses {{}}.</a:t>
-            </a:r>
-            <a:endParaRPr lang="en-US" sz="1700" dirty="0">
-              <a:solidFill>
-                <a:srgbClr val="FF66FF"/>
-              </a:solidFill>
-              <a:latin typeface="Arial" panose="020B0604020202020204" pitchFamily="34" charset="0"/>
-              <a:cs typeface="Arial" panose="020B0604020202020204" pitchFamily="34" charset="0"/>
-            </a:endParaRPr>
-          </a:p>
-          <a:p>
-            <a:pPr lvl="1"/>
-            <a:endParaRPr lang="en-US" sz="1700" dirty="0">
-              <a:latin typeface="Arial" panose="020B0604020202020204" pitchFamily="34" charset="0"/>
-              <a:cs typeface="Arial" panose="020B0604020202020204" pitchFamily="34" charset="0"/>
-            </a:endParaRPr>
-          </a:p>
-          <a:p>
-            <a:pPr marL="742950" lvl="1" indent="-285750">
-              <a:buFont typeface="Arial" panose="020B0604020202020204" pitchFamily="34" charset="0"/>
-              <a:buChar char="•"/>
-            </a:pPr>
-            <a:endParaRPr lang="en-US" sz="1700" dirty="0">
-              <a:latin typeface="Arial" panose="020B0604020202020204" pitchFamily="34" charset="0"/>
-              <a:cs typeface="Arial" panose="020B0604020202020204" pitchFamily="34" charset="0"/>
-            </a:endParaRPr>
-          </a:p>
-          <a:p>
-            <a:pPr marL="742950" lvl="1" indent="-285750">
-              <a:buFont typeface="Arial" panose="020B0604020202020204" pitchFamily="34" charset="0"/>
-              <a:buChar char="•"/>
-            </a:pPr>
-            <a:endParaRPr lang="en-US" sz="1700" b="1" dirty="0">
-              <a:latin typeface="Arial" panose="020B0604020202020204" pitchFamily="34" charset="0"/>
-              <a:cs typeface="Arial" panose="020B0604020202020204" pitchFamily="34" charset="0"/>
-            </a:endParaRPr>
-          </a:p>
-          <a:p>
-            <a:pPr marL="742950" lvl="1" indent="-285750">
-              <a:buFont typeface="Arial" panose="020B0604020202020204" pitchFamily="34" charset="0"/>
-              <a:buChar char="•"/>
-            </a:pPr>
-            <a:r>
-              <a:rPr lang="en-US" sz="1700" b="1" dirty="0">
-                <a:latin typeface="Arial" panose="020B0604020202020204" pitchFamily="34" charset="0"/>
-                <a:cs typeface="Arial" panose="020B0604020202020204" pitchFamily="34" charset="0"/>
-              </a:rPr>
-              <a:t>Property Binding</a:t>
-            </a:r>
-            <a:r>
-              <a:rPr lang="en-US" sz="1700" dirty="0">
-                <a:latin typeface="Arial" panose="020B0604020202020204" pitchFamily="34" charset="0"/>
-                <a:cs typeface="Arial" panose="020B0604020202020204" pitchFamily="34" charset="0"/>
-              </a:rPr>
-              <a:t> – flows data from the component to the element. Uses []</a:t>
-            </a:r>
-            <a:r>
-              <a:rPr lang="en-US" sz="1700" dirty="0">
-                <a:solidFill>
-                  <a:srgbClr val="FF66FF"/>
-                </a:solidFill>
-                <a:latin typeface="Arial" panose="020B0604020202020204" pitchFamily="34" charset="0"/>
-                <a:cs typeface="Arial" panose="020B0604020202020204" pitchFamily="34" charset="0"/>
-              </a:rPr>
-              <a:t>.</a:t>
-            </a:r>
-            <a:endParaRPr lang="en-US" sz="1700" dirty="0">
-              <a:latin typeface="Arial" panose="020B0604020202020204" pitchFamily="34" charset="0"/>
-              <a:cs typeface="Arial" panose="020B0604020202020204" pitchFamily="34" charset="0"/>
-            </a:endParaRPr>
-          </a:p>
-          <a:p>
-            <a:pPr marL="742950" lvl="1" indent="-285750">
-              <a:buFont typeface="Arial" panose="020B0604020202020204" pitchFamily="34" charset="0"/>
-              <a:buChar char="•"/>
-            </a:pPr>
-            <a:endParaRPr lang="en-US" sz="1700" b="1" dirty="0">
-              <a:latin typeface="Arial" panose="020B0604020202020204" pitchFamily="34" charset="0"/>
-              <a:cs typeface="Arial" panose="020B0604020202020204" pitchFamily="34" charset="0"/>
-            </a:endParaRPr>
-          </a:p>
-          <a:p>
-            <a:pPr marL="742950" lvl="1" indent="-285750">
-              <a:buFont typeface="Arial" panose="020B0604020202020204" pitchFamily="34" charset="0"/>
-              <a:buChar char="•"/>
-            </a:pPr>
-            <a:endParaRPr lang="en-US" sz="1700" b="1" dirty="0">
-              <a:latin typeface="Arial" panose="020B0604020202020204" pitchFamily="34" charset="0"/>
-              <a:cs typeface="Arial" panose="020B0604020202020204" pitchFamily="34" charset="0"/>
-            </a:endParaRPr>
-          </a:p>
-          <a:p>
-            <a:pPr lvl="1"/>
-            <a:endParaRPr lang="en-US" sz="1700" b="1" dirty="0">
-              <a:latin typeface="Arial" panose="020B0604020202020204" pitchFamily="34" charset="0"/>
-              <a:cs typeface="Arial" panose="020B0604020202020204" pitchFamily="34" charset="0"/>
-            </a:endParaRPr>
-          </a:p>
-          <a:p>
-            <a:pPr marL="742950" lvl="1" indent="-285750">
-              <a:buFont typeface="Arial" panose="020B0604020202020204" pitchFamily="34" charset="0"/>
-              <a:buChar char="•"/>
-            </a:pPr>
-            <a:r>
-              <a:rPr lang="en-US" sz="1700" b="1" dirty="0">
-                <a:latin typeface="Arial" panose="020B0604020202020204" pitchFamily="34" charset="0"/>
-                <a:cs typeface="Arial" panose="020B0604020202020204" pitchFamily="34" charset="0"/>
-              </a:rPr>
-              <a:t>Event Binding</a:t>
-            </a:r>
-            <a:r>
-              <a:rPr lang="en-US" sz="1700" dirty="0">
-                <a:latin typeface="Arial" panose="020B0604020202020204" pitchFamily="34" charset="0"/>
-                <a:cs typeface="Arial" panose="020B0604020202020204" pitchFamily="34" charset="0"/>
-              </a:rPr>
-              <a:t> – flows data from an element to the component. Uses ()</a:t>
-            </a:r>
-            <a:r>
-              <a:rPr lang="en-US" sz="1700" dirty="0">
-                <a:solidFill>
-                  <a:srgbClr val="FF66FF"/>
-                </a:solidFill>
-                <a:latin typeface="Arial" panose="020B0604020202020204" pitchFamily="34" charset="0"/>
-                <a:cs typeface="Arial" panose="020B0604020202020204" pitchFamily="34" charset="0"/>
-              </a:rPr>
-              <a:t>.</a:t>
-            </a:r>
-            <a:endParaRPr lang="en-US" sz="1700" dirty="0">
-              <a:latin typeface="Arial" panose="020B0604020202020204" pitchFamily="34" charset="0"/>
-              <a:cs typeface="Arial" panose="020B0604020202020204" pitchFamily="34" charset="0"/>
-            </a:endParaRPr>
-          </a:p>
-          <a:p>
-            <a:pPr marL="742950" lvl="1" indent="-285750">
-              <a:buFont typeface="Arial" panose="020B0604020202020204" pitchFamily="34" charset="0"/>
-              <a:buChar char="•"/>
-            </a:pPr>
-            <a:endParaRPr lang="en-US" sz="1700" dirty="0">
-              <a:latin typeface="Arial" panose="020B0604020202020204" pitchFamily="34" charset="0"/>
-              <a:cs typeface="Arial" panose="020B0604020202020204" pitchFamily="34" charset="0"/>
-            </a:endParaRPr>
-          </a:p>
-          <a:p>
-            <a:pPr marL="742950" lvl="1" indent="-285750">
-              <a:buFont typeface="Arial" panose="020B0604020202020204" pitchFamily="34" charset="0"/>
-              <a:buChar char="•"/>
-            </a:pPr>
-            <a:endParaRPr lang="en-US" sz="1700" dirty="0">
-              <a:latin typeface="Arial" panose="020B0604020202020204" pitchFamily="34" charset="0"/>
-              <a:cs typeface="Arial" panose="020B0604020202020204" pitchFamily="34" charset="0"/>
-            </a:endParaRPr>
-          </a:p>
-          <a:p>
-            <a:pPr marL="742950" lvl="1" indent="-285750">
-              <a:buFont typeface="Arial" panose="020B0604020202020204" pitchFamily="34" charset="0"/>
-              <a:buChar char="•"/>
-            </a:pPr>
-            <a:endParaRPr lang="en-US" sz="1700" b="1" dirty="0">
-              <a:latin typeface="Arial" panose="020B0604020202020204" pitchFamily="34" charset="0"/>
-              <a:cs typeface="Arial" panose="020B0604020202020204" pitchFamily="34" charset="0"/>
-            </a:endParaRPr>
-          </a:p>
-          <a:p>
-            <a:pPr marL="742950" lvl="1" indent="-285750">
-              <a:buFont typeface="Arial" panose="020B0604020202020204" pitchFamily="34" charset="0"/>
-              <a:buChar char="•"/>
-            </a:pPr>
-            <a:r>
-              <a:rPr lang="en-US" sz="1700" b="1" dirty="0">
-                <a:latin typeface="Arial" panose="020B0604020202020204" pitchFamily="34" charset="0"/>
-                <a:cs typeface="Arial" panose="020B0604020202020204" pitchFamily="34" charset="0"/>
-              </a:rPr>
-              <a:t>Two-Way Binding</a:t>
-            </a:r>
-            <a:r>
-              <a:rPr lang="en-US" sz="1700" dirty="0">
-                <a:latin typeface="Arial" panose="020B0604020202020204" pitchFamily="34" charset="0"/>
-                <a:cs typeface="Arial" panose="020B0604020202020204" pitchFamily="34" charset="0"/>
-              </a:rPr>
-              <a:t> – is a combination of the Event and Property Bindings. Used along with the ngModel object. *Must Import FormsModule</a:t>
-            </a:r>
-          </a:p>
-          <a:p>
-            <a:pPr marL="742950" lvl="1" indent="-285750">
-              <a:buFont typeface="Arial" panose="020B0604020202020204" pitchFamily="34" charset="0"/>
-              <a:buChar char="•"/>
-            </a:pPr>
-            <a:endParaRPr lang="en-US" sz="1700" dirty="0">
-              <a:latin typeface="Arial" panose="020B0604020202020204" pitchFamily="34" charset="0"/>
-              <a:cs typeface="Arial" panose="020B0604020202020204" pitchFamily="34" charset="0"/>
-            </a:endParaRPr>
-          </a:p>
-          <a:p>
-            <a:pPr marL="742950" lvl="1" indent="-285750">
-              <a:buFont typeface="Arial" panose="020B0604020202020204" pitchFamily="34" charset="0"/>
-              <a:buChar char="•"/>
-            </a:pPr>
-            <a:endParaRPr lang="en-US" sz="1700" dirty="0">
-              <a:latin typeface="Arial" panose="020B0604020202020204" pitchFamily="34" charset="0"/>
-              <a:cs typeface="Arial" panose="020B0604020202020204" pitchFamily="34" charset="0"/>
-            </a:endParaRPr>
-          </a:p>
-          <a:p>
-            <a:pPr marL="742950" lvl="1" indent="-285750">
-              <a:buFont typeface="Arial" panose="020B0604020202020204" pitchFamily="34" charset="0"/>
-              <a:buChar char="•"/>
-            </a:pPr>
-            <a:endParaRPr lang="en-US" sz="1700" dirty="0">
-              <a:latin typeface="Arial" panose="020B0604020202020204" pitchFamily="34" charset="0"/>
-              <a:cs typeface="Arial" panose="020B0604020202020204" pitchFamily="34" charset="0"/>
-            </a:endParaRPr>
-          </a:p>
-          <a:p>
-            <a:pPr marL="742950" lvl="1" indent="-285750">
-              <a:buFont typeface="Arial" panose="020B0604020202020204" pitchFamily="34" charset="0"/>
-              <a:buChar char="•"/>
-            </a:pPr>
-            <a:endParaRPr lang="en-US" sz="1700" dirty="0">
-              <a:latin typeface="Arial" panose="020B0604020202020204" pitchFamily="34" charset="0"/>
-              <a:cs typeface="Arial" panose="020B0604020202020204" pitchFamily="34" charset="0"/>
-            </a:endParaRPr>
-          </a:p>
-          <a:p>
-            <a:pPr marL="742950" lvl="1" indent="-285750">
-              <a:buFont typeface="Arial" panose="020B0604020202020204" pitchFamily="34" charset="0"/>
-              <a:buChar char="•"/>
-            </a:pPr>
-            <a:endParaRPr lang="en-US" sz="1700" b="1" dirty="0">
-              <a:latin typeface="Arial" panose="020B0604020202020204" pitchFamily="34" charset="0"/>
-              <a:cs typeface="Arial" panose="020B0604020202020204" pitchFamily="34" charset="0"/>
-            </a:endParaRPr>
-          </a:p>
-          <a:p>
-            <a:pPr marL="742950" lvl="1" indent="-285750">
-              <a:buFont typeface="Arial" panose="020B0604020202020204" pitchFamily="34" charset="0"/>
-              <a:buChar char="•"/>
-            </a:pPr>
-            <a:endParaRPr lang="en-US" sz="1700" dirty="0">
-              <a:latin typeface="Arial" panose="020B0604020202020204" pitchFamily="34" charset="0"/>
-              <a:cs typeface="Arial" panose="020B0604020202020204" pitchFamily="34" charset="0"/>
-            </a:endParaRPr>
-          </a:p>
-          <a:p>
-            <a:pPr marL="742950" lvl="1" indent="-285750">
-              <a:buFont typeface="Arial" panose="020B0604020202020204" pitchFamily="34" charset="0"/>
-              <a:buChar char="•"/>
-            </a:pPr>
-            <a:endParaRPr lang="en-US" sz="1700" dirty="0">
-              <a:latin typeface="Arial" panose="020B0604020202020204" pitchFamily="34" charset="0"/>
-              <a:cs typeface="Arial" panose="020B0604020202020204" pitchFamily="34" charset="0"/>
-            </a:endParaRPr>
-          </a:p>
-          <a:p>
-            <a:pPr marL="742950" lvl="1" indent="-285750">
-              <a:buFont typeface="Arial" panose="020B0604020202020204" pitchFamily="34" charset="0"/>
-              <a:buChar char="•"/>
-            </a:pPr>
-            <a:endParaRPr lang="en-US" sz="1700" dirty="0">
-              <a:latin typeface="Arial" panose="020B0604020202020204" pitchFamily="34" charset="0"/>
-              <a:cs typeface="Arial" panose="020B0604020202020204" pitchFamily="34" charset="0"/>
-            </a:endParaRPr>
-          </a:p>
-          <a:p>
-            <a:pPr marL="742950" lvl="1" indent="-285750">
-              <a:buFont typeface="Arial" panose="020B0604020202020204" pitchFamily="34" charset="0"/>
-              <a:buChar char="•"/>
-            </a:pPr>
-            <a:endParaRPr lang="en-US" sz="1700" dirty="0">
-              <a:latin typeface="Arial" panose="020B0604020202020204" pitchFamily="34" charset="0"/>
-              <a:cs typeface="Arial" panose="020B0604020202020204" pitchFamily="34" charset="0"/>
-            </a:endParaRPr>
-          </a:p>
-          <a:p>
-            <a:pPr marL="742950" lvl="1" indent="-285750">
-              <a:buFont typeface="Arial" panose="020B0604020202020204" pitchFamily="34" charset="0"/>
-              <a:buChar char="•"/>
-            </a:pPr>
-            <a:endParaRPr lang="en-US" sz="1700" dirty="0"/>
-          </a:p>
-        </p:txBody>
-      </p:sp>
-      <p:sp>
-        <p:nvSpPr>
-          <p:cNvPr id="4" name="Rectangle 3"/>
-          <p:cNvSpPr/>
+      </p:pic>
+      <p:sp>
+        <p:nvSpPr>
+          <p:cNvPr id="8" name="Footer Placeholder 1"/>
+          <p:cNvSpPr>
+            <a:spLocks noGrp="1"/>
+          </p:cNvSpPr>
+          <p:nvPr>
+            <p:ph type="ftr" sz="quarter" idx="11"/>
+          </p:nvPr>
+        </p:nvSpPr>
+        <p:spPr>
+          <a:xfrm>
+            <a:off x="176827" y="6490977"/>
+            <a:ext cx="1371600" cy="228600"/>
+          </a:xfrm>
+        </p:spPr>
+        <p:txBody>
+          <a:bodyPr/>
+          <a:lstStyle/>
+          <a:p>
+            <a:r>
+              <a:rPr lang="en-US"/>
+              <a:t>© Cognizant 2019</a:t>
+            </a:r>
+            <a:endParaRPr lang="en-US" dirty="0"/>
+          </a:p>
+        </p:txBody>
+      </p:sp>
+      <p:sp>
+        <p:nvSpPr>
+          <p:cNvPr id="2" name="TextBox 1"/>
+          <p:cNvSpPr txBox="1"/>
           <p:nvPr/>
         </p:nvSpPr>
         <p:spPr>
           <a:xfrm>
-            <a:off x="2514600" y="2078472"/>
-            <a:ext cx="7559494" cy="304800"/>
+            <a:off x="2021501" y="858056"/>
+            <a:ext cx="9809254" cy="4801314"/>
           </a:xfrm>
           <a:prstGeom prst="rect">
             <a:avLst/>
           </a:prstGeom>
-          <a:solidFill>
-            <a:schemeClr val="tx1"/>
-          </a:solidFill>
-          <a:ln>
-            <a:noFill/>
-          </a:ln>
-        </p:spPr>
-        <p:style>
-          <a:lnRef idx="2">
-            <a:schemeClr val="accent1">
-              <a:shade val="50000"/>
-            </a:schemeClr>
-          </a:lnRef>
-          <a:fillRef idx="1">
-            <a:schemeClr val="accent1"/>
-          </a:fillRef>
-          <a:effectRef idx="0">
-            <a:schemeClr val="accent1"/>
-          </a:effectRef>
-          <a:fontRef idx="minor">
-            <a:schemeClr val="lt1"/>
-          </a:fontRef>
-        </p:style>
-        <p:txBody>
-          <a:bodyPr rtlCol="0" anchor="ctr"/>
-          <a:lstStyle/>
-          <a:p>
-            <a:r>
-              <a:rPr lang="en-US" dirty="0">
-                <a:solidFill>
-                  <a:schemeClr val="bg1"/>
-                </a:solidFill>
-                <a:latin typeface="Courier New" panose="02070309020205020404" pitchFamily="49" charset="0"/>
-                <a:cs typeface="Courier New" panose="02070309020205020404" pitchFamily="49" charset="0"/>
-              </a:rPr>
-              <a:t>&lt;span&gt;{{interpolatedValue}}&lt;span&gt;</a:t>
-            </a:r>
-          </a:p>
-        </p:txBody>
-      </p:sp>
-      <p:sp>
-        <p:nvSpPr>
-          <p:cNvPr id="8" name="Rectangle 7"/>
-          <p:cNvSpPr/>
+          <a:noFill/>
+        </p:spPr>
+        <p:txBody>
+          <a:bodyPr wrap="square" rtlCol="0">
+            <a:spAutoFit/>
+          </a:bodyPr>
+          <a:lstStyle/>
+          <a:p>
+            <a:r>
+              <a:rPr lang="en-US" dirty="0"/>
+              <a:t>Property Binding Practice:</a:t>
+            </a:r>
+          </a:p>
+          <a:p>
+            <a:pPr marL="342900" indent="-342900">
+              <a:buFont typeface="+mj-lt"/>
+              <a:buAutoNum type="arabicPeriod"/>
+            </a:pPr>
+            <a:r>
+              <a:rPr lang="en-US" dirty="0"/>
+              <a:t>Add [style.color]=‘myColor’ property binding to the h2 element in app.component.html</a:t>
+            </a:r>
+          </a:p>
+          <a:p>
+            <a:pPr marL="342900" indent="-342900">
+              <a:buFont typeface="+mj-lt"/>
+              <a:buAutoNum type="arabicPeriod"/>
+            </a:pPr>
+            <a:endParaRPr lang="en-US" dirty="0"/>
+          </a:p>
+          <a:p>
+            <a:pPr marL="342900" indent="-342900">
+              <a:buFont typeface="+mj-lt"/>
+              <a:buAutoNum type="arabicPeriod"/>
+            </a:pPr>
+            <a:endParaRPr lang="en-US" dirty="0"/>
+          </a:p>
+          <a:p>
+            <a:pPr marL="342900" indent="-342900">
+              <a:buFont typeface="+mj-lt"/>
+              <a:buAutoNum type="arabicPeriod"/>
+            </a:pPr>
+            <a:r>
+              <a:rPr lang="en-US" dirty="0"/>
+              <a:t>Add myColor property to app.component.ts.  Make it a string type and assign it a literal that is your favorite color.  Verify that the h2 color changed in your app (it should be served to observe this )</a:t>
+            </a:r>
+          </a:p>
+          <a:p>
+            <a:pPr marL="342900" indent="-342900">
+              <a:buFont typeface="+mj-lt"/>
+              <a:buAutoNum type="arabicPeriod"/>
+            </a:pPr>
+            <a:endParaRPr lang="en-US" dirty="0"/>
+          </a:p>
+          <a:p>
+            <a:pPr marL="342900" indent="-342900">
+              <a:buFont typeface="+mj-lt"/>
+              <a:buAutoNum type="arabicPeriod"/>
+            </a:pPr>
+            <a:endParaRPr lang="en-US" dirty="0"/>
+          </a:p>
+          <a:p>
+            <a:pPr marL="342900" indent="-342900">
+              <a:buFont typeface="+mj-lt"/>
+              <a:buAutoNum type="arabicPeriod"/>
+            </a:pPr>
+            <a:endParaRPr lang="en-US" dirty="0"/>
+          </a:p>
+          <a:p>
+            <a:pPr marL="342900" indent="-342900">
+              <a:buFont typeface="+mj-lt"/>
+              <a:buAutoNum type="arabicPeriod"/>
+            </a:pPr>
+            <a:endParaRPr lang="en-US" dirty="0"/>
+          </a:p>
+          <a:p>
+            <a:pPr marL="342900" indent="-342900">
+              <a:buFont typeface="+mj-lt"/>
+              <a:buAutoNum type="arabicPeriod"/>
+            </a:pPr>
+            <a:endParaRPr lang="en-US" dirty="0"/>
+          </a:p>
+          <a:p>
+            <a:r>
+              <a:rPr lang="en-US" dirty="0"/>
+              <a:t>Event Binding Practice:</a:t>
+            </a:r>
+          </a:p>
+          <a:p>
+            <a:pPr marL="342900" indent="-342900">
+              <a:buFont typeface="+mj-lt"/>
+              <a:buAutoNum type="arabicPeriod"/>
+            </a:pPr>
+            <a:r>
+              <a:rPr lang="en-US" dirty="0"/>
+              <a:t>Add a button with a click event that calls a function called “changeColor()”</a:t>
+            </a:r>
+          </a:p>
+          <a:p>
+            <a:pPr marL="342900" indent="-342900">
+              <a:buFont typeface="+mj-lt"/>
+              <a:buAutoNum type="arabicPeriod"/>
+            </a:pPr>
+            <a:endParaRPr lang="en-US" dirty="0"/>
+          </a:p>
+          <a:p>
+            <a:pPr marL="342900" indent="-342900">
+              <a:buFont typeface="+mj-lt"/>
+              <a:buAutoNum type="arabicPeriod"/>
+            </a:pPr>
+            <a:endParaRPr lang="en-US" dirty="0"/>
+          </a:p>
+          <a:p>
+            <a:pPr marL="342900" indent="-342900">
+              <a:buFont typeface="+mj-lt"/>
+              <a:buAutoNum type="arabicPeriod"/>
+            </a:pPr>
+            <a:r>
+              <a:rPr lang="en-US" dirty="0"/>
+              <a:t>Define the function as shown below in app.component.ts.  Verify that clicking the button changes the color.</a:t>
+            </a:r>
+          </a:p>
+        </p:txBody>
+      </p:sp>
+      <p:pic>
+        <p:nvPicPr>
+          <p:cNvPr id="5" name="Picture 4"/>
+          <p:cNvPicPr>
+            <a:picLocks noChangeAspect="1"/>
+          </p:cNvPicPr>
           <p:nvPr/>
-        </p:nvSpPr>
-        <p:spPr>
-          <a:xfrm>
-            <a:off x="1840164" y="3127111"/>
-            <a:ext cx="8908366" cy="422030"/>
+        </p:nvPicPr>
+        <p:blipFill>
+          <a:blip r:embed="rId4"/>
+          <a:stretch>
+            <a:fillRect/>
+          </a:stretch>
+        </p:blipFill>
+        <p:spPr>
+          <a:xfrm>
+            <a:off x="2474013" y="1581260"/>
+            <a:ext cx="7839075" cy="304800"/>
           </a:xfrm>
           <a:prstGeom prst="rect">
             <a:avLst/>
           </a:prstGeom>
-          <a:solidFill>
-            <a:schemeClr val="tx1"/>
-          </a:solidFill>
-          <a:ln>
-            <a:noFill/>
-          </a:ln>
-        </p:spPr>
-        <p:style>
-          <a:lnRef idx="2">
-            <a:schemeClr val="accent1">
-              <a:shade val="50000"/>
-            </a:schemeClr>
-          </a:lnRef>
-          <a:fillRef idx="1">
-            <a:schemeClr val="accent1"/>
-          </a:fillRef>
-          <a:effectRef idx="0">
-            <a:schemeClr val="accent1"/>
-          </a:effectRef>
-          <a:fontRef idx="minor">
-            <a:schemeClr val="lt1"/>
-          </a:fontRef>
-        </p:style>
-        <p:txBody>
-          <a:bodyPr rtlCol="0" anchor="ctr"/>
-          <a:lstStyle/>
-          <a:p>
-            <a:r>
-              <a:rPr lang="en-US" dirty="0">
-                <a:solidFill>
-                  <a:schemeClr val="bg1"/>
-                </a:solidFill>
-                <a:latin typeface="Courier New" panose="02070309020205020404" pitchFamily="49" charset="0"/>
-                <a:cs typeface="Courier New" panose="02070309020205020404" pitchFamily="49" charset="0"/>
-              </a:rPr>
-              <a:t>&lt;span [style.color]="componentStyle"&gt;Some colored text!&lt;/span&gt;</a:t>
-            </a:r>
-          </a:p>
-        </p:txBody>
-      </p:sp>
-      <p:sp>
-        <p:nvSpPr>
-          <p:cNvPr id="9" name="Rectangle 8"/>
-          <p:cNvSpPr/>
+        </p:spPr>
+      </p:pic>
+      <p:pic>
+        <p:nvPicPr>
+          <p:cNvPr id="9" name="Picture 8"/>
+          <p:cNvPicPr>
+            <a:picLocks noChangeAspect="1"/>
+          </p:cNvPicPr>
           <p:nvPr/>
-        </p:nvSpPr>
-        <p:spPr>
-          <a:xfrm>
-            <a:off x="2514600" y="4099976"/>
-            <a:ext cx="7559494" cy="506469"/>
+        </p:nvPicPr>
+        <p:blipFill>
+          <a:blip r:embed="rId5"/>
+          <a:stretch>
+            <a:fillRect/>
+          </a:stretch>
+        </p:blipFill>
+        <p:spPr>
+          <a:xfrm>
+            <a:off x="2496457" y="2609264"/>
+            <a:ext cx="3897094" cy="882361"/>
           </a:xfrm>
           <a:prstGeom prst="rect">
             <a:avLst/>
           </a:prstGeom>
-          <a:solidFill>
-            <a:schemeClr val="tx1"/>
-          </a:solidFill>
-          <a:ln>
-            <a:noFill/>
-          </a:ln>
-        </p:spPr>
-        <p:style>
-          <a:lnRef idx="2">
-            <a:schemeClr val="accent1">
-              <a:shade val="50000"/>
-            </a:schemeClr>
-          </a:lnRef>
-          <a:fillRef idx="1">
-            <a:schemeClr val="accent1"/>
-          </a:fillRef>
-          <a:effectRef idx="0">
-            <a:schemeClr val="accent1"/>
-          </a:effectRef>
-          <a:fontRef idx="minor">
-            <a:schemeClr val="lt1"/>
-          </a:fontRef>
-        </p:style>
-        <p:txBody>
-          <a:bodyPr rtlCol="0" anchor="ctr"/>
-          <a:lstStyle/>
-          <a:p>
-            <a:r>
-              <a:rPr lang="en-US" dirty="0">
-                <a:solidFill>
-                  <a:schemeClr val="bg1"/>
-                </a:solidFill>
-                <a:latin typeface="Courier New" panose="02070309020205020404" pitchFamily="49" charset="0"/>
-                <a:cs typeface="Courier New" panose="02070309020205020404" pitchFamily="49" charset="0"/>
-              </a:rPr>
-              <a:t>&lt;button (click)="alertTheWorld()"&gt;Click me!&lt;/button&gt;</a:t>
-            </a:r>
-          </a:p>
-        </p:txBody>
-      </p:sp>
-      <p:sp>
-        <p:nvSpPr>
-          <p:cNvPr id="10" name="Rectangle 9"/>
-          <p:cNvSpPr/>
+        </p:spPr>
+      </p:pic>
+      <p:pic>
+        <p:nvPicPr>
+          <p:cNvPr id="10" name="Picture 9"/>
+          <p:cNvPicPr>
+            <a:picLocks noChangeAspect="1"/>
+          </p:cNvPicPr>
           <p:nvPr/>
-        </p:nvSpPr>
-        <p:spPr>
-          <a:xfrm>
-            <a:off x="2817868" y="5422386"/>
-            <a:ext cx="6952957" cy="1116526"/>
+        </p:nvPicPr>
+        <p:blipFill>
+          <a:blip r:embed="rId6"/>
+          <a:stretch>
+            <a:fillRect/>
+          </a:stretch>
+        </p:blipFill>
+        <p:spPr>
+          <a:xfrm>
+            <a:off x="2496457" y="4490901"/>
+            <a:ext cx="6248400" cy="314325"/>
           </a:xfrm>
           <a:prstGeom prst="rect">
             <a:avLst/>
           </a:prstGeom>
-          <a:solidFill>
-            <a:schemeClr val="tx1"/>
-          </a:solidFill>
-          <a:ln>
-            <a:noFill/>
-          </a:ln>
-        </p:spPr>
-        <p:style>
-          <a:lnRef idx="2">
-            <a:schemeClr val="accent1">
-              <a:shade val="50000"/>
-            </a:schemeClr>
-          </a:lnRef>
-          <a:fillRef idx="1">
-            <a:schemeClr val="accent1"/>
-          </a:fillRef>
-          <a:effectRef idx="0">
-            <a:schemeClr val="accent1"/>
-          </a:effectRef>
-          <a:fontRef idx="minor">
-            <a:schemeClr val="lt1"/>
-          </a:fontRef>
-        </p:style>
-        <p:txBody>
-          <a:bodyPr rtlCol="0" anchor="ctr"/>
-          <a:lstStyle/>
-          <a:p>
-            <a:r>
-              <a:rPr lang="en-US" dirty="0">
-                <a:solidFill>
-                  <a:schemeClr val="bg1"/>
-                </a:solidFill>
-                <a:latin typeface="Courier New" panose="02070309020205020404" pitchFamily="49" charset="0"/>
-                <a:cs typeface="Courier New" panose="02070309020205020404" pitchFamily="49" charset="0"/>
-              </a:rPr>
-              <a:t>&lt;input md-input [(ngModel)]="dynamicValue"</a:t>
-            </a:r>
-          </a:p>
-          <a:p>
-            <a:r>
-              <a:rPr lang="en-US" dirty="0">
-                <a:solidFill>
-                  <a:schemeClr val="bg1"/>
-                </a:solidFill>
-                <a:latin typeface="Courier New" panose="02070309020205020404" pitchFamily="49" charset="0"/>
-                <a:cs typeface="Courier New" panose="02070309020205020404" pitchFamily="49" charset="0"/>
-              </a:rPr>
-              <a:t>placeholder="Watch the text update!" type="text"&gt;</a:t>
-            </a:r>
-          </a:p>
-          <a:p>
-            <a:r>
-              <a:rPr lang="en-US" dirty="0">
-                <a:solidFill>
-                  <a:schemeClr val="bg1"/>
-                </a:solidFill>
-                <a:latin typeface="Courier New" panose="02070309020205020404" pitchFamily="49" charset="0"/>
-                <a:cs typeface="Courier New" panose="02070309020205020404" pitchFamily="49" charset="0"/>
-              </a:rPr>
-              <a:t>&lt;br&gt;</a:t>
-            </a:r>
-          </a:p>
-          <a:p>
-            <a:r>
-              <a:rPr lang="en-US" dirty="0">
-                <a:solidFill>
-                  <a:schemeClr val="bg1"/>
-                </a:solidFill>
-                <a:latin typeface="Courier New" panose="02070309020205020404" pitchFamily="49" charset="0"/>
-                <a:cs typeface="Courier New" panose="02070309020205020404" pitchFamily="49" charset="0"/>
-              </a:rPr>
-              <a:t>&lt;span&gt;{{dynamicValue}}&lt;/span&gt;</a:t>
-            </a:r>
-          </a:p>
-        </p:txBody>
-      </p:sp>
-      <p:sp>
-        <p:nvSpPr>
-          <p:cNvPr id="11" name="Footer Placeholder 1"/>
-          <p:cNvSpPr>
-            <a:spLocks noGrp="1"/>
-          </p:cNvSpPr>
-          <p:nvPr>
-            <p:ph type="ftr" sz="quarter" idx="11"/>
-          </p:nvPr>
-        </p:nvSpPr>
-        <p:spPr>
-          <a:xfrm>
-            <a:off x="113004" y="6424612"/>
-            <a:ext cx="1371600" cy="228600"/>
-          </a:xfrm>
-        </p:spPr>
-        <p:txBody>
-          <a:bodyPr/>
-          <a:lstStyle/>
-          <a:p>
-            <a:r>
-              <a:rPr lang="en-US"/>
-              <a:t>© Cognizant 2019</a:t>
-            </a:r>
-            <a:endParaRPr lang="en-US" dirty="0"/>
-          </a:p>
-        </p:txBody>
-      </p:sp>
-      <p:sp>
-        <p:nvSpPr>
-          <p:cNvPr id="5" name="Slide Number Placeholder 4">
+        </p:spPr>
+      </p:pic>
+      <p:pic>
+        <p:nvPicPr>
+          <p:cNvPr id="11" name="Picture 10"/>
+          <p:cNvPicPr>
+            <a:picLocks noChangeAspect="1"/>
+          </p:cNvPicPr>
+          <p:nvPr/>
+        </p:nvPicPr>
+        <p:blipFill>
+          <a:blip r:embed="rId7"/>
+          <a:stretch>
+            <a:fillRect/>
+          </a:stretch>
+        </p:blipFill>
+        <p:spPr>
+          <a:xfrm>
+            <a:off x="2446952" y="5633727"/>
+            <a:ext cx="3638550" cy="857250"/>
+          </a:xfrm>
+          <a:prstGeom prst="rect">
+            <a:avLst/>
+          </a:prstGeom>
+        </p:spPr>
+      </p:pic>
+      <p:sp>
+        <p:nvSpPr>
+          <p:cNvPr id="4" name="Slide Number Placeholder 3">
             <a:extLst>
               <a:ext uri="{FF2B5EF4-FFF2-40B4-BE49-F238E27FC236}">
-                <a16:creationId xmlns:a16="http://schemas.microsoft.com/office/drawing/2014/main" id="{2D489FAE-4110-407B-AB52-A4EED619A748}"/>
+                <a16:creationId xmlns:a16="http://schemas.microsoft.com/office/drawing/2014/main" id="{68FCF349-2F95-4643-AD6C-D64A9AA8E0A4}"/>
               </a:ext>
             </a:extLst>
           </p:cNvPr>
@@ -10215,7 +9859,7 @@
     </p:spTree>
     <p:extLst>
       <p:ext uri="{BB962C8B-B14F-4D97-AF65-F5344CB8AC3E}">
-        <p14:creationId xmlns:p14="http://schemas.microsoft.com/office/powerpoint/2010/main" val="1845596787"/>
+        <p14:creationId xmlns:p14="http://schemas.microsoft.com/office/powerpoint/2010/main" val="570050378"/>
       </p:ext>
     </p:extLst>
   </p:cSld>
@@ -10244,7 +9888,7 @@
       </p:grpSpPr>
       <p:sp>
         <p:nvSpPr>
-          <p:cNvPr id="2" name="Title 1"/>
+          <p:cNvPr id="3" name="Title 2"/>
           <p:cNvSpPr>
             <a:spLocks noGrp="1"/>
           </p:cNvSpPr>
@@ -10254,143 +9898,98 @@
         </p:nvSpPr>
         <p:spPr>
           <a:xfrm>
-            <a:off x="3124200" y="0"/>
-            <a:ext cx="4396273" cy="577267"/>
-          </a:xfrm>
-        </p:spPr>
-        <p:txBody>
-          <a:bodyPr>
-            <a:normAutofit fontScale="90000"/>
-          </a:bodyPr>
-          <a:lstStyle/>
-          <a:p>
-            <a:r>
-              <a:rPr lang="en-US" dirty="0"/>
-              <a:t>Two-Way Binding</a:t>
-            </a:r>
-          </a:p>
-        </p:txBody>
-      </p:sp>
-      <p:sp>
-        <p:nvSpPr>
-          <p:cNvPr id="15" name="Rectangle 14"/>
-          <p:cNvSpPr/>
+            <a:off x="3170853" y="-104582"/>
+            <a:ext cx="5829298" cy="791871"/>
+          </a:xfrm>
+        </p:spPr>
+        <p:txBody>
+          <a:bodyPr/>
+          <a:lstStyle/>
+          <a:p>
+            <a:r>
+              <a:rPr lang="en-US" b="1" dirty="0">
+                <a:solidFill>
+                  <a:schemeClr val="bg1"/>
+                </a:solidFill>
+              </a:rPr>
+              <a:t>Practice – HelloAngular</a:t>
+            </a:r>
+          </a:p>
+        </p:txBody>
+      </p:sp>
+      <p:pic>
+        <p:nvPicPr>
+          <p:cNvPr id="7" name="Picture 6"/>
+          <p:cNvPicPr>
+            <a:picLocks noChangeAspect="1"/>
+          </p:cNvPicPr>
           <p:nvPr/>
-        </p:nvSpPr>
-        <p:spPr>
-          <a:xfrm>
-            <a:off x="1981200" y="1143001"/>
-            <a:ext cx="8229600" cy="2985433"/>
+        </p:nvPicPr>
+        <p:blipFill>
+          <a:blip r:embed="rId3" cstate="print">
+            <a:extLst>
+              <a:ext uri="{28A0092B-C50C-407E-A947-70E740481C1C}">
+                <a14:useLocalDpi xmlns:a14="http://schemas.microsoft.com/office/drawing/2010/main" val="0"/>
+              </a:ext>
+            </a:extLst>
+          </a:blip>
+          <a:stretch>
+            <a:fillRect/>
+          </a:stretch>
+        </p:blipFill>
+        <p:spPr>
+          <a:xfrm>
+            <a:off x="205641" y="1003132"/>
+            <a:ext cx="1589293" cy="1589293"/>
           </a:xfrm>
           <a:prstGeom prst="rect">
             <a:avLst/>
           </a:prstGeom>
         </p:spPr>
-        <p:txBody>
-          <a:bodyPr wrap="square">
-            <a:spAutoFit/>
-          </a:bodyPr>
-          <a:lstStyle/>
-          <a:p>
-            <a:pPr marL="285750" indent="-285750">
-              <a:buFont typeface="Arial" panose="020B0604020202020204" pitchFamily="34" charset="0"/>
-              <a:buChar char="•"/>
-            </a:pPr>
-            <a:r>
-              <a:rPr lang="en-US" dirty="0">
-                <a:latin typeface="Arial" panose="020B0604020202020204" pitchFamily="34" charset="0"/>
-                <a:cs typeface="Arial" panose="020B0604020202020204" pitchFamily="34" charset="0"/>
-              </a:rPr>
-              <a:t>Two-way data binding combines the input and output binding into a single notation using the ngModel directive.</a:t>
-            </a:r>
-          </a:p>
-          <a:p>
-            <a:pPr marL="285750" indent="-285750">
-              <a:buFont typeface="Arial" panose="020B0604020202020204" pitchFamily="34" charset="0"/>
-              <a:buChar char="•"/>
-            </a:pPr>
-            <a:endParaRPr lang="en-US" dirty="0">
-              <a:latin typeface="Arial" panose="020B0604020202020204" pitchFamily="34" charset="0"/>
-              <a:cs typeface="Arial" panose="020B0604020202020204" pitchFamily="34" charset="0"/>
-            </a:endParaRPr>
-          </a:p>
-          <a:p>
-            <a:pPr marL="285750" indent="-285750">
-              <a:buFont typeface="Arial" panose="020B0604020202020204" pitchFamily="34" charset="0"/>
-              <a:buChar char="•"/>
-            </a:pPr>
-            <a:r>
-              <a:rPr lang="en-US" dirty="0">
-                <a:latin typeface="Arial" panose="020B0604020202020204" pitchFamily="34" charset="0"/>
-                <a:cs typeface="Arial" panose="020B0604020202020204" pitchFamily="34" charset="0"/>
-              </a:rPr>
-              <a:t>The following statement:</a:t>
-            </a:r>
-          </a:p>
-          <a:p>
-            <a:pPr marL="285750" indent="-285750">
-              <a:buFont typeface="Arial" panose="020B0604020202020204" pitchFamily="34" charset="0"/>
-              <a:buChar char="•"/>
-            </a:pPr>
-            <a:endParaRPr lang="en-US" sz="2000" dirty="0"/>
-          </a:p>
-          <a:p>
-            <a:pPr marL="285750" indent="-285750">
-              <a:buFont typeface="Arial" panose="020B0604020202020204" pitchFamily="34" charset="0"/>
-              <a:buChar char="•"/>
-            </a:pPr>
-            <a:endParaRPr lang="en-US" sz="2000" dirty="0"/>
-          </a:p>
-          <a:p>
-            <a:r>
-              <a:rPr lang="en-US" dirty="0">
-                <a:latin typeface="Arial" panose="020B0604020202020204" pitchFamily="34" charset="0"/>
-                <a:cs typeface="Arial" panose="020B0604020202020204" pitchFamily="34" charset="0"/>
-              </a:rPr>
-              <a:t>    is the same as:</a:t>
-            </a:r>
-          </a:p>
-          <a:p>
-            <a:endParaRPr lang="en-US" sz="2000" dirty="0"/>
-          </a:p>
-          <a:p>
-            <a:endParaRPr lang="en-US" sz="2000" dirty="0"/>
-          </a:p>
-          <a:p>
-            <a:pPr marL="342900" indent="-342900">
-              <a:buFont typeface="Arial" panose="020B0604020202020204" pitchFamily="34" charset="0"/>
-              <a:buChar char="•"/>
-            </a:pPr>
-            <a:endParaRPr lang="en-US" dirty="0">
-              <a:solidFill>
-                <a:srgbClr val="FF66FF"/>
-              </a:solidFill>
-              <a:latin typeface="Arial" panose="020B0604020202020204" pitchFamily="34" charset="0"/>
-              <a:cs typeface="Arial" panose="020B0604020202020204" pitchFamily="34" charset="0"/>
-            </a:endParaRPr>
-          </a:p>
-        </p:txBody>
-      </p:sp>
-      <p:sp>
-        <p:nvSpPr>
-          <p:cNvPr id="4" name="TextBox 3"/>
+      </p:pic>
+      <p:sp>
+        <p:nvSpPr>
+          <p:cNvPr id="8" name="Footer Placeholder 1"/>
+          <p:cNvSpPr>
+            <a:spLocks noGrp="1"/>
+          </p:cNvSpPr>
+          <p:nvPr>
+            <p:ph type="ftr" sz="quarter" idx="11"/>
+          </p:nvPr>
+        </p:nvSpPr>
+        <p:spPr>
+          <a:xfrm>
+            <a:off x="176827" y="6490977"/>
+            <a:ext cx="1371600" cy="228600"/>
+          </a:xfrm>
+        </p:spPr>
+        <p:txBody>
+          <a:bodyPr/>
+          <a:lstStyle/>
+          <a:p>
+            <a:r>
+              <a:rPr lang="en-US"/>
+              <a:t>© Cognizant 2019</a:t>
+            </a:r>
+            <a:endParaRPr lang="en-US" dirty="0"/>
+          </a:p>
+        </p:txBody>
+      </p:sp>
+      <p:sp>
+        <p:nvSpPr>
+          <p:cNvPr id="2" name="TextBox 1"/>
           <p:cNvSpPr txBox="1"/>
           <p:nvPr/>
         </p:nvSpPr>
         <p:spPr>
           <a:xfrm>
-            <a:off x="2365248" y="2435424"/>
-            <a:ext cx="7562088" cy="369332"/>
+            <a:off x="2021501" y="858056"/>
+            <a:ext cx="9809254" cy="6740307"/>
           </a:xfrm>
           <a:prstGeom prst="rect">
             <a:avLst/>
           </a:prstGeom>
-          <a:solidFill>
-            <a:schemeClr val="tx1"/>
-          </a:solidFill>
-          <a:ln>
-            <a:noFill/>
-          </a:ln>
+          <a:noFill/>
         </p:spPr>
         <p:txBody>
           <a:bodyPr wrap="square" rtlCol="0">
@@ -10399,114 +9998,262 @@
           <a:lstStyle/>
           <a:p>
             <a:r>
-              <a:rPr lang="en-US" dirty="0">
-                <a:solidFill>
-                  <a:schemeClr val="bg1"/>
-                </a:solidFill>
-                <a:latin typeface="Courier New" panose="02070309020205020404" pitchFamily="49" charset="0"/>
-                <a:cs typeface="Courier New" panose="02070309020205020404" pitchFamily="49" charset="0"/>
-              </a:rPr>
-              <a:t>&lt;input [(ngModel)]="name"&gt;</a:t>
-            </a:r>
-          </a:p>
-        </p:txBody>
-      </p:sp>
-      <p:sp>
-        <p:nvSpPr>
-          <p:cNvPr id="7" name="TextBox 6"/>
-          <p:cNvSpPr txBox="1"/>
+              <a:rPr lang="en-US" dirty="0"/>
+              <a:t>Two-Way Binding Practice:</a:t>
+            </a:r>
+          </a:p>
+          <a:p>
+            <a:pPr marL="342900" indent="-342900">
+              <a:buFont typeface="+mj-lt"/>
+              <a:buAutoNum type="arabicPeriod"/>
+            </a:pPr>
+            <a:r>
+              <a:rPr lang="en-US" dirty="0"/>
+              <a:t>Add an input element to app.component.html with a binding to ‘myColor’</a:t>
+            </a:r>
+          </a:p>
+          <a:p>
+            <a:pPr marL="342900" indent="-342900">
+              <a:buFont typeface="+mj-lt"/>
+              <a:buAutoNum type="arabicPeriod"/>
+            </a:pPr>
+            <a:endParaRPr lang="en-US" dirty="0"/>
+          </a:p>
+          <a:p>
+            <a:pPr marL="342900" indent="-342900">
+              <a:buFont typeface="+mj-lt"/>
+              <a:buAutoNum type="arabicPeriod"/>
+            </a:pPr>
+            <a:endParaRPr lang="en-US" dirty="0"/>
+          </a:p>
+          <a:p>
+            <a:pPr marL="342900" indent="-342900">
+              <a:buFont typeface="+mj-lt"/>
+              <a:buAutoNum type="arabicPeriod"/>
+            </a:pPr>
+            <a:r>
+              <a:rPr lang="en-US" dirty="0"/>
+              <a:t>In order for Two-Way binding to work, FormsModule must be imported in app.module.ts</a:t>
+            </a:r>
+          </a:p>
+          <a:p>
+            <a:pPr marL="342900" indent="-342900">
+              <a:buFont typeface="+mj-lt"/>
+              <a:buAutoNum type="arabicPeriod"/>
+            </a:pPr>
+            <a:endParaRPr lang="en-US" dirty="0"/>
+          </a:p>
+          <a:p>
+            <a:pPr marL="342900" indent="-342900">
+              <a:buFont typeface="+mj-lt"/>
+              <a:buAutoNum type="arabicPeriod"/>
+            </a:pPr>
+            <a:endParaRPr lang="en-US" dirty="0"/>
+          </a:p>
+          <a:p>
+            <a:pPr marL="342900" indent="-342900">
+              <a:buFont typeface="+mj-lt"/>
+              <a:buAutoNum type="arabicPeriod"/>
+            </a:pPr>
+            <a:endParaRPr lang="en-US" dirty="0"/>
+          </a:p>
+          <a:p>
+            <a:pPr marL="342900" indent="-342900">
+              <a:buFont typeface="+mj-lt"/>
+              <a:buAutoNum type="arabicPeriod"/>
+            </a:pPr>
+            <a:endParaRPr lang="en-US" dirty="0"/>
+          </a:p>
+          <a:p>
+            <a:pPr marL="342900" indent="-342900">
+              <a:buFont typeface="+mj-lt"/>
+              <a:buAutoNum type="arabicPeriod"/>
+            </a:pPr>
+            <a:endParaRPr lang="en-US" dirty="0"/>
+          </a:p>
+          <a:p>
+            <a:pPr marL="342900" indent="-342900">
+              <a:buFont typeface="+mj-lt"/>
+              <a:buAutoNum type="arabicPeriod"/>
+            </a:pPr>
+            <a:endParaRPr lang="en-US" dirty="0"/>
+          </a:p>
+          <a:p>
+            <a:pPr marL="342900" indent="-342900">
+              <a:buFont typeface="+mj-lt"/>
+              <a:buAutoNum type="arabicPeriod"/>
+            </a:pPr>
+            <a:endParaRPr lang="en-US" dirty="0"/>
+          </a:p>
+          <a:p>
+            <a:pPr marL="342900" indent="-342900">
+              <a:buFont typeface="+mj-lt"/>
+              <a:buAutoNum type="arabicPeriod"/>
+            </a:pPr>
+            <a:endParaRPr lang="en-US" dirty="0"/>
+          </a:p>
+          <a:p>
+            <a:pPr marL="342900" indent="-342900">
+              <a:buFont typeface="+mj-lt"/>
+              <a:buAutoNum type="arabicPeriod"/>
+            </a:pPr>
+            <a:endParaRPr lang="en-US" dirty="0"/>
+          </a:p>
+          <a:p>
+            <a:pPr marL="342900" indent="-342900">
+              <a:buFont typeface="+mj-lt"/>
+              <a:buAutoNum type="arabicPeriod"/>
+            </a:pPr>
+            <a:endParaRPr lang="en-US" dirty="0"/>
+          </a:p>
+          <a:p>
+            <a:pPr marL="342900" indent="-342900">
+              <a:buFont typeface="+mj-lt"/>
+              <a:buAutoNum type="arabicPeriod"/>
+            </a:pPr>
+            <a:endParaRPr lang="en-US" dirty="0"/>
+          </a:p>
+          <a:p>
+            <a:pPr marL="342900" indent="-342900">
+              <a:buFont typeface="+mj-lt"/>
+              <a:buAutoNum type="arabicPeriod"/>
+            </a:pPr>
+            <a:endParaRPr lang="en-US" dirty="0"/>
+          </a:p>
+          <a:p>
+            <a:pPr marL="342900" indent="-342900">
+              <a:buFont typeface="+mj-lt"/>
+              <a:buAutoNum type="arabicPeriod"/>
+            </a:pPr>
+            <a:endParaRPr lang="en-US" dirty="0"/>
+          </a:p>
+          <a:p>
+            <a:pPr marL="342900" indent="-342900">
+              <a:buFont typeface="+mj-lt"/>
+              <a:buAutoNum type="arabicPeriod"/>
+            </a:pPr>
+            <a:r>
+              <a:rPr lang="en-US" dirty="0"/>
+              <a:t>Type color names into the new textbox and verify that the color of the h2 element changes</a:t>
+            </a:r>
+          </a:p>
+          <a:p>
+            <a:pPr marL="342900" indent="-342900">
+              <a:buFont typeface="+mj-lt"/>
+              <a:buAutoNum type="arabicPeriod"/>
+            </a:pPr>
+            <a:endParaRPr lang="en-US" dirty="0"/>
+          </a:p>
+          <a:p>
+            <a:pPr marL="342900" indent="-342900">
+              <a:buFont typeface="+mj-lt"/>
+              <a:buAutoNum type="arabicPeriod"/>
+            </a:pPr>
+            <a:endParaRPr lang="en-US" dirty="0"/>
+          </a:p>
+          <a:p>
+            <a:pPr marL="342900" indent="-342900">
+              <a:buFont typeface="+mj-lt"/>
+              <a:buAutoNum type="arabicPeriod"/>
+            </a:pPr>
+            <a:endParaRPr lang="en-US" dirty="0"/>
+          </a:p>
+          <a:p>
+            <a:pPr marL="342900" indent="-342900">
+              <a:buFont typeface="+mj-lt"/>
+              <a:buAutoNum type="arabicPeriod"/>
+            </a:pPr>
+            <a:endParaRPr lang="en-US" dirty="0"/>
+          </a:p>
+          <a:p>
+            <a:pPr marL="342900" indent="-342900">
+              <a:buFont typeface="+mj-lt"/>
+              <a:buAutoNum type="arabicPeriod"/>
+            </a:pPr>
+            <a:endParaRPr lang="en-US" dirty="0"/>
+          </a:p>
+        </p:txBody>
+      </p:sp>
+      <p:pic>
+        <p:nvPicPr>
+          <p:cNvPr id="4" name="Picture 3"/>
+          <p:cNvPicPr>
+            <a:picLocks noChangeAspect="1"/>
+          </p:cNvPicPr>
           <p:nvPr/>
-        </p:nvSpPr>
-        <p:spPr>
-          <a:xfrm>
-            <a:off x="2365248" y="3426024"/>
-            <a:ext cx="7562088" cy="369332"/>
+        </p:nvPicPr>
+        <p:blipFill>
+          <a:blip r:embed="rId4"/>
+          <a:stretch>
+            <a:fillRect/>
+          </a:stretch>
+        </p:blipFill>
+        <p:spPr>
+          <a:xfrm>
+            <a:off x="2446952" y="1515790"/>
+            <a:ext cx="3819525" cy="314325"/>
           </a:xfrm>
           <a:prstGeom prst="rect">
             <a:avLst/>
           </a:prstGeom>
-          <a:solidFill>
-            <a:schemeClr val="tx1"/>
-          </a:solidFill>
-          <a:ln>
-            <a:noFill/>
-          </a:ln>
-        </p:spPr>
-        <p:txBody>
-          <a:bodyPr wrap="square" rtlCol="0">
-            <a:spAutoFit/>
-          </a:bodyPr>
-          <a:lstStyle/>
-          <a:p>
-            <a:r>
-              <a:rPr lang="en-US" dirty="0">
-                <a:solidFill>
-                  <a:schemeClr val="bg1"/>
-                </a:solidFill>
-                <a:latin typeface="Courier New" panose="02070309020205020404" pitchFamily="49" charset="0"/>
-                <a:cs typeface="Courier New" panose="02070309020205020404" pitchFamily="49" charset="0"/>
-              </a:rPr>
-              <a:t>&lt;input [ngModel]="name" (ngModelChange)="name=$event"&gt;</a:t>
-            </a:r>
-          </a:p>
-        </p:txBody>
-      </p:sp>
-      <p:sp>
-        <p:nvSpPr>
-          <p:cNvPr id="6" name="Footer Placeholder 1"/>
-          <p:cNvSpPr>
-            <a:spLocks noGrp="1"/>
-          </p:cNvSpPr>
-          <p:nvPr>
-            <p:ph type="ftr" sz="quarter" idx="11"/>
-          </p:nvPr>
-        </p:nvSpPr>
-        <p:spPr>
-          <a:xfrm>
-            <a:off x="1531257" y="6553200"/>
-            <a:ext cx="1371600" cy="228600"/>
-          </a:xfrm>
-        </p:spPr>
+        </p:spPr>
+      </p:pic>
+      <p:pic>
+        <p:nvPicPr>
+          <p:cNvPr id="6" name="Picture 5"/>
+          <p:cNvPicPr>
+            <a:picLocks noChangeAspect="1"/>
+          </p:cNvPicPr>
+          <p:nvPr/>
+        </p:nvPicPr>
+        <p:blipFill rotWithShape="1">
+          <a:blip r:embed="rId5"/>
+          <a:srcRect b="15811"/>
+          <a:stretch/>
+        </p:blipFill>
+        <p:spPr>
+          <a:xfrm>
+            <a:off x="2485222" y="2347221"/>
+            <a:ext cx="4793215" cy="3419596"/>
+          </a:xfrm>
+          <a:prstGeom prst="rect">
+            <a:avLst/>
+          </a:prstGeom>
+        </p:spPr>
+      </p:pic>
+      <p:sp>
+        <p:nvSpPr>
+          <p:cNvPr id="5" name="Slide Number Placeholder 4">
+            <a:extLst>
+              <a:ext uri="{FF2B5EF4-FFF2-40B4-BE49-F238E27FC236}">
+                <a16:creationId xmlns:a16="http://schemas.microsoft.com/office/drawing/2014/main" id="{303D2D4E-47EB-47E4-88F7-0FC62C4BD7D6}"/>
+              </a:ext>
+            </a:extLst>
+          </p:cNvPr>
+          <p:cNvSpPr>
+            <a:spLocks noGrp="1"/>
+          </p:cNvSpPr>
+          <p:nvPr>
+            <p:ph type="sldNum" sz="quarter" idx="12"/>
+          </p:nvPr>
+        </p:nvSpPr>
+        <p:spPr/>
         <p:txBody>
           <a:bodyPr/>
           <a:lstStyle/>
           <a:p>
-            <a:r>
-              <a:rPr lang="en-US"/>
-              <a:t>© Cognizant 2019</a:t>
-            </a:r>
-            <a:endParaRPr lang="en-US" dirty="0"/>
-          </a:p>
-        </p:txBody>
-      </p:sp>
-      <p:sp>
-        <p:nvSpPr>
-          <p:cNvPr id="3" name="Slide Number Placeholder 2"/>
-          <p:cNvSpPr>
-            <a:spLocks noGrp="1"/>
-          </p:cNvSpPr>
-          <p:nvPr>
-            <p:ph type="sldNum" sz="quarter" idx="12"/>
-          </p:nvPr>
-        </p:nvSpPr>
-        <p:spPr/>
-        <p:txBody>
-          <a:bodyPr/>
-          <a:lstStyle/>
-          <a:p>
-            <a:fld id="{E7AF38FF-B38D-4060-8B8D-2D16AAFBAAC1}" type="slidenum">
+            <a:fld id="{8430ED8F-F4BA-4C5B-9498-F896284E1CAD}" type="slidenum">
               <a:rPr lang="en-US" smtClean="0"/>
-              <a:pPr/>
               <a:t>23</a:t>
             </a:fld>
-            <a:endParaRPr lang="en-US" dirty="0"/>
+            <a:endParaRPr lang="en-US"/>
           </a:p>
         </p:txBody>
       </p:sp>
     </p:spTree>
     <p:extLst>
       <p:ext uri="{BB962C8B-B14F-4D97-AF65-F5344CB8AC3E}">
-        <p14:creationId xmlns:p14="http://schemas.microsoft.com/office/powerpoint/2010/main" val="4131055893"/>
+        <p14:creationId xmlns:p14="http://schemas.microsoft.com/office/powerpoint/2010/main" val="953311900"/>
       </p:ext>
     </p:extLst>
   </p:cSld>
@@ -10545,782 +10292,6 @@
         </p:nvSpPr>
         <p:spPr>
           <a:xfrm>
-            <a:off x="3170853" y="-104582"/>
-            <a:ext cx="5829298" cy="791871"/>
-          </a:xfrm>
-        </p:spPr>
-        <p:txBody>
-          <a:bodyPr/>
-          <a:lstStyle/>
-          <a:p>
-            <a:r>
-              <a:rPr lang="en-US" b="1" dirty="0">
-                <a:solidFill>
-                  <a:schemeClr val="bg1"/>
-                </a:solidFill>
-              </a:rPr>
-              <a:t>Practice – HelloAngular</a:t>
-            </a:r>
-          </a:p>
-        </p:txBody>
-      </p:sp>
-      <p:pic>
-        <p:nvPicPr>
-          <p:cNvPr id="7" name="Picture 6"/>
-          <p:cNvPicPr>
-            <a:picLocks noChangeAspect="1"/>
-          </p:cNvPicPr>
-          <p:nvPr/>
-        </p:nvPicPr>
-        <p:blipFill>
-          <a:blip r:embed="rId3" cstate="print">
-            <a:extLst>
-              <a:ext uri="{28A0092B-C50C-407E-A947-70E740481C1C}">
-                <a14:useLocalDpi xmlns:a14="http://schemas.microsoft.com/office/drawing/2010/main" val="0"/>
-              </a:ext>
-            </a:extLst>
-          </a:blip>
-          <a:stretch>
-            <a:fillRect/>
-          </a:stretch>
-        </p:blipFill>
-        <p:spPr>
-          <a:xfrm>
-            <a:off x="205641" y="1003132"/>
-            <a:ext cx="1589293" cy="1589293"/>
-          </a:xfrm>
-          <a:prstGeom prst="rect">
-            <a:avLst/>
-          </a:prstGeom>
-        </p:spPr>
-      </p:pic>
-      <p:sp>
-        <p:nvSpPr>
-          <p:cNvPr id="8" name="Footer Placeholder 1"/>
-          <p:cNvSpPr>
-            <a:spLocks noGrp="1"/>
-          </p:cNvSpPr>
-          <p:nvPr>
-            <p:ph type="ftr" sz="quarter" idx="11"/>
-          </p:nvPr>
-        </p:nvSpPr>
-        <p:spPr>
-          <a:xfrm>
-            <a:off x="176827" y="6490977"/>
-            <a:ext cx="1371600" cy="228600"/>
-          </a:xfrm>
-        </p:spPr>
-        <p:txBody>
-          <a:bodyPr/>
-          <a:lstStyle/>
-          <a:p>
-            <a:r>
-              <a:rPr lang="en-US"/>
-              <a:t>© Cognizant 2019</a:t>
-            </a:r>
-            <a:endParaRPr lang="en-US" dirty="0"/>
-          </a:p>
-        </p:txBody>
-      </p:sp>
-      <p:sp>
-        <p:nvSpPr>
-          <p:cNvPr id="2" name="TextBox 1"/>
-          <p:cNvSpPr txBox="1"/>
-          <p:nvPr/>
-        </p:nvSpPr>
-        <p:spPr>
-          <a:xfrm>
-            <a:off x="2021501" y="858056"/>
-            <a:ext cx="9809254" cy="4801314"/>
-          </a:xfrm>
-          <a:prstGeom prst="rect">
-            <a:avLst/>
-          </a:prstGeom>
-          <a:noFill/>
-        </p:spPr>
-        <p:txBody>
-          <a:bodyPr wrap="square" rtlCol="0">
-            <a:spAutoFit/>
-          </a:bodyPr>
-          <a:lstStyle/>
-          <a:p>
-            <a:r>
-              <a:rPr lang="en-US" dirty="0"/>
-              <a:t>Property Binding Practice:</a:t>
-            </a:r>
-          </a:p>
-          <a:p>
-            <a:pPr marL="342900" indent="-342900">
-              <a:buFont typeface="+mj-lt"/>
-              <a:buAutoNum type="arabicPeriod"/>
-            </a:pPr>
-            <a:r>
-              <a:rPr lang="en-US" dirty="0"/>
-              <a:t>Add [style.color]=‘myColor’ property binding to the h2 element in app.component.html</a:t>
-            </a:r>
-          </a:p>
-          <a:p>
-            <a:pPr marL="342900" indent="-342900">
-              <a:buFont typeface="+mj-lt"/>
-              <a:buAutoNum type="arabicPeriod"/>
-            </a:pPr>
-            <a:endParaRPr lang="en-US" dirty="0"/>
-          </a:p>
-          <a:p>
-            <a:pPr marL="342900" indent="-342900">
-              <a:buFont typeface="+mj-lt"/>
-              <a:buAutoNum type="arabicPeriod"/>
-            </a:pPr>
-            <a:endParaRPr lang="en-US" dirty="0"/>
-          </a:p>
-          <a:p>
-            <a:pPr marL="342900" indent="-342900">
-              <a:buFont typeface="+mj-lt"/>
-              <a:buAutoNum type="arabicPeriod"/>
-            </a:pPr>
-            <a:r>
-              <a:rPr lang="en-US" dirty="0"/>
-              <a:t>Add myColor property to app.component.ts.  Make it a string type and assign it a literal that is your favorite color.  Verify that the h2 color changed in your app (it should be served to observe this )</a:t>
-            </a:r>
-          </a:p>
-          <a:p>
-            <a:pPr marL="342900" indent="-342900">
-              <a:buFont typeface="+mj-lt"/>
-              <a:buAutoNum type="arabicPeriod"/>
-            </a:pPr>
-            <a:endParaRPr lang="en-US" dirty="0"/>
-          </a:p>
-          <a:p>
-            <a:pPr marL="342900" indent="-342900">
-              <a:buFont typeface="+mj-lt"/>
-              <a:buAutoNum type="arabicPeriod"/>
-            </a:pPr>
-            <a:endParaRPr lang="en-US" dirty="0"/>
-          </a:p>
-          <a:p>
-            <a:pPr marL="342900" indent="-342900">
-              <a:buFont typeface="+mj-lt"/>
-              <a:buAutoNum type="arabicPeriod"/>
-            </a:pPr>
-            <a:endParaRPr lang="en-US" dirty="0"/>
-          </a:p>
-          <a:p>
-            <a:pPr marL="342900" indent="-342900">
-              <a:buFont typeface="+mj-lt"/>
-              <a:buAutoNum type="arabicPeriod"/>
-            </a:pPr>
-            <a:endParaRPr lang="en-US" dirty="0"/>
-          </a:p>
-          <a:p>
-            <a:pPr marL="342900" indent="-342900">
-              <a:buFont typeface="+mj-lt"/>
-              <a:buAutoNum type="arabicPeriod"/>
-            </a:pPr>
-            <a:endParaRPr lang="en-US" dirty="0"/>
-          </a:p>
-          <a:p>
-            <a:r>
-              <a:rPr lang="en-US" dirty="0"/>
-              <a:t>Event Binding Practice:</a:t>
-            </a:r>
-          </a:p>
-          <a:p>
-            <a:pPr marL="342900" indent="-342900">
-              <a:buFont typeface="+mj-lt"/>
-              <a:buAutoNum type="arabicPeriod"/>
-            </a:pPr>
-            <a:r>
-              <a:rPr lang="en-US" dirty="0"/>
-              <a:t>Add a button with a click event that calls a function called “changeColor()”</a:t>
-            </a:r>
-          </a:p>
-          <a:p>
-            <a:pPr marL="342900" indent="-342900">
-              <a:buFont typeface="+mj-lt"/>
-              <a:buAutoNum type="arabicPeriod"/>
-            </a:pPr>
-            <a:endParaRPr lang="en-US" dirty="0"/>
-          </a:p>
-          <a:p>
-            <a:pPr marL="342900" indent="-342900">
-              <a:buFont typeface="+mj-lt"/>
-              <a:buAutoNum type="arabicPeriod"/>
-            </a:pPr>
-            <a:endParaRPr lang="en-US" dirty="0"/>
-          </a:p>
-          <a:p>
-            <a:pPr marL="342900" indent="-342900">
-              <a:buFont typeface="+mj-lt"/>
-              <a:buAutoNum type="arabicPeriod"/>
-            </a:pPr>
-            <a:r>
-              <a:rPr lang="en-US" dirty="0"/>
-              <a:t>Define the function as shown below in app.component.ts.  Verify that clicking the button changes the color.</a:t>
-            </a:r>
-          </a:p>
-        </p:txBody>
-      </p:sp>
-      <p:pic>
-        <p:nvPicPr>
-          <p:cNvPr id="5" name="Picture 4"/>
-          <p:cNvPicPr>
-            <a:picLocks noChangeAspect="1"/>
-          </p:cNvPicPr>
-          <p:nvPr/>
-        </p:nvPicPr>
-        <p:blipFill>
-          <a:blip r:embed="rId4"/>
-          <a:stretch>
-            <a:fillRect/>
-          </a:stretch>
-        </p:blipFill>
-        <p:spPr>
-          <a:xfrm>
-            <a:off x="2474013" y="1581260"/>
-            <a:ext cx="7839075" cy="304800"/>
-          </a:xfrm>
-          <a:prstGeom prst="rect">
-            <a:avLst/>
-          </a:prstGeom>
-        </p:spPr>
-      </p:pic>
-      <p:pic>
-        <p:nvPicPr>
-          <p:cNvPr id="9" name="Picture 8"/>
-          <p:cNvPicPr>
-            <a:picLocks noChangeAspect="1"/>
-          </p:cNvPicPr>
-          <p:nvPr/>
-        </p:nvPicPr>
-        <p:blipFill>
-          <a:blip r:embed="rId5"/>
-          <a:stretch>
-            <a:fillRect/>
-          </a:stretch>
-        </p:blipFill>
-        <p:spPr>
-          <a:xfrm>
-            <a:off x="2496457" y="2609264"/>
-            <a:ext cx="3897094" cy="882361"/>
-          </a:xfrm>
-          <a:prstGeom prst="rect">
-            <a:avLst/>
-          </a:prstGeom>
-        </p:spPr>
-      </p:pic>
-      <p:pic>
-        <p:nvPicPr>
-          <p:cNvPr id="10" name="Picture 9"/>
-          <p:cNvPicPr>
-            <a:picLocks noChangeAspect="1"/>
-          </p:cNvPicPr>
-          <p:nvPr/>
-        </p:nvPicPr>
-        <p:blipFill>
-          <a:blip r:embed="rId6"/>
-          <a:stretch>
-            <a:fillRect/>
-          </a:stretch>
-        </p:blipFill>
-        <p:spPr>
-          <a:xfrm>
-            <a:off x="2496457" y="4490901"/>
-            <a:ext cx="6248400" cy="314325"/>
-          </a:xfrm>
-          <a:prstGeom prst="rect">
-            <a:avLst/>
-          </a:prstGeom>
-        </p:spPr>
-      </p:pic>
-      <p:pic>
-        <p:nvPicPr>
-          <p:cNvPr id="11" name="Picture 10"/>
-          <p:cNvPicPr>
-            <a:picLocks noChangeAspect="1"/>
-          </p:cNvPicPr>
-          <p:nvPr/>
-        </p:nvPicPr>
-        <p:blipFill>
-          <a:blip r:embed="rId7"/>
-          <a:stretch>
-            <a:fillRect/>
-          </a:stretch>
-        </p:blipFill>
-        <p:spPr>
-          <a:xfrm>
-            <a:off x="2446952" y="5633727"/>
-            <a:ext cx="3638550" cy="857250"/>
-          </a:xfrm>
-          <a:prstGeom prst="rect">
-            <a:avLst/>
-          </a:prstGeom>
-        </p:spPr>
-      </p:pic>
-      <p:sp>
-        <p:nvSpPr>
-          <p:cNvPr id="4" name="Slide Number Placeholder 3">
-            <a:extLst>
-              <a:ext uri="{FF2B5EF4-FFF2-40B4-BE49-F238E27FC236}">
-                <a16:creationId xmlns:a16="http://schemas.microsoft.com/office/drawing/2014/main" id="{68FCF349-2F95-4643-AD6C-D64A9AA8E0A4}"/>
-              </a:ext>
-            </a:extLst>
-          </p:cNvPr>
-          <p:cNvSpPr>
-            <a:spLocks noGrp="1"/>
-          </p:cNvSpPr>
-          <p:nvPr>
-            <p:ph type="sldNum" sz="quarter" idx="12"/>
-          </p:nvPr>
-        </p:nvSpPr>
-        <p:spPr/>
-        <p:txBody>
-          <a:bodyPr/>
-          <a:lstStyle/>
-          <a:p>
-            <a:fld id="{8430ED8F-F4BA-4C5B-9498-F896284E1CAD}" type="slidenum">
-              <a:rPr lang="en-US" smtClean="0"/>
-              <a:t>24</a:t>
-            </a:fld>
-            <a:endParaRPr lang="en-US"/>
-          </a:p>
-        </p:txBody>
-      </p:sp>
-    </p:spTree>
-    <p:extLst>
-      <p:ext uri="{BB962C8B-B14F-4D97-AF65-F5344CB8AC3E}">
-        <p14:creationId xmlns:p14="http://schemas.microsoft.com/office/powerpoint/2010/main" val="570050378"/>
-      </p:ext>
-    </p:extLst>
-  </p:cSld>
-  <p:clrMapOvr>
-    <a:masterClrMapping/>
-  </p:clrMapOvr>
-</p:sld>
-</file>
-
-<file path=ppt/slides/slide25.xml><?xml version="1.0" encoding="utf-8"?>
-<p:sld xmlns:a="http://schemas.openxmlformats.org/drawingml/2006/main" xmlns:r="http://schemas.openxmlformats.org/officeDocument/2006/relationships" xmlns:p="http://schemas.openxmlformats.org/presentationml/2006/main">
-  <p:cSld>
-    <p:spTree>
-      <p:nvGrpSpPr>
-        <p:cNvPr id="1" name=""/>
-        <p:cNvGrpSpPr/>
-        <p:nvPr/>
-      </p:nvGrpSpPr>
-      <p:grpSpPr>
-        <a:xfrm>
-          <a:off x="0" y="0"/>
-          <a:ext cx="0" cy="0"/>
-          <a:chOff x="0" y="0"/>
-          <a:chExt cx="0" cy="0"/>
-        </a:xfrm>
-      </p:grpSpPr>
-      <p:sp>
-        <p:nvSpPr>
-          <p:cNvPr id="3" name="Title 2"/>
-          <p:cNvSpPr>
-            <a:spLocks noGrp="1"/>
-          </p:cNvSpPr>
-          <p:nvPr>
-            <p:ph type="title"/>
-          </p:nvPr>
-        </p:nvSpPr>
-        <p:spPr>
-          <a:xfrm>
-            <a:off x="3170853" y="-104582"/>
-            <a:ext cx="5829298" cy="791871"/>
-          </a:xfrm>
-        </p:spPr>
-        <p:txBody>
-          <a:bodyPr/>
-          <a:lstStyle/>
-          <a:p>
-            <a:r>
-              <a:rPr lang="en-US" b="1" dirty="0">
-                <a:solidFill>
-                  <a:schemeClr val="bg1"/>
-                </a:solidFill>
-              </a:rPr>
-              <a:t>Practice – HelloAngular</a:t>
-            </a:r>
-          </a:p>
-        </p:txBody>
-      </p:sp>
-      <p:pic>
-        <p:nvPicPr>
-          <p:cNvPr id="7" name="Picture 6"/>
-          <p:cNvPicPr>
-            <a:picLocks noChangeAspect="1"/>
-          </p:cNvPicPr>
-          <p:nvPr/>
-        </p:nvPicPr>
-        <p:blipFill>
-          <a:blip r:embed="rId3" cstate="print">
-            <a:extLst>
-              <a:ext uri="{28A0092B-C50C-407E-A947-70E740481C1C}">
-                <a14:useLocalDpi xmlns:a14="http://schemas.microsoft.com/office/drawing/2010/main" val="0"/>
-              </a:ext>
-            </a:extLst>
-          </a:blip>
-          <a:stretch>
-            <a:fillRect/>
-          </a:stretch>
-        </p:blipFill>
-        <p:spPr>
-          <a:xfrm>
-            <a:off x="205641" y="1003132"/>
-            <a:ext cx="1589293" cy="1589293"/>
-          </a:xfrm>
-          <a:prstGeom prst="rect">
-            <a:avLst/>
-          </a:prstGeom>
-        </p:spPr>
-      </p:pic>
-      <p:sp>
-        <p:nvSpPr>
-          <p:cNvPr id="8" name="Footer Placeholder 1"/>
-          <p:cNvSpPr>
-            <a:spLocks noGrp="1"/>
-          </p:cNvSpPr>
-          <p:nvPr>
-            <p:ph type="ftr" sz="quarter" idx="11"/>
-          </p:nvPr>
-        </p:nvSpPr>
-        <p:spPr>
-          <a:xfrm>
-            <a:off x="176827" y="6490977"/>
-            <a:ext cx="1371600" cy="228600"/>
-          </a:xfrm>
-        </p:spPr>
-        <p:txBody>
-          <a:bodyPr/>
-          <a:lstStyle/>
-          <a:p>
-            <a:r>
-              <a:rPr lang="en-US"/>
-              <a:t>© Cognizant 2019</a:t>
-            </a:r>
-            <a:endParaRPr lang="en-US" dirty="0"/>
-          </a:p>
-        </p:txBody>
-      </p:sp>
-      <p:sp>
-        <p:nvSpPr>
-          <p:cNvPr id="2" name="TextBox 1"/>
-          <p:cNvSpPr txBox="1"/>
-          <p:nvPr/>
-        </p:nvSpPr>
-        <p:spPr>
-          <a:xfrm>
-            <a:off x="2021501" y="858056"/>
-            <a:ext cx="9809254" cy="6740307"/>
-          </a:xfrm>
-          <a:prstGeom prst="rect">
-            <a:avLst/>
-          </a:prstGeom>
-          <a:noFill/>
-        </p:spPr>
-        <p:txBody>
-          <a:bodyPr wrap="square" rtlCol="0">
-            <a:spAutoFit/>
-          </a:bodyPr>
-          <a:lstStyle/>
-          <a:p>
-            <a:r>
-              <a:rPr lang="en-US" dirty="0"/>
-              <a:t>Two-Way Binding Practice:</a:t>
-            </a:r>
-          </a:p>
-          <a:p>
-            <a:pPr marL="342900" indent="-342900">
-              <a:buFont typeface="+mj-lt"/>
-              <a:buAutoNum type="arabicPeriod"/>
-            </a:pPr>
-            <a:r>
-              <a:rPr lang="en-US" dirty="0"/>
-              <a:t>Add an input element to app.component.html with a binding to ‘myColor’</a:t>
-            </a:r>
-          </a:p>
-          <a:p>
-            <a:pPr marL="342900" indent="-342900">
-              <a:buFont typeface="+mj-lt"/>
-              <a:buAutoNum type="arabicPeriod"/>
-            </a:pPr>
-            <a:endParaRPr lang="en-US" dirty="0"/>
-          </a:p>
-          <a:p>
-            <a:pPr marL="342900" indent="-342900">
-              <a:buFont typeface="+mj-lt"/>
-              <a:buAutoNum type="arabicPeriod"/>
-            </a:pPr>
-            <a:endParaRPr lang="en-US" dirty="0"/>
-          </a:p>
-          <a:p>
-            <a:pPr marL="342900" indent="-342900">
-              <a:buFont typeface="+mj-lt"/>
-              <a:buAutoNum type="arabicPeriod"/>
-            </a:pPr>
-            <a:r>
-              <a:rPr lang="en-US" dirty="0"/>
-              <a:t>In order for Two-Way binding to work, FormsModule must be imported in app.module.ts</a:t>
-            </a:r>
-          </a:p>
-          <a:p>
-            <a:pPr marL="342900" indent="-342900">
-              <a:buFont typeface="+mj-lt"/>
-              <a:buAutoNum type="arabicPeriod"/>
-            </a:pPr>
-            <a:endParaRPr lang="en-US" dirty="0"/>
-          </a:p>
-          <a:p>
-            <a:pPr marL="342900" indent="-342900">
-              <a:buFont typeface="+mj-lt"/>
-              <a:buAutoNum type="arabicPeriod"/>
-            </a:pPr>
-            <a:endParaRPr lang="en-US" dirty="0"/>
-          </a:p>
-          <a:p>
-            <a:pPr marL="342900" indent="-342900">
-              <a:buFont typeface="+mj-lt"/>
-              <a:buAutoNum type="arabicPeriod"/>
-            </a:pPr>
-            <a:endParaRPr lang="en-US" dirty="0"/>
-          </a:p>
-          <a:p>
-            <a:pPr marL="342900" indent="-342900">
-              <a:buFont typeface="+mj-lt"/>
-              <a:buAutoNum type="arabicPeriod"/>
-            </a:pPr>
-            <a:endParaRPr lang="en-US" dirty="0"/>
-          </a:p>
-          <a:p>
-            <a:pPr marL="342900" indent="-342900">
-              <a:buFont typeface="+mj-lt"/>
-              <a:buAutoNum type="arabicPeriod"/>
-            </a:pPr>
-            <a:endParaRPr lang="en-US" dirty="0"/>
-          </a:p>
-          <a:p>
-            <a:pPr marL="342900" indent="-342900">
-              <a:buFont typeface="+mj-lt"/>
-              <a:buAutoNum type="arabicPeriod"/>
-            </a:pPr>
-            <a:endParaRPr lang="en-US" dirty="0"/>
-          </a:p>
-          <a:p>
-            <a:pPr marL="342900" indent="-342900">
-              <a:buFont typeface="+mj-lt"/>
-              <a:buAutoNum type="arabicPeriod"/>
-            </a:pPr>
-            <a:endParaRPr lang="en-US" dirty="0"/>
-          </a:p>
-          <a:p>
-            <a:pPr marL="342900" indent="-342900">
-              <a:buFont typeface="+mj-lt"/>
-              <a:buAutoNum type="arabicPeriod"/>
-            </a:pPr>
-            <a:endParaRPr lang="en-US" dirty="0"/>
-          </a:p>
-          <a:p>
-            <a:pPr marL="342900" indent="-342900">
-              <a:buFont typeface="+mj-lt"/>
-              <a:buAutoNum type="arabicPeriod"/>
-            </a:pPr>
-            <a:endParaRPr lang="en-US" dirty="0"/>
-          </a:p>
-          <a:p>
-            <a:pPr marL="342900" indent="-342900">
-              <a:buFont typeface="+mj-lt"/>
-              <a:buAutoNum type="arabicPeriod"/>
-            </a:pPr>
-            <a:endParaRPr lang="en-US" dirty="0"/>
-          </a:p>
-          <a:p>
-            <a:pPr marL="342900" indent="-342900">
-              <a:buFont typeface="+mj-lt"/>
-              <a:buAutoNum type="arabicPeriod"/>
-            </a:pPr>
-            <a:endParaRPr lang="en-US" dirty="0"/>
-          </a:p>
-          <a:p>
-            <a:pPr marL="342900" indent="-342900">
-              <a:buFont typeface="+mj-lt"/>
-              <a:buAutoNum type="arabicPeriod"/>
-            </a:pPr>
-            <a:endParaRPr lang="en-US" dirty="0"/>
-          </a:p>
-          <a:p>
-            <a:pPr marL="342900" indent="-342900">
-              <a:buFont typeface="+mj-lt"/>
-              <a:buAutoNum type="arabicPeriod"/>
-            </a:pPr>
-            <a:endParaRPr lang="en-US" dirty="0"/>
-          </a:p>
-          <a:p>
-            <a:pPr marL="342900" indent="-342900">
-              <a:buFont typeface="+mj-lt"/>
-              <a:buAutoNum type="arabicPeriod"/>
-            </a:pPr>
-            <a:r>
-              <a:rPr lang="en-US" dirty="0"/>
-              <a:t>Type color names into the new textbox and verify that the color of the h2 element changes</a:t>
-            </a:r>
-          </a:p>
-          <a:p>
-            <a:pPr marL="342900" indent="-342900">
-              <a:buFont typeface="+mj-lt"/>
-              <a:buAutoNum type="arabicPeriod"/>
-            </a:pPr>
-            <a:endParaRPr lang="en-US" dirty="0"/>
-          </a:p>
-          <a:p>
-            <a:pPr marL="342900" indent="-342900">
-              <a:buFont typeface="+mj-lt"/>
-              <a:buAutoNum type="arabicPeriod"/>
-            </a:pPr>
-            <a:endParaRPr lang="en-US" dirty="0"/>
-          </a:p>
-          <a:p>
-            <a:pPr marL="342900" indent="-342900">
-              <a:buFont typeface="+mj-lt"/>
-              <a:buAutoNum type="arabicPeriod"/>
-            </a:pPr>
-            <a:endParaRPr lang="en-US" dirty="0"/>
-          </a:p>
-          <a:p>
-            <a:pPr marL="342900" indent="-342900">
-              <a:buFont typeface="+mj-lt"/>
-              <a:buAutoNum type="arabicPeriod"/>
-            </a:pPr>
-            <a:endParaRPr lang="en-US" dirty="0"/>
-          </a:p>
-          <a:p>
-            <a:pPr marL="342900" indent="-342900">
-              <a:buFont typeface="+mj-lt"/>
-              <a:buAutoNum type="arabicPeriod"/>
-            </a:pPr>
-            <a:endParaRPr lang="en-US" dirty="0"/>
-          </a:p>
-        </p:txBody>
-      </p:sp>
-      <p:pic>
-        <p:nvPicPr>
-          <p:cNvPr id="4" name="Picture 3"/>
-          <p:cNvPicPr>
-            <a:picLocks noChangeAspect="1"/>
-          </p:cNvPicPr>
-          <p:nvPr/>
-        </p:nvPicPr>
-        <p:blipFill>
-          <a:blip r:embed="rId4"/>
-          <a:stretch>
-            <a:fillRect/>
-          </a:stretch>
-        </p:blipFill>
-        <p:spPr>
-          <a:xfrm>
-            <a:off x="2446952" y="1515790"/>
-            <a:ext cx="3819525" cy="314325"/>
-          </a:xfrm>
-          <a:prstGeom prst="rect">
-            <a:avLst/>
-          </a:prstGeom>
-        </p:spPr>
-      </p:pic>
-      <p:pic>
-        <p:nvPicPr>
-          <p:cNvPr id="6" name="Picture 5"/>
-          <p:cNvPicPr>
-            <a:picLocks noChangeAspect="1"/>
-          </p:cNvPicPr>
-          <p:nvPr/>
-        </p:nvPicPr>
-        <p:blipFill rotWithShape="1">
-          <a:blip r:embed="rId5"/>
-          <a:srcRect b="15811"/>
-          <a:stretch/>
-        </p:blipFill>
-        <p:spPr>
-          <a:xfrm>
-            <a:off x="2485222" y="2347221"/>
-            <a:ext cx="4793215" cy="3419596"/>
-          </a:xfrm>
-          <a:prstGeom prst="rect">
-            <a:avLst/>
-          </a:prstGeom>
-        </p:spPr>
-      </p:pic>
-      <p:sp>
-        <p:nvSpPr>
-          <p:cNvPr id="5" name="Slide Number Placeholder 4">
-            <a:extLst>
-              <a:ext uri="{FF2B5EF4-FFF2-40B4-BE49-F238E27FC236}">
-                <a16:creationId xmlns:a16="http://schemas.microsoft.com/office/drawing/2014/main" id="{303D2D4E-47EB-47E4-88F7-0FC62C4BD7D6}"/>
-              </a:ext>
-            </a:extLst>
-          </p:cNvPr>
-          <p:cNvSpPr>
-            <a:spLocks noGrp="1"/>
-          </p:cNvSpPr>
-          <p:nvPr>
-            <p:ph type="sldNum" sz="quarter" idx="12"/>
-          </p:nvPr>
-        </p:nvSpPr>
-        <p:spPr/>
-        <p:txBody>
-          <a:bodyPr/>
-          <a:lstStyle/>
-          <a:p>
-            <a:fld id="{8430ED8F-F4BA-4C5B-9498-F896284E1CAD}" type="slidenum">
-              <a:rPr lang="en-US" smtClean="0"/>
-              <a:t>25</a:t>
-            </a:fld>
-            <a:endParaRPr lang="en-US"/>
-          </a:p>
-        </p:txBody>
-      </p:sp>
-    </p:spTree>
-    <p:extLst>
-      <p:ext uri="{BB962C8B-B14F-4D97-AF65-F5344CB8AC3E}">
-        <p14:creationId xmlns:p14="http://schemas.microsoft.com/office/powerpoint/2010/main" val="953311900"/>
-      </p:ext>
-    </p:extLst>
-  </p:cSld>
-  <p:clrMapOvr>
-    <a:masterClrMapping/>
-  </p:clrMapOvr>
-</p:sld>
-</file>
-
-<file path=ppt/slides/slide26.xml><?xml version="1.0" encoding="utf-8"?>
-<p:sld xmlns:a="http://schemas.openxmlformats.org/drawingml/2006/main" xmlns:r="http://schemas.openxmlformats.org/officeDocument/2006/relationships" xmlns:p="http://schemas.openxmlformats.org/presentationml/2006/main">
-  <p:cSld>
-    <p:spTree>
-      <p:nvGrpSpPr>
-        <p:cNvPr id="1" name=""/>
-        <p:cNvGrpSpPr/>
-        <p:nvPr/>
-      </p:nvGrpSpPr>
-      <p:grpSpPr>
-        <a:xfrm>
-          <a:off x="0" y="0"/>
-          <a:ext cx="0" cy="0"/>
-          <a:chOff x="0" y="0"/>
-          <a:chExt cx="0" cy="0"/>
-        </a:xfrm>
-      </p:grpSpPr>
-      <p:sp>
-        <p:nvSpPr>
-          <p:cNvPr id="3" name="Title 2"/>
-          <p:cNvSpPr>
-            <a:spLocks noGrp="1"/>
-          </p:cNvSpPr>
-          <p:nvPr>
-            <p:ph type="title"/>
-          </p:nvPr>
-        </p:nvSpPr>
-        <p:spPr>
-          <a:xfrm>
             <a:off x="3810000" y="0"/>
             <a:ext cx="6099048" cy="576072"/>
           </a:xfrm>
@@ -11361,7 +10332,7 @@
             <a:fld id="{47ED8886-DB3B-44F4-9A80-E6A224679F20}" type="slidenum">
               <a:rPr lang="en-US" smtClean="0"/>
               <a:pPr algn="r"/>
-              <a:t>26</a:t>
+              <a:t>24</a:t>
             </a:fld>
             <a:endParaRPr lang="en-US" dirty="0"/>
           </a:p>
@@ -11498,7 +10469,7 @@
 </p:sld>
 </file>
 
-<file path=ppt/slides/slide27.xml><?xml version="1.0" encoding="utf-8"?>
+<file path=ppt/slides/slide25.xml><?xml version="1.0" encoding="utf-8"?>
 <p:sld xmlns:a="http://schemas.openxmlformats.org/drawingml/2006/main" xmlns:r="http://schemas.openxmlformats.org/officeDocument/2006/relationships" xmlns:p="http://schemas.openxmlformats.org/presentationml/2006/main">
   <p:cSld>
     <p:spTree>
@@ -11620,7 +10591,7 @@
 </p:sld>
 </file>
 
-<file path=ppt/slides/slide28.xml><?xml version="1.0" encoding="utf-8"?>
+<file path=ppt/slides/slide26.xml><?xml version="1.0" encoding="utf-8"?>
 <p:sld xmlns:a="http://schemas.openxmlformats.org/drawingml/2006/main" xmlns:r="http://schemas.openxmlformats.org/officeDocument/2006/relationships" xmlns:p="http://schemas.openxmlformats.org/presentationml/2006/main">
   <p:cSld>
     <p:spTree>
@@ -11660,7 +10631,7 @@
             <a:fld id="{E7AF38FF-B38D-4060-8B8D-2D16AAFBAAC1}" type="slidenum">
               <a:rPr lang="en-US" smtClean="0"/>
               <a:pPr/>
-              <a:t>28</a:t>
+              <a:t>26</a:t>
             </a:fld>
             <a:endParaRPr lang="en-US" dirty="0"/>
           </a:p>
@@ -14828,6 +13799,15 @@
 </file>
 
 <file path=customXml/item1.xml><?xml version="1.0" encoding="utf-8"?>
+<?mso-contentType ?>
+<FormTemplates xmlns="http://schemas.microsoft.com/sharepoint/v3/contenttype/forms">
+  <Display>DocumentLibraryForm</Display>
+  <Edit>DocumentLibraryForm</Edit>
+  <New>DocumentLibraryForm</New>
+</FormTemplates>
+</file>
+
+<file path=customXml/item2.xml><?xml version="1.0" encoding="utf-8"?>
 <ct:contentTypeSchema xmlns:ct="http://schemas.microsoft.com/office/2006/metadata/contentType" xmlns:ma="http://schemas.microsoft.com/office/2006/metadata/properties/metaAttributes" ct:_="" ma:_="" ma:contentTypeName="Document" ma:contentTypeID="0x010100348CA4AA68F5A649B6FC2B4481499820" ma:contentTypeVersion="0" ma:contentTypeDescription="Create a new document." ma:contentTypeScope="" ma:versionID="b9f06d6c5e6413d5718fbf4634c1f44f">
   <xsd:schema xmlns:xsd="http://www.w3.org/2001/XMLSchema" xmlns:xs="http://www.w3.org/2001/XMLSchema" xmlns:p="http://schemas.microsoft.com/office/2006/metadata/properties" targetNamespace="http://schemas.microsoft.com/office/2006/metadata/properties" ma:root="true" ma:fieldsID="c64490b4aec6201516c3a874156f37b2">
     <xsd:element name="properties">
@@ -14941,22 +13921,21 @@
 </ct:contentTypeSchema>
 </file>
 
-<file path=customXml/item2.xml><?xml version="1.0" encoding="utf-8"?>
+<file path=customXml/item3.xml><?xml version="1.0" encoding="utf-8"?>
 <p:properties xmlns:p="http://schemas.microsoft.com/office/2006/metadata/properties" xmlns:xsi="http://www.w3.org/2001/XMLSchema-instance" xmlns:pc="http://schemas.microsoft.com/office/infopath/2007/PartnerControls">
   <documentManagement/>
 </p:properties>
 </file>
 
-<file path=customXml/item3.xml><?xml version="1.0" encoding="utf-8"?>
-<?mso-contentType ?>
-<FormTemplates xmlns="http://schemas.microsoft.com/sharepoint/v3/contenttype/forms">
-  <Display>DocumentLibraryForm</Display>
-  <Edit>DocumentLibraryForm</Edit>
-  <New>DocumentLibraryForm</New>
-</FormTemplates>
+<file path=customXml/itemProps1.xml><?xml version="1.0" encoding="utf-8"?>
+<ds:datastoreItem xmlns:ds="http://schemas.openxmlformats.org/officeDocument/2006/customXml" ds:itemID="{BFFCC6EC-85D7-4DC5-82B2-48FBAA9091E4}">
+  <ds:schemaRefs>
+    <ds:schemaRef ds:uri="http://schemas.microsoft.com/sharepoint/v3/contenttype/forms"/>
+  </ds:schemaRefs>
+</ds:datastoreItem>
 </file>
 
-<file path=customXml/itemProps1.xml><?xml version="1.0" encoding="utf-8"?>
+<file path=customXml/itemProps2.xml><?xml version="1.0" encoding="utf-8"?>
 <ds:datastoreItem xmlns:ds="http://schemas.openxmlformats.org/officeDocument/2006/customXml" ds:itemID="{B7E06977-26C6-4BD3-9F37-44216CD18778}">
   <ds:schemaRefs>
     <ds:schemaRef ds:uri="http://schemas.microsoft.com/office/2006/metadata/contentType"/>
@@ -14972,7 +13951,7 @@
 </ds:datastoreItem>
 </file>
 
-<file path=customXml/itemProps2.xml><?xml version="1.0" encoding="utf-8"?>
+<file path=customXml/itemProps3.xml><?xml version="1.0" encoding="utf-8"?>
 <ds:datastoreItem xmlns:ds="http://schemas.openxmlformats.org/officeDocument/2006/customXml" ds:itemID="{8FDFBD88-7B16-476B-AF47-AB7BEBA326E3}">
   <ds:schemaRefs>
     <ds:schemaRef ds:uri="http://schemas.microsoft.com/office/infopath/2007/PartnerControls"/>
@@ -14985,12 +13964,4 @@
     <ds:schemaRef ds:uri="http://purl.org/dc/terms/"/>
   </ds:schemaRefs>
 </ds:datastoreItem>
-</file>
-
-<file path=customXml/itemProps3.xml><?xml version="1.0" encoding="utf-8"?>
-<ds:datastoreItem xmlns:ds="http://schemas.openxmlformats.org/officeDocument/2006/customXml" ds:itemID="{BFFCC6EC-85D7-4DC5-82B2-48FBAA9091E4}">
-  <ds:schemaRefs>
-    <ds:schemaRef ds:uri="http://schemas.microsoft.com/sharepoint/v3/contenttype/forms"/>
-  </ds:schemaRefs>
-</ds:datastoreItem>
 </file>